--- a/talks/202510_roulette/Kruppa_Scheetz.pptx
+++ b/talks/202510_roulette/Kruppa_Scheetz.pptx
@@ -6,6 +6,16 @@
   </p:sldMasterIdLst>
   <p:sldIdLst>
     <p:sldId id="266" r:id="rId5"/>
+    <p:sldId id="267" r:id="rId6"/>
+    <p:sldId id="268" r:id="rId7"/>
+    <p:sldId id="276" r:id="rId8"/>
+    <p:sldId id="269" r:id="rId9"/>
+    <p:sldId id="270" r:id="rId10"/>
+    <p:sldId id="271" r:id="rId11"/>
+    <p:sldId id="272" r:id="rId12"/>
+    <p:sldId id="273" r:id="rId13"/>
+    <p:sldId id="274" r:id="rId14"/>
+    <p:sldId id="275" r:id="rId15"/>
   </p:sldIdLst>
   <p:sldSz cx="12192000" cy="6858000"/>
   <p:notesSz cx="6858000" cy="9144000"/>
@@ -259,7 +269,7 @@
           <a:p>
             <a:fld id="{7FA2D9D7-34EC-47D5-AEAE-AF311B3F0586}" type="datetimeFigureOut">
               <a:rPr lang="de-DE" smtClean="0"/>
-              <a:t>06.10.25</a:t>
+              <a:t>11.10.25</a:t>
             </a:fld>
             <a:endParaRPr lang="de-DE"/>
           </a:p>
@@ -457,7 +467,7 @@
           <a:p>
             <a:fld id="{7FA2D9D7-34EC-47D5-AEAE-AF311B3F0586}" type="datetimeFigureOut">
               <a:rPr lang="de-DE" smtClean="0"/>
-              <a:t>06.10.25</a:t>
+              <a:t>11.10.25</a:t>
             </a:fld>
             <a:endParaRPr lang="de-DE"/>
           </a:p>
@@ -665,7 +675,7 @@
           <a:p>
             <a:fld id="{7FA2D9D7-34EC-47D5-AEAE-AF311B3F0586}" type="datetimeFigureOut">
               <a:rPr lang="de-DE" smtClean="0"/>
-              <a:t>06.10.25</a:t>
+              <a:t>11.10.25</a:t>
             </a:fld>
             <a:endParaRPr lang="de-DE"/>
           </a:p>
@@ -863,7 +873,7 @@
           <a:p>
             <a:fld id="{7FA2D9D7-34EC-47D5-AEAE-AF311B3F0586}" type="datetimeFigureOut">
               <a:rPr lang="de-DE" smtClean="0"/>
-              <a:t>06.10.25</a:t>
+              <a:t>11.10.25</a:t>
             </a:fld>
             <a:endParaRPr lang="de-DE"/>
           </a:p>
@@ -1138,7 +1148,7 @@
           <a:p>
             <a:fld id="{7FA2D9D7-34EC-47D5-AEAE-AF311B3F0586}" type="datetimeFigureOut">
               <a:rPr lang="de-DE" smtClean="0"/>
-              <a:t>06.10.25</a:t>
+              <a:t>11.10.25</a:t>
             </a:fld>
             <a:endParaRPr lang="de-DE"/>
           </a:p>
@@ -1403,7 +1413,7 @@
           <a:p>
             <a:fld id="{7FA2D9D7-34EC-47D5-AEAE-AF311B3F0586}" type="datetimeFigureOut">
               <a:rPr lang="de-DE" smtClean="0"/>
-              <a:t>06.10.25</a:t>
+              <a:t>11.10.25</a:t>
             </a:fld>
             <a:endParaRPr lang="de-DE"/>
           </a:p>
@@ -1815,7 +1825,7 @@
           <a:p>
             <a:fld id="{7FA2D9D7-34EC-47D5-AEAE-AF311B3F0586}" type="datetimeFigureOut">
               <a:rPr lang="de-DE" smtClean="0"/>
-              <a:t>06.10.25</a:t>
+              <a:t>11.10.25</a:t>
             </a:fld>
             <a:endParaRPr lang="de-DE"/>
           </a:p>
@@ -1956,7 +1966,7 @@
           <a:p>
             <a:fld id="{7FA2D9D7-34EC-47D5-AEAE-AF311B3F0586}" type="datetimeFigureOut">
               <a:rPr lang="de-DE" smtClean="0"/>
-              <a:t>06.10.25</a:t>
+              <a:t>11.10.25</a:t>
             </a:fld>
             <a:endParaRPr lang="de-DE"/>
           </a:p>
@@ -2069,7 +2079,7 @@
           <a:p>
             <a:fld id="{7FA2D9D7-34EC-47D5-AEAE-AF311B3F0586}" type="datetimeFigureOut">
               <a:rPr lang="de-DE" smtClean="0"/>
-              <a:t>06.10.25</a:t>
+              <a:t>11.10.25</a:t>
             </a:fld>
             <a:endParaRPr lang="de-DE"/>
           </a:p>
@@ -2380,7 +2390,7 @@
           <a:p>
             <a:fld id="{7FA2D9D7-34EC-47D5-AEAE-AF311B3F0586}" type="datetimeFigureOut">
               <a:rPr lang="de-DE" smtClean="0"/>
-              <a:t>06.10.25</a:t>
+              <a:t>11.10.25</a:t>
             </a:fld>
             <a:endParaRPr lang="de-DE"/>
           </a:p>
@@ -2668,7 +2678,7 @@
           <a:p>
             <a:fld id="{7FA2D9D7-34EC-47D5-AEAE-AF311B3F0586}" type="datetimeFigureOut">
               <a:rPr lang="de-DE" smtClean="0"/>
-              <a:t>06.10.25</a:t>
+              <a:t>11.10.25</a:t>
             </a:fld>
             <a:endParaRPr lang="de-DE"/>
           </a:p>
@@ -2909,7 +2919,7 @@
           <a:p>
             <a:fld id="{7FA2D9D7-34EC-47D5-AEAE-AF311B3F0586}" type="datetimeFigureOut">
               <a:rPr lang="de-DE" smtClean="0"/>
-              <a:t>06.10.25</a:t>
+              <a:t>11.10.25</a:t>
             </a:fld>
             <a:endParaRPr lang="de-DE"/>
           </a:p>
@@ -3402,6 +3412,163 @@
         </p:nvSpPr>
         <p:spPr>
           <a:xfrm>
+            <a:off x="4415648" y="1003017"/>
+            <a:ext cx="4418176" cy="2308324"/>
+          </a:xfrm>
+          <a:prstGeom prst="rect">
+            <a:avLst/>
+          </a:prstGeom>
+          <a:noFill/>
+        </p:spPr>
+        <p:txBody>
+          <a:bodyPr wrap="square" rtlCol="0">
+            <a:spAutoFit/>
+          </a:bodyPr>
+          <a:lstStyle/>
+          <a:p>
+            <a:pPr algn="ctr"/>
+            <a:r>
+              <a:rPr lang="de-DE" sz="4400" b="1" dirty="0">
+                <a:solidFill>
+                  <a:schemeClr val="bg1"/>
+                </a:solidFill>
+              </a:rPr>
+              <a:t>Der Fluch des Wissens!</a:t>
+            </a:r>
+          </a:p>
+          <a:p>
+            <a:pPr algn="ctr"/>
+            <a:endParaRPr lang="de-DE" sz="3600" dirty="0">
+              <a:solidFill>
+                <a:schemeClr val="bg1"/>
+              </a:solidFill>
+            </a:endParaRPr>
+          </a:p>
+          <a:p>
+            <a:pPr algn="ctr"/>
+            <a:r>
+              <a:rPr lang="de-DE" sz="2000" dirty="0">
+                <a:solidFill>
+                  <a:schemeClr val="bg1"/>
+                </a:solidFill>
+              </a:rPr>
+              <a:t>Jochen Kruppa-Scheetz</a:t>
+            </a:r>
+          </a:p>
+        </p:txBody>
+      </p:sp>
+    </p:spTree>
+    <p:extLst>
+      <p:ext uri="{BB962C8B-B14F-4D97-AF65-F5344CB8AC3E}">
+        <p14:creationId xmlns:p14="http://schemas.microsoft.com/office/powerpoint/2010/main" val="2765938323"/>
+      </p:ext>
+    </p:extLst>
+  </p:cSld>
+  <p:clrMapOvr>
+    <a:masterClrMapping/>
+  </p:clrMapOvr>
+</p:sld>
+</file>
+
+<file path=ppt/slides/slide10.xml><?xml version="1.0" encoding="utf-8"?>
+<p:sld xmlns:a="http://schemas.openxmlformats.org/drawingml/2006/main" xmlns:r="http://schemas.openxmlformats.org/officeDocument/2006/relationships" xmlns:p="http://schemas.openxmlformats.org/presentationml/2006/main">
+  <p:cSld>
+    <p:bg>
+      <p:bgPr>
+        <a:solidFill>
+          <a:schemeClr val="tx1"/>
+        </a:solidFill>
+        <a:effectLst/>
+      </p:bgPr>
+    </p:bg>
+    <p:spTree>
+      <p:nvGrpSpPr>
+        <p:cNvPr id="1" name="">
+          <a:extLst>
+            <a:ext uri="{FF2B5EF4-FFF2-40B4-BE49-F238E27FC236}">
+              <a16:creationId xmlns:a16="http://schemas.microsoft.com/office/drawing/2014/main" id="{24F61C48-3B3A-A062-B47A-44FE46588882}"/>
+            </a:ext>
+          </a:extLst>
+        </p:cNvPr>
+        <p:cNvGrpSpPr/>
+        <p:nvPr/>
+      </p:nvGrpSpPr>
+      <p:grpSpPr>
+        <a:xfrm>
+          <a:off x="0" y="0"/>
+          <a:ext cx="0" cy="0"/>
+          <a:chOff x="0" y="0"/>
+          <a:chExt cx="0" cy="0"/>
+        </a:xfrm>
+      </p:grpSpPr>
+      <p:sp>
+        <p:nvSpPr>
+          <p:cNvPr id="5" name="Parallelogramm 4">
+            <a:extLst>
+              <a:ext uri="{FF2B5EF4-FFF2-40B4-BE49-F238E27FC236}">
+                <a16:creationId xmlns:a16="http://schemas.microsoft.com/office/drawing/2014/main" id="{CBC5FAFA-6438-7FDF-945A-4BAD993E139B}"/>
+              </a:ext>
+            </a:extLst>
+          </p:cNvPr>
+          <p:cNvSpPr/>
+          <p:nvPr/>
+        </p:nvSpPr>
+        <p:spPr>
+          <a:xfrm flipV="1">
+            <a:off x="2304663" y="-4"/>
+            <a:ext cx="8640146" cy="4068147"/>
+          </a:xfrm>
+          <a:prstGeom prst="parallelogram">
+            <a:avLst>
+              <a:gd name="adj" fmla="val 48341"/>
+            </a:avLst>
+          </a:prstGeom>
+          <a:solidFill>
+            <a:schemeClr val="tx1"/>
+          </a:solidFill>
+          <a:ln w="38100">
+            <a:solidFill>
+              <a:srgbClr val="FFFF00"/>
+            </a:solidFill>
+          </a:ln>
+        </p:spPr>
+        <p:style>
+          <a:lnRef idx="2">
+            <a:schemeClr val="accent6"/>
+          </a:lnRef>
+          <a:fillRef idx="1">
+            <a:schemeClr val="lt1"/>
+          </a:fillRef>
+          <a:effectRef idx="0">
+            <a:schemeClr val="accent6"/>
+          </a:effectRef>
+          <a:fontRef idx="minor">
+            <a:schemeClr val="dk1"/>
+          </a:fontRef>
+        </p:style>
+        <p:txBody>
+          <a:bodyPr rtlCol="0" anchor="ctr"/>
+          <a:lstStyle/>
+          <a:p>
+            <a:pPr algn="ctr"/>
+            <a:endParaRPr lang="de-DE"/>
+          </a:p>
+        </p:txBody>
+      </p:sp>
+      <p:sp>
+        <p:nvSpPr>
+          <p:cNvPr id="2" name="Textfeld 1">
+            <a:extLst>
+              <a:ext uri="{FF2B5EF4-FFF2-40B4-BE49-F238E27FC236}">
+                <a16:creationId xmlns:a16="http://schemas.microsoft.com/office/drawing/2014/main" id="{1444671E-1924-78C9-FBBA-ABCC4CC9336A}"/>
+              </a:ext>
+            </a:extLst>
+          </p:cNvPr>
+          <p:cNvSpPr txBox="1"/>
+          <p:nvPr/>
+        </p:nvSpPr>
+        <p:spPr>
+          <a:xfrm>
             <a:off x="4477996" y="1433904"/>
             <a:ext cx="4418176" cy="1200329"/>
           </a:xfrm>
@@ -3463,7 +3630,2281 @@
     </p:spTree>
     <p:extLst>
       <p:ext uri="{BB962C8B-B14F-4D97-AF65-F5344CB8AC3E}">
-        <p14:creationId xmlns:p14="http://schemas.microsoft.com/office/powerpoint/2010/main" val="2765938323"/>
+        <p14:creationId xmlns:p14="http://schemas.microsoft.com/office/powerpoint/2010/main" val="1180920019"/>
+      </p:ext>
+    </p:extLst>
+  </p:cSld>
+  <p:clrMapOvr>
+    <a:masterClrMapping/>
+  </p:clrMapOvr>
+</p:sld>
+</file>
+
+<file path=ppt/slides/slide11.xml><?xml version="1.0" encoding="utf-8"?>
+<p:sld xmlns:a="http://schemas.openxmlformats.org/drawingml/2006/main" xmlns:r="http://schemas.openxmlformats.org/officeDocument/2006/relationships" xmlns:p="http://schemas.openxmlformats.org/presentationml/2006/main">
+  <p:cSld>
+    <p:bg>
+      <p:bgPr>
+        <a:solidFill>
+          <a:schemeClr val="tx1"/>
+        </a:solidFill>
+        <a:effectLst/>
+      </p:bgPr>
+    </p:bg>
+    <p:spTree>
+      <p:nvGrpSpPr>
+        <p:cNvPr id="1" name="">
+          <a:extLst>
+            <a:ext uri="{FF2B5EF4-FFF2-40B4-BE49-F238E27FC236}">
+              <a16:creationId xmlns:a16="http://schemas.microsoft.com/office/drawing/2014/main" id="{0542C14B-E543-2E8F-63F3-6818E75688C6}"/>
+            </a:ext>
+          </a:extLst>
+        </p:cNvPr>
+        <p:cNvGrpSpPr/>
+        <p:nvPr/>
+      </p:nvGrpSpPr>
+      <p:grpSpPr>
+        <a:xfrm>
+          <a:off x="0" y="0"/>
+          <a:ext cx="0" cy="0"/>
+          <a:chOff x="0" y="0"/>
+          <a:chExt cx="0" cy="0"/>
+        </a:xfrm>
+      </p:grpSpPr>
+      <p:sp>
+        <p:nvSpPr>
+          <p:cNvPr id="5" name="Parallelogramm 4">
+            <a:extLst>
+              <a:ext uri="{FF2B5EF4-FFF2-40B4-BE49-F238E27FC236}">
+                <a16:creationId xmlns:a16="http://schemas.microsoft.com/office/drawing/2014/main" id="{2E168321-2F66-7E8C-5D24-AB7A08A4D042}"/>
+              </a:ext>
+            </a:extLst>
+          </p:cNvPr>
+          <p:cNvSpPr/>
+          <p:nvPr/>
+        </p:nvSpPr>
+        <p:spPr>
+          <a:xfrm flipV="1">
+            <a:off x="2304663" y="-4"/>
+            <a:ext cx="8640146" cy="4068147"/>
+          </a:xfrm>
+          <a:prstGeom prst="parallelogram">
+            <a:avLst>
+              <a:gd name="adj" fmla="val 48341"/>
+            </a:avLst>
+          </a:prstGeom>
+          <a:solidFill>
+            <a:schemeClr val="tx1"/>
+          </a:solidFill>
+          <a:ln w="38100">
+            <a:solidFill>
+              <a:srgbClr val="FFFF00"/>
+            </a:solidFill>
+          </a:ln>
+        </p:spPr>
+        <p:style>
+          <a:lnRef idx="2">
+            <a:schemeClr val="accent6"/>
+          </a:lnRef>
+          <a:fillRef idx="1">
+            <a:schemeClr val="lt1"/>
+          </a:fillRef>
+          <a:effectRef idx="0">
+            <a:schemeClr val="accent6"/>
+          </a:effectRef>
+          <a:fontRef idx="minor">
+            <a:schemeClr val="dk1"/>
+          </a:fontRef>
+        </p:style>
+        <p:txBody>
+          <a:bodyPr rtlCol="0" anchor="ctr"/>
+          <a:lstStyle/>
+          <a:p>
+            <a:pPr algn="ctr"/>
+            <a:endParaRPr lang="de-DE"/>
+          </a:p>
+        </p:txBody>
+      </p:sp>
+      <p:sp>
+        <p:nvSpPr>
+          <p:cNvPr id="2" name="Textfeld 1">
+            <a:extLst>
+              <a:ext uri="{FF2B5EF4-FFF2-40B4-BE49-F238E27FC236}">
+                <a16:creationId xmlns:a16="http://schemas.microsoft.com/office/drawing/2014/main" id="{42551FD0-8AB8-ED9D-5864-413852784356}"/>
+              </a:ext>
+            </a:extLst>
+          </p:cNvPr>
+          <p:cNvSpPr txBox="1"/>
+          <p:nvPr/>
+        </p:nvSpPr>
+        <p:spPr>
+          <a:xfrm>
+            <a:off x="4477996" y="1433904"/>
+            <a:ext cx="4418176" cy="1200329"/>
+          </a:xfrm>
+          <a:prstGeom prst="rect">
+            <a:avLst/>
+          </a:prstGeom>
+          <a:noFill/>
+        </p:spPr>
+        <p:txBody>
+          <a:bodyPr wrap="square" rtlCol="0">
+            <a:spAutoFit/>
+          </a:bodyPr>
+          <a:lstStyle/>
+          <a:p>
+            <a:pPr algn="ctr"/>
+            <a:r>
+              <a:rPr lang="de-DE" dirty="0">
+                <a:solidFill>
+                  <a:schemeClr val="bg1"/>
+                </a:solidFill>
+              </a:rPr>
+              <a:t>Bearbeitungsbereich nur innerhalb </a:t>
+            </a:r>
+            <a:r>
+              <a:rPr lang="de-DE">
+                <a:solidFill>
+                  <a:schemeClr val="bg1"/>
+                </a:solidFill>
+              </a:rPr>
+              <a:t>dieses Parallelogramms </a:t>
+            </a:r>
+            <a:endParaRPr lang="de-DE" dirty="0">
+              <a:solidFill>
+                <a:schemeClr val="bg1"/>
+              </a:solidFill>
+            </a:endParaRPr>
+          </a:p>
+          <a:p>
+            <a:pPr algn="ctr"/>
+            <a:endParaRPr lang="de-DE" dirty="0">
+              <a:solidFill>
+                <a:schemeClr val="bg1"/>
+              </a:solidFill>
+            </a:endParaRPr>
+          </a:p>
+          <a:p>
+            <a:pPr algn="ctr"/>
+            <a:r>
+              <a:rPr lang="de-DE" dirty="0">
+                <a:solidFill>
+                  <a:schemeClr val="bg1"/>
+                </a:solidFill>
+              </a:rPr>
+              <a:t>Schwarzer Hintergrund mit weißer Schrift!</a:t>
+            </a:r>
+          </a:p>
+        </p:txBody>
+      </p:sp>
+    </p:spTree>
+    <p:extLst>
+      <p:ext uri="{BB962C8B-B14F-4D97-AF65-F5344CB8AC3E}">
+        <p14:creationId xmlns:p14="http://schemas.microsoft.com/office/powerpoint/2010/main" val="264742041"/>
+      </p:ext>
+    </p:extLst>
+  </p:cSld>
+  <p:clrMapOvr>
+    <a:masterClrMapping/>
+  </p:clrMapOvr>
+</p:sld>
+</file>
+
+<file path=ppt/slides/slide2.xml><?xml version="1.0" encoding="utf-8"?>
+<p:sld xmlns:a="http://schemas.openxmlformats.org/drawingml/2006/main" xmlns:r="http://schemas.openxmlformats.org/officeDocument/2006/relationships" xmlns:p="http://schemas.openxmlformats.org/presentationml/2006/main">
+  <p:cSld>
+    <p:bg>
+      <p:bgPr>
+        <a:solidFill>
+          <a:schemeClr val="tx1"/>
+        </a:solidFill>
+        <a:effectLst/>
+      </p:bgPr>
+    </p:bg>
+    <p:spTree>
+      <p:nvGrpSpPr>
+        <p:cNvPr id="1" name="">
+          <a:extLst>
+            <a:ext uri="{FF2B5EF4-FFF2-40B4-BE49-F238E27FC236}">
+              <a16:creationId xmlns:a16="http://schemas.microsoft.com/office/drawing/2014/main" id="{CA1452AB-FCD8-6E90-E17C-E1018C6A29CB}"/>
+            </a:ext>
+          </a:extLst>
+        </p:cNvPr>
+        <p:cNvGrpSpPr/>
+        <p:nvPr/>
+      </p:nvGrpSpPr>
+      <p:grpSpPr>
+        <a:xfrm>
+          <a:off x="0" y="0"/>
+          <a:ext cx="0" cy="0"/>
+          <a:chOff x="0" y="0"/>
+          <a:chExt cx="0" cy="0"/>
+        </a:xfrm>
+      </p:grpSpPr>
+      <p:sp>
+        <p:nvSpPr>
+          <p:cNvPr id="5" name="Parallelogramm 4">
+            <a:extLst>
+              <a:ext uri="{FF2B5EF4-FFF2-40B4-BE49-F238E27FC236}">
+                <a16:creationId xmlns:a16="http://schemas.microsoft.com/office/drawing/2014/main" id="{7EC679D8-249D-6AE6-6A4E-94073B0DD6EC}"/>
+              </a:ext>
+            </a:extLst>
+          </p:cNvPr>
+          <p:cNvSpPr/>
+          <p:nvPr/>
+        </p:nvSpPr>
+        <p:spPr>
+          <a:xfrm flipV="1">
+            <a:off x="2314711" y="0"/>
+            <a:ext cx="8640146" cy="4068147"/>
+          </a:xfrm>
+          <a:prstGeom prst="parallelogram">
+            <a:avLst>
+              <a:gd name="adj" fmla="val 48341"/>
+            </a:avLst>
+          </a:prstGeom>
+          <a:solidFill>
+            <a:schemeClr val="tx1"/>
+          </a:solidFill>
+          <a:ln w="38100">
+            <a:solidFill>
+              <a:srgbClr val="FFFF00"/>
+            </a:solidFill>
+          </a:ln>
+        </p:spPr>
+        <p:style>
+          <a:lnRef idx="2">
+            <a:schemeClr val="accent6"/>
+          </a:lnRef>
+          <a:fillRef idx="1">
+            <a:schemeClr val="lt1"/>
+          </a:fillRef>
+          <a:effectRef idx="0">
+            <a:schemeClr val="accent6"/>
+          </a:effectRef>
+          <a:fontRef idx="minor">
+            <a:schemeClr val="dk1"/>
+          </a:fontRef>
+        </p:style>
+        <p:txBody>
+          <a:bodyPr rtlCol="0" anchor="ctr"/>
+          <a:lstStyle/>
+          <a:p>
+            <a:pPr algn="ctr"/>
+            <a:endParaRPr lang="de-DE"/>
+          </a:p>
+        </p:txBody>
+      </p:sp>
+      <p:sp>
+        <p:nvSpPr>
+          <p:cNvPr id="9" name="Gleichschenkliges Dreieck 1">
+            <a:extLst>
+              <a:ext uri="{FF2B5EF4-FFF2-40B4-BE49-F238E27FC236}">
+                <a16:creationId xmlns:a16="http://schemas.microsoft.com/office/drawing/2014/main" id="{F59CE9F5-500E-07BF-801B-4CD60A5819F0}"/>
+              </a:ext>
+            </a:extLst>
+          </p:cNvPr>
+          <p:cNvSpPr/>
+          <p:nvPr/>
+        </p:nvSpPr>
+        <p:spPr>
+          <a:xfrm rot="16200000">
+            <a:off x="5939840" y="-369394"/>
+            <a:ext cx="895047" cy="4854905"/>
+          </a:xfrm>
+          <a:prstGeom prst="triangle">
+            <a:avLst/>
+          </a:prstGeom>
+          <a:solidFill>
+            <a:schemeClr val="bg1">
+              <a:lumMod val="95000"/>
+            </a:schemeClr>
+          </a:solidFill>
+          <a:ln>
+            <a:solidFill>
+              <a:schemeClr val="tx1"/>
+            </a:solidFill>
+          </a:ln>
+        </p:spPr>
+        <p:style>
+          <a:lnRef idx="2">
+            <a:schemeClr val="accent1">
+              <a:shade val="50000"/>
+            </a:schemeClr>
+          </a:lnRef>
+          <a:fillRef idx="1">
+            <a:schemeClr val="accent1"/>
+          </a:fillRef>
+          <a:effectRef idx="0">
+            <a:schemeClr val="accent1"/>
+          </a:effectRef>
+          <a:fontRef idx="minor">
+            <a:schemeClr val="lt1"/>
+          </a:fontRef>
+        </p:style>
+        <p:txBody>
+          <a:bodyPr rtlCol="0" anchor="ctr"/>
+          <a:lstStyle/>
+          <a:p>
+            <a:pPr algn="ctr"/>
+            <a:endParaRPr lang="en-GB">
+              <a:solidFill>
+                <a:schemeClr val="bg1"/>
+              </a:solidFill>
+            </a:endParaRPr>
+          </a:p>
+        </p:txBody>
+      </p:sp>
+      <p:sp>
+        <p:nvSpPr>
+          <p:cNvPr id="10" name="Textfeld 9">
+            <a:extLst>
+              <a:ext uri="{FF2B5EF4-FFF2-40B4-BE49-F238E27FC236}">
+                <a16:creationId xmlns:a16="http://schemas.microsoft.com/office/drawing/2014/main" id="{F8019AB6-5521-597E-55DB-2995782E9DF2}"/>
+              </a:ext>
+            </a:extLst>
+          </p:cNvPr>
+          <p:cNvSpPr txBox="1"/>
+          <p:nvPr/>
+        </p:nvSpPr>
+        <p:spPr>
+          <a:xfrm>
+            <a:off x="4009697" y="2487824"/>
+            <a:ext cx="1694985" cy="461665"/>
+          </a:xfrm>
+          <a:prstGeom prst="rect">
+            <a:avLst/>
+          </a:prstGeom>
+          <a:noFill/>
+        </p:spPr>
+        <p:txBody>
+          <a:bodyPr wrap="square" rtlCol="0">
+            <a:spAutoFit/>
+          </a:bodyPr>
+          <a:lstStyle/>
+          <a:p>
+            <a:r>
+              <a:rPr lang="de-DE" sz="2400" i="1" noProof="0" dirty="0">
+                <a:solidFill>
+                  <a:schemeClr val="bg1"/>
+                </a:solidFill>
+              </a:rPr>
+              <a:t>konkret</a:t>
+            </a:r>
+            <a:endParaRPr lang="en-GB" sz="2400" i="1" dirty="0">
+              <a:solidFill>
+                <a:schemeClr val="bg1"/>
+              </a:solidFill>
+            </a:endParaRPr>
+          </a:p>
+        </p:txBody>
+      </p:sp>
+      <p:sp>
+        <p:nvSpPr>
+          <p:cNvPr id="11" name="Textfeld 10">
+            <a:extLst>
+              <a:ext uri="{FF2B5EF4-FFF2-40B4-BE49-F238E27FC236}">
+                <a16:creationId xmlns:a16="http://schemas.microsoft.com/office/drawing/2014/main" id="{1830C4F7-7B8A-8180-7E4E-DD52F3217AB4}"/>
+              </a:ext>
+            </a:extLst>
+          </p:cNvPr>
+          <p:cNvSpPr txBox="1"/>
+          <p:nvPr/>
+        </p:nvSpPr>
+        <p:spPr>
+          <a:xfrm>
+            <a:off x="8199051" y="2487824"/>
+            <a:ext cx="1694985" cy="461665"/>
+          </a:xfrm>
+          <a:prstGeom prst="rect">
+            <a:avLst/>
+          </a:prstGeom>
+          <a:noFill/>
+        </p:spPr>
+        <p:txBody>
+          <a:bodyPr wrap="square" rtlCol="0">
+            <a:spAutoFit/>
+          </a:bodyPr>
+          <a:lstStyle/>
+          <a:p>
+            <a:r>
+              <a:rPr lang="de-DE" sz="2400" i="1" noProof="0" dirty="0">
+                <a:solidFill>
+                  <a:schemeClr val="bg1"/>
+                </a:solidFill>
+              </a:rPr>
+              <a:t>abstrakt</a:t>
+            </a:r>
+            <a:endParaRPr lang="en-GB" sz="2400" i="1" dirty="0">
+              <a:solidFill>
+                <a:schemeClr val="bg1"/>
+              </a:solidFill>
+            </a:endParaRPr>
+          </a:p>
+        </p:txBody>
+      </p:sp>
+      <p:sp>
+        <p:nvSpPr>
+          <p:cNvPr id="12" name="Textfeld 11">
+            <a:extLst>
+              <a:ext uri="{FF2B5EF4-FFF2-40B4-BE49-F238E27FC236}">
+                <a16:creationId xmlns:a16="http://schemas.microsoft.com/office/drawing/2014/main" id="{0C6DE6EC-C8D1-9A78-FAA8-ADB86FA0B0E6}"/>
+              </a:ext>
+            </a:extLst>
+          </p:cNvPr>
+          <p:cNvSpPr txBox="1"/>
+          <p:nvPr/>
+        </p:nvSpPr>
+        <p:spPr>
+          <a:xfrm>
+            <a:off x="3959910" y="1148870"/>
+            <a:ext cx="1694985" cy="461665"/>
+          </a:xfrm>
+          <a:prstGeom prst="rect">
+            <a:avLst/>
+          </a:prstGeom>
+          <a:noFill/>
+        </p:spPr>
+        <p:txBody>
+          <a:bodyPr wrap="square" rtlCol="0">
+            <a:spAutoFit/>
+          </a:bodyPr>
+          <a:lstStyle/>
+          <a:p>
+            <a:r>
+              <a:rPr lang="de-DE" sz="2400" b="1" noProof="0" dirty="0">
+                <a:solidFill>
+                  <a:schemeClr val="bg1"/>
+                </a:solidFill>
+              </a:rPr>
+              <a:t>Novize</a:t>
+            </a:r>
+            <a:endParaRPr lang="en-GB" sz="2400" b="1" dirty="0">
+              <a:solidFill>
+                <a:schemeClr val="bg1"/>
+              </a:solidFill>
+            </a:endParaRPr>
+          </a:p>
+        </p:txBody>
+      </p:sp>
+      <p:sp>
+        <p:nvSpPr>
+          <p:cNvPr id="13" name="Textfeld 12">
+            <a:extLst>
+              <a:ext uri="{FF2B5EF4-FFF2-40B4-BE49-F238E27FC236}">
+                <a16:creationId xmlns:a16="http://schemas.microsoft.com/office/drawing/2014/main" id="{44ECBD83-1DB8-085C-6EAF-6694279FA505}"/>
+              </a:ext>
+            </a:extLst>
+          </p:cNvPr>
+          <p:cNvSpPr txBox="1"/>
+          <p:nvPr/>
+        </p:nvSpPr>
+        <p:spPr>
+          <a:xfrm>
+            <a:off x="8182303" y="1166710"/>
+            <a:ext cx="1694985" cy="461665"/>
+          </a:xfrm>
+          <a:prstGeom prst="rect">
+            <a:avLst/>
+          </a:prstGeom>
+          <a:noFill/>
+        </p:spPr>
+        <p:txBody>
+          <a:bodyPr wrap="square" rtlCol="0">
+            <a:spAutoFit/>
+          </a:bodyPr>
+          <a:lstStyle/>
+          <a:p>
+            <a:r>
+              <a:rPr lang="de-DE" sz="2400" b="1" noProof="0" dirty="0">
+                <a:solidFill>
+                  <a:schemeClr val="bg1"/>
+                </a:solidFill>
+              </a:rPr>
+              <a:t>Experte</a:t>
+            </a:r>
+            <a:endParaRPr lang="en-GB" sz="2400" b="1" dirty="0">
+              <a:solidFill>
+                <a:schemeClr val="bg1"/>
+              </a:solidFill>
+            </a:endParaRPr>
+          </a:p>
+        </p:txBody>
+      </p:sp>
+      <p:cxnSp>
+        <p:nvCxnSpPr>
+          <p:cNvPr id="14" name="Gerade Verbindung mit Pfeil 13">
+            <a:extLst>
+              <a:ext uri="{FF2B5EF4-FFF2-40B4-BE49-F238E27FC236}">
+                <a16:creationId xmlns:a16="http://schemas.microsoft.com/office/drawing/2014/main" id="{7A7F06E1-5D43-4A06-9D59-96E43BADEA3D}"/>
+              </a:ext>
+            </a:extLst>
+          </p:cNvPr>
+          <p:cNvCxnSpPr>
+            <a:cxnSpLocks/>
+          </p:cNvCxnSpPr>
+          <p:nvPr/>
+        </p:nvCxnSpPr>
+        <p:spPr>
+          <a:xfrm>
+            <a:off x="5132832" y="1397543"/>
+            <a:ext cx="2901696" cy="0"/>
+          </a:xfrm>
+          <a:prstGeom prst="straightConnector1">
+            <a:avLst/>
+          </a:prstGeom>
+          <a:ln w="66675">
+            <a:solidFill>
+              <a:schemeClr val="bg1"/>
+            </a:solidFill>
+            <a:tailEnd type="triangle"/>
+          </a:ln>
+        </p:spPr>
+        <p:style>
+          <a:lnRef idx="3">
+            <a:schemeClr val="dk1"/>
+          </a:lnRef>
+          <a:fillRef idx="0">
+            <a:schemeClr val="dk1"/>
+          </a:fillRef>
+          <a:effectRef idx="2">
+            <a:schemeClr val="dk1"/>
+          </a:effectRef>
+          <a:fontRef idx="minor">
+            <a:schemeClr val="tx1"/>
+          </a:fontRef>
+        </p:style>
+      </p:cxnSp>
+    </p:spTree>
+    <p:extLst>
+      <p:ext uri="{BB962C8B-B14F-4D97-AF65-F5344CB8AC3E}">
+        <p14:creationId xmlns:p14="http://schemas.microsoft.com/office/powerpoint/2010/main" val="321454754"/>
+      </p:ext>
+    </p:extLst>
+  </p:cSld>
+  <p:clrMapOvr>
+    <a:masterClrMapping/>
+  </p:clrMapOvr>
+</p:sld>
+</file>
+
+<file path=ppt/slides/slide3.xml><?xml version="1.0" encoding="utf-8"?>
+<p:sld xmlns:a="http://schemas.openxmlformats.org/drawingml/2006/main" xmlns:r="http://schemas.openxmlformats.org/officeDocument/2006/relationships" xmlns:p="http://schemas.openxmlformats.org/presentationml/2006/main">
+  <p:cSld>
+    <p:bg>
+      <p:bgPr>
+        <a:solidFill>
+          <a:schemeClr val="tx1"/>
+        </a:solidFill>
+        <a:effectLst/>
+      </p:bgPr>
+    </p:bg>
+    <p:spTree>
+      <p:nvGrpSpPr>
+        <p:cNvPr id="1" name="">
+          <a:extLst>
+            <a:ext uri="{FF2B5EF4-FFF2-40B4-BE49-F238E27FC236}">
+              <a16:creationId xmlns:a16="http://schemas.microsoft.com/office/drawing/2014/main" id="{721A2C22-A270-85FD-0493-00D2C7DFCD4F}"/>
+            </a:ext>
+          </a:extLst>
+        </p:cNvPr>
+        <p:cNvGrpSpPr/>
+        <p:nvPr/>
+      </p:nvGrpSpPr>
+      <p:grpSpPr>
+        <a:xfrm>
+          <a:off x="0" y="0"/>
+          <a:ext cx="0" cy="0"/>
+          <a:chOff x="0" y="0"/>
+          <a:chExt cx="0" cy="0"/>
+        </a:xfrm>
+      </p:grpSpPr>
+      <p:sp>
+        <p:nvSpPr>
+          <p:cNvPr id="5" name="Parallelogramm 4">
+            <a:extLst>
+              <a:ext uri="{FF2B5EF4-FFF2-40B4-BE49-F238E27FC236}">
+                <a16:creationId xmlns:a16="http://schemas.microsoft.com/office/drawing/2014/main" id="{3C4F5B85-787C-5A17-943E-076C54A4CAA6}"/>
+              </a:ext>
+            </a:extLst>
+          </p:cNvPr>
+          <p:cNvSpPr/>
+          <p:nvPr/>
+        </p:nvSpPr>
+        <p:spPr>
+          <a:xfrm flipV="1">
+            <a:off x="2304663" y="-4"/>
+            <a:ext cx="8640146" cy="4068147"/>
+          </a:xfrm>
+          <a:prstGeom prst="parallelogram">
+            <a:avLst>
+              <a:gd name="adj" fmla="val 48341"/>
+            </a:avLst>
+          </a:prstGeom>
+          <a:solidFill>
+            <a:schemeClr val="tx1"/>
+          </a:solidFill>
+          <a:ln w="38100">
+            <a:solidFill>
+              <a:srgbClr val="FFFF00"/>
+            </a:solidFill>
+          </a:ln>
+        </p:spPr>
+        <p:style>
+          <a:lnRef idx="2">
+            <a:schemeClr val="accent6"/>
+          </a:lnRef>
+          <a:fillRef idx="1">
+            <a:schemeClr val="lt1"/>
+          </a:fillRef>
+          <a:effectRef idx="0">
+            <a:schemeClr val="accent6"/>
+          </a:effectRef>
+          <a:fontRef idx="minor">
+            <a:schemeClr val="dk1"/>
+          </a:fontRef>
+        </p:style>
+        <p:txBody>
+          <a:bodyPr rtlCol="0" anchor="ctr"/>
+          <a:lstStyle/>
+          <a:p>
+            <a:pPr algn="ctr"/>
+            <a:endParaRPr lang="de-DE"/>
+          </a:p>
+        </p:txBody>
+      </p:sp>
+      <p:cxnSp>
+        <p:nvCxnSpPr>
+          <p:cNvPr id="3" name="Gerade Verbindung mit Pfeil 2">
+            <a:extLst>
+              <a:ext uri="{FF2B5EF4-FFF2-40B4-BE49-F238E27FC236}">
+                <a16:creationId xmlns:a16="http://schemas.microsoft.com/office/drawing/2014/main" id="{72B9A134-5191-5D42-086F-0166D9590AAE}"/>
+              </a:ext>
+            </a:extLst>
+          </p:cNvPr>
+          <p:cNvCxnSpPr/>
+          <p:nvPr/>
+        </p:nvCxnSpPr>
+        <p:spPr>
+          <a:xfrm flipV="1">
+            <a:off x="4684790" y="3651308"/>
+            <a:ext cx="4441901" cy="0"/>
+          </a:xfrm>
+          <a:prstGeom prst="straightConnector1">
+            <a:avLst/>
+          </a:prstGeom>
+          <a:ln w="38100">
+            <a:solidFill>
+              <a:schemeClr val="bg1"/>
+            </a:solidFill>
+            <a:tailEnd type="triangle"/>
+          </a:ln>
+        </p:spPr>
+        <p:style>
+          <a:lnRef idx="1">
+            <a:schemeClr val="accent1"/>
+          </a:lnRef>
+          <a:fillRef idx="0">
+            <a:schemeClr val="accent1"/>
+          </a:fillRef>
+          <a:effectRef idx="0">
+            <a:schemeClr val="accent1"/>
+          </a:effectRef>
+          <a:fontRef idx="minor">
+            <a:schemeClr val="tx1"/>
+          </a:fontRef>
+        </p:style>
+      </p:cxnSp>
+      <p:sp>
+        <p:nvSpPr>
+          <p:cNvPr id="4" name="Textfeld 3">
+            <a:extLst>
+              <a:ext uri="{FF2B5EF4-FFF2-40B4-BE49-F238E27FC236}">
+                <a16:creationId xmlns:a16="http://schemas.microsoft.com/office/drawing/2014/main" id="{F1F998CC-D4B4-9C78-BBAE-09B35301AC9D}"/>
+              </a:ext>
+            </a:extLst>
+          </p:cNvPr>
+          <p:cNvSpPr txBox="1"/>
+          <p:nvPr/>
+        </p:nvSpPr>
+        <p:spPr>
+          <a:xfrm>
+            <a:off x="6554477" y="3698808"/>
+            <a:ext cx="702526" cy="369332"/>
+          </a:xfrm>
+          <a:prstGeom prst="rect">
+            <a:avLst/>
+          </a:prstGeom>
+          <a:noFill/>
+        </p:spPr>
+        <p:txBody>
+          <a:bodyPr wrap="square" rtlCol="0">
+            <a:spAutoFit/>
+          </a:bodyPr>
+          <a:lstStyle/>
+          <a:p>
+            <a:r>
+              <a:rPr lang="en-GB" dirty="0">
+                <a:solidFill>
+                  <a:schemeClr val="bg1"/>
+                </a:solidFill>
+              </a:rPr>
+              <a:t>Time</a:t>
+            </a:r>
+          </a:p>
+        </p:txBody>
+      </p:sp>
+      <p:sp>
+        <p:nvSpPr>
+          <p:cNvPr id="6" name="Textfeld 5">
+            <a:extLst>
+              <a:ext uri="{FF2B5EF4-FFF2-40B4-BE49-F238E27FC236}">
+                <a16:creationId xmlns:a16="http://schemas.microsoft.com/office/drawing/2014/main" id="{CA71E882-75C9-9073-2953-E50DCD781390}"/>
+              </a:ext>
+            </a:extLst>
+          </p:cNvPr>
+          <p:cNvSpPr txBox="1"/>
+          <p:nvPr/>
+        </p:nvSpPr>
+        <p:spPr>
+          <a:xfrm rot="16200000">
+            <a:off x="4160940" y="1858857"/>
+            <a:ext cx="1310268" cy="369332"/>
+          </a:xfrm>
+          <a:prstGeom prst="rect">
+            <a:avLst/>
+          </a:prstGeom>
+          <a:noFill/>
+        </p:spPr>
+        <p:txBody>
+          <a:bodyPr wrap="square" rtlCol="0">
+            <a:spAutoFit/>
+          </a:bodyPr>
+          <a:lstStyle/>
+          <a:p>
+            <a:r>
+              <a:rPr lang="en-GB" dirty="0">
+                <a:solidFill>
+                  <a:schemeClr val="bg1"/>
+                </a:solidFill>
+              </a:rPr>
+              <a:t>Knowledge</a:t>
+            </a:r>
+          </a:p>
+        </p:txBody>
+      </p:sp>
+      <p:cxnSp>
+        <p:nvCxnSpPr>
+          <p:cNvPr id="7" name="Gerade Verbindung mit Pfeil 6">
+            <a:extLst>
+              <a:ext uri="{FF2B5EF4-FFF2-40B4-BE49-F238E27FC236}">
+                <a16:creationId xmlns:a16="http://schemas.microsoft.com/office/drawing/2014/main" id="{F06052EC-A072-C3C9-E05F-745F4899ACD5}"/>
+              </a:ext>
+            </a:extLst>
+          </p:cNvPr>
+          <p:cNvCxnSpPr>
+            <a:cxnSpLocks/>
+          </p:cNvCxnSpPr>
+          <p:nvPr/>
+        </p:nvCxnSpPr>
+        <p:spPr>
+          <a:xfrm>
+            <a:off x="5045345" y="2368291"/>
+            <a:ext cx="3958682" cy="7242"/>
+          </a:xfrm>
+          <a:prstGeom prst="straightConnector1">
+            <a:avLst/>
+          </a:prstGeom>
+          <a:ln w="47625">
+            <a:solidFill>
+              <a:schemeClr val="accent4">
+                <a:lumMod val="40000"/>
+                <a:lumOff val="60000"/>
+              </a:schemeClr>
+            </a:solidFill>
+            <a:tailEnd type="triangle"/>
+          </a:ln>
+        </p:spPr>
+        <p:style>
+          <a:lnRef idx="1">
+            <a:schemeClr val="accent1"/>
+          </a:lnRef>
+          <a:fillRef idx="0">
+            <a:schemeClr val="accent1"/>
+          </a:fillRef>
+          <a:effectRef idx="0">
+            <a:schemeClr val="accent1"/>
+          </a:effectRef>
+          <a:fontRef idx="minor">
+            <a:schemeClr val="tx1"/>
+          </a:fontRef>
+        </p:style>
+      </p:cxnSp>
+      <p:sp>
+        <p:nvSpPr>
+          <p:cNvPr id="8" name="Textfeld 7">
+            <a:extLst>
+              <a:ext uri="{FF2B5EF4-FFF2-40B4-BE49-F238E27FC236}">
+                <a16:creationId xmlns:a16="http://schemas.microsoft.com/office/drawing/2014/main" id="{E8B43D05-650E-3CBB-500B-B747B041B4FE}"/>
+              </a:ext>
+            </a:extLst>
+          </p:cNvPr>
+          <p:cNvSpPr txBox="1"/>
+          <p:nvPr/>
+        </p:nvSpPr>
+        <p:spPr>
+          <a:xfrm>
+            <a:off x="6075903" y="2403930"/>
+            <a:ext cx="2020229" cy="646331"/>
+          </a:xfrm>
+          <a:prstGeom prst="rect">
+            <a:avLst/>
+          </a:prstGeom>
+          <a:noFill/>
+        </p:spPr>
+        <p:txBody>
+          <a:bodyPr wrap="square" rtlCol="0">
+            <a:spAutoFit/>
+          </a:bodyPr>
+          <a:lstStyle/>
+          <a:p>
+            <a:r>
+              <a:rPr lang="en-GB" b="1" dirty="0">
+                <a:solidFill>
+                  <a:schemeClr val="accent4">
+                    <a:lumMod val="40000"/>
+                    <a:lumOff val="60000"/>
+                  </a:schemeClr>
+                </a:solidFill>
+              </a:rPr>
+              <a:t>Novice knowledge</a:t>
+            </a:r>
+          </a:p>
+        </p:txBody>
+      </p:sp>
+      <p:cxnSp>
+        <p:nvCxnSpPr>
+          <p:cNvPr id="9" name="Gerade Verbindung mit Pfeil 8">
+            <a:extLst>
+              <a:ext uri="{FF2B5EF4-FFF2-40B4-BE49-F238E27FC236}">
+                <a16:creationId xmlns:a16="http://schemas.microsoft.com/office/drawing/2014/main" id="{50707E08-475B-FC7E-6BDC-A8CDF32F3099}"/>
+              </a:ext>
+            </a:extLst>
+          </p:cNvPr>
+          <p:cNvCxnSpPr/>
+          <p:nvPr/>
+        </p:nvCxnSpPr>
+        <p:spPr>
+          <a:xfrm flipV="1">
+            <a:off x="5045345" y="638470"/>
+            <a:ext cx="3958682" cy="1737063"/>
+          </a:xfrm>
+          <a:prstGeom prst="straightConnector1">
+            <a:avLst/>
+          </a:prstGeom>
+          <a:ln w="47625">
+            <a:solidFill>
+              <a:schemeClr val="accent6">
+                <a:lumMod val="40000"/>
+                <a:lumOff val="60000"/>
+              </a:schemeClr>
+            </a:solidFill>
+            <a:tailEnd type="triangle"/>
+          </a:ln>
+        </p:spPr>
+        <p:style>
+          <a:lnRef idx="1">
+            <a:schemeClr val="accent1"/>
+          </a:lnRef>
+          <a:fillRef idx="0">
+            <a:schemeClr val="accent1"/>
+          </a:fillRef>
+          <a:effectRef idx="0">
+            <a:schemeClr val="accent1"/>
+          </a:effectRef>
+          <a:fontRef idx="minor">
+            <a:schemeClr val="tx1"/>
+          </a:fontRef>
+        </p:style>
+      </p:cxnSp>
+      <p:sp>
+        <p:nvSpPr>
+          <p:cNvPr id="10" name="Textfeld 9">
+            <a:extLst>
+              <a:ext uri="{FF2B5EF4-FFF2-40B4-BE49-F238E27FC236}">
+                <a16:creationId xmlns:a16="http://schemas.microsoft.com/office/drawing/2014/main" id="{625E77DB-67D9-876C-E115-4FE8794F6215}"/>
+              </a:ext>
+            </a:extLst>
+          </p:cNvPr>
+          <p:cNvSpPr txBox="1"/>
+          <p:nvPr/>
+        </p:nvSpPr>
+        <p:spPr>
+          <a:xfrm rot="20180334">
+            <a:off x="6031297" y="784523"/>
+            <a:ext cx="2020229" cy="646331"/>
+          </a:xfrm>
+          <a:prstGeom prst="rect">
+            <a:avLst/>
+          </a:prstGeom>
+          <a:noFill/>
+        </p:spPr>
+        <p:txBody>
+          <a:bodyPr wrap="square" rtlCol="0">
+            <a:spAutoFit/>
+          </a:bodyPr>
+          <a:lstStyle/>
+          <a:p>
+            <a:r>
+              <a:rPr lang="en-GB" b="1" dirty="0">
+                <a:solidFill>
+                  <a:schemeClr val="accent6">
+                    <a:lumMod val="40000"/>
+                    <a:lumOff val="60000"/>
+                  </a:schemeClr>
+                </a:solidFill>
+              </a:rPr>
+              <a:t>Expert knowledge</a:t>
+            </a:r>
+          </a:p>
+        </p:txBody>
+      </p:sp>
+      <p:cxnSp>
+        <p:nvCxnSpPr>
+          <p:cNvPr id="11" name="Gerade Verbindung mit Pfeil 10">
+            <a:extLst>
+              <a:ext uri="{FF2B5EF4-FFF2-40B4-BE49-F238E27FC236}">
+                <a16:creationId xmlns:a16="http://schemas.microsoft.com/office/drawing/2014/main" id="{8EE4FEBF-F77E-E4BB-4A23-0F9496C33EC3}"/>
+              </a:ext>
+            </a:extLst>
+          </p:cNvPr>
+          <p:cNvCxnSpPr>
+            <a:cxnSpLocks/>
+          </p:cNvCxnSpPr>
+          <p:nvPr/>
+        </p:nvCxnSpPr>
+        <p:spPr>
+          <a:xfrm flipH="1" flipV="1">
+            <a:off x="5045345" y="203572"/>
+            <a:ext cx="1" cy="3679902"/>
+          </a:xfrm>
+          <a:prstGeom prst="straightConnector1">
+            <a:avLst/>
+          </a:prstGeom>
+          <a:ln w="38100">
+            <a:solidFill>
+              <a:schemeClr val="bg1"/>
+            </a:solidFill>
+            <a:tailEnd type="triangle"/>
+          </a:ln>
+        </p:spPr>
+        <p:style>
+          <a:lnRef idx="1">
+            <a:schemeClr val="accent1"/>
+          </a:lnRef>
+          <a:fillRef idx="0">
+            <a:schemeClr val="accent1"/>
+          </a:fillRef>
+          <a:effectRef idx="0">
+            <a:schemeClr val="accent1"/>
+          </a:effectRef>
+          <a:fontRef idx="minor">
+            <a:schemeClr val="tx1"/>
+          </a:fontRef>
+        </p:style>
+      </p:cxnSp>
+    </p:spTree>
+    <p:extLst>
+      <p:ext uri="{BB962C8B-B14F-4D97-AF65-F5344CB8AC3E}">
+        <p14:creationId xmlns:p14="http://schemas.microsoft.com/office/powerpoint/2010/main" val="3563995865"/>
+      </p:ext>
+    </p:extLst>
+  </p:cSld>
+  <p:clrMapOvr>
+    <a:masterClrMapping/>
+  </p:clrMapOvr>
+</p:sld>
+</file>
+
+<file path=ppt/slides/slide4.xml><?xml version="1.0" encoding="utf-8"?>
+<p:sld xmlns:a="http://schemas.openxmlformats.org/drawingml/2006/main" xmlns:r="http://schemas.openxmlformats.org/officeDocument/2006/relationships" xmlns:p="http://schemas.openxmlformats.org/presentationml/2006/main">
+  <p:cSld>
+    <p:bg>
+      <p:bgPr>
+        <a:solidFill>
+          <a:schemeClr val="tx1"/>
+        </a:solidFill>
+        <a:effectLst/>
+      </p:bgPr>
+    </p:bg>
+    <p:spTree>
+      <p:nvGrpSpPr>
+        <p:cNvPr id="1" name="">
+          <a:extLst>
+            <a:ext uri="{FF2B5EF4-FFF2-40B4-BE49-F238E27FC236}">
+              <a16:creationId xmlns:a16="http://schemas.microsoft.com/office/drawing/2014/main" id="{43842423-4B4D-A537-44EA-2150A229C4C4}"/>
+            </a:ext>
+          </a:extLst>
+        </p:cNvPr>
+        <p:cNvGrpSpPr/>
+        <p:nvPr/>
+      </p:nvGrpSpPr>
+      <p:grpSpPr>
+        <a:xfrm>
+          <a:off x="0" y="0"/>
+          <a:ext cx="0" cy="0"/>
+          <a:chOff x="0" y="0"/>
+          <a:chExt cx="0" cy="0"/>
+        </a:xfrm>
+      </p:grpSpPr>
+      <p:sp>
+        <p:nvSpPr>
+          <p:cNvPr id="5" name="Parallelogramm 4">
+            <a:extLst>
+              <a:ext uri="{FF2B5EF4-FFF2-40B4-BE49-F238E27FC236}">
+                <a16:creationId xmlns:a16="http://schemas.microsoft.com/office/drawing/2014/main" id="{C7225D27-7AC1-9F9B-960A-C826E6DDB4C3}"/>
+              </a:ext>
+            </a:extLst>
+          </p:cNvPr>
+          <p:cNvSpPr/>
+          <p:nvPr/>
+        </p:nvSpPr>
+        <p:spPr>
+          <a:xfrm flipV="1">
+            <a:off x="2304663" y="-4"/>
+            <a:ext cx="8640146" cy="4068147"/>
+          </a:xfrm>
+          <a:prstGeom prst="parallelogram">
+            <a:avLst>
+              <a:gd name="adj" fmla="val 48341"/>
+            </a:avLst>
+          </a:prstGeom>
+          <a:solidFill>
+            <a:schemeClr val="tx1"/>
+          </a:solidFill>
+          <a:ln w="38100">
+            <a:solidFill>
+              <a:srgbClr val="FFFF00"/>
+            </a:solidFill>
+          </a:ln>
+        </p:spPr>
+        <p:style>
+          <a:lnRef idx="2">
+            <a:schemeClr val="accent6"/>
+          </a:lnRef>
+          <a:fillRef idx="1">
+            <a:schemeClr val="lt1"/>
+          </a:fillRef>
+          <a:effectRef idx="0">
+            <a:schemeClr val="accent6"/>
+          </a:effectRef>
+          <a:fontRef idx="minor">
+            <a:schemeClr val="dk1"/>
+          </a:fontRef>
+        </p:style>
+        <p:txBody>
+          <a:bodyPr rtlCol="0" anchor="ctr"/>
+          <a:lstStyle/>
+          <a:p>
+            <a:pPr algn="ctr"/>
+            <a:endParaRPr lang="de-DE"/>
+          </a:p>
+        </p:txBody>
+      </p:sp>
+      <p:cxnSp>
+        <p:nvCxnSpPr>
+          <p:cNvPr id="3" name="Gerade Verbindung mit Pfeil 2">
+            <a:extLst>
+              <a:ext uri="{FF2B5EF4-FFF2-40B4-BE49-F238E27FC236}">
+                <a16:creationId xmlns:a16="http://schemas.microsoft.com/office/drawing/2014/main" id="{B65F3770-20F6-73B5-50CA-D70CC451C005}"/>
+              </a:ext>
+            </a:extLst>
+          </p:cNvPr>
+          <p:cNvCxnSpPr/>
+          <p:nvPr/>
+        </p:nvCxnSpPr>
+        <p:spPr>
+          <a:xfrm flipV="1">
+            <a:off x="4684790" y="3651308"/>
+            <a:ext cx="4441901" cy="0"/>
+          </a:xfrm>
+          <a:prstGeom prst="straightConnector1">
+            <a:avLst/>
+          </a:prstGeom>
+          <a:ln w="38100">
+            <a:solidFill>
+              <a:schemeClr val="bg1"/>
+            </a:solidFill>
+            <a:tailEnd type="triangle"/>
+          </a:ln>
+        </p:spPr>
+        <p:style>
+          <a:lnRef idx="1">
+            <a:schemeClr val="accent1"/>
+          </a:lnRef>
+          <a:fillRef idx="0">
+            <a:schemeClr val="accent1"/>
+          </a:fillRef>
+          <a:effectRef idx="0">
+            <a:schemeClr val="accent1"/>
+          </a:effectRef>
+          <a:fontRef idx="minor">
+            <a:schemeClr val="tx1"/>
+          </a:fontRef>
+        </p:style>
+      </p:cxnSp>
+      <p:sp>
+        <p:nvSpPr>
+          <p:cNvPr id="4" name="Textfeld 3">
+            <a:extLst>
+              <a:ext uri="{FF2B5EF4-FFF2-40B4-BE49-F238E27FC236}">
+                <a16:creationId xmlns:a16="http://schemas.microsoft.com/office/drawing/2014/main" id="{4EBB9031-4201-F560-AC08-2411E58520DC}"/>
+              </a:ext>
+            </a:extLst>
+          </p:cNvPr>
+          <p:cNvSpPr txBox="1"/>
+          <p:nvPr/>
+        </p:nvSpPr>
+        <p:spPr>
+          <a:xfrm>
+            <a:off x="6554477" y="3698808"/>
+            <a:ext cx="702526" cy="369332"/>
+          </a:xfrm>
+          <a:prstGeom prst="rect">
+            <a:avLst/>
+          </a:prstGeom>
+          <a:noFill/>
+        </p:spPr>
+        <p:txBody>
+          <a:bodyPr wrap="square" rtlCol="0">
+            <a:spAutoFit/>
+          </a:bodyPr>
+          <a:lstStyle/>
+          <a:p>
+            <a:r>
+              <a:rPr lang="en-GB" dirty="0">
+                <a:solidFill>
+                  <a:schemeClr val="bg1"/>
+                </a:solidFill>
+              </a:rPr>
+              <a:t>Time</a:t>
+            </a:r>
+          </a:p>
+        </p:txBody>
+      </p:sp>
+      <p:sp>
+        <p:nvSpPr>
+          <p:cNvPr id="6" name="Textfeld 5">
+            <a:extLst>
+              <a:ext uri="{FF2B5EF4-FFF2-40B4-BE49-F238E27FC236}">
+                <a16:creationId xmlns:a16="http://schemas.microsoft.com/office/drawing/2014/main" id="{ACCC7F1B-A07C-A126-1CF2-1357E47689BC}"/>
+              </a:ext>
+            </a:extLst>
+          </p:cNvPr>
+          <p:cNvSpPr txBox="1"/>
+          <p:nvPr/>
+        </p:nvSpPr>
+        <p:spPr>
+          <a:xfrm rot="16200000">
+            <a:off x="4160940" y="1858857"/>
+            <a:ext cx="1310268" cy="369332"/>
+          </a:xfrm>
+          <a:prstGeom prst="rect">
+            <a:avLst/>
+          </a:prstGeom>
+          <a:noFill/>
+        </p:spPr>
+        <p:txBody>
+          <a:bodyPr wrap="square" rtlCol="0">
+            <a:spAutoFit/>
+          </a:bodyPr>
+          <a:lstStyle/>
+          <a:p>
+            <a:r>
+              <a:rPr lang="en-GB" dirty="0">
+                <a:solidFill>
+                  <a:schemeClr val="bg1"/>
+                </a:solidFill>
+              </a:rPr>
+              <a:t>Knowledge</a:t>
+            </a:r>
+          </a:p>
+        </p:txBody>
+      </p:sp>
+      <p:cxnSp>
+        <p:nvCxnSpPr>
+          <p:cNvPr id="7" name="Gerade Verbindung mit Pfeil 6">
+            <a:extLst>
+              <a:ext uri="{FF2B5EF4-FFF2-40B4-BE49-F238E27FC236}">
+                <a16:creationId xmlns:a16="http://schemas.microsoft.com/office/drawing/2014/main" id="{B9D000AC-233B-10C4-D83D-37FEF50CF7CE}"/>
+              </a:ext>
+            </a:extLst>
+          </p:cNvPr>
+          <p:cNvCxnSpPr>
+            <a:cxnSpLocks/>
+          </p:cNvCxnSpPr>
+          <p:nvPr/>
+        </p:nvCxnSpPr>
+        <p:spPr>
+          <a:xfrm>
+            <a:off x="5045345" y="2368291"/>
+            <a:ext cx="3958682" cy="1060709"/>
+          </a:xfrm>
+          <a:prstGeom prst="straightConnector1">
+            <a:avLst/>
+          </a:prstGeom>
+          <a:ln w="47625">
+            <a:solidFill>
+              <a:schemeClr val="accent4">
+                <a:lumMod val="40000"/>
+                <a:lumOff val="60000"/>
+              </a:schemeClr>
+            </a:solidFill>
+            <a:tailEnd type="triangle"/>
+          </a:ln>
+        </p:spPr>
+        <p:style>
+          <a:lnRef idx="1">
+            <a:schemeClr val="accent1"/>
+          </a:lnRef>
+          <a:fillRef idx="0">
+            <a:schemeClr val="accent1"/>
+          </a:fillRef>
+          <a:effectRef idx="0">
+            <a:schemeClr val="accent1"/>
+          </a:effectRef>
+          <a:fontRef idx="minor">
+            <a:schemeClr val="tx1"/>
+          </a:fontRef>
+        </p:style>
+      </p:cxnSp>
+      <p:sp>
+        <p:nvSpPr>
+          <p:cNvPr id="8" name="Textfeld 7">
+            <a:extLst>
+              <a:ext uri="{FF2B5EF4-FFF2-40B4-BE49-F238E27FC236}">
+                <a16:creationId xmlns:a16="http://schemas.microsoft.com/office/drawing/2014/main" id="{288B50D1-8E2A-C4DB-A13A-CC788C6380B9}"/>
+              </a:ext>
+            </a:extLst>
+          </p:cNvPr>
+          <p:cNvSpPr txBox="1"/>
+          <p:nvPr/>
+        </p:nvSpPr>
+        <p:spPr>
+          <a:xfrm>
+            <a:off x="5765799" y="2851817"/>
+            <a:ext cx="2020229" cy="646331"/>
+          </a:xfrm>
+          <a:prstGeom prst="rect">
+            <a:avLst/>
+          </a:prstGeom>
+          <a:noFill/>
+        </p:spPr>
+        <p:txBody>
+          <a:bodyPr wrap="square" rtlCol="0">
+            <a:spAutoFit/>
+          </a:bodyPr>
+          <a:lstStyle/>
+          <a:p>
+            <a:r>
+              <a:rPr lang="en-GB" b="1" dirty="0">
+                <a:solidFill>
+                  <a:schemeClr val="accent4">
+                    <a:lumMod val="40000"/>
+                    <a:lumOff val="60000"/>
+                  </a:schemeClr>
+                </a:solidFill>
+              </a:rPr>
+              <a:t>Novice knowledge</a:t>
+            </a:r>
+          </a:p>
+        </p:txBody>
+      </p:sp>
+      <p:cxnSp>
+        <p:nvCxnSpPr>
+          <p:cNvPr id="9" name="Gerade Verbindung mit Pfeil 8">
+            <a:extLst>
+              <a:ext uri="{FF2B5EF4-FFF2-40B4-BE49-F238E27FC236}">
+                <a16:creationId xmlns:a16="http://schemas.microsoft.com/office/drawing/2014/main" id="{AED03866-FFE6-50A6-A287-9C7B2A43399A}"/>
+              </a:ext>
+            </a:extLst>
+          </p:cNvPr>
+          <p:cNvCxnSpPr>
+            <a:cxnSpLocks/>
+          </p:cNvCxnSpPr>
+          <p:nvPr/>
+        </p:nvCxnSpPr>
+        <p:spPr>
+          <a:xfrm flipV="1">
+            <a:off x="5045345" y="2043523"/>
+            <a:ext cx="3942426" cy="332010"/>
+          </a:xfrm>
+          <a:prstGeom prst="straightConnector1">
+            <a:avLst/>
+          </a:prstGeom>
+          <a:ln w="47625">
+            <a:solidFill>
+              <a:schemeClr val="accent6">
+                <a:lumMod val="40000"/>
+                <a:lumOff val="60000"/>
+              </a:schemeClr>
+            </a:solidFill>
+            <a:tailEnd type="triangle"/>
+          </a:ln>
+        </p:spPr>
+        <p:style>
+          <a:lnRef idx="1">
+            <a:schemeClr val="accent1"/>
+          </a:lnRef>
+          <a:fillRef idx="0">
+            <a:schemeClr val="accent1"/>
+          </a:fillRef>
+          <a:effectRef idx="0">
+            <a:schemeClr val="accent1"/>
+          </a:effectRef>
+          <a:fontRef idx="minor">
+            <a:schemeClr val="tx1"/>
+          </a:fontRef>
+        </p:style>
+      </p:cxnSp>
+      <p:sp>
+        <p:nvSpPr>
+          <p:cNvPr id="10" name="Textfeld 9">
+            <a:extLst>
+              <a:ext uri="{FF2B5EF4-FFF2-40B4-BE49-F238E27FC236}">
+                <a16:creationId xmlns:a16="http://schemas.microsoft.com/office/drawing/2014/main" id="{8205435C-BC47-03D5-6E5D-EB1BD6CC4A0A}"/>
+              </a:ext>
+            </a:extLst>
+          </p:cNvPr>
+          <p:cNvSpPr txBox="1"/>
+          <p:nvPr/>
+        </p:nvSpPr>
+        <p:spPr>
+          <a:xfrm rot="21295492">
+            <a:off x="6421441" y="1502487"/>
+            <a:ext cx="2020229" cy="646331"/>
+          </a:xfrm>
+          <a:prstGeom prst="rect">
+            <a:avLst/>
+          </a:prstGeom>
+          <a:noFill/>
+        </p:spPr>
+        <p:txBody>
+          <a:bodyPr wrap="square" rtlCol="0">
+            <a:spAutoFit/>
+          </a:bodyPr>
+          <a:lstStyle/>
+          <a:p>
+            <a:r>
+              <a:rPr lang="en-GB" b="1" dirty="0">
+                <a:solidFill>
+                  <a:schemeClr val="accent6">
+                    <a:lumMod val="40000"/>
+                    <a:lumOff val="60000"/>
+                  </a:schemeClr>
+                </a:solidFill>
+              </a:rPr>
+              <a:t>Expert knowledge</a:t>
+            </a:r>
+          </a:p>
+        </p:txBody>
+      </p:sp>
+      <p:cxnSp>
+        <p:nvCxnSpPr>
+          <p:cNvPr id="11" name="Gerade Verbindung mit Pfeil 10">
+            <a:extLst>
+              <a:ext uri="{FF2B5EF4-FFF2-40B4-BE49-F238E27FC236}">
+                <a16:creationId xmlns:a16="http://schemas.microsoft.com/office/drawing/2014/main" id="{5671AA96-D533-41E5-4AFD-828309CA9068}"/>
+              </a:ext>
+            </a:extLst>
+          </p:cNvPr>
+          <p:cNvCxnSpPr/>
+          <p:nvPr/>
+        </p:nvCxnSpPr>
+        <p:spPr>
+          <a:xfrm flipH="1" flipV="1">
+            <a:off x="5045345" y="203572"/>
+            <a:ext cx="1" cy="3679902"/>
+          </a:xfrm>
+          <a:prstGeom prst="straightConnector1">
+            <a:avLst/>
+          </a:prstGeom>
+          <a:ln w="38100">
+            <a:solidFill>
+              <a:schemeClr val="bg1"/>
+            </a:solidFill>
+            <a:tailEnd type="triangle"/>
+          </a:ln>
+        </p:spPr>
+        <p:style>
+          <a:lnRef idx="1">
+            <a:schemeClr val="accent1"/>
+          </a:lnRef>
+          <a:fillRef idx="0">
+            <a:schemeClr val="accent1"/>
+          </a:fillRef>
+          <a:effectRef idx="0">
+            <a:schemeClr val="accent1"/>
+          </a:effectRef>
+          <a:fontRef idx="minor">
+            <a:schemeClr val="tx1"/>
+          </a:fontRef>
+        </p:style>
+      </p:cxnSp>
+    </p:spTree>
+    <p:extLst>
+      <p:ext uri="{BB962C8B-B14F-4D97-AF65-F5344CB8AC3E}">
+        <p14:creationId xmlns:p14="http://schemas.microsoft.com/office/powerpoint/2010/main" val="3413961743"/>
+      </p:ext>
+    </p:extLst>
+  </p:cSld>
+  <p:clrMapOvr>
+    <a:masterClrMapping/>
+  </p:clrMapOvr>
+</p:sld>
+</file>
+
+<file path=ppt/slides/slide5.xml><?xml version="1.0" encoding="utf-8"?>
+<p:sld xmlns:a="http://schemas.openxmlformats.org/drawingml/2006/main" xmlns:r="http://schemas.openxmlformats.org/officeDocument/2006/relationships" xmlns:p="http://schemas.openxmlformats.org/presentationml/2006/main">
+  <p:cSld>
+    <p:bg>
+      <p:bgPr>
+        <a:solidFill>
+          <a:schemeClr val="tx1"/>
+        </a:solidFill>
+        <a:effectLst/>
+      </p:bgPr>
+    </p:bg>
+    <p:spTree>
+      <p:nvGrpSpPr>
+        <p:cNvPr id="1" name="">
+          <a:extLst>
+            <a:ext uri="{FF2B5EF4-FFF2-40B4-BE49-F238E27FC236}">
+              <a16:creationId xmlns:a16="http://schemas.microsoft.com/office/drawing/2014/main" id="{8B4AF792-D885-50C2-F2F6-EEA2FE4B2791}"/>
+            </a:ext>
+          </a:extLst>
+        </p:cNvPr>
+        <p:cNvGrpSpPr/>
+        <p:nvPr/>
+      </p:nvGrpSpPr>
+      <p:grpSpPr>
+        <a:xfrm>
+          <a:off x="0" y="0"/>
+          <a:ext cx="0" cy="0"/>
+          <a:chOff x="0" y="0"/>
+          <a:chExt cx="0" cy="0"/>
+        </a:xfrm>
+      </p:grpSpPr>
+      <p:sp>
+        <p:nvSpPr>
+          <p:cNvPr id="5" name="Parallelogramm 4">
+            <a:extLst>
+              <a:ext uri="{FF2B5EF4-FFF2-40B4-BE49-F238E27FC236}">
+                <a16:creationId xmlns:a16="http://schemas.microsoft.com/office/drawing/2014/main" id="{2DA023E5-6F03-52D5-1DCE-66F60108F695}"/>
+              </a:ext>
+            </a:extLst>
+          </p:cNvPr>
+          <p:cNvSpPr/>
+          <p:nvPr/>
+        </p:nvSpPr>
+        <p:spPr>
+          <a:xfrm flipV="1">
+            <a:off x="2304663" y="-4"/>
+            <a:ext cx="8640146" cy="4068147"/>
+          </a:xfrm>
+          <a:prstGeom prst="parallelogram">
+            <a:avLst>
+              <a:gd name="adj" fmla="val 48341"/>
+            </a:avLst>
+          </a:prstGeom>
+          <a:solidFill>
+            <a:schemeClr val="tx1"/>
+          </a:solidFill>
+          <a:ln w="38100">
+            <a:solidFill>
+              <a:srgbClr val="FFFF00"/>
+            </a:solidFill>
+          </a:ln>
+        </p:spPr>
+        <p:style>
+          <a:lnRef idx="2">
+            <a:schemeClr val="accent6"/>
+          </a:lnRef>
+          <a:fillRef idx="1">
+            <a:schemeClr val="lt1"/>
+          </a:fillRef>
+          <a:effectRef idx="0">
+            <a:schemeClr val="accent6"/>
+          </a:effectRef>
+          <a:fontRef idx="minor">
+            <a:schemeClr val="dk1"/>
+          </a:fontRef>
+        </p:style>
+        <p:txBody>
+          <a:bodyPr rtlCol="0" anchor="ctr"/>
+          <a:lstStyle/>
+          <a:p>
+            <a:pPr algn="ctr"/>
+            <a:endParaRPr lang="de-DE"/>
+          </a:p>
+        </p:txBody>
+      </p:sp>
+      <p:sp>
+        <p:nvSpPr>
+          <p:cNvPr id="2" name="Textfeld 1">
+            <a:extLst>
+              <a:ext uri="{FF2B5EF4-FFF2-40B4-BE49-F238E27FC236}">
+                <a16:creationId xmlns:a16="http://schemas.microsoft.com/office/drawing/2014/main" id="{C5524660-7E89-7123-CCA8-E89899706942}"/>
+              </a:ext>
+            </a:extLst>
+          </p:cNvPr>
+          <p:cNvSpPr txBox="1"/>
+          <p:nvPr/>
+        </p:nvSpPr>
+        <p:spPr>
+          <a:xfrm>
+            <a:off x="4477996" y="1433904"/>
+            <a:ext cx="4418176" cy="1200329"/>
+          </a:xfrm>
+          <a:prstGeom prst="rect">
+            <a:avLst/>
+          </a:prstGeom>
+          <a:noFill/>
+        </p:spPr>
+        <p:txBody>
+          <a:bodyPr wrap="square" rtlCol="0">
+            <a:spAutoFit/>
+          </a:bodyPr>
+          <a:lstStyle/>
+          <a:p>
+            <a:pPr algn="ctr"/>
+            <a:r>
+              <a:rPr lang="de-DE" dirty="0">
+                <a:solidFill>
+                  <a:schemeClr val="bg1"/>
+                </a:solidFill>
+              </a:rPr>
+              <a:t>Bearbeitungsbereich nur innerhalb </a:t>
+            </a:r>
+            <a:r>
+              <a:rPr lang="de-DE">
+                <a:solidFill>
+                  <a:schemeClr val="bg1"/>
+                </a:solidFill>
+              </a:rPr>
+              <a:t>dieses Parallelogramms </a:t>
+            </a:r>
+            <a:endParaRPr lang="de-DE" dirty="0">
+              <a:solidFill>
+                <a:schemeClr val="bg1"/>
+              </a:solidFill>
+            </a:endParaRPr>
+          </a:p>
+          <a:p>
+            <a:pPr algn="ctr"/>
+            <a:endParaRPr lang="de-DE" dirty="0">
+              <a:solidFill>
+                <a:schemeClr val="bg1"/>
+              </a:solidFill>
+            </a:endParaRPr>
+          </a:p>
+          <a:p>
+            <a:pPr algn="ctr"/>
+            <a:r>
+              <a:rPr lang="de-DE" dirty="0">
+                <a:solidFill>
+                  <a:schemeClr val="bg1"/>
+                </a:solidFill>
+              </a:rPr>
+              <a:t>Schwarzer Hintergrund mit weißer Schrift!</a:t>
+            </a:r>
+          </a:p>
+        </p:txBody>
+      </p:sp>
+    </p:spTree>
+    <p:extLst>
+      <p:ext uri="{BB962C8B-B14F-4D97-AF65-F5344CB8AC3E}">
+        <p14:creationId xmlns:p14="http://schemas.microsoft.com/office/powerpoint/2010/main" val="1762995077"/>
+      </p:ext>
+    </p:extLst>
+  </p:cSld>
+  <p:clrMapOvr>
+    <a:masterClrMapping/>
+  </p:clrMapOvr>
+</p:sld>
+</file>
+
+<file path=ppt/slides/slide6.xml><?xml version="1.0" encoding="utf-8"?>
+<p:sld xmlns:a="http://schemas.openxmlformats.org/drawingml/2006/main" xmlns:r="http://schemas.openxmlformats.org/officeDocument/2006/relationships" xmlns:p="http://schemas.openxmlformats.org/presentationml/2006/main">
+  <p:cSld>
+    <p:bg>
+      <p:bgPr>
+        <a:solidFill>
+          <a:schemeClr val="tx1"/>
+        </a:solidFill>
+        <a:effectLst/>
+      </p:bgPr>
+    </p:bg>
+    <p:spTree>
+      <p:nvGrpSpPr>
+        <p:cNvPr id="1" name="">
+          <a:extLst>
+            <a:ext uri="{FF2B5EF4-FFF2-40B4-BE49-F238E27FC236}">
+              <a16:creationId xmlns:a16="http://schemas.microsoft.com/office/drawing/2014/main" id="{410E5FB7-E16E-D8C3-8DAD-D0037F58123C}"/>
+            </a:ext>
+          </a:extLst>
+        </p:cNvPr>
+        <p:cNvGrpSpPr/>
+        <p:nvPr/>
+      </p:nvGrpSpPr>
+      <p:grpSpPr>
+        <a:xfrm>
+          <a:off x="0" y="0"/>
+          <a:ext cx="0" cy="0"/>
+          <a:chOff x="0" y="0"/>
+          <a:chExt cx="0" cy="0"/>
+        </a:xfrm>
+      </p:grpSpPr>
+      <p:sp>
+        <p:nvSpPr>
+          <p:cNvPr id="5" name="Parallelogramm 4">
+            <a:extLst>
+              <a:ext uri="{FF2B5EF4-FFF2-40B4-BE49-F238E27FC236}">
+                <a16:creationId xmlns:a16="http://schemas.microsoft.com/office/drawing/2014/main" id="{B9A2C74C-7832-3F31-718B-7C9FD5B98FC7}"/>
+              </a:ext>
+            </a:extLst>
+          </p:cNvPr>
+          <p:cNvSpPr/>
+          <p:nvPr/>
+        </p:nvSpPr>
+        <p:spPr>
+          <a:xfrm flipV="1">
+            <a:off x="2304663" y="-4"/>
+            <a:ext cx="8640146" cy="4068147"/>
+          </a:xfrm>
+          <a:prstGeom prst="parallelogram">
+            <a:avLst>
+              <a:gd name="adj" fmla="val 48341"/>
+            </a:avLst>
+          </a:prstGeom>
+          <a:solidFill>
+            <a:schemeClr val="tx1"/>
+          </a:solidFill>
+          <a:ln w="38100">
+            <a:solidFill>
+              <a:srgbClr val="FFFF00"/>
+            </a:solidFill>
+          </a:ln>
+        </p:spPr>
+        <p:style>
+          <a:lnRef idx="2">
+            <a:schemeClr val="accent6"/>
+          </a:lnRef>
+          <a:fillRef idx="1">
+            <a:schemeClr val="lt1"/>
+          </a:fillRef>
+          <a:effectRef idx="0">
+            <a:schemeClr val="accent6"/>
+          </a:effectRef>
+          <a:fontRef idx="minor">
+            <a:schemeClr val="dk1"/>
+          </a:fontRef>
+        </p:style>
+        <p:txBody>
+          <a:bodyPr rtlCol="0" anchor="ctr"/>
+          <a:lstStyle/>
+          <a:p>
+            <a:pPr algn="ctr"/>
+            <a:endParaRPr lang="de-DE"/>
+          </a:p>
+        </p:txBody>
+      </p:sp>
+      <p:sp>
+        <p:nvSpPr>
+          <p:cNvPr id="2" name="Textfeld 1">
+            <a:extLst>
+              <a:ext uri="{FF2B5EF4-FFF2-40B4-BE49-F238E27FC236}">
+                <a16:creationId xmlns:a16="http://schemas.microsoft.com/office/drawing/2014/main" id="{43CFCAC1-F663-B2C1-0ECF-427757220DA8}"/>
+              </a:ext>
+            </a:extLst>
+          </p:cNvPr>
+          <p:cNvSpPr txBox="1"/>
+          <p:nvPr/>
+        </p:nvSpPr>
+        <p:spPr>
+          <a:xfrm>
+            <a:off x="4477996" y="1433904"/>
+            <a:ext cx="4418176" cy="1200329"/>
+          </a:xfrm>
+          <a:prstGeom prst="rect">
+            <a:avLst/>
+          </a:prstGeom>
+          <a:noFill/>
+        </p:spPr>
+        <p:txBody>
+          <a:bodyPr wrap="square" rtlCol="0">
+            <a:spAutoFit/>
+          </a:bodyPr>
+          <a:lstStyle/>
+          <a:p>
+            <a:pPr algn="ctr"/>
+            <a:r>
+              <a:rPr lang="de-DE" dirty="0">
+                <a:solidFill>
+                  <a:schemeClr val="bg1"/>
+                </a:solidFill>
+              </a:rPr>
+              <a:t>Bearbeitungsbereich nur innerhalb </a:t>
+            </a:r>
+            <a:r>
+              <a:rPr lang="de-DE">
+                <a:solidFill>
+                  <a:schemeClr val="bg1"/>
+                </a:solidFill>
+              </a:rPr>
+              <a:t>dieses Parallelogramms </a:t>
+            </a:r>
+            <a:endParaRPr lang="de-DE" dirty="0">
+              <a:solidFill>
+                <a:schemeClr val="bg1"/>
+              </a:solidFill>
+            </a:endParaRPr>
+          </a:p>
+          <a:p>
+            <a:pPr algn="ctr"/>
+            <a:endParaRPr lang="de-DE" dirty="0">
+              <a:solidFill>
+                <a:schemeClr val="bg1"/>
+              </a:solidFill>
+            </a:endParaRPr>
+          </a:p>
+          <a:p>
+            <a:pPr algn="ctr"/>
+            <a:r>
+              <a:rPr lang="de-DE" dirty="0">
+                <a:solidFill>
+                  <a:schemeClr val="bg1"/>
+                </a:solidFill>
+              </a:rPr>
+              <a:t>Schwarzer Hintergrund mit weißer Schrift!</a:t>
+            </a:r>
+          </a:p>
+        </p:txBody>
+      </p:sp>
+    </p:spTree>
+    <p:extLst>
+      <p:ext uri="{BB962C8B-B14F-4D97-AF65-F5344CB8AC3E}">
+        <p14:creationId xmlns:p14="http://schemas.microsoft.com/office/powerpoint/2010/main" val="3656727780"/>
+      </p:ext>
+    </p:extLst>
+  </p:cSld>
+  <p:clrMapOvr>
+    <a:masterClrMapping/>
+  </p:clrMapOvr>
+</p:sld>
+</file>
+
+<file path=ppt/slides/slide7.xml><?xml version="1.0" encoding="utf-8"?>
+<p:sld xmlns:a="http://schemas.openxmlformats.org/drawingml/2006/main" xmlns:r="http://schemas.openxmlformats.org/officeDocument/2006/relationships" xmlns:p="http://schemas.openxmlformats.org/presentationml/2006/main">
+  <p:cSld>
+    <p:bg>
+      <p:bgPr>
+        <a:solidFill>
+          <a:schemeClr val="tx1"/>
+        </a:solidFill>
+        <a:effectLst/>
+      </p:bgPr>
+    </p:bg>
+    <p:spTree>
+      <p:nvGrpSpPr>
+        <p:cNvPr id="1" name="">
+          <a:extLst>
+            <a:ext uri="{FF2B5EF4-FFF2-40B4-BE49-F238E27FC236}">
+              <a16:creationId xmlns:a16="http://schemas.microsoft.com/office/drawing/2014/main" id="{2149745D-48E4-07FF-0D31-193373F87C9D}"/>
+            </a:ext>
+          </a:extLst>
+        </p:cNvPr>
+        <p:cNvGrpSpPr/>
+        <p:nvPr/>
+      </p:nvGrpSpPr>
+      <p:grpSpPr>
+        <a:xfrm>
+          <a:off x="0" y="0"/>
+          <a:ext cx="0" cy="0"/>
+          <a:chOff x="0" y="0"/>
+          <a:chExt cx="0" cy="0"/>
+        </a:xfrm>
+      </p:grpSpPr>
+      <p:sp>
+        <p:nvSpPr>
+          <p:cNvPr id="5" name="Parallelogramm 4">
+            <a:extLst>
+              <a:ext uri="{FF2B5EF4-FFF2-40B4-BE49-F238E27FC236}">
+                <a16:creationId xmlns:a16="http://schemas.microsoft.com/office/drawing/2014/main" id="{97948773-A4CF-64A3-1201-27B7E3A57F49}"/>
+              </a:ext>
+            </a:extLst>
+          </p:cNvPr>
+          <p:cNvSpPr/>
+          <p:nvPr/>
+        </p:nvSpPr>
+        <p:spPr>
+          <a:xfrm flipV="1">
+            <a:off x="2304663" y="-4"/>
+            <a:ext cx="8640146" cy="4068147"/>
+          </a:xfrm>
+          <a:prstGeom prst="parallelogram">
+            <a:avLst>
+              <a:gd name="adj" fmla="val 48341"/>
+            </a:avLst>
+          </a:prstGeom>
+          <a:solidFill>
+            <a:schemeClr val="tx1"/>
+          </a:solidFill>
+          <a:ln w="38100">
+            <a:solidFill>
+              <a:srgbClr val="FFFF00"/>
+            </a:solidFill>
+          </a:ln>
+        </p:spPr>
+        <p:style>
+          <a:lnRef idx="2">
+            <a:schemeClr val="accent6"/>
+          </a:lnRef>
+          <a:fillRef idx="1">
+            <a:schemeClr val="lt1"/>
+          </a:fillRef>
+          <a:effectRef idx="0">
+            <a:schemeClr val="accent6"/>
+          </a:effectRef>
+          <a:fontRef idx="minor">
+            <a:schemeClr val="dk1"/>
+          </a:fontRef>
+        </p:style>
+        <p:txBody>
+          <a:bodyPr rtlCol="0" anchor="ctr"/>
+          <a:lstStyle/>
+          <a:p>
+            <a:pPr algn="ctr"/>
+            <a:endParaRPr lang="de-DE"/>
+          </a:p>
+        </p:txBody>
+      </p:sp>
+      <p:sp>
+        <p:nvSpPr>
+          <p:cNvPr id="2" name="Textfeld 1">
+            <a:extLst>
+              <a:ext uri="{FF2B5EF4-FFF2-40B4-BE49-F238E27FC236}">
+                <a16:creationId xmlns:a16="http://schemas.microsoft.com/office/drawing/2014/main" id="{42843516-09A9-2F1E-76A5-272DEBE3B9A5}"/>
+              </a:ext>
+            </a:extLst>
+          </p:cNvPr>
+          <p:cNvSpPr txBox="1"/>
+          <p:nvPr/>
+        </p:nvSpPr>
+        <p:spPr>
+          <a:xfrm>
+            <a:off x="4477996" y="1433904"/>
+            <a:ext cx="4418176" cy="1200329"/>
+          </a:xfrm>
+          <a:prstGeom prst="rect">
+            <a:avLst/>
+          </a:prstGeom>
+          <a:noFill/>
+        </p:spPr>
+        <p:txBody>
+          <a:bodyPr wrap="square" rtlCol="0">
+            <a:spAutoFit/>
+          </a:bodyPr>
+          <a:lstStyle/>
+          <a:p>
+            <a:pPr algn="ctr"/>
+            <a:r>
+              <a:rPr lang="de-DE" dirty="0">
+                <a:solidFill>
+                  <a:schemeClr val="bg1"/>
+                </a:solidFill>
+              </a:rPr>
+              <a:t>Bearbeitungsbereich nur innerhalb </a:t>
+            </a:r>
+            <a:r>
+              <a:rPr lang="de-DE">
+                <a:solidFill>
+                  <a:schemeClr val="bg1"/>
+                </a:solidFill>
+              </a:rPr>
+              <a:t>dieses Parallelogramms </a:t>
+            </a:r>
+            <a:endParaRPr lang="de-DE" dirty="0">
+              <a:solidFill>
+                <a:schemeClr val="bg1"/>
+              </a:solidFill>
+            </a:endParaRPr>
+          </a:p>
+          <a:p>
+            <a:pPr algn="ctr"/>
+            <a:endParaRPr lang="de-DE" dirty="0">
+              <a:solidFill>
+                <a:schemeClr val="bg1"/>
+              </a:solidFill>
+            </a:endParaRPr>
+          </a:p>
+          <a:p>
+            <a:pPr algn="ctr"/>
+            <a:r>
+              <a:rPr lang="de-DE" dirty="0">
+                <a:solidFill>
+                  <a:schemeClr val="bg1"/>
+                </a:solidFill>
+              </a:rPr>
+              <a:t>Schwarzer Hintergrund mit weißer Schrift!</a:t>
+            </a:r>
+          </a:p>
+        </p:txBody>
+      </p:sp>
+    </p:spTree>
+    <p:extLst>
+      <p:ext uri="{BB962C8B-B14F-4D97-AF65-F5344CB8AC3E}">
+        <p14:creationId xmlns:p14="http://schemas.microsoft.com/office/powerpoint/2010/main" val="1682811109"/>
+      </p:ext>
+    </p:extLst>
+  </p:cSld>
+  <p:clrMapOvr>
+    <a:masterClrMapping/>
+  </p:clrMapOvr>
+</p:sld>
+</file>
+
+<file path=ppt/slides/slide8.xml><?xml version="1.0" encoding="utf-8"?>
+<p:sld xmlns:a="http://schemas.openxmlformats.org/drawingml/2006/main" xmlns:r="http://schemas.openxmlformats.org/officeDocument/2006/relationships" xmlns:p="http://schemas.openxmlformats.org/presentationml/2006/main">
+  <p:cSld>
+    <p:bg>
+      <p:bgPr>
+        <a:solidFill>
+          <a:schemeClr val="tx1"/>
+        </a:solidFill>
+        <a:effectLst/>
+      </p:bgPr>
+    </p:bg>
+    <p:spTree>
+      <p:nvGrpSpPr>
+        <p:cNvPr id="1" name="">
+          <a:extLst>
+            <a:ext uri="{FF2B5EF4-FFF2-40B4-BE49-F238E27FC236}">
+              <a16:creationId xmlns:a16="http://schemas.microsoft.com/office/drawing/2014/main" id="{38C25B8F-79CD-9BFF-A44D-7B88818A2A8A}"/>
+            </a:ext>
+          </a:extLst>
+        </p:cNvPr>
+        <p:cNvGrpSpPr/>
+        <p:nvPr/>
+      </p:nvGrpSpPr>
+      <p:grpSpPr>
+        <a:xfrm>
+          <a:off x="0" y="0"/>
+          <a:ext cx="0" cy="0"/>
+          <a:chOff x="0" y="0"/>
+          <a:chExt cx="0" cy="0"/>
+        </a:xfrm>
+      </p:grpSpPr>
+      <p:sp>
+        <p:nvSpPr>
+          <p:cNvPr id="5" name="Parallelogramm 4">
+            <a:extLst>
+              <a:ext uri="{FF2B5EF4-FFF2-40B4-BE49-F238E27FC236}">
+                <a16:creationId xmlns:a16="http://schemas.microsoft.com/office/drawing/2014/main" id="{BCC9E873-0358-6820-33C3-9831D4EDDFB9}"/>
+              </a:ext>
+            </a:extLst>
+          </p:cNvPr>
+          <p:cNvSpPr/>
+          <p:nvPr/>
+        </p:nvSpPr>
+        <p:spPr>
+          <a:xfrm flipV="1">
+            <a:off x="2304663" y="-4"/>
+            <a:ext cx="8640146" cy="4068147"/>
+          </a:xfrm>
+          <a:prstGeom prst="parallelogram">
+            <a:avLst>
+              <a:gd name="adj" fmla="val 48341"/>
+            </a:avLst>
+          </a:prstGeom>
+          <a:solidFill>
+            <a:schemeClr val="tx1"/>
+          </a:solidFill>
+          <a:ln w="38100">
+            <a:solidFill>
+              <a:srgbClr val="FFFF00"/>
+            </a:solidFill>
+          </a:ln>
+        </p:spPr>
+        <p:style>
+          <a:lnRef idx="2">
+            <a:schemeClr val="accent6"/>
+          </a:lnRef>
+          <a:fillRef idx="1">
+            <a:schemeClr val="lt1"/>
+          </a:fillRef>
+          <a:effectRef idx="0">
+            <a:schemeClr val="accent6"/>
+          </a:effectRef>
+          <a:fontRef idx="minor">
+            <a:schemeClr val="dk1"/>
+          </a:fontRef>
+        </p:style>
+        <p:txBody>
+          <a:bodyPr rtlCol="0" anchor="ctr"/>
+          <a:lstStyle/>
+          <a:p>
+            <a:pPr algn="ctr"/>
+            <a:endParaRPr lang="de-DE"/>
+          </a:p>
+        </p:txBody>
+      </p:sp>
+      <p:sp>
+        <p:nvSpPr>
+          <p:cNvPr id="2" name="Textfeld 1">
+            <a:extLst>
+              <a:ext uri="{FF2B5EF4-FFF2-40B4-BE49-F238E27FC236}">
+                <a16:creationId xmlns:a16="http://schemas.microsoft.com/office/drawing/2014/main" id="{B8C29E90-7F01-DBA4-7096-E4069CCADA1E}"/>
+              </a:ext>
+            </a:extLst>
+          </p:cNvPr>
+          <p:cNvSpPr txBox="1"/>
+          <p:nvPr/>
+        </p:nvSpPr>
+        <p:spPr>
+          <a:xfrm>
+            <a:off x="4477996" y="1433904"/>
+            <a:ext cx="4418176" cy="1200329"/>
+          </a:xfrm>
+          <a:prstGeom prst="rect">
+            <a:avLst/>
+          </a:prstGeom>
+          <a:noFill/>
+        </p:spPr>
+        <p:txBody>
+          <a:bodyPr wrap="square" rtlCol="0">
+            <a:spAutoFit/>
+          </a:bodyPr>
+          <a:lstStyle/>
+          <a:p>
+            <a:pPr algn="ctr"/>
+            <a:r>
+              <a:rPr lang="de-DE" dirty="0">
+                <a:solidFill>
+                  <a:schemeClr val="bg1"/>
+                </a:solidFill>
+              </a:rPr>
+              <a:t>Bearbeitungsbereich nur innerhalb </a:t>
+            </a:r>
+            <a:r>
+              <a:rPr lang="de-DE">
+                <a:solidFill>
+                  <a:schemeClr val="bg1"/>
+                </a:solidFill>
+              </a:rPr>
+              <a:t>dieses Parallelogramms </a:t>
+            </a:r>
+            <a:endParaRPr lang="de-DE" dirty="0">
+              <a:solidFill>
+                <a:schemeClr val="bg1"/>
+              </a:solidFill>
+            </a:endParaRPr>
+          </a:p>
+          <a:p>
+            <a:pPr algn="ctr"/>
+            <a:endParaRPr lang="de-DE" dirty="0">
+              <a:solidFill>
+                <a:schemeClr val="bg1"/>
+              </a:solidFill>
+            </a:endParaRPr>
+          </a:p>
+          <a:p>
+            <a:pPr algn="ctr"/>
+            <a:r>
+              <a:rPr lang="de-DE" dirty="0">
+                <a:solidFill>
+                  <a:schemeClr val="bg1"/>
+                </a:solidFill>
+              </a:rPr>
+              <a:t>Schwarzer Hintergrund mit weißer Schrift!</a:t>
+            </a:r>
+          </a:p>
+        </p:txBody>
+      </p:sp>
+    </p:spTree>
+    <p:extLst>
+      <p:ext uri="{BB962C8B-B14F-4D97-AF65-F5344CB8AC3E}">
+        <p14:creationId xmlns:p14="http://schemas.microsoft.com/office/powerpoint/2010/main" val="167490956"/>
+      </p:ext>
+    </p:extLst>
+  </p:cSld>
+  <p:clrMapOvr>
+    <a:masterClrMapping/>
+  </p:clrMapOvr>
+</p:sld>
+</file>
+
+<file path=ppt/slides/slide9.xml><?xml version="1.0" encoding="utf-8"?>
+<p:sld xmlns:a="http://schemas.openxmlformats.org/drawingml/2006/main" xmlns:r="http://schemas.openxmlformats.org/officeDocument/2006/relationships" xmlns:p="http://schemas.openxmlformats.org/presentationml/2006/main">
+  <p:cSld>
+    <p:bg>
+      <p:bgPr>
+        <a:solidFill>
+          <a:schemeClr val="tx1"/>
+        </a:solidFill>
+        <a:effectLst/>
+      </p:bgPr>
+    </p:bg>
+    <p:spTree>
+      <p:nvGrpSpPr>
+        <p:cNvPr id="1" name="">
+          <a:extLst>
+            <a:ext uri="{FF2B5EF4-FFF2-40B4-BE49-F238E27FC236}">
+              <a16:creationId xmlns:a16="http://schemas.microsoft.com/office/drawing/2014/main" id="{C088FDAC-26B7-7F3B-3D7F-6C31899074B8}"/>
+            </a:ext>
+          </a:extLst>
+        </p:cNvPr>
+        <p:cNvGrpSpPr/>
+        <p:nvPr/>
+      </p:nvGrpSpPr>
+      <p:grpSpPr>
+        <a:xfrm>
+          <a:off x="0" y="0"/>
+          <a:ext cx="0" cy="0"/>
+          <a:chOff x="0" y="0"/>
+          <a:chExt cx="0" cy="0"/>
+        </a:xfrm>
+      </p:grpSpPr>
+      <p:sp>
+        <p:nvSpPr>
+          <p:cNvPr id="5" name="Parallelogramm 4">
+            <a:extLst>
+              <a:ext uri="{FF2B5EF4-FFF2-40B4-BE49-F238E27FC236}">
+                <a16:creationId xmlns:a16="http://schemas.microsoft.com/office/drawing/2014/main" id="{62FA47C4-BAA8-8E62-C4AA-37E19477D78C}"/>
+              </a:ext>
+            </a:extLst>
+          </p:cNvPr>
+          <p:cNvSpPr/>
+          <p:nvPr/>
+        </p:nvSpPr>
+        <p:spPr>
+          <a:xfrm flipV="1">
+            <a:off x="2304663" y="-4"/>
+            <a:ext cx="8640146" cy="4068147"/>
+          </a:xfrm>
+          <a:prstGeom prst="parallelogram">
+            <a:avLst>
+              <a:gd name="adj" fmla="val 48341"/>
+            </a:avLst>
+          </a:prstGeom>
+          <a:solidFill>
+            <a:schemeClr val="tx1"/>
+          </a:solidFill>
+          <a:ln w="38100">
+            <a:solidFill>
+              <a:srgbClr val="FFFF00"/>
+            </a:solidFill>
+          </a:ln>
+        </p:spPr>
+        <p:style>
+          <a:lnRef idx="2">
+            <a:schemeClr val="accent6"/>
+          </a:lnRef>
+          <a:fillRef idx="1">
+            <a:schemeClr val="lt1"/>
+          </a:fillRef>
+          <a:effectRef idx="0">
+            <a:schemeClr val="accent6"/>
+          </a:effectRef>
+          <a:fontRef idx="minor">
+            <a:schemeClr val="dk1"/>
+          </a:fontRef>
+        </p:style>
+        <p:txBody>
+          <a:bodyPr rtlCol="0" anchor="ctr"/>
+          <a:lstStyle/>
+          <a:p>
+            <a:pPr algn="ctr"/>
+            <a:endParaRPr lang="de-DE"/>
+          </a:p>
+        </p:txBody>
+      </p:sp>
+      <p:sp>
+        <p:nvSpPr>
+          <p:cNvPr id="2" name="Textfeld 1">
+            <a:extLst>
+              <a:ext uri="{FF2B5EF4-FFF2-40B4-BE49-F238E27FC236}">
+                <a16:creationId xmlns:a16="http://schemas.microsoft.com/office/drawing/2014/main" id="{3B9E2A18-66B6-60CC-C0A1-E1A21BBBBCD3}"/>
+              </a:ext>
+            </a:extLst>
+          </p:cNvPr>
+          <p:cNvSpPr txBox="1"/>
+          <p:nvPr/>
+        </p:nvSpPr>
+        <p:spPr>
+          <a:xfrm>
+            <a:off x="4477996" y="1433904"/>
+            <a:ext cx="4418176" cy="1200329"/>
+          </a:xfrm>
+          <a:prstGeom prst="rect">
+            <a:avLst/>
+          </a:prstGeom>
+          <a:noFill/>
+        </p:spPr>
+        <p:txBody>
+          <a:bodyPr wrap="square" rtlCol="0">
+            <a:spAutoFit/>
+          </a:bodyPr>
+          <a:lstStyle/>
+          <a:p>
+            <a:pPr algn="ctr"/>
+            <a:r>
+              <a:rPr lang="de-DE" dirty="0">
+                <a:solidFill>
+                  <a:schemeClr val="bg1"/>
+                </a:solidFill>
+              </a:rPr>
+              <a:t>Bearbeitungsbereich nur innerhalb </a:t>
+            </a:r>
+            <a:r>
+              <a:rPr lang="de-DE">
+                <a:solidFill>
+                  <a:schemeClr val="bg1"/>
+                </a:solidFill>
+              </a:rPr>
+              <a:t>dieses Parallelogramms </a:t>
+            </a:r>
+            <a:endParaRPr lang="de-DE" dirty="0">
+              <a:solidFill>
+                <a:schemeClr val="bg1"/>
+              </a:solidFill>
+            </a:endParaRPr>
+          </a:p>
+          <a:p>
+            <a:pPr algn="ctr"/>
+            <a:endParaRPr lang="de-DE" dirty="0">
+              <a:solidFill>
+                <a:schemeClr val="bg1"/>
+              </a:solidFill>
+            </a:endParaRPr>
+          </a:p>
+          <a:p>
+            <a:pPr algn="ctr"/>
+            <a:r>
+              <a:rPr lang="de-DE" dirty="0">
+                <a:solidFill>
+                  <a:schemeClr val="bg1"/>
+                </a:solidFill>
+              </a:rPr>
+              <a:t>Schwarzer Hintergrund mit weißer Schrift!</a:t>
+            </a:r>
+          </a:p>
+        </p:txBody>
+      </p:sp>
+    </p:spTree>
+    <p:extLst>
+      <p:ext uri="{BB962C8B-B14F-4D97-AF65-F5344CB8AC3E}">
+        <p14:creationId xmlns:p14="http://schemas.microsoft.com/office/powerpoint/2010/main" val="9273907"/>
       </p:ext>
     </p:extLst>
   </p:cSld>
@@ -3789,26 +6230,6 @@
 </file>
 
 <file path=customXml/item1.xml><?xml version="1.0" encoding="utf-8"?>
-<p:properties xmlns:p="http://schemas.microsoft.com/office/2006/metadata/properties" xmlns:xsi="http://www.w3.org/2001/XMLSchema-instance" xmlns:pc="http://schemas.microsoft.com/office/infopath/2007/PartnerControls">
-  <documentManagement>
-    <lcf76f155ced4ddcb4097134ff3c332f xmlns="7b2087a2-aa00-459f-afbf-d31d677ab458">
-      <Terms xmlns="http://schemas.microsoft.com/office/infopath/2007/PartnerControls"/>
-    </lcf76f155ced4ddcb4097134ff3c332f>
-    <TaxCatchAll xmlns="46e6d2b1-d0b4-41c7-b220-e565bb4fc6c5" xsi:nil="true"/>
-  </documentManagement>
-</p:properties>
-</file>
-
-<file path=customXml/item2.xml><?xml version="1.0" encoding="utf-8"?>
-<?mso-contentType ?>
-<FormTemplates xmlns="http://schemas.microsoft.com/sharepoint/v3/contenttype/forms">
-  <Display>DocumentLibraryForm</Display>
-  <Edit>DocumentLibraryForm</Edit>
-  <New>DocumentLibraryForm</New>
-</FormTemplates>
-</file>
-
-<file path=customXml/item3.xml><?xml version="1.0" encoding="utf-8"?>
 <ct:contentTypeSchema xmlns:ct="http://schemas.microsoft.com/office/2006/metadata/contentType" xmlns:ma="http://schemas.microsoft.com/office/2006/metadata/properties/metaAttributes" ct:_="" ma:_="" ma:contentTypeName="Dokument" ma:contentTypeID="0x0101009891C516DB217F44BBCB512C1F80D1F9" ma:contentTypeVersion="16" ma:contentTypeDescription="Ein neues Dokument erstellen." ma:contentTypeScope="" ma:versionID="9ff1013623793293257c40f8ba0bd5a5">
   <xsd:schema xmlns:xsd="http://www.w3.org/2001/XMLSchema" xmlns:xs="http://www.w3.org/2001/XMLSchema" xmlns:p="http://schemas.microsoft.com/office/2006/metadata/properties" xmlns:ns2="7b2087a2-aa00-459f-afbf-d31d677ab458" xmlns:ns3="46e6d2b1-d0b4-41c7-b220-e565bb4fc6c5" targetNamespace="http://schemas.microsoft.com/office/2006/metadata/properties" ma:root="true" ma:fieldsID="c03ee18f4f76b67607e6bcc9fc33ceaf" ns2:_="" ns3:_="">
     <xsd:import namespace="7b2087a2-aa00-459f-afbf-d31d677ab458"/>
@@ -4049,32 +6470,27 @@
 </ct:contentTypeSchema>
 </file>
 
-<file path=customXml/itemProps1.xml><?xml version="1.0" encoding="utf-8"?>
-<ds:datastoreItem xmlns:ds="http://schemas.openxmlformats.org/officeDocument/2006/customXml" ds:itemID="{2DA8A584-B229-498F-BE4C-F8B50D9DB5F1}">
-  <ds:schemaRefs>
-    <ds:schemaRef ds:uri="http://www.w3.org/XML/1998/namespace"/>
-    <ds:schemaRef ds:uri="http://schemas.microsoft.com/office/infopath/2007/PartnerControls"/>
-    <ds:schemaRef ds:uri="7b2087a2-aa00-459f-afbf-d31d677ab458"/>
-    <ds:schemaRef ds:uri="http://purl.org/dc/elements/1.1/"/>
-    <ds:schemaRef ds:uri="46e6d2b1-d0b4-41c7-b220-e565bb4fc6c5"/>
-    <ds:schemaRef ds:uri="http://schemas.microsoft.com/office/2006/documentManagement/types"/>
-    <ds:schemaRef ds:uri="http://schemas.openxmlformats.org/package/2006/metadata/core-properties"/>
-    <ds:schemaRef ds:uri="http://schemas.microsoft.com/office/2006/metadata/properties"/>
-    <ds:schemaRef ds:uri="http://purl.org/dc/dcmitype/"/>
-    <ds:schemaRef ds:uri="http://purl.org/dc/terms/"/>
-  </ds:schemaRefs>
-</ds:datastoreItem>
+<file path=customXml/item2.xml><?xml version="1.0" encoding="utf-8"?>
+<?mso-contentType ?>
+<FormTemplates xmlns="http://schemas.microsoft.com/sharepoint/v3/contenttype/forms">
+  <Display>DocumentLibraryForm</Display>
+  <Edit>DocumentLibraryForm</Edit>
+  <New>DocumentLibraryForm</New>
+</FormTemplates>
 </file>
 
-<file path=customXml/itemProps2.xml><?xml version="1.0" encoding="utf-8"?>
-<ds:datastoreItem xmlns:ds="http://schemas.openxmlformats.org/officeDocument/2006/customXml" ds:itemID="{0E915D31-0063-48F2-812D-B2A832D8CCD9}">
-  <ds:schemaRefs>
-    <ds:schemaRef ds:uri="http://schemas.microsoft.com/sharepoint/v3/contenttype/forms"/>
-  </ds:schemaRefs>
-</ds:datastoreItem>
+<file path=customXml/item3.xml><?xml version="1.0" encoding="utf-8"?>
+<p:properties xmlns:p="http://schemas.microsoft.com/office/2006/metadata/properties" xmlns:xsi="http://www.w3.org/2001/XMLSchema-instance" xmlns:pc="http://schemas.microsoft.com/office/infopath/2007/PartnerControls">
+  <documentManagement>
+    <lcf76f155ced4ddcb4097134ff3c332f xmlns="7b2087a2-aa00-459f-afbf-d31d677ab458">
+      <Terms xmlns="http://schemas.microsoft.com/office/infopath/2007/PartnerControls"/>
+    </lcf76f155ced4ddcb4097134ff3c332f>
+    <TaxCatchAll xmlns="46e6d2b1-d0b4-41c7-b220-e565bb4fc6c5" xsi:nil="true"/>
+  </documentManagement>
+</p:properties>
 </file>
 
-<file path=customXml/itemProps3.xml><?xml version="1.0" encoding="utf-8"?>
+<file path=customXml/itemProps1.xml><?xml version="1.0" encoding="utf-8"?>
 <ds:datastoreItem xmlns:ds="http://schemas.openxmlformats.org/officeDocument/2006/customXml" ds:itemID="{AA310655-5612-42EF-8CC8-A867C752977A}">
   <ds:schemaRefs>
     <ds:schemaRef ds:uri="http://schemas.microsoft.com/office/2006/metadata/contentType"/>
@@ -4091,4 +6507,29 @@
     <ds:schemaRef ds:uri="http://schemas.microsoft.com/internal/obd"/>
   </ds:schemaRefs>
 </ds:datastoreItem>
+</file>
+
+<file path=customXml/itemProps2.xml><?xml version="1.0" encoding="utf-8"?>
+<ds:datastoreItem xmlns:ds="http://schemas.openxmlformats.org/officeDocument/2006/customXml" ds:itemID="{0E915D31-0063-48F2-812D-B2A832D8CCD9}">
+  <ds:schemaRefs>
+    <ds:schemaRef ds:uri="http://schemas.microsoft.com/sharepoint/v3/contenttype/forms"/>
+  </ds:schemaRefs>
+</ds:datastoreItem>
+</file>
+
+<file path=customXml/itemProps3.xml><?xml version="1.0" encoding="utf-8"?>
+<ds:datastoreItem xmlns:ds="http://schemas.openxmlformats.org/officeDocument/2006/customXml" ds:itemID="{2DA8A584-B229-498F-BE4C-F8B50D9DB5F1}">
+  <ds:schemaRefs>
+    <ds:schemaRef ds:uri="http://www.w3.org/XML/1998/namespace"/>
+    <ds:schemaRef ds:uri="http://schemas.microsoft.com/office/infopath/2007/PartnerControls"/>
+    <ds:schemaRef ds:uri="7b2087a2-aa00-459f-afbf-d31d677ab458"/>
+    <ds:schemaRef ds:uri="http://purl.org/dc/elements/1.1/"/>
+    <ds:schemaRef ds:uri="46e6d2b1-d0b4-41c7-b220-e565bb4fc6c5"/>
+    <ds:schemaRef ds:uri="http://schemas.microsoft.com/office/2006/documentManagement/types"/>
+    <ds:schemaRef ds:uri="http://schemas.openxmlformats.org/package/2006/metadata/core-properties"/>
+    <ds:schemaRef ds:uri="http://schemas.microsoft.com/office/2006/metadata/properties"/>
+    <ds:schemaRef ds:uri="http://purl.org/dc/dcmitype/"/>
+    <ds:schemaRef ds:uri="http://purl.org/dc/terms/"/>
+  </ds:schemaRefs>
+</ds:datastoreItem>
 </file>
--- a/talks/202510_roulette/Kruppa_Scheetz.pptx
+++ b/talks/202510_roulette/Kruppa_Scheetz.pptx
@@ -6,16 +6,23 @@
   </p:sldMasterIdLst>
   <p:sldIdLst>
     <p:sldId id="266" r:id="rId5"/>
-    <p:sldId id="267" r:id="rId6"/>
-    <p:sldId id="268" r:id="rId7"/>
-    <p:sldId id="276" r:id="rId8"/>
-    <p:sldId id="269" r:id="rId9"/>
-    <p:sldId id="270" r:id="rId10"/>
-    <p:sldId id="271" r:id="rId11"/>
-    <p:sldId id="272" r:id="rId12"/>
-    <p:sldId id="273" r:id="rId13"/>
-    <p:sldId id="274" r:id="rId14"/>
-    <p:sldId id="275" r:id="rId15"/>
+    <p:sldId id="277" r:id="rId6"/>
+    <p:sldId id="278" r:id="rId7"/>
+    <p:sldId id="267" r:id="rId8"/>
+    <p:sldId id="279" r:id="rId9"/>
+    <p:sldId id="268" r:id="rId10"/>
+    <p:sldId id="276" r:id="rId11"/>
+    <p:sldId id="280" r:id="rId12"/>
+    <p:sldId id="281" r:id="rId13"/>
+    <p:sldId id="282" r:id="rId14"/>
+    <p:sldId id="283" r:id="rId15"/>
+    <p:sldId id="269" r:id="rId16"/>
+    <p:sldId id="270" r:id="rId17"/>
+    <p:sldId id="271" r:id="rId18"/>
+    <p:sldId id="272" r:id="rId19"/>
+    <p:sldId id="273" r:id="rId20"/>
+    <p:sldId id="274" r:id="rId21"/>
+    <p:sldId id="275" r:id="rId22"/>
   </p:sldIdLst>
   <p:sldSz cx="12192000" cy="6858000"/>
   <p:notesSz cx="6858000" cy="9144000"/>
@@ -269,7 +276,7 @@
           <a:p>
             <a:fld id="{7FA2D9D7-34EC-47D5-AEAE-AF311B3F0586}" type="datetimeFigureOut">
               <a:rPr lang="de-DE" smtClean="0"/>
-              <a:t>11.10.25</a:t>
+              <a:t>23.10.25</a:t>
             </a:fld>
             <a:endParaRPr lang="de-DE"/>
           </a:p>
@@ -467,7 +474,7 @@
           <a:p>
             <a:fld id="{7FA2D9D7-34EC-47D5-AEAE-AF311B3F0586}" type="datetimeFigureOut">
               <a:rPr lang="de-DE" smtClean="0"/>
-              <a:t>11.10.25</a:t>
+              <a:t>23.10.25</a:t>
             </a:fld>
             <a:endParaRPr lang="de-DE"/>
           </a:p>
@@ -675,7 +682,7 @@
           <a:p>
             <a:fld id="{7FA2D9D7-34EC-47D5-AEAE-AF311B3F0586}" type="datetimeFigureOut">
               <a:rPr lang="de-DE" smtClean="0"/>
-              <a:t>11.10.25</a:t>
+              <a:t>23.10.25</a:t>
             </a:fld>
             <a:endParaRPr lang="de-DE"/>
           </a:p>
@@ -873,7 +880,7 @@
           <a:p>
             <a:fld id="{7FA2D9D7-34EC-47D5-AEAE-AF311B3F0586}" type="datetimeFigureOut">
               <a:rPr lang="de-DE" smtClean="0"/>
-              <a:t>11.10.25</a:t>
+              <a:t>23.10.25</a:t>
             </a:fld>
             <a:endParaRPr lang="de-DE"/>
           </a:p>
@@ -1148,7 +1155,7 @@
           <a:p>
             <a:fld id="{7FA2D9D7-34EC-47D5-AEAE-AF311B3F0586}" type="datetimeFigureOut">
               <a:rPr lang="de-DE" smtClean="0"/>
-              <a:t>11.10.25</a:t>
+              <a:t>23.10.25</a:t>
             </a:fld>
             <a:endParaRPr lang="de-DE"/>
           </a:p>
@@ -1413,7 +1420,7 @@
           <a:p>
             <a:fld id="{7FA2D9D7-34EC-47D5-AEAE-AF311B3F0586}" type="datetimeFigureOut">
               <a:rPr lang="de-DE" smtClean="0"/>
-              <a:t>11.10.25</a:t>
+              <a:t>23.10.25</a:t>
             </a:fld>
             <a:endParaRPr lang="de-DE"/>
           </a:p>
@@ -1825,7 +1832,7 @@
           <a:p>
             <a:fld id="{7FA2D9D7-34EC-47D5-AEAE-AF311B3F0586}" type="datetimeFigureOut">
               <a:rPr lang="de-DE" smtClean="0"/>
-              <a:t>11.10.25</a:t>
+              <a:t>23.10.25</a:t>
             </a:fld>
             <a:endParaRPr lang="de-DE"/>
           </a:p>
@@ -1966,7 +1973,7 @@
           <a:p>
             <a:fld id="{7FA2D9D7-34EC-47D5-AEAE-AF311B3F0586}" type="datetimeFigureOut">
               <a:rPr lang="de-DE" smtClean="0"/>
-              <a:t>11.10.25</a:t>
+              <a:t>23.10.25</a:t>
             </a:fld>
             <a:endParaRPr lang="de-DE"/>
           </a:p>
@@ -2079,7 +2086,7 @@
           <a:p>
             <a:fld id="{7FA2D9D7-34EC-47D5-AEAE-AF311B3F0586}" type="datetimeFigureOut">
               <a:rPr lang="de-DE" smtClean="0"/>
-              <a:t>11.10.25</a:t>
+              <a:t>23.10.25</a:t>
             </a:fld>
             <a:endParaRPr lang="de-DE"/>
           </a:p>
@@ -2390,7 +2397,7 @@
           <a:p>
             <a:fld id="{7FA2D9D7-34EC-47D5-AEAE-AF311B3F0586}" type="datetimeFigureOut">
               <a:rPr lang="de-DE" smtClean="0"/>
-              <a:t>11.10.25</a:t>
+              <a:t>23.10.25</a:t>
             </a:fld>
             <a:endParaRPr lang="de-DE"/>
           </a:p>
@@ -2678,7 +2685,7 @@
           <a:p>
             <a:fld id="{7FA2D9D7-34EC-47D5-AEAE-AF311B3F0586}" type="datetimeFigureOut">
               <a:rPr lang="de-DE" smtClean="0"/>
-              <a:t>11.10.25</a:t>
+              <a:t>23.10.25</a:t>
             </a:fld>
             <a:endParaRPr lang="de-DE"/>
           </a:p>
@@ -2919,7 +2926,7 @@
           <a:p>
             <a:fld id="{7FA2D9D7-34EC-47D5-AEAE-AF311B3F0586}" type="datetimeFigureOut">
               <a:rPr lang="de-DE" smtClean="0"/>
-              <a:t>11.10.25</a:t>
+              <a:t>23.10.25</a:t>
             </a:fld>
             <a:endParaRPr lang="de-DE"/>
           </a:p>
@@ -3486,6 +3493,1129 @@
         <p:cNvPr id="1" name="">
           <a:extLst>
             <a:ext uri="{FF2B5EF4-FFF2-40B4-BE49-F238E27FC236}">
+              <a16:creationId xmlns:a16="http://schemas.microsoft.com/office/drawing/2014/main" id="{34AD5908-84B9-150F-2D25-9E38347D91D9}"/>
+            </a:ext>
+          </a:extLst>
+        </p:cNvPr>
+        <p:cNvGrpSpPr/>
+        <p:nvPr/>
+      </p:nvGrpSpPr>
+      <p:grpSpPr>
+        <a:xfrm>
+          <a:off x="0" y="0"/>
+          <a:ext cx="0" cy="0"/>
+          <a:chOff x="0" y="0"/>
+          <a:chExt cx="0" cy="0"/>
+        </a:xfrm>
+      </p:grpSpPr>
+      <p:sp>
+        <p:nvSpPr>
+          <p:cNvPr id="5" name="Parallelogramm 4">
+            <a:extLst>
+              <a:ext uri="{FF2B5EF4-FFF2-40B4-BE49-F238E27FC236}">
+                <a16:creationId xmlns:a16="http://schemas.microsoft.com/office/drawing/2014/main" id="{B002980D-A344-8E81-B516-7D05D9020F7E}"/>
+              </a:ext>
+            </a:extLst>
+          </p:cNvPr>
+          <p:cNvSpPr/>
+          <p:nvPr/>
+        </p:nvSpPr>
+        <p:spPr>
+          <a:xfrm flipV="1">
+            <a:off x="2304663" y="-4"/>
+            <a:ext cx="8640146" cy="4068147"/>
+          </a:xfrm>
+          <a:prstGeom prst="parallelogram">
+            <a:avLst>
+              <a:gd name="adj" fmla="val 48341"/>
+            </a:avLst>
+          </a:prstGeom>
+          <a:solidFill>
+            <a:schemeClr val="tx1"/>
+          </a:solidFill>
+          <a:ln w="38100">
+            <a:solidFill>
+              <a:srgbClr val="FFFF00"/>
+            </a:solidFill>
+          </a:ln>
+        </p:spPr>
+        <p:style>
+          <a:lnRef idx="2">
+            <a:schemeClr val="accent6"/>
+          </a:lnRef>
+          <a:fillRef idx="1">
+            <a:schemeClr val="lt1"/>
+          </a:fillRef>
+          <a:effectRef idx="0">
+            <a:schemeClr val="accent6"/>
+          </a:effectRef>
+          <a:fontRef idx="minor">
+            <a:schemeClr val="dk1"/>
+          </a:fontRef>
+        </p:style>
+        <p:txBody>
+          <a:bodyPr rtlCol="0" anchor="ctr"/>
+          <a:lstStyle/>
+          <a:p>
+            <a:pPr algn="ctr"/>
+            <a:endParaRPr lang="de-DE"/>
+          </a:p>
+        </p:txBody>
+      </p:sp>
+      <p:sp>
+        <p:nvSpPr>
+          <p:cNvPr id="2" name="Textfeld 1">
+            <a:extLst>
+              <a:ext uri="{FF2B5EF4-FFF2-40B4-BE49-F238E27FC236}">
+                <a16:creationId xmlns:a16="http://schemas.microsoft.com/office/drawing/2014/main" id="{BD3951FF-CA84-B74F-9AF6-827055E7B17F}"/>
+              </a:ext>
+            </a:extLst>
+          </p:cNvPr>
+          <p:cNvSpPr txBox="1"/>
+          <p:nvPr/>
+        </p:nvSpPr>
+        <p:spPr>
+          <a:xfrm>
+            <a:off x="4109013" y="1003017"/>
+            <a:ext cx="5185458" cy="2123658"/>
+          </a:xfrm>
+          <a:prstGeom prst="rect">
+            <a:avLst/>
+          </a:prstGeom>
+          <a:noFill/>
+        </p:spPr>
+        <p:txBody>
+          <a:bodyPr wrap="square" rtlCol="0">
+            <a:spAutoFit/>
+          </a:bodyPr>
+          <a:lstStyle/>
+          <a:p>
+            <a:pPr algn="ctr"/>
+            <a:r>
+              <a:rPr lang="de-DE" sz="4400" b="1" dirty="0">
+                <a:solidFill>
+                  <a:schemeClr val="bg1"/>
+                </a:solidFill>
+              </a:rPr>
+              <a:t>Mach mal was, was du so richtig nicht kannst!</a:t>
+            </a:r>
+            <a:endParaRPr lang="de-DE" sz="2000" i="1" dirty="0">
+              <a:solidFill>
+                <a:schemeClr val="bg1"/>
+              </a:solidFill>
+            </a:endParaRPr>
+          </a:p>
+        </p:txBody>
+      </p:sp>
+    </p:spTree>
+    <p:extLst>
+      <p:ext uri="{BB962C8B-B14F-4D97-AF65-F5344CB8AC3E}">
+        <p14:creationId xmlns:p14="http://schemas.microsoft.com/office/powerpoint/2010/main" val="2933580976"/>
+      </p:ext>
+    </p:extLst>
+  </p:cSld>
+  <p:clrMapOvr>
+    <a:masterClrMapping/>
+  </p:clrMapOvr>
+</p:sld>
+</file>
+
+<file path=ppt/slides/slide11.xml><?xml version="1.0" encoding="utf-8"?>
+<p:sld xmlns:a="http://schemas.openxmlformats.org/drawingml/2006/main" xmlns:r="http://schemas.openxmlformats.org/officeDocument/2006/relationships" xmlns:p="http://schemas.openxmlformats.org/presentationml/2006/main">
+  <p:cSld>
+    <p:bg>
+      <p:bgPr>
+        <a:solidFill>
+          <a:schemeClr val="tx1"/>
+        </a:solidFill>
+        <a:effectLst/>
+      </p:bgPr>
+    </p:bg>
+    <p:spTree>
+      <p:nvGrpSpPr>
+        <p:cNvPr id="1" name="">
+          <a:extLst>
+            <a:ext uri="{FF2B5EF4-FFF2-40B4-BE49-F238E27FC236}">
+              <a16:creationId xmlns:a16="http://schemas.microsoft.com/office/drawing/2014/main" id="{2A42863E-A0A3-B946-7352-6EB702F73DDF}"/>
+            </a:ext>
+          </a:extLst>
+        </p:cNvPr>
+        <p:cNvGrpSpPr/>
+        <p:nvPr/>
+      </p:nvGrpSpPr>
+      <p:grpSpPr>
+        <a:xfrm>
+          <a:off x="0" y="0"/>
+          <a:ext cx="0" cy="0"/>
+          <a:chOff x="0" y="0"/>
+          <a:chExt cx="0" cy="0"/>
+        </a:xfrm>
+      </p:grpSpPr>
+      <p:sp>
+        <p:nvSpPr>
+          <p:cNvPr id="5" name="Parallelogramm 4">
+            <a:extLst>
+              <a:ext uri="{FF2B5EF4-FFF2-40B4-BE49-F238E27FC236}">
+                <a16:creationId xmlns:a16="http://schemas.microsoft.com/office/drawing/2014/main" id="{1045D9FD-5B05-9063-B94B-C198E966EEC3}"/>
+              </a:ext>
+            </a:extLst>
+          </p:cNvPr>
+          <p:cNvSpPr/>
+          <p:nvPr/>
+        </p:nvSpPr>
+        <p:spPr>
+          <a:xfrm flipV="1">
+            <a:off x="2304663" y="-4"/>
+            <a:ext cx="8640146" cy="4068147"/>
+          </a:xfrm>
+          <a:prstGeom prst="parallelogram">
+            <a:avLst>
+              <a:gd name="adj" fmla="val 48341"/>
+            </a:avLst>
+          </a:prstGeom>
+          <a:solidFill>
+            <a:schemeClr val="tx1"/>
+          </a:solidFill>
+          <a:ln w="38100">
+            <a:solidFill>
+              <a:srgbClr val="FFFF00"/>
+            </a:solidFill>
+          </a:ln>
+        </p:spPr>
+        <p:style>
+          <a:lnRef idx="2">
+            <a:schemeClr val="accent6"/>
+          </a:lnRef>
+          <a:fillRef idx="1">
+            <a:schemeClr val="lt1"/>
+          </a:fillRef>
+          <a:effectRef idx="0">
+            <a:schemeClr val="accent6"/>
+          </a:effectRef>
+          <a:fontRef idx="minor">
+            <a:schemeClr val="dk1"/>
+          </a:fontRef>
+        </p:style>
+        <p:txBody>
+          <a:bodyPr rtlCol="0" anchor="ctr"/>
+          <a:lstStyle/>
+          <a:p>
+            <a:pPr algn="ctr"/>
+            <a:endParaRPr lang="de-DE"/>
+          </a:p>
+        </p:txBody>
+      </p:sp>
+      <p:sp>
+        <p:nvSpPr>
+          <p:cNvPr id="2" name="Textfeld 1">
+            <a:extLst>
+              <a:ext uri="{FF2B5EF4-FFF2-40B4-BE49-F238E27FC236}">
+                <a16:creationId xmlns:a16="http://schemas.microsoft.com/office/drawing/2014/main" id="{5F901BA3-9E46-62C8-20C9-010D39E53577}"/>
+              </a:ext>
+            </a:extLst>
+          </p:cNvPr>
+          <p:cNvSpPr txBox="1"/>
+          <p:nvPr/>
+        </p:nvSpPr>
+        <p:spPr>
+          <a:xfrm>
+            <a:off x="4109013" y="1003017"/>
+            <a:ext cx="5185458" cy="2123658"/>
+          </a:xfrm>
+          <a:prstGeom prst="rect">
+            <a:avLst/>
+          </a:prstGeom>
+          <a:noFill/>
+        </p:spPr>
+        <p:txBody>
+          <a:bodyPr wrap="square" rtlCol="0">
+            <a:spAutoFit/>
+          </a:bodyPr>
+          <a:lstStyle/>
+          <a:p>
+            <a:pPr algn="ctr"/>
+            <a:r>
+              <a:rPr lang="de-DE" sz="4400" b="1" dirty="0">
+                <a:solidFill>
+                  <a:schemeClr val="bg1"/>
+                </a:solidFill>
+              </a:rPr>
+              <a:t>Anfänger wollen konkrete Beispiele…</a:t>
+            </a:r>
+            <a:endParaRPr lang="de-DE" sz="2000" i="1" dirty="0">
+              <a:solidFill>
+                <a:schemeClr val="bg1"/>
+              </a:solidFill>
+            </a:endParaRPr>
+          </a:p>
+        </p:txBody>
+      </p:sp>
+    </p:spTree>
+    <p:extLst>
+      <p:ext uri="{BB962C8B-B14F-4D97-AF65-F5344CB8AC3E}">
+        <p14:creationId xmlns:p14="http://schemas.microsoft.com/office/powerpoint/2010/main" val="3595875411"/>
+      </p:ext>
+    </p:extLst>
+  </p:cSld>
+  <p:clrMapOvr>
+    <a:masterClrMapping/>
+  </p:clrMapOvr>
+</p:sld>
+</file>
+
+<file path=ppt/slides/slide12.xml><?xml version="1.0" encoding="utf-8"?>
+<p:sld xmlns:a="http://schemas.openxmlformats.org/drawingml/2006/main" xmlns:r="http://schemas.openxmlformats.org/officeDocument/2006/relationships" xmlns:p="http://schemas.openxmlformats.org/presentationml/2006/main">
+  <p:cSld>
+    <p:bg>
+      <p:bgPr>
+        <a:solidFill>
+          <a:schemeClr val="tx1"/>
+        </a:solidFill>
+        <a:effectLst/>
+      </p:bgPr>
+    </p:bg>
+    <p:spTree>
+      <p:nvGrpSpPr>
+        <p:cNvPr id="1" name="">
+          <a:extLst>
+            <a:ext uri="{FF2B5EF4-FFF2-40B4-BE49-F238E27FC236}">
+              <a16:creationId xmlns:a16="http://schemas.microsoft.com/office/drawing/2014/main" id="{8B4AF792-D885-50C2-F2F6-EEA2FE4B2791}"/>
+            </a:ext>
+          </a:extLst>
+        </p:cNvPr>
+        <p:cNvGrpSpPr/>
+        <p:nvPr/>
+      </p:nvGrpSpPr>
+      <p:grpSpPr>
+        <a:xfrm>
+          <a:off x="0" y="0"/>
+          <a:ext cx="0" cy="0"/>
+          <a:chOff x="0" y="0"/>
+          <a:chExt cx="0" cy="0"/>
+        </a:xfrm>
+      </p:grpSpPr>
+      <p:sp>
+        <p:nvSpPr>
+          <p:cNvPr id="5" name="Parallelogramm 4">
+            <a:extLst>
+              <a:ext uri="{FF2B5EF4-FFF2-40B4-BE49-F238E27FC236}">
+                <a16:creationId xmlns:a16="http://schemas.microsoft.com/office/drawing/2014/main" id="{2DA023E5-6F03-52D5-1DCE-66F60108F695}"/>
+              </a:ext>
+            </a:extLst>
+          </p:cNvPr>
+          <p:cNvSpPr/>
+          <p:nvPr/>
+        </p:nvSpPr>
+        <p:spPr>
+          <a:xfrm flipV="1">
+            <a:off x="2304663" y="-4"/>
+            <a:ext cx="8640146" cy="4068147"/>
+          </a:xfrm>
+          <a:prstGeom prst="parallelogram">
+            <a:avLst>
+              <a:gd name="adj" fmla="val 48341"/>
+            </a:avLst>
+          </a:prstGeom>
+          <a:solidFill>
+            <a:schemeClr val="tx1"/>
+          </a:solidFill>
+          <a:ln w="38100">
+            <a:solidFill>
+              <a:srgbClr val="FFFF00"/>
+            </a:solidFill>
+          </a:ln>
+        </p:spPr>
+        <p:style>
+          <a:lnRef idx="2">
+            <a:schemeClr val="accent6"/>
+          </a:lnRef>
+          <a:fillRef idx="1">
+            <a:schemeClr val="lt1"/>
+          </a:fillRef>
+          <a:effectRef idx="0">
+            <a:schemeClr val="accent6"/>
+          </a:effectRef>
+          <a:fontRef idx="minor">
+            <a:schemeClr val="dk1"/>
+          </a:fontRef>
+        </p:style>
+        <p:txBody>
+          <a:bodyPr rtlCol="0" anchor="ctr"/>
+          <a:lstStyle/>
+          <a:p>
+            <a:pPr algn="ctr"/>
+            <a:endParaRPr lang="de-DE"/>
+          </a:p>
+        </p:txBody>
+      </p:sp>
+      <p:sp>
+        <p:nvSpPr>
+          <p:cNvPr id="2" name="Textfeld 1">
+            <a:extLst>
+              <a:ext uri="{FF2B5EF4-FFF2-40B4-BE49-F238E27FC236}">
+                <a16:creationId xmlns:a16="http://schemas.microsoft.com/office/drawing/2014/main" id="{C5524660-7E89-7123-CCA8-E89899706942}"/>
+              </a:ext>
+            </a:extLst>
+          </p:cNvPr>
+          <p:cNvSpPr txBox="1"/>
+          <p:nvPr/>
+        </p:nvSpPr>
+        <p:spPr>
+          <a:xfrm>
+            <a:off x="4477996" y="1433904"/>
+            <a:ext cx="4418176" cy="1200329"/>
+          </a:xfrm>
+          <a:prstGeom prst="rect">
+            <a:avLst/>
+          </a:prstGeom>
+          <a:noFill/>
+        </p:spPr>
+        <p:txBody>
+          <a:bodyPr wrap="square" rtlCol="0">
+            <a:spAutoFit/>
+          </a:bodyPr>
+          <a:lstStyle/>
+          <a:p>
+            <a:pPr algn="ctr"/>
+            <a:r>
+              <a:rPr lang="de-DE" dirty="0">
+                <a:solidFill>
+                  <a:schemeClr val="bg1"/>
+                </a:solidFill>
+              </a:rPr>
+              <a:t>Bearbeitungsbereich nur innerhalb dieses Parallelogramms </a:t>
+            </a:r>
+          </a:p>
+          <a:p>
+            <a:pPr algn="ctr"/>
+            <a:endParaRPr lang="de-DE" dirty="0">
+              <a:solidFill>
+                <a:schemeClr val="bg1"/>
+              </a:solidFill>
+            </a:endParaRPr>
+          </a:p>
+          <a:p>
+            <a:pPr algn="ctr"/>
+            <a:r>
+              <a:rPr lang="de-DE" dirty="0">
+                <a:solidFill>
+                  <a:schemeClr val="bg1"/>
+                </a:solidFill>
+              </a:rPr>
+              <a:t>Schwarzer Hintergrund mit weißer Schrift!</a:t>
+            </a:r>
+          </a:p>
+        </p:txBody>
+      </p:sp>
+    </p:spTree>
+    <p:extLst>
+      <p:ext uri="{BB962C8B-B14F-4D97-AF65-F5344CB8AC3E}">
+        <p14:creationId xmlns:p14="http://schemas.microsoft.com/office/powerpoint/2010/main" val="1762995077"/>
+      </p:ext>
+    </p:extLst>
+  </p:cSld>
+  <p:clrMapOvr>
+    <a:masterClrMapping/>
+  </p:clrMapOvr>
+</p:sld>
+</file>
+
+<file path=ppt/slides/slide13.xml><?xml version="1.0" encoding="utf-8"?>
+<p:sld xmlns:a="http://schemas.openxmlformats.org/drawingml/2006/main" xmlns:r="http://schemas.openxmlformats.org/officeDocument/2006/relationships" xmlns:p="http://schemas.openxmlformats.org/presentationml/2006/main">
+  <p:cSld>
+    <p:bg>
+      <p:bgPr>
+        <a:solidFill>
+          <a:schemeClr val="tx1"/>
+        </a:solidFill>
+        <a:effectLst/>
+      </p:bgPr>
+    </p:bg>
+    <p:spTree>
+      <p:nvGrpSpPr>
+        <p:cNvPr id="1" name="">
+          <a:extLst>
+            <a:ext uri="{FF2B5EF4-FFF2-40B4-BE49-F238E27FC236}">
+              <a16:creationId xmlns:a16="http://schemas.microsoft.com/office/drawing/2014/main" id="{410E5FB7-E16E-D8C3-8DAD-D0037F58123C}"/>
+            </a:ext>
+          </a:extLst>
+        </p:cNvPr>
+        <p:cNvGrpSpPr/>
+        <p:nvPr/>
+      </p:nvGrpSpPr>
+      <p:grpSpPr>
+        <a:xfrm>
+          <a:off x="0" y="0"/>
+          <a:ext cx="0" cy="0"/>
+          <a:chOff x="0" y="0"/>
+          <a:chExt cx="0" cy="0"/>
+        </a:xfrm>
+      </p:grpSpPr>
+      <p:sp>
+        <p:nvSpPr>
+          <p:cNvPr id="5" name="Parallelogramm 4">
+            <a:extLst>
+              <a:ext uri="{FF2B5EF4-FFF2-40B4-BE49-F238E27FC236}">
+                <a16:creationId xmlns:a16="http://schemas.microsoft.com/office/drawing/2014/main" id="{B9A2C74C-7832-3F31-718B-7C9FD5B98FC7}"/>
+              </a:ext>
+            </a:extLst>
+          </p:cNvPr>
+          <p:cNvSpPr/>
+          <p:nvPr/>
+        </p:nvSpPr>
+        <p:spPr>
+          <a:xfrm flipV="1">
+            <a:off x="2304663" y="-4"/>
+            <a:ext cx="8640146" cy="4068147"/>
+          </a:xfrm>
+          <a:prstGeom prst="parallelogram">
+            <a:avLst>
+              <a:gd name="adj" fmla="val 48341"/>
+            </a:avLst>
+          </a:prstGeom>
+          <a:solidFill>
+            <a:schemeClr val="tx1"/>
+          </a:solidFill>
+          <a:ln w="38100">
+            <a:solidFill>
+              <a:srgbClr val="FFFF00"/>
+            </a:solidFill>
+          </a:ln>
+        </p:spPr>
+        <p:style>
+          <a:lnRef idx="2">
+            <a:schemeClr val="accent6"/>
+          </a:lnRef>
+          <a:fillRef idx="1">
+            <a:schemeClr val="lt1"/>
+          </a:fillRef>
+          <a:effectRef idx="0">
+            <a:schemeClr val="accent6"/>
+          </a:effectRef>
+          <a:fontRef idx="minor">
+            <a:schemeClr val="dk1"/>
+          </a:fontRef>
+        </p:style>
+        <p:txBody>
+          <a:bodyPr rtlCol="0" anchor="ctr"/>
+          <a:lstStyle/>
+          <a:p>
+            <a:pPr algn="ctr"/>
+            <a:endParaRPr lang="de-DE"/>
+          </a:p>
+        </p:txBody>
+      </p:sp>
+      <p:sp>
+        <p:nvSpPr>
+          <p:cNvPr id="2" name="Textfeld 1">
+            <a:extLst>
+              <a:ext uri="{FF2B5EF4-FFF2-40B4-BE49-F238E27FC236}">
+                <a16:creationId xmlns:a16="http://schemas.microsoft.com/office/drawing/2014/main" id="{43CFCAC1-F663-B2C1-0ECF-427757220DA8}"/>
+              </a:ext>
+            </a:extLst>
+          </p:cNvPr>
+          <p:cNvSpPr txBox="1"/>
+          <p:nvPr/>
+        </p:nvSpPr>
+        <p:spPr>
+          <a:xfrm>
+            <a:off x="4477996" y="1433904"/>
+            <a:ext cx="4418176" cy="1200329"/>
+          </a:xfrm>
+          <a:prstGeom prst="rect">
+            <a:avLst/>
+          </a:prstGeom>
+          <a:noFill/>
+        </p:spPr>
+        <p:txBody>
+          <a:bodyPr wrap="square" rtlCol="0">
+            <a:spAutoFit/>
+          </a:bodyPr>
+          <a:lstStyle/>
+          <a:p>
+            <a:pPr algn="ctr"/>
+            <a:r>
+              <a:rPr lang="de-DE" dirty="0">
+                <a:solidFill>
+                  <a:schemeClr val="bg1"/>
+                </a:solidFill>
+              </a:rPr>
+              <a:t>Bearbeitungsbereich nur innerhalb </a:t>
+            </a:r>
+            <a:r>
+              <a:rPr lang="de-DE">
+                <a:solidFill>
+                  <a:schemeClr val="bg1"/>
+                </a:solidFill>
+              </a:rPr>
+              <a:t>dieses Parallelogramms </a:t>
+            </a:r>
+            <a:endParaRPr lang="de-DE" dirty="0">
+              <a:solidFill>
+                <a:schemeClr val="bg1"/>
+              </a:solidFill>
+            </a:endParaRPr>
+          </a:p>
+          <a:p>
+            <a:pPr algn="ctr"/>
+            <a:endParaRPr lang="de-DE" dirty="0">
+              <a:solidFill>
+                <a:schemeClr val="bg1"/>
+              </a:solidFill>
+            </a:endParaRPr>
+          </a:p>
+          <a:p>
+            <a:pPr algn="ctr"/>
+            <a:r>
+              <a:rPr lang="de-DE" dirty="0">
+                <a:solidFill>
+                  <a:schemeClr val="bg1"/>
+                </a:solidFill>
+              </a:rPr>
+              <a:t>Schwarzer Hintergrund mit weißer Schrift!</a:t>
+            </a:r>
+          </a:p>
+        </p:txBody>
+      </p:sp>
+    </p:spTree>
+    <p:extLst>
+      <p:ext uri="{BB962C8B-B14F-4D97-AF65-F5344CB8AC3E}">
+        <p14:creationId xmlns:p14="http://schemas.microsoft.com/office/powerpoint/2010/main" val="3656727780"/>
+      </p:ext>
+    </p:extLst>
+  </p:cSld>
+  <p:clrMapOvr>
+    <a:masterClrMapping/>
+  </p:clrMapOvr>
+</p:sld>
+</file>
+
+<file path=ppt/slides/slide14.xml><?xml version="1.0" encoding="utf-8"?>
+<p:sld xmlns:a="http://schemas.openxmlformats.org/drawingml/2006/main" xmlns:r="http://schemas.openxmlformats.org/officeDocument/2006/relationships" xmlns:p="http://schemas.openxmlformats.org/presentationml/2006/main">
+  <p:cSld>
+    <p:bg>
+      <p:bgPr>
+        <a:solidFill>
+          <a:schemeClr val="tx1"/>
+        </a:solidFill>
+        <a:effectLst/>
+      </p:bgPr>
+    </p:bg>
+    <p:spTree>
+      <p:nvGrpSpPr>
+        <p:cNvPr id="1" name="">
+          <a:extLst>
+            <a:ext uri="{FF2B5EF4-FFF2-40B4-BE49-F238E27FC236}">
+              <a16:creationId xmlns:a16="http://schemas.microsoft.com/office/drawing/2014/main" id="{2149745D-48E4-07FF-0D31-193373F87C9D}"/>
+            </a:ext>
+          </a:extLst>
+        </p:cNvPr>
+        <p:cNvGrpSpPr/>
+        <p:nvPr/>
+      </p:nvGrpSpPr>
+      <p:grpSpPr>
+        <a:xfrm>
+          <a:off x="0" y="0"/>
+          <a:ext cx="0" cy="0"/>
+          <a:chOff x="0" y="0"/>
+          <a:chExt cx="0" cy="0"/>
+        </a:xfrm>
+      </p:grpSpPr>
+      <p:sp>
+        <p:nvSpPr>
+          <p:cNvPr id="5" name="Parallelogramm 4">
+            <a:extLst>
+              <a:ext uri="{FF2B5EF4-FFF2-40B4-BE49-F238E27FC236}">
+                <a16:creationId xmlns:a16="http://schemas.microsoft.com/office/drawing/2014/main" id="{97948773-A4CF-64A3-1201-27B7E3A57F49}"/>
+              </a:ext>
+            </a:extLst>
+          </p:cNvPr>
+          <p:cNvSpPr/>
+          <p:nvPr/>
+        </p:nvSpPr>
+        <p:spPr>
+          <a:xfrm flipV="1">
+            <a:off x="2304663" y="-4"/>
+            <a:ext cx="8640146" cy="4068147"/>
+          </a:xfrm>
+          <a:prstGeom prst="parallelogram">
+            <a:avLst>
+              <a:gd name="adj" fmla="val 48341"/>
+            </a:avLst>
+          </a:prstGeom>
+          <a:solidFill>
+            <a:schemeClr val="tx1"/>
+          </a:solidFill>
+          <a:ln w="38100">
+            <a:solidFill>
+              <a:srgbClr val="FFFF00"/>
+            </a:solidFill>
+          </a:ln>
+        </p:spPr>
+        <p:style>
+          <a:lnRef idx="2">
+            <a:schemeClr val="accent6"/>
+          </a:lnRef>
+          <a:fillRef idx="1">
+            <a:schemeClr val="lt1"/>
+          </a:fillRef>
+          <a:effectRef idx="0">
+            <a:schemeClr val="accent6"/>
+          </a:effectRef>
+          <a:fontRef idx="minor">
+            <a:schemeClr val="dk1"/>
+          </a:fontRef>
+        </p:style>
+        <p:txBody>
+          <a:bodyPr rtlCol="0" anchor="ctr"/>
+          <a:lstStyle/>
+          <a:p>
+            <a:pPr algn="ctr"/>
+            <a:endParaRPr lang="de-DE"/>
+          </a:p>
+        </p:txBody>
+      </p:sp>
+      <p:sp>
+        <p:nvSpPr>
+          <p:cNvPr id="2" name="Textfeld 1">
+            <a:extLst>
+              <a:ext uri="{FF2B5EF4-FFF2-40B4-BE49-F238E27FC236}">
+                <a16:creationId xmlns:a16="http://schemas.microsoft.com/office/drawing/2014/main" id="{42843516-09A9-2F1E-76A5-272DEBE3B9A5}"/>
+              </a:ext>
+            </a:extLst>
+          </p:cNvPr>
+          <p:cNvSpPr txBox="1"/>
+          <p:nvPr/>
+        </p:nvSpPr>
+        <p:spPr>
+          <a:xfrm>
+            <a:off x="4477996" y="1433904"/>
+            <a:ext cx="4418176" cy="1200329"/>
+          </a:xfrm>
+          <a:prstGeom prst="rect">
+            <a:avLst/>
+          </a:prstGeom>
+          <a:noFill/>
+        </p:spPr>
+        <p:txBody>
+          <a:bodyPr wrap="square" rtlCol="0">
+            <a:spAutoFit/>
+          </a:bodyPr>
+          <a:lstStyle/>
+          <a:p>
+            <a:pPr algn="ctr"/>
+            <a:r>
+              <a:rPr lang="de-DE" dirty="0">
+                <a:solidFill>
+                  <a:schemeClr val="bg1"/>
+                </a:solidFill>
+              </a:rPr>
+              <a:t>Bearbeitungsbereich nur innerhalb </a:t>
+            </a:r>
+            <a:r>
+              <a:rPr lang="de-DE">
+                <a:solidFill>
+                  <a:schemeClr val="bg1"/>
+                </a:solidFill>
+              </a:rPr>
+              <a:t>dieses Parallelogramms </a:t>
+            </a:r>
+            <a:endParaRPr lang="de-DE" dirty="0">
+              <a:solidFill>
+                <a:schemeClr val="bg1"/>
+              </a:solidFill>
+            </a:endParaRPr>
+          </a:p>
+          <a:p>
+            <a:pPr algn="ctr"/>
+            <a:endParaRPr lang="de-DE" dirty="0">
+              <a:solidFill>
+                <a:schemeClr val="bg1"/>
+              </a:solidFill>
+            </a:endParaRPr>
+          </a:p>
+          <a:p>
+            <a:pPr algn="ctr"/>
+            <a:r>
+              <a:rPr lang="de-DE" dirty="0">
+                <a:solidFill>
+                  <a:schemeClr val="bg1"/>
+                </a:solidFill>
+              </a:rPr>
+              <a:t>Schwarzer Hintergrund mit weißer Schrift!</a:t>
+            </a:r>
+          </a:p>
+        </p:txBody>
+      </p:sp>
+    </p:spTree>
+    <p:extLst>
+      <p:ext uri="{BB962C8B-B14F-4D97-AF65-F5344CB8AC3E}">
+        <p14:creationId xmlns:p14="http://schemas.microsoft.com/office/powerpoint/2010/main" val="1682811109"/>
+      </p:ext>
+    </p:extLst>
+  </p:cSld>
+  <p:clrMapOvr>
+    <a:masterClrMapping/>
+  </p:clrMapOvr>
+</p:sld>
+</file>
+
+<file path=ppt/slides/slide15.xml><?xml version="1.0" encoding="utf-8"?>
+<p:sld xmlns:a="http://schemas.openxmlformats.org/drawingml/2006/main" xmlns:r="http://schemas.openxmlformats.org/officeDocument/2006/relationships" xmlns:p="http://schemas.openxmlformats.org/presentationml/2006/main">
+  <p:cSld>
+    <p:bg>
+      <p:bgPr>
+        <a:solidFill>
+          <a:schemeClr val="tx1"/>
+        </a:solidFill>
+        <a:effectLst/>
+      </p:bgPr>
+    </p:bg>
+    <p:spTree>
+      <p:nvGrpSpPr>
+        <p:cNvPr id="1" name="">
+          <a:extLst>
+            <a:ext uri="{FF2B5EF4-FFF2-40B4-BE49-F238E27FC236}">
+              <a16:creationId xmlns:a16="http://schemas.microsoft.com/office/drawing/2014/main" id="{38C25B8F-79CD-9BFF-A44D-7B88818A2A8A}"/>
+            </a:ext>
+          </a:extLst>
+        </p:cNvPr>
+        <p:cNvGrpSpPr/>
+        <p:nvPr/>
+      </p:nvGrpSpPr>
+      <p:grpSpPr>
+        <a:xfrm>
+          <a:off x="0" y="0"/>
+          <a:ext cx="0" cy="0"/>
+          <a:chOff x="0" y="0"/>
+          <a:chExt cx="0" cy="0"/>
+        </a:xfrm>
+      </p:grpSpPr>
+      <p:sp>
+        <p:nvSpPr>
+          <p:cNvPr id="5" name="Parallelogramm 4">
+            <a:extLst>
+              <a:ext uri="{FF2B5EF4-FFF2-40B4-BE49-F238E27FC236}">
+                <a16:creationId xmlns:a16="http://schemas.microsoft.com/office/drawing/2014/main" id="{BCC9E873-0358-6820-33C3-9831D4EDDFB9}"/>
+              </a:ext>
+            </a:extLst>
+          </p:cNvPr>
+          <p:cNvSpPr/>
+          <p:nvPr/>
+        </p:nvSpPr>
+        <p:spPr>
+          <a:xfrm flipV="1">
+            <a:off x="2304663" y="-4"/>
+            <a:ext cx="8640146" cy="4068147"/>
+          </a:xfrm>
+          <a:prstGeom prst="parallelogram">
+            <a:avLst>
+              <a:gd name="adj" fmla="val 48341"/>
+            </a:avLst>
+          </a:prstGeom>
+          <a:solidFill>
+            <a:schemeClr val="tx1"/>
+          </a:solidFill>
+          <a:ln w="38100">
+            <a:solidFill>
+              <a:srgbClr val="FFFF00"/>
+            </a:solidFill>
+          </a:ln>
+        </p:spPr>
+        <p:style>
+          <a:lnRef idx="2">
+            <a:schemeClr val="accent6"/>
+          </a:lnRef>
+          <a:fillRef idx="1">
+            <a:schemeClr val="lt1"/>
+          </a:fillRef>
+          <a:effectRef idx="0">
+            <a:schemeClr val="accent6"/>
+          </a:effectRef>
+          <a:fontRef idx="minor">
+            <a:schemeClr val="dk1"/>
+          </a:fontRef>
+        </p:style>
+        <p:txBody>
+          <a:bodyPr rtlCol="0" anchor="ctr"/>
+          <a:lstStyle/>
+          <a:p>
+            <a:pPr algn="ctr"/>
+            <a:endParaRPr lang="de-DE"/>
+          </a:p>
+        </p:txBody>
+      </p:sp>
+      <p:sp>
+        <p:nvSpPr>
+          <p:cNvPr id="2" name="Textfeld 1">
+            <a:extLst>
+              <a:ext uri="{FF2B5EF4-FFF2-40B4-BE49-F238E27FC236}">
+                <a16:creationId xmlns:a16="http://schemas.microsoft.com/office/drawing/2014/main" id="{B8C29E90-7F01-DBA4-7096-E4069CCADA1E}"/>
+              </a:ext>
+            </a:extLst>
+          </p:cNvPr>
+          <p:cNvSpPr txBox="1"/>
+          <p:nvPr/>
+        </p:nvSpPr>
+        <p:spPr>
+          <a:xfrm>
+            <a:off x="4477996" y="1433904"/>
+            <a:ext cx="4418176" cy="1200329"/>
+          </a:xfrm>
+          <a:prstGeom prst="rect">
+            <a:avLst/>
+          </a:prstGeom>
+          <a:noFill/>
+        </p:spPr>
+        <p:txBody>
+          <a:bodyPr wrap="square" rtlCol="0">
+            <a:spAutoFit/>
+          </a:bodyPr>
+          <a:lstStyle/>
+          <a:p>
+            <a:pPr algn="ctr"/>
+            <a:r>
+              <a:rPr lang="de-DE" dirty="0">
+                <a:solidFill>
+                  <a:schemeClr val="bg1"/>
+                </a:solidFill>
+              </a:rPr>
+              <a:t>Bearbeitungsbereich nur innerhalb </a:t>
+            </a:r>
+            <a:r>
+              <a:rPr lang="de-DE">
+                <a:solidFill>
+                  <a:schemeClr val="bg1"/>
+                </a:solidFill>
+              </a:rPr>
+              <a:t>dieses Parallelogramms </a:t>
+            </a:r>
+            <a:endParaRPr lang="de-DE" dirty="0">
+              <a:solidFill>
+                <a:schemeClr val="bg1"/>
+              </a:solidFill>
+            </a:endParaRPr>
+          </a:p>
+          <a:p>
+            <a:pPr algn="ctr"/>
+            <a:endParaRPr lang="de-DE" dirty="0">
+              <a:solidFill>
+                <a:schemeClr val="bg1"/>
+              </a:solidFill>
+            </a:endParaRPr>
+          </a:p>
+          <a:p>
+            <a:pPr algn="ctr"/>
+            <a:r>
+              <a:rPr lang="de-DE" dirty="0">
+                <a:solidFill>
+                  <a:schemeClr val="bg1"/>
+                </a:solidFill>
+              </a:rPr>
+              <a:t>Schwarzer Hintergrund mit weißer Schrift!</a:t>
+            </a:r>
+          </a:p>
+        </p:txBody>
+      </p:sp>
+    </p:spTree>
+    <p:extLst>
+      <p:ext uri="{BB962C8B-B14F-4D97-AF65-F5344CB8AC3E}">
+        <p14:creationId xmlns:p14="http://schemas.microsoft.com/office/powerpoint/2010/main" val="167490956"/>
+      </p:ext>
+    </p:extLst>
+  </p:cSld>
+  <p:clrMapOvr>
+    <a:masterClrMapping/>
+  </p:clrMapOvr>
+</p:sld>
+</file>
+
+<file path=ppt/slides/slide16.xml><?xml version="1.0" encoding="utf-8"?>
+<p:sld xmlns:a="http://schemas.openxmlformats.org/drawingml/2006/main" xmlns:r="http://schemas.openxmlformats.org/officeDocument/2006/relationships" xmlns:p="http://schemas.openxmlformats.org/presentationml/2006/main">
+  <p:cSld>
+    <p:bg>
+      <p:bgPr>
+        <a:solidFill>
+          <a:schemeClr val="tx1"/>
+        </a:solidFill>
+        <a:effectLst/>
+      </p:bgPr>
+    </p:bg>
+    <p:spTree>
+      <p:nvGrpSpPr>
+        <p:cNvPr id="1" name="">
+          <a:extLst>
+            <a:ext uri="{FF2B5EF4-FFF2-40B4-BE49-F238E27FC236}">
+              <a16:creationId xmlns:a16="http://schemas.microsoft.com/office/drawing/2014/main" id="{C088FDAC-26B7-7F3B-3D7F-6C31899074B8}"/>
+            </a:ext>
+          </a:extLst>
+        </p:cNvPr>
+        <p:cNvGrpSpPr/>
+        <p:nvPr/>
+      </p:nvGrpSpPr>
+      <p:grpSpPr>
+        <a:xfrm>
+          <a:off x="0" y="0"/>
+          <a:ext cx="0" cy="0"/>
+          <a:chOff x="0" y="0"/>
+          <a:chExt cx="0" cy="0"/>
+        </a:xfrm>
+      </p:grpSpPr>
+      <p:sp>
+        <p:nvSpPr>
+          <p:cNvPr id="5" name="Parallelogramm 4">
+            <a:extLst>
+              <a:ext uri="{FF2B5EF4-FFF2-40B4-BE49-F238E27FC236}">
+                <a16:creationId xmlns:a16="http://schemas.microsoft.com/office/drawing/2014/main" id="{62FA47C4-BAA8-8E62-C4AA-37E19477D78C}"/>
+              </a:ext>
+            </a:extLst>
+          </p:cNvPr>
+          <p:cNvSpPr/>
+          <p:nvPr/>
+        </p:nvSpPr>
+        <p:spPr>
+          <a:xfrm flipV="1">
+            <a:off x="2304663" y="-4"/>
+            <a:ext cx="8640146" cy="4068147"/>
+          </a:xfrm>
+          <a:prstGeom prst="parallelogram">
+            <a:avLst>
+              <a:gd name="adj" fmla="val 48341"/>
+            </a:avLst>
+          </a:prstGeom>
+          <a:solidFill>
+            <a:schemeClr val="tx1"/>
+          </a:solidFill>
+          <a:ln w="38100">
+            <a:solidFill>
+              <a:srgbClr val="FFFF00"/>
+            </a:solidFill>
+          </a:ln>
+        </p:spPr>
+        <p:style>
+          <a:lnRef idx="2">
+            <a:schemeClr val="accent6"/>
+          </a:lnRef>
+          <a:fillRef idx="1">
+            <a:schemeClr val="lt1"/>
+          </a:fillRef>
+          <a:effectRef idx="0">
+            <a:schemeClr val="accent6"/>
+          </a:effectRef>
+          <a:fontRef idx="minor">
+            <a:schemeClr val="dk1"/>
+          </a:fontRef>
+        </p:style>
+        <p:txBody>
+          <a:bodyPr rtlCol="0" anchor="ctr"/>
+          <a:lstStyle/>
+          <a:p>
+            <a:pPr algn="ctr"/>
+            <a:endParaRPr lang="de-DE"/>
+          </a:p>
+        </p:txBody>
+      </p:sp>
+      <p:sp>
+        <p:nvSpPr>
+          <p:cNvPr id="2" name="Textfeld 1">
+            <a:extLst>
+              <a:ext uri="{FF2B5EF4-FFF2-40B4-BE49-F238E27FC236}">
+                <a16:creationId xmlns:a16="http://schemas.microsoft.com/office/drawing/2014/main" id="{3B9E2A18-66B6-60CC-C0A1-E1A21BBBBCD3}"/>
+              </a:ext>
+            </a:extLst>
+          </p:cNvPr>
+          <p:cNvSpPr txBox="1"/>
+          <p:nvPr/>
+        </p:nvSpPr>
+        <p:spPr>
+          <a:xfrm>
+            <a:off x="4477996" y="1433904"/>
+            <a:ext cx="4418176" cy="1200329"/>
+          </a:xfrm>
+          <a:prstGeom prst="rect">
+            <a:avLst/>
+          </a:prstGeom>
+          <a:noFill/>
+        </p:spPr>
+        <p:txBody>
+          <a:bodyPr wrap="square" rtlCol="0">
+            <a:spAutoFit/>
+          </a:bodyPr>
+          <a:lstStyle/>
+          <a:p>
+            <a:pPr algn="ctr"/>
+            <a:r>
+              <a:rPr lang="de-DE" dirty="0">
+                <a:solidFill>
+                  <a:schemeClr val="bg1"/>
+                </a:solidFill>
+              </a:rPr>
+              <a:t>Bearbeitungsbereich nur innerhalb </a:t>
+            </a:r>
+            <a:r>
+              <a:rPr lang="de-DE">
+                <a:solidFill>
+                  <a:schemeClr val="bg1"/>
+                </a:solidFill>
+              </a:rPr>
+              <a:t>dieses Parallelogramms </a:t>
+            </a:r>
+            <a:endParaRPr lang="de-DE" dirty="0">
+              <a:solidFill>
+                <a:schemeClr val="bg1"/>
+              </a:solidFill>
+            </a:endParaRPr>
+          </a:p>
+          <a:p>
+            <a:pPr algn="ctr"/>
+            <a:endParaRPr lang="de-DE" dirty="0">
+              <a:solidFill>
+                <a:schemeClr val="bg1"/>
+              </a:solidFill>
+            </a:endParaRPr>
+          </a:p>
+          <a:p>
+            <a:pPr algn="ctr"/>
+            <a:r>
+              <a:rPr lang="de-DE" dirty="0">
+                <a:solidFill>
+                  <a:schemeClr val="bg1"/>
+                </a:solidFill>
+              </a:rPr>
+              <a:t>Schwarzer Hintergrund mit weißer Schrift!</a:t>
+            </a:r>
+          </a:p>
+        </p:txBody>
+      </p:sp>
+    </p:spTree>
+    <p:extLst>
+      <p:ext uri="{BB962C8B-B14F-4D97-AF65-F5344CB8AC3E}">
+        <p14:creationId xmlns:p14="http://schemas.microsoft.com/office/powerpoint/2010/main" val="9273907"/>
+      </p:ext>
+    </p:extLst>
+  </p:cSld>
+  <p:clrMapOvr>
+    <a:masterClrMapping/>
+  </p:clrMapOvr>
+</p:sld>
+</file>
+
+<file path=ppt/slides/slide17.xml><?xml version="1.0" encoding="utf-8"?>
+<p:sld xmlns:a="http://schemas.openxmlformats.org/drawingml/2006/main" xmlns:r="http://schemas.openxmlformats.org/officeDocument/2006/relationships" xmlns:p="http://schemas.openxmlformats.org/presentationml/2006/main">
+  <p:cSld>
+    <p:bg>
+      <p:bgPr>
+        <a:solidFill>
+          <a:schemeClr val="tx1"/>
+        </a:solidFill>
+        <a:effectLst/>
+      </p:bgPr>
+    </p:bg>
+    <p:spTree>
+      <p:nvGrpSpPr>
+        <p:cNvPr id="1" name="">
+          <a:extLst>
+            <a:ext uri="{FF2B5EF4-FFF2-40B4-BE49-F238E27FC236}">
               <a16:creationId xmlns:a16="http://schemas.microsoft.com/office/drawing/2014/main" id="{24F61C48-3B3A-A062-B47A-44FE46588882}"/>
             </a:ext>
           </a:extLst>
@@ -3640,7 +4770,7 @@
 </p:sld>
 </file>
 
-<file path=ppt/slides/slide11.xml><?xml version="1.0" encoding="utf-8"?>
+<file path=ppt/slides/slide18.xml><?xml version="1.0" encoding="utf-8"?>
 <p:sld xmlns:a="http://schemas.openxmlformats.org/drawingml/2006/main" xmlns:r="http://schemas.openxmlformats.org/officeDocument/2006/relationships" xmlns:p="http://schemas.openxmlformats.org/presentationml/2006/main">
   <p:cSld>
     <p:bg>
@@ -3826,6 +4956,292 @@
         <p:cNvPr id="1" name="">
           <a:extLst>
             <a:ext uri="{FF2B5EF4-FFF2-40B4-BE49-F238E27FC236}">
+              <a16:creationId xmlns:a16="http://schemas.microsoft.com/office/drawing/2014/main" id="{38557ED9-2C1F-05D7-6622-071E08A83E0C}"/>
+            </a:ext>
+          </a:extLst>
+        </p:cNvPr>
+        <p:cNvGrpSpPr/>
+        <p:nvPr/>
+      </p:nvGrpSpPr>
+      <p:grpSpPr>
+        <a:xfrm>
+          <a:off x="0" y="0"/>
+          <a:ext cx="0" cy="0"/>
+          <a:chOff x="0" y="0"/>
+          <a:chExt cx="0" cy="0"/>
+        </a:xfrm>
+      </p:grpSpPr>
+      <p:sp>
+        <p:nvSpPr>
+          <p:cNvPr id="5" name="Parallelogramm 4">
+            <a:extLst>
+              <a:ext uri="{FF2B5EF4-FFF2-40B4-BE49-F238E27FC236}">
+                <a16:creationId xmlns:a16="http://schemas.microsoft.com/office/drawing/2014/main" id="{87AE245B-F963-4BE3-99E2-C7C79C7703E1}"/>
+              </a:ext>
+            </a:extLst>
+          </p:cNvPr>
+          <p:cNvSpPr/>
+          <p:nvPr/>
+        </p:nvSpPr>
+        <p:spPr>
+          <a:xfrm flipV="1">
+            <a:off x="2304663" y="-4"/>
+            <a:ext cx="8640146" cy="4068147"/>
+          </a:xfrm>
+          <a:prstGeom prst="parallelogram">
+            <a:avLst>
+              <a:gd name="adj" fmla="val 48341"/>
+            </a:avLst>
+          </a:prstGeom>
+          <a:solidFill>
+            <a:schemeClr val="tx1"/>
+          </a:solidFill>
+          <a:ln w="38100">
+            <a:solidFill>
+              <a:srgbClr val="FFFF00"/>
+            </a:solidFill>
+          </a:ln>
+        </p:spPr>
+        <p:style>
+          <a:lnRef idx="2">
+            <a:schemeClr val="accent6"/>
+          </a:lnRef>
+          <a:fillRef idx="1">
+            <a:schemeClr val="lt1"/>
+          </a:fillRef>
+          <a:effectRef idx="0">
+            <a:schemeClr val="accent6"/>
+          </a:effectRef>
+          <a:fontRef idx="minor">
+            <a:schemeClr val="dk1"/>
+          </a:fontRef>
+        </p:style>
+        <p:txBody>
+          <a:bodyPr rtlCol="0" anchor="ctr"/>
+          <a:lstStyle/>
+          <a:p>
+            <a:pPr algn="ctr"/>
+            <a:endParaRPr lang="de-DE"/>
+          </a:p>
+        </p:txBody>
+      </p:sp>
+      <p:sp>
+        <p:nvSpPr>
+          <p:cNvPr id="2" name="Textfeld 1">
+            <a:extLst>
+              <a:ext uri="{FF2B5EF4-FFF2-40B4-BE49-F238E27FC236}">
+                <a16:creationId xmlns:a16="http://schemas.microsoft.com/office/drawing/2014/main" id="{21CE0338-696A-4116-174F-818B2488FADA}"/>
+              </a:ext>
+            </a:extLst>
+          </p:cNvPr>
+          <p:cNvSpPr txBox="1"/>
+          <p:nvPr/>
+        </p:nvSpPr>
+        <p:spPr>
+          <a:xfrm>
+            <a:off x="4415648" y="1003017"/>
+            <a:ext cx="4418176" cy="2123658"/>
+          </a:xfrm>
+          <a:prstGeom prst="rect">
+            <a:avLst/>
+          </a:prstGeom>
+          <a:noFill/>
+        </p:spPr>
+        <p:txBody>
+          <a:bodyPr wrap="square" rtlCol="0">
+            <a:spAutoFit/>
+          </a:bodyPr>
+          <a:lstStyle/>
+          <a:p>
+            <a:pPr algn="ctr"/>
+            <a:r>
+              <a:rPr lang="de-DE" sz="4400" b="1" dirty="0">
+                <a:solidFill>
+                  <a:schemeClr val="bg1"/>
+                </a:solidFill>
+              </a:rPr>
+              <a:t>Alle werden dümmer, je älter du wirst.</a:t>
+            </a:r>
+            <a:endParaRPr lang="de-DE" sz="2000" dirty="0">
+              <a:solidFill>
+                <a:schemeClr val="bg1"/>
+              </a:solidFill>
+            </a:endParaRPr>
+          </a:p>
+        </p:txBody>
+      </p:sp>
+    </p:spTree>
+    <p:extLst>
+      <p:ext uri="{BB962C8B-B14F-4D97-AF65-F5344CB8AC3E}">
+        <p14:creationId xmlns:p14="http://schemas.microsoft.com/office/powerpoint/2010/main" val="3728961381"/>
+      </p:ext>
+    </p:extLst>
+  </p:cSld>
+  <p:clrMapOvr>
+    <a:masterClrMapping/>
+  </p:clrMapOvr>
+</p:sld>
+</file>
+
+<file path=ppt/slides/slide3.xml><?xml version="1.0" encoding="utf-8"?>
+<p:sld xmlns:a="http://schemas.openxmlformats.org/drawingml/2006/main" xmlns:r="http://schemas.openxmlformats.org/officeDocument/2006/relationships" xmlns:p="http://schemas.openxmlformats.org/presentationml/2006/main">
+  <p:cSld>
+    <p:bg>
+      <p:bgPr>
+        <a:solidFill>
+          <a:schemeClr val="tx1"/>
+        </a:solidFill>
+        <a:effectLst/>
+      </p:bgPr>
+    </p:bg>
+    <p:spTree>
+      <p:nvGrpSpPr>
+        <p:cNvPr id="1" name="">
+          <a:extLst>
+            <a:ext uri="{FF2B5EF4-FFF2-40B4-BE49-F238E27FC236}">
+              <a16:creationId xmlns:a16="http://schemas.microsoft.com/office/drawing/2014/main" id="{A4273AFE-B539-1DB3-9825-A48508F0837D}"/>
+            </a:ext>
+          </a:extLst>
+        </p:cNvPr>
+        <p:cNvGrpSpPr/>
+        <p:nvPr/>
+      </p:nvGrpSpPr>
+      <p:grpSpPr>
+        <a:xfrm>
+          <a:off x="0" y="0"/>
+          <a:ext cx="0" cy="0"/>
+          <a:chOff x="0" y="0"/>
+          <a:chExt cx="0" cy="0"/>
+        </a:xfrm>
+      </p:grpSpPr>
+      <p:sp>
+        <p:nvSpPr>
+          <p:cNvPr id="5" name="Parallelogramm 4">
+            <a:extLst>
+              <a:ext uri="{FF2B5EF4-FFF2-40B4-BE49-F238E27FC236}">
+                <a16:creationId xmlns:a16="http://schemas.microsoft.com/office/drawing/2014/main" id="{B320BEEE-9CC1-02EF-48CB-961D0F1565FF}"/>
+              </a:ext>
+            </a:extLst>
+          </p:cNvPr>
+          <p:cNvSpPr/>
+          <p:nvPr/>
+        </p:nvSpPr>
+        <p:spPr>
+          <a:xfrm flipV="1">
+            <a:off x="2304663" y="-4"/>
+            <a:ext cx="8640146" cy="4068147"/>
+          </a:xfrm>
+          <a:prstGeom prst="parallelogram">
+            <a:avLst>
+              <a:gd name="adj" fmla="val 48341"/>
+            </a:avLst>
+          </a:prstGeom>
+          <a:solidFill>
+            <a:schemeClr val="tx1"/>
+          </a:solidFill>
+          <a:ln w="38100">
+            <a:solidFill>
+              <a:srgbClr val="FFFF00"/>
+            </a:solidFill>
+          </a:ln>
+        </p:spPr>
+        <p:style>
+          <a:lnRef idx="2">
+            <a:schemeClr val="accent6"/>
+          </a:lnRef>
+          <a:fillRef idx="1">
+            <a:schemeClr val="lt1"/>
+          </a:fillRef>
+          <a:effectRef idx="0">
+            <a:schemeClr val="accent6"/>
+          </a:effectRef>
+          <a:fontRef idx="minor">
+            <a:schemeClr val="dk1"/>
+          </a:fontRef>
+        </p:style>
+        <p:txBody>
+          <a:bodyPr rtlCol="0" anchor="ctr"/>
+          <a:lstStyle/>
+          <a:p>
+            <a:pPr algn="ctr"/>
+            <a:endParaRPr lang="de-DE"/>
+          </a:p>
+        </p:txBody>
+      </p:sp>
+      <p:sp>
+        <p:nvSpPr>
+          <p:cNvPr id="2" name="Textfeld 1">
+            <a:extLst>
+              <a:ext uri="{FF2B5EF4-FFF2-40B4-BE49-F238E27FC236}">
+                <a16:creationId xmlns:a16="http://schemas.microsoft.com/office/drawing/2014/main" id="{FA21ECC6-95F5-1B96-AE53-FB7BCAC23267}"/>
+              </a:ext>
+            </a:extLst>
+          </p:cNvPr>
+          <p:cNvSpPr txBox="1"/>
+          <p:nvPr/>
+        </p:nvSpPr>
+        <p:spPr>
+          <a:xfrm>
+            <a:off x="4415648" y="1003017"/>
+            <a:ext cx="4418176" cy="2123658"/>
+          </a:xfrm>
+          <a:prstGeom prst="rect">
+            <a:avLst/>
+          </a:prstGeom>
+          <a:noFill/>
+        </p:spPr>
+        <p:txBody>
+          <a:bodyPr wrap="square" rtlCol="0">
+            <a:spAutoFit/>
+          </a:bodyPr>
+          <a:lstStyle/>
+          <a:p>
+            <a:pPr algn="ctr"/>
+            <a:r>
+              <a:rPr lang="de-DE" sz="4400" b="1" dirty="0">
+                <a:solidFill>
+                  <a:schemeClr val="bg1"/>
+                </a:solidFill>
+              </a:rPr>
+              <a:t>Experte sein wollen, obwohl du es nicht bist?</a:t>
+            </a:r>
+            <a:endParaRPr lang="de-DE" sz="2000" dirty="0">
+              <a:solidFill>
+                <a:schemeClr val="bg1"/>
+              </a:solidFill>
+            </a:endParaRPr>
+          </a:p>
+        </p:txBody>
+      </p:sp>
+    </p:spTree>
+    <p:extLst>
+      <p:ext uri="{BB962C8B-B14F-4D97-AF65-F5344CB8AC3E}">
+        <p14:creationId xmlns:p14="http://schemas.microsoft.com/office/powerpoint/2010/main" val="2054151515"/>
+      </p:ext>
+    </p:extLst>
+  </p:cSld>
+  <p:clrMapOvr>
+    <a:masterClrMapping/>
+  </p:clrMapOvr>
+</p:sld>
+</file>
+
+<file path=ppt/slides/slide4.xml><?xml version="1.0" encoding="utf-8"?>
+<p:sld xmlns:a="http://schemas.openxmlformats.org/drawingml/2006/main" xmlns:r="http://schemas.openxmlformats.org/officeDocument/2006/relationships" xmlns:p="http://schemas.openxmlformats.org/presentationml/2006/main">
+  <p:cSld>
+    <p:bg>
+      <p:bgPr>
+        <a:solidFill>
+          <a:schemeClr val="tx1"/>
+        </a:solidFill>
+        <a:effectLst/>
+      </p:bgPr>
+    </p:bg>
+    <p:spTree>
+      <p:nvGrpSpPr>
+        <p:cNvPr id="1" name="">
+          <a:extLst>
+            <a:ext uri="{FF2B5EF4-FFF2-40B4-BE49-F238E27FC236}">
               <a16:creationId xmlns:a16="http://schemas.microsoft.com/office/drawing/2014/main" id="{CA1452AB-FCD8-6E90-E17C-E1018C6A29CB}"/>
             </a:ext>
           </a:extLst>
@@ -4188,7 +5604,150 @@
 </p:sld>
 </file>
 
-<file path=ppt/slides/slide3.xml><?xml version="1.0" encoding="utf-8"?>
+<file path=ppt/slides/slide5.xml><?xml version="1.0" encoding="utf-8"?>
+<p:sld xmlns:a="http://schemas.openxmlformats.org/drawingml/2006/main" xmlns:r="http://schemas.openxmlformats.org/officeDocument/2006/relationships" xmlns:p="http://schemas.openxmlformats.org/presentationml/2006/main">
+  <p:cSld>
+    <p:bg>
+      <p:bgPr>
+        <a:solidFill>
+          <a:schemeClr val="tx1"/>
+        </a:solidFill>
+        <a:effectLst/>
+      </p:bgPr>
+    </p:bg>
+    <p:spTree>
+      <p:nvGrpSpPr>
+        <p:cNvPr id="1" name="">
+          <a:extLst>
+            <a:ext uri="{FF2B5EF4-FFF2-40B4-BE49-F238E27FC236}">
+              <a16:creationId xmlns:a16="http://schemas.microsoft.com/office/drawing/2014/main" id="{53E16493-B4BE-11AC-05EF-B191234DCF09}"/>
+            </a:ext>
+          </a:extLst>
+        </p:cNvPr>
+        <p:cNvGrpSpPr/>
+        <p:nvPr/>
+      </p:nvGrpSpPr>
+      <p:grpSpPr>
+        <a:xfrm>
+          <a:off x="0" y="0"/>
+          <a:ext cx="0" cy="0"/>
+          <a:chOff x="0" y="0"/>
+          <a:chExt cx="0" cy="0"/>
+        </a:xfrm>
+      </p:grpSpPr>
+      <p:sp>
+        <p:nvSpPr>
+          <p:cNvPr id="5" name="Parallelogramm 4">
+            <a:extLst>
+              <a:ext uri="{FF2B5EF4-FFF2-40B4-BE49-F238E27FC236}">
+                <a16:creationId xmlns:a16="http://schemas.microsoft.com/office/drawing/2014/main" id="{ADDDBA6F-D289-221C-ACC3-8D624AC5644F}"/>
+              </a:ext>
+            </a:extLst>
+          </p:cNvPr>
+          <p:cNvSpPr/>
+          <p:nvPr/>
+        </p:nvSpPr>
+        <p:spPr>
+          <a:xfrm flipV="1">
+            <a:off x="2304663" y="-4"/>
+            <a:ext cx="8640146" cy="4068147"/>
+          </a:xfrm>
+          <a:prstGeom prst="parallelogram">
+            <a:avLst>
+              <a:gd name="adj" fmla="val 48341"/>
+            </a:avLst>
+          </a:prstGeom>
+          <a:solidFill>
+            <a:schemeClr val="tx1"/>
+          </a:solidFill>
+          <a:ln w="38100">
+            <a:solidFill>
+              <a:srgbClr val="FFFF00"/>
+            </a:solidFill>
+          </a:ln>
+        </p:spPr>
+        <p:style>
+          <a:lnRef idx="2">
+            <a:schemeClr val="accent6"/>
+          </a:lnRef>
+          <a:fillRef idx="1">
+            <a:schemeClr val="lt1"/>
+          </a:fillRef>
+          <a:effectRef idx="0">
+            <a:schemeClr val="accent6"/>
+          </a:effectRef>
+          <a:fontRef idx="minor">
+            <a:schemeClr val="dk1"/>
+          </a:fontRef>
+        </p:style>
+        <p:txBody>
+          <a:bodyPr rtlCol="0" anchor="ctr"/>
+          <a:lstStyle/>
+          <a:p>
+            <a:pPr algn="ctr"/>
+            <a:endParaRPr lang="de-DE"/>
+          </a:p>
+        </p:txBody>
+      </p:sp>
+      <p:sp>
+        <p:nvSpPr>
+          <p:cNvPr id="2" name="Textfeld 1">
+            <a:extLst>
+              <a:ext uri="{FF2B5EF4-FFF2-40B4-BE49-F238E27FC236}">
+                <a16:creationId xmlns:a16="http://schemas.microsoft.com/office/drawing/2014/main" id="{CD616E06-DD7C-90CC-F07B-1A1ABD130BCE}"/>
+              </a:ext>
+            </a:extLst>
+          </p:cNvPr>
+          <p:cNvSpPr txBox="1"/>
+          <p:nvPr/>
+        </p:nvSpPr>
+        <p:spPr>
+          <a:xfrm>
+            <a:off x="4415648" y="1003017"/>
+            <a:ext cx="4418176" cy="1446550"/>
+          </a:xfrm>
+          <a:prstGeom prst="rect">
+            <a:avLst/>
+          </a:prstGeom>
+          <a:noFill/>
+        </p:spPr>
+        <p:txBody>
+          <a:bodyPr wrap="square" rtlCol="0">
+            <a:spAutoFit/>
+          </a:bodyPr>
+          <a:lstStyle/>
+          <a:p>
+            <a:pPr algn="ctr"/>
+            <a:r>
+              <a:rPr lang="de-DE" sz="4400" b="1" dirty="0">
+                <a:solidFill>
+                  <a:schemeClr val="bg1"/>
+                </a:solidFill>
+              </a:rPr>
+              <a:t>Schnack abstrakt. </a:t>
+            </a:r>
+            <a:endParaRPr lang="de-DE" sz="2000" dirty="0">
+              <a:solidFill>
+                <a:schemeClr val="bg1"/>
+              </a:solidFill>
+            </a:endParaRPr>
+          </a:p>
+        </p:txBody>
+      </p:sp>
+    </p:spTree>
+    <p:extLst>
+      <p:ext uri="{BB962C8B-B14F-4D97-AF65-F5344CB8AC3E}">
+        <p14:creationId xmlns:p14="http://schemas.microsoft.com/office/powerpoint/2010/main" val="950919438"/>
+      </p:ext>
+    </p:extLst>
+  </p:cSld>
+  <p:clrMapOvr>
+    <a:masterClrMapping/>
+  </p:clrMapOvr>
+</p:sld>
+</file>
+
+<file path=ppt/slides/slide6.xml><?xml version="1.0" encoding="utf-8"?>
 <p:sld xmlns:a="http://schemas.openxmlformats.org/drawingml/2006/main" xmlns:r="http://schemas.openxmlformats.org/officeDocument/2006/relationships" xmlns:p="http://schemas.openxmlformats.org/presentationml/2006/main">
   <p:cSld>
     <p:bg>
@@ -4626,7 +6185,7 @@
 </p:sld>
 </file>
 
-<file path=ppt/slides/slide4.xml><?xml version="1.0" encoding="utf-8"?>
+<file path=ppt/slides/slide7.xml><?xml version="1.0" encoding="utf-8"?>
 <p:sld xmlns:a="http://schemas.openxmlformats.org/drawingml/2006/main" xmlns:r="http://schemas.openxmlformats.org/officeDocument/2006/relationships" xmlns:p="http://schemas.openxmlformats.org/presentationml/2006/main">
   <p:cSld>
     <p:bg>
@@ -5064,516 +6623,6 @@
 </p:sld>
 </file>
 
-<file path=ppt/slides/slide5.xml><?xml version="1.0" encoding="utf-8"?>
-<p:sld xmlns:a="http://schemas.openxmlformats.org/drawingml/2006/main" xmlns:r="http://schemas.openxmlformats.org/officeDocument/2006/relationships" xmlns:p="http://schemas.openxmlformats.org/presentationml/2006/main">
-  <p:cSld>
-    <p:bg>
-      <p:bgPr>
-        <a:solidFill>
-          <a:schemeClr val="tx1"/>
-        </a:solidFill>
-        <a:effectLst/>
-      </p:bgPr>
-    </p:bg>
-    <p:spTree>
-      <p:nvGrpSpPr>
-        <p:cNvPr id="1" name="">
-          <a:extLst>
-            <a:ext uri="{FF2B5EF4-FFF2-40B4-BE49-F238E27FC236}">
-              <a16:creationId xmlns:a16="http://schemas.microsoft.com/office/drawing/2014/main" id="{8B4AF792-D885-50C2-F2F6-EEA2FE4B2791}"/>
-            </a:ext>
-          </a:extLst>
-        </p:cNvPr>
-        <p:cNvGrpSpPr/>
-        <p:nvPr/>
-      </p:nvGrpSpPr>
-      <p:grpSpPr>
-        <a:xfrm>
-          <a:off x="0" y="0"/>
-          <a:ext cx="0" cy="0"/>
-          <a:chOff x="0" y="0"/>
-          <a:chExt cx="0" cy="0"/>
-        </a:xfrm>
-      </p:grpSpPr>
-      <p:sp>
-        <p:nvSpPr>
-          <p:cNvPr id="5" name="Parallelogramm 4">
-            <a:extLst>
-              <a:ext uri="{FF2B5EF4-FFF2-40B4-BE49-F238E27FC236}">
-                <a16:creationId xmlns:a16="http://schemas.microsoft.com/office/drawing/2014/main" id="{2DA023E5-6F03-52D5-1DCE-66F60108F695}"/>
-              </a:ext>
-            </a:extLst>
-          </p:cNvPr>
-          <p:cNvSpPr/>
-          <p:nvPr/>
-        </p:nvSpPr>
-        <p:spPr>
-          <a:xfrm flipV="1">
-            <a:off x="2304663" y="-4"/>
-            <a:ext cx="8640146" cy="4068147"/>
-          </a:xfrm>
-          <a:prstGeom prst="parallelogram">
-            <a:avLst>
-              <a:gd name="adj" fmla="val 48341"/>
-            </a:avLst>
-          </a:prstGeom>
-          <a:solidFill>
-            <a:schemeClr val="tx1"/>
-          </a:solidFill>
-          <a:ln w="38100">
-            <a:solidFill>
-              <a:srgbClr val="FFFF00"/>
-            </a:solidFill>
-          </a:ln>
-        </p:spPr>
-        <p:style>
-          <a:lnRef idx="2">
-            <a:schemeClr val="accent6"/>
-          </a:lnRef>
-          <a:fillRef idx="1">
-            <a:schemeClr val="lt1"/>
-          </a:fillRef>
-          <a:effectRef idx="0">
-            <a:schemeClr val="accent6"/>
-          </a:effectRef>
-          <a:fontRef idx="minor">
-            <a:schemeClr val="dk1"/>
-          </a:fontRef>
-        </p:style>
-        <p:txBody>
-          <a:bodyPr rtlCol="0" anchor="ctr"/>
-          <a:lstStyle/>
-          <a:p>
-            <a:pPr algn="ctr"/>
-            <a:endParaRPr lang="de-DE"/>
-          </a:p>
-        </p:txBody>
-      </p:sp>
-      <p:sp>
-        <p:nvSpPr>
-          <p:cNvPr id="2" name="Textfeld 1">
-            <a:extLst>
-              <a:ext uri="{FF2B5EF4-FFF2-40B4-BE49-F238E27FC236}">
-                <a16:creationId xmlns:a16="http://schemas.microsoft.com/office/drawing/2014/main" id="{C5524660-7E89-7123-CCA8-E89899706942}"/>
-              </a:ext>
-            </a:extLst>
-          </p:cNvPr>
-          <p:cNvSpPr txBox="1"/>
-          <p:nvPr/>
-        </p:nvSpPr>
-        <p:spPr>
-          <a:xfrm>
-            <a:off x="4477996" y="1433904"/>
-            <a:ext cx="4418176" cy="1200329"/>
-          </a:xfrm>
-          <a:prstGeom prst="rect">
-            <a:avLst/>
-          </a:prstGeom>
-          <a:noFill/>
-        </p:spPr>
-        <p:txBody>
-          <a:bodyPr wrap="square" rtlCol="0">
-            <a:spAutoFit/>
-          </a:bodyPr>
-          <a:lstStyle/>
-          <a:p>
-            <a:pPr algn="ctr"/>
-            <a:r>
-              <a:rPr lang="de-DE" dirty="0">
-                <a:solidFill>
-                  <a:schemeClr val="bg1"/>
-                </a:solidFill>
-              </a:rPr>
-              <a:t>Bearbeitungsbereich nur innerhalb </a:t>
-            </a:r>
-            <a:r>
-              <a:rPr lang="de-DE">
-                <a:solidFill>
-                  <a:schemeClr val="bg1"/>
-                </a:solidFill>
-              </a:rPr>
-              <a:t>dieses Parallelogramms </a:t>
-            </a:r>
-            <a:endParaRPr lang="de-DE" dirty="0">
-              <a:solidFill>
-                <a:schemeClr val="bg1"/>
-              </a:solidFill>
-            </a:endParaRPr>
-          </a:p>
-          <a:p>
-            <a:pPr algn="ctr"/>
-            <a:endParaRPr lang="de-DE" dirty="0">
-              <a:solidFill>
-                <a:schemeClr val="bg1"/>
-              </a:solidFill>
-            </a:endParaRPr>
-          </a:p>
-          <a:p>
-            <a:pPr algn="ctr"/>
-            <a:r>
-              <a:rPr lang="de-DE" dirty="0">
-                <a:solidFill>
-                  <a:schemeClr val="bg1"/>
-                </a:solidFill>
-              </a:rPr>
-              <a:t>Schwarzer Hintergrund mit weißer Schrift!</a:t>
-            </a:r>
-          </a:p>
-        </p:txBody>
-      </p:sp>
-    </p:spTree>
-    <p:extLst>
-      <p:ext uri="{BB962C8B-B14F-4D97-AF65-F5344CB8AC3E}">
-        <p14:creationId xmlns:p14="http://schemas.microsoft.com/office/powerpoint/2010/main" val="1762995077"/>
-      </p:ext>
-    </p:extLst>
-  </p:cSld>
-  <p:clrMapOvr>
-    <a:masterClrMapping/>
-  </p:clrMapOvr>
-</p:sld>
-</file>
-
-<file path=ppt/slides/slide6.xml><?xml version="1.0" encoding="utf-8"?>
-<p:sld xmlns:a="http://schemas.openxmlformats.org/drawingml/2006/main" xmlns:r="http://schemas.openxmlformats.org/officeDocument/2006/relationships" xmlns:p="http://schemas.openxmlformats.org/presentationml/2006/main">
-  <p:cSld>
-    <p:bg>
-      <p:bgPr>
-        <a:solidFill>
-          <a:schemeClr val="tx1"/>
-        </a:solidFill>
-        <a:effectLst/>
-      </p:bgPr>
-    </p:bg>
-    <p:spTree>
-      <p:nvGrpSpPr>
-        <p:cNvPr id="1" name="">
-          <a:extLst>
-            <a:ext uri="{FF2B5EF4-FFF2-40B4-BE49-F238E27FC236}">
-              <a16:creationId xmlns:a16="http://schemas.microsoft.com/office/drawing/2014/main" id="{410E5FB7-E16E-D8C3-8DAD-D0037F58123C}"/>
-            </a:ext>
-          </a:extLst>
-        </p:cNvPr>
-        <p:cNvGrpSpPr/>
-        <p:nvPr/>
-      </p:nvGrpSpPr>
-      <p:grpSpPr>
-        <a:xfrm>
-          <a:off x="0" y="0"/>
-          <a:ext cx="0" cy="0"/>
-          <a:chOff x="0" y="0"/>
-          <a:chExt cx="0" cy="0"/>
-        </a:xfrm>
-      </p:grpSpPr>
-      <p:sp>
-        <p:nvSpPr>
-          <p:cNvPr id="5" name="Parallelogramm 4">
-            <a:extLst>
-              <a:ext uri="{FF2B5EF4-FFF2-40B4-BE49-F238E27FC236}">
-                <a16:creationId xmlns:a16="http://schemas.microsoft.com/office/drawing/2014/main" id="{B9A2C74C-7832-3F31-718B-7C9FD5B98FC7}"/>
-              </a:ext>
-            </a:extLst>
-          </p:cNvPr>
-          <p:cNvSpPr/>
-          <p:nvPr/>
-        </p:nvSpPr>
-        <p:spPr>
-          <a:xfrm flipV="1">
-            <a:off x="2304663" y="-4"/>
-            <a:ext cx="8640146" cy="4068147"/>
-          </a:xfrm>
-          <a:prstGeom prst="parallelogram">
-            <a:avLst>
-              <a:gd name="adj" fmla="val 48341"/>
-            </a:avLst>
-          </a:prstGeom>
-          <a:solidFill>
-            <a:schemeClr val="tx1"/>
-          </a:solidFill>
-          <a:ln w="38100">
-            <a:solidFill>
-              <a:srgbClr val="FFFF00"/>
-            </a:solidFill>
-          </a:ln>
-        </p:spPr>
-        <p:style>
-          <a:lnRef idx="2">
-            <a:schemeClr val="accent6"/>
-          </a:lnRef>
-          <a:fillRef idx="1">
-            <a:schemeClr val="lt1"/>
-          </a:fillRef>
-          <a:effectRef idx="0">
-            <a:schemeClr val="accent6"/>
-          </a:effectRef>
-          <a:fontRef idx="minor">
-            <a:schemeClr val="dk1"/>
-          </a:fontRef>
-        </p:style>
-        <p:txBody>
-          <a:bodyPr rtlCol="0" anchor="ctr"/>
-          <a:lstStyle/>
-          <a:p>
-            <a:pPr algn="ctr"/>
-            <a:endParaRPr lang="de-DE"/>
-          </a:p>
-        </p:txBody>
-      </p:sp>
-      <p:sp>
-        <p:nvSpPr>
-          <p:cNvPr id="2" name="Textfeld 1">
-            <a:extLst>
-              <a:ext uri="{FF2B5EF4-FFF2-40B4-BE49-F238E27FC236}">
-                <a16:creationId xmlns:a16="http://schemas.microsoft.com/office/drawing/2014/main" id="{43CFCAC1-F663-B2C1-0ECF-427757220DA8}"/>
-              </a:ext>
-            </a:extLst>
-          </p:cNvPr>
-          <p:cNvSpPr txBox="1"/>
-          <p:nvPr/>
-        </p:nvSpPr>
-        <p:spPr>
-          <a:xfrm>
-            <a:off x="4477996" y="1433904"/>
-            <a:ext cx="4418176" cy="1200329"/>
-          </a:xfrm>
-          <a:prstGeom prst="rect">
-            <a:avLst/>
-          </a:prstGeom>
-          <a:noFill/>
-        </p:spPr>
-        <p:txBody>
-          <a:bodyPr wrap="square" rtlCol="0">
-            <a:spAutoFit/>
-          </a:bodyPr>
-          <a:lstStyle/>
-          <a:p>
-            <a:pPr algn="ctr"/>
-            <a:r>
-              <a:rPr lang="de-DE" dirty="0">
-                <a:solidFill>
-                  <a:schemeClr val="bg1"/>
-                </a:solidFill>
-              </a:rPr>
-              <a:t>Bearbeitungsbereich nur innerhalb </a:t>
-            </a:r>
-            <a:r>
-              <a:rPr lang="de-DE">
-                <a:solidFill>
-                  <a:schemeClr val="bg1"/>
-                </a:solidFill>
-              </a:rPr>
-              <a:t>dieses Parallelogramms </a:t>
-            </a:r>
-            <a:endParaRPr lang="de-DE" dirty="0">
-              <a:solidFill>
-                <a:schemeClr val="bg1"/>
-              </a:solidFill>
-            </a:endParaRPr>
-          </a:p>
-          <a:p>
-            <a:pPr algn="ctr"/>
-            <a:endParaRPr lang="de-DE" dirty="0">
-              <a:solidFill>
-                <a:schemeClr val="bg1"/>
-              </a:solidFill>
-            </a:endParaRPr>
-          </a:p>
-          <a:p>
-            <a:pPr algn="ctr"/>
-            <a:r>
-              <a:rPr lang="de-DE" dirty="0">
-                <a:solidFill>
-                  <a:schemeClr val="bg1"/>
-                </a:solidFill>
-              </a:rPr>
-              <a:t>Schwarzer Hintergrund mit weißer Schrift!</a:t>
-            </a:r>
-          </a:p>
-        </p:txBody>
-      </p:sp>
-    </p:spTree>
-    <p:extLst>
-      <p:ext uri="{BB962C8B-B14F-4D97-AF65-F5344CB8AC3E}">
-        <p14:creationId xmlns:p14="http://schemas.microsoft.com/office/powerpoint/2010/main" val="3656727780"/>
-      </p:ext>
-    </p:extLst>
-  </p:cSld>
-  <p:clrMapOvr>
-    <a:masterClrMapping/>
-  </p:clrMapOvr>
-</p:sld>
-</file>
-
-<file path=ppt/slides/slide7.xml><?xml version="1.0" encoding="utf-8"?>
-<p:sld xmlns:a="http://schemas.openxmlformats.org/drawingml/2006/main" xmlns:r="http://schemas.openxmlformats.org/officeDocument/2006/relationships" xmlns:p="http://schemas.openxmlformats.org/presentationml/2006/main">
-  <p:cSld>
-    <p:bg>
-      <p:bgPr>
-        <a:solidFill>
-          <a:schemeClr val="tx1"/>
-        </a:solidFill>
-        <a:effectLst/>
-      </p:bgPr>
-    </p:bg>
-    <p:spTree>
-      <p:nvGrpSpPr>
-        <p:cNvPr id="1" name="">
-          <a:extLst>
-            <a:ext uri="{FF2B5EF4-FFF2-40B4-BE49-F238E27FC236}">
-              <a16:creationId xmlns:a16="http://schemas.microsoft.com/office/drawing/2014/main" id="{2149745D-48E4-07FF-0D31-193373F87C9D}"/>
-            </a:ext>
-          </a:extLst>
-        </p:cNvPr>
-        <p:cNvGrpSpPr/>
-        <p:nvPr/>
-      </p:nvGrpSpPr>
-      <p:grpSpPr>
-        <a:xfrm>
-          <a:off x="0" y="0"/>
-          <a:ext cx="0" cy="0"/>
-          <a:chOff x="0" y="0"/>
-          <a:chExt cx="0" cy="0"/>
-        </a:xfrm>
-      </p:grpSpPr>
-      <p:sp>
-        <p:nvSpPr>
-          <p:cNvPr id="5" name="Parallelogramm 4">
-            <a:extLst>
-              <a:ext uri="{FF2B5EF4-FFF2-40B4-BE49-F238E27FC236}">
-                <a16:creationId xmlns:a16="http://schemas.microsoft.com/office/drawing/2014/main" id="{97948773-A4CF-64A3-1201-27B7E3A57F49}"/>
-              </a:ext>
-            </a:extLst>
-          </p:cNvPr>
-          <p:cNvSpPr/>
-          <p:nvPr/>
-        </p:nvSpPr>
-        <p:spPr>
-          <a:xfrm flipV="1">
-            <a:off x="2304663" y="-4"/>
-            <a:ext cx="8640146" cy="4068147"/>
-          </a:xfrm>
-          <a:prstGeom prst="parallelogram">
-            <a:avLst>
-              <a:gd name="adj" fmla="val 48341"/>
-            </a:avLst>
-          </a:prstGeom>
-          <a:solidFill>
-            <a:schemeClr val="tx1"/>
-          </a:solidFill>
-          <a:ln w="38100">
-            <a:solidFill>
-              <a:srgbClr val="FFFF00"/>
-            </a:solidFill>
-          </a:ln>
-        </p:spPr>
-        <p:style>
-          <a:lnRef idx="2">
-            <a:schemeClr val="accent6"/>
-          </a:lnRef>
-          <a:fillRef idx="1">
-            <a:schemeClr val="lt1"/>
-          </a:fillRef>
-          <a:effectRef idx="0">
-            <a:schemeClr val="accent6"/>
-          </a:effectRef>
-          <a:fontRef idx="minor">
-            <a:schemeClr val="dk1"/>
-          </a:fontRef>
-        </p:style>
-        <p:txBody>
-          <a:bodyPr rtlCol="0" anchor="ctr"/>
-          <a:lstStyle/>
-          <a:p>
-            <a:pPr algn="ctr"/>
-            <a:endParaRPr lang="de-DE"/>
-          </a:p>
-        </p:txBody>
-      </p:sp>
-      <p:sp>
-        <p:nvSpPr>
-          <p:cNvPr id="2" name="Textfeld 1">
-            <a:extLst>
-              <a:ext uri="{FF2B5EF4-FFF2-40B4-BE49-F238E27FC236}">
-                <a16:creationId xmlns:a16="http://schemas.microsoft.com/office/drawing/2014/main" id="{42843516-09A9-2F1E-76A5-272DEBE3B9A5}"/>
-              </a:ext>
-            </a:extLst>
-          </p:cNvPr>
-          <p:cNvSpPr txBox="1"/>
-          <p:nvPr/>
-        </p:nvSpPr>
-        <p:spPr>
-          <a:xfrm>
-            <a:off x="4477996" y="1433904"/>
-            <a:ext cx="4418176" cy="1200329"/>
-          </a:xfrm>
-          <a:prstGeom prst="rect">
-            <a:avLst/>
-          </a:prstGeom>
-          <a:noFill/>
-        </p:spPr>
-        <p:txBody>
-          <a:bodyPr wrap="square" rtlCol="0">
-            <a:spAutoFit/>
-          </a:bodyPr>
-          <a:lstStyle/>
-          <a:p>
-            <a:pPr algn="ctr"/>
-            <a:r>
-              <a:rPr lang="de-DE" dirty="0">
-                <a:solidFill>
-                  <a:schemeClr val="bg1"/>
-                </a:solidFill>
-              </a:rPr>
-              <a:t>Bearbeitungsbereich nur innerhalb </a:t>
-            </a:r>
-            <a:r>
-              <a:rPr lang="de-DE">
-                <a:solidFill>
-                  <a:schemeClr val="bg1"/>
-                </a:solidFill>
-              </a:rPr>
-              <a:t>dieses Parallelogramms </a:t>
-            </a:r>
-            <a:endParaRPr lang="de-DE" dirty="0">
-              <a:solidFill>
-                <a:schemeClr val="bg1"/>
-              </a:solidFill>
-            </a:endParaRPr>
-          </a:p>
-          <a:p>
-            <a:pPr algn="ctr"/>
-            <a:endParaRPr lang="de-DE" dirty="0">
-              <a:solidFill>
-                <a:schemeClr val="bg1"/>
-              </a:solidFill>
-            </a:endParaRPr>
-          </a:p>
-          <a:p>
-            <a:pPr algn="ctr"/>
-            <a:r>
-              <a:rPr lang="de-DE" dirty="0">
-                <a:solidFill>
-                  <a:schemeClr val="bg1"/>
-                </a:solidFill>
-              </a:rPr>
-              <a:t>Schwarzer Hintergrund mit weißer Schrift!</a:t>
-            </a:r>
-          </a:p>
-        </p:txBody>
-      </p:sp>
-    </p:spTree>
-    <p:extLst>
-      <p:ext uri="{BB962C8B-B14F-4D97-AF65-F5344CB8AC3E}">
-        <p14:creationId xmlns:p14="http://schemas.microsoft.com/office/powerpoint/2010/main" val="1682811109"/>
-      </p:ext>
-    </p:extLst>
-  </p:cSld>
-  <p:clrMapOvr>
-    <a:masterClrMapping/>
-  </p:clrMapOvr>
-</p:sld>
-</file>
-
 <file path=ppt/slides/slide8.xml><?xml version="1.0" encoding="utf-8"?>
 <p:sld xmlns:a="http://schemas.openxmlformats.org/drawingml/2006/main" xmlns:r="http://schemas.openxmlformats.org/officeDocument/2006/relationships" xmlns:p="http://schemas.openxmlformats.org/presentationml/2006/main">
   <p:cSld>
@@ -5590,7 +6639,7 @@
         <p:cNvPr id="1" name="">
           <a:extLst>
             <a:ext uri="{FF2B5EF4-FFF2-40B4-BE49-F238E27FC236}">
-              <a16:creationId xmlns:a16="http://schemas.microsoft.com/office/drawing/2014/main" id="{38C25B8F-79CD-9BFF-A44D-7B88818A2A8A}"/>
+              <a16:creationId xmlns:a16="http://schemas.microsoft.com/office/drawing/2014/main" id="{A1A88C86-7DF2-055E-406D-37C777A4EA53}"/>
             </a:ext>
           </a:extLst>
         </p:cNvPr>
@@ -5610,7 +6659,7 @@
           <p:cNvPr id="5" name="Parallelogramm 4">
             <a:extLst>
               <a:ext uri="{FF2B5EF4-FFF2-40B4-BE49-F238E27FC236}">
-                <a16:creationId xmlns:a16="http://schemas.microsoft.com/office/drawing/2014/main" id="{BCC9E873-0358-6820-33C3-9831D4EDDFB9}"/>
+                <a16:creationId xmlns:a16="http://schemas.microsoft.com/office/drawing/2014/main" id="{CDE48F4B-7CFB-65B4-2296-6D82A797596D}"/>
               </a:ext>
             </a:extLst>
           </p:cNvPr>
@@ -5664,7 +6713,7 @@
           <p:cNvPr id="2" name="Textfeld 1">
             <a:extLst>
               <a:ext uri="{FF2B5EF4-FFF2-40B4-BE49-F238E27FC236}">
-                <a16:creationId xmlns:a16="http://schemas.microsoft.com/office/drawing/2014/main" id="{B8C29E90-7F01-DBA4-7096-E4069CCADA1E}"/>
+                <a16:creationId xmlns:a16="http://schemas.microsoft.com/office/drawing/2014/main" id="{7603158C-8B3D-6A8A-0D1C-F214682D1426}"/>
               </a:ext>
             </a:extLst>
           </p:cNvPr>
@@ -5673,8 +6722,8 @@
         </p:nvSpPr>
         <p:spPr>
           <a:xfrm>
-            <a:off x="4477996" y="1433904"/>
-            <a:ext cx="4418176" cy="1200329"/>
+            <a:off x="4109013" y="1003017"/>
+            <a:ext cx="5150733" cy="2616101"/>
           </a:xfrm>
           <a:prstGeom prst="rect">
             <a:avLst/>
@@ -5689,52 +6738,44 @@
           <a:p>
             <a:pPr algn="ctr"/>
             <a:r>
-              <a:rPr lang="de-DE" dirty="0">
+              <a:rPr lang="de-DE" sz="4400" b="1" dirty="0">
                 <a:solidFill>
                   <a:schemeClr val="bg1"/>
                 </a:solidFill>
               </a:rPr>
-              <a:t>Bearbeitungsbereich nur innerhalb </a:t>
-            </a:r>
-            <a:r>
-              <a:rPr lang="de-DE">
+              <a:t>Fluch der Effizienz…</a:t>
+            </a:r>
+          </a:p>
+          <a:p>
+            <a:pPr algn="ctr"/>
+            <a:endParaRPr lang="de-DE" sz="4400" b="1" dirty="0">
+              <a:solidFill>
+                <a:schemeClr val="bg1"/>
+              </a:solidFill>
+            </a:endParaRPr>
+          </a:p>
+          <a:p>
+            <a:pPr algn="ctr"/>
+            <a:r>
+              <a:rPr lang="de-DE" sz="3200" b="1" i="1" dirty="0">
                 <a:solidFill>
                   <a:schemeClr val="bg1"/>
                 </a:solidFill>
               </a:rPr>
-              <a:t>dieses Parallelogramms </a:t>
-            </a:r>
-            <a:endParaRPr lang="de-DE" dirty="0">
+              <a:t>(auch das noch)</a:t>
+            </a:r>
+            <a:endParaRPr lang="de-DE" sz="3200" i="1" dirty="0">
               <a:solidFill>
                 <a:schemeClr val="bg1"/>
               </a:solidFill>
             </a:endParaRPr>
           </a:p>
-          <a:p>
-            <a:pPr algn="ctr"/>
-            <a:endParaRPr lang="de-DE" dirty="0">
-              <a:solidFill>
-                <a:schemeClr val="bg1"/>
-              </a:solidFill>
-            </a:endParaRPr>
-          </a:p>
-          <a:p>
-            <a:pPr algn="ctr"/>
-            <a:r>
-              <a:rPr lang="de-DE" dirty="0">
-                <a:solidFill>
-                  <a:schemeClr val="bg1"/>
-                </a:solidFill>
-              </a:rPr>
-              <a:t>Schwarzer Hintergrund mit weißer Schrift!</a:t>
-            </a:r>
-          </a:p>
         </p:txBody>
       </p:sp>
     </p:spTree>
     <p:extLst>
       <p:ext uri="{BB962C8B-B14F-4D97-AF65-F5344CB8AC3E}">
-        <p14:creationId xmlns:p14="http://schemas.microsoft.com/office/powerpoint/2010/main" val="167490956"/>
+        <p14:creationId xmlns:p14="http://schemas.microsoft.com/office/powerpoint/2010/main" val="3719691926"/>
       </p:ext>
     </p:extLst>
   </p:cSld>
@@ -5760,7 +6801,7 @@
         <p:cNvPr id="1" name="">
           <a:extLst>
             <a:ext uri="{FF2B5EF4-FFF2-40B4-BE49-F238E27FC236}">
-              <a16:creationId xmlns:a16="http://schemas.microsoft.com/office/drawing/2014/main" id="{C088FDAC-26B7-7F3B-3D7F-6C31899074B8}"/>
+              <a16:creationId xmlns:a16="http://schemas.microsoft.com/office/drawing/2014/main" id="{3A0446D7-8396-5D23-4A51-A645F9440163}"/>
             </a:ext>
           </a:extLst>
         </p:cNvPr>
@@ -5780,7 +6821,7 @@
           <p:cNvPr id="5" name="Parallelogramm 4">
             <a:extLst>
               <a:ext uri="{FF2B5EF4-FFF2-40B4-BE49-F238E27FC236}">
-                <a16:creationId xmlns:a16="http://schemas.microsoft.com/office/drawing/2014/main" id="{62FA47C4-BAA8-8E62-C4AA-37E19477D78C}"/>
+                <a16:creationId xmlns:a16="http://schemas.microsoft.com/office/drawing/2014/main" id="{535C4BD8-6CA5-2AC9-9824-19F78E5F27FF}"/>
               </a:ext>
             </a:extLst>
           </p:cNvPr>
@@ -5834,7 +6875,7 @@
           <p:cNvPr id="2" name="Textfeld 1">
             <a:extLst>
               <a:ext uri="{FF2B5EF4-FFF2-40B4-BE49-F238E27FC236}">
-                <a16:creationId xmlns:a16="http://schemas.microsoft.com/office/drawing/2014/main" id="{3B9E2A18-66B6-60CC-C0A1-E1A21BBBBCD3}"/>
+                <a16:creationId xmlns:a16="http://schemas.microsoft.com/office/drawing/2014/main" id="{B2F51520-8A9C-1F9C-9864-F52D7C008019}"/>
               </a:ext>
             </a:extLst>
           </p:cNvPr>
@@ -5843,8 +6884,8 @@
         </p:nvSpPr>
         <p:spPr>
           <a:xfrm>
-            <a:off x="4477996" y="1433904"/>
-            <a:ext cx="4418176" cy="1200329"/>
+            <a:off x="4109013" y="1003017"/>
+            <a:ext cx="5185458" cy="2739211"/>
           </a:xfrm>
           <a:prstGeom prst="rect">
             <a:avLst/>
@@ -5859,52 +6900,44 @@
           <a:p>
             <a:pPr algn="ctr"/>
             <a:r>
-              <a:rPr lang="de-DE" dirty="0">
+              <a:rPr lang="de-DE" sz="4400" b="1" dirty="0">
                 <a:solidFill>
                   <a:schemeClr val="bg1"/>
                 </a:solidFill>
               </a:rPr>
-              <a:t>Bearbeitungsbereich nur innerhalb </a:t>
-            </a:r>
-            <a:r>
-              <a:rPr lang="de-DE">
+              <a:t>Wie wär‘s mal mit Lösungen?</a:t>
+            </a:r>
+          </a:p>
+          <a:p>
+            <a:pPr algn="ctr"/>
+            <a:endParaRPr lang="de-DE" sz="4400" b="1" i="1" dirty="0">
+              <a:solidFill>
+                <a:schemeClr val="bg1"/>
+              </a:solidFill>
+            </a:endParaRPr>
+          </a:p>
+          <a:p>
+            <a:pPr algn="ctr"/>
+            <a:r>
+              <a:rPr lang="de-DE" sz="2000" b="1" i="1" dirty="0">
                 <a:solidFill>
                   <a:schemeClr val="bg1"/>
                 </a:solidFill>
               </a:rPr>
-              <a:t>dieses Parallelogramms </a:t>
-            </a:r>
-            <a:endParaRPr lang="de-DE" dirty="0">
+              <a:t>(Kennen Sie das auch, dass Ihre Folien passiv aggressiv werden?)</a:t>
+            </a:r>
+            <a:endParaRPr lang="de-DE" sz="2000" i="1" dirty="0">
               <a:solidFill>
                 <a:schemeClr val="bg1"/>
               </a:solidFill>
             </a:endParaRPr>
           </a:p>
-          <a:p>
-            <a:pPr algn="ctr"/>
-            <a:endParaRPr lang="de-DE" dirty="0">
-              <a:solidFill>
-                <a:schemeClr val="bg1"/>
-              </a:solidFill>
-            </a:endParaRPr>
-          </a:p>
-          <a:p>
-            <a:pPr algn="ctr"/>
-            <a:r>
-              <a:rPr lang="de-DE" dirty="0">
-                <a:solidFill>
-                  <a:schemeClr val="bg1"/>
-                </a:solidFill>
-              </a:rPr>
-              <a:t>Schwarzer Hintergrund mit weißer Schrift!</a:t>
-            </a:r>
-          </a:p>
         </p:txBody>
       </p:sp>
     </p:spTree>
     <p:extLst>
       <p:ext uri="{BB962C8B-B14F-4D97-AF65-F5344CB8AC3E}">
-        <p14:creationId xmlns:p14="http://schemas.microsoft.com/office/powerpoint/2010/main" val="9273907"/>
+        <p14:creationId xmlns:p14="http://schemas.microsoft.com/office/powerpoint/2010/main" val="983619506"/>
       </p:ext>
     </p:extLst>
   </p:cSld>
@@ -6230,6 +7263,15 @@
 </file>
 
 <file path=customXml/item1.xml><?xml version="1.0" encoding="utf-8"?>
+<?mso-contentType ?>
+<FormTemplates xmlns="http://schemas.microsoft.com/sharepoint/v3/contenttype/forms">
+  <Display>DocumentLibraryForm</Display>
+  <Edit>DocumentLibraryForm</Edit>
+  <New>DocumentLibraryForm</New>
+</FormTemplates>
+</file>
+
+<file path=customXml/item2.xml><?xml version="1.0" encoding="utf-8"?>
 <ct:contentTypeSchema xmlns:ct="http://schemas.microsoft.com/office/2006/metadata/contentType" xmlns:ma="http://schemas.microsoft.com/office/2006/metadata/properties/metaAttributes" ct:_="" ma:_="" ma:contentTypeName="Dokument" ma:contentTypeID="0x0101009891C516DB217F44BBCB512C1F80D1F9" ma:contentTypeVersion="16" ma:contentTypeDescription="Ein neues Dokument erstellen." ma:contentTypeScope="" ma:versionID="9ff1013623793293257c40f8ba0bd5a5">
   <xsd:schema xmlns:xsd="http://www.w3.org/2001/XMLSchema" xmlns:xs="http://www.w3.org/2001/XMLSchema" xmlns:p="http://schemas.microsoft.com/office/2006/metadata/properties" xmlns:ns2="7b2087a2-aa00-459f-afbf-d31d677ab458" xmlns:ns3="46e6d2b1-d0b4-41c7-b220-e565bb4fc6c5" targetNamespace="http://schemas.microsoft.com/office/2006/metadata/properties" ma:root="true" ma:fieldsID="c03ee18f4f76b67607e6bcc9fc33ceaf" ns2:_="" ns3:_="">
     <xsd:import namespace="7b2087a2-aa00-459f-afbf-d31d677ab458"/>
@@ -6470,15 +7512,6 @@
 </ct:contentTypeSchema>
 </file>
 
-<file path=customXml/item2.xml><?xml version="1.0" encoding="utf-8"?>
-<?mso-contentType ?>
-<FormTemplates xmlns="http://schemas.microsoft.com/sharepoint/v3/contenttype/forms">
-  <Display>DocumentLibraryForm</Display>
-  <Edit>DocumentLibraryForm</Edit>
-  <New>DocumentLibraryForm</New>
-</FormTemplates>
-</file>
-
 <file path=customXml/item3.xml><?xml version="1.0" encoding="utf-8"?>
 <p:properties xmlns:p="http://schemas.microsoft.com/office/2006/metadata/properties" xmlns:xsi="http://www.w3.org/2001/XMLSchema-instance" xmlns:pc="http://schemas.microsoft.com/office/infopath/2007/PartnerControls">
   <documentManagement>
@@ -6491,6 +7524,14 @@
 </file>
 
 <file path=customXml/itemProps1.xml><?xml version="1.0" encoding="utf-8"?>
+<ds:datastoreItem xmlns:ds="http://schemas.openxmlformats.org/officeDocument/2006/customXml" ds:itemID="{0E915D31-0063-48F2-812D-B2A832D8CCD9}">
+  <ds:schemaRefs>
+    <ds:schemaRef ds:uri="http://schemas.microsoft.com/sharepoint/v3/contenttype/forms"/>
+  </ds:schemaRefs>
+</ds:datastoreItem>
+</file>
+
+<file path=customXml/itemProps2.xml><?xml version="1.0" encoding="utf-8"?>
 <ds:datastoreItem xmlns:ds="http://schemas.openxmlformats.org/officeDocument/2006/customXml" ds:itemID="{AA310655-5612-42EF-8CC8-A867C752977A}">
   <ds:schemaRefs>
     <ds:schemaRef ds:uri="http://schemas.microsoft.com/office/2006/metadata/contentType"/>
@@ -6505,14 +7546,6 @@
     <ds:schemaRef ds:uri="http://purl.org/dc/elements/1.1/"/>
     <ds:schemaRef ds:uri="http://purl.org/dc/terms/"/>
     <ds:schemaRef ds:uri="http://schemas.microsoft.com/internal/obd"/>
-  </ds:schemaRefs>
-</ds:datastoreItem>
-</file>
-
-<file path=customXml/itemProps2.xml><?xml version="1.0" encoding="utf-8"?>
-<ds:datastoreItem xmlns:ds="http://schemas.openxmlformats.org/officeDocument/2006/customXml" ds:itemID="{0E915D31-0063-48F2-812D-B2A832D8CCD9}">
-  <ds:schemaRefs>
-    <ds:schemaRef ds:uri="http://schemas.microsoft.com/sharepoint/v3/contenttype/forms"/>
   </ds:schemaRefs>
 </ds:datastoreItem>
 </file>

--- a/talks/202510_roulette/Kruppa_Scheetz.pptx
+++ b/talks/202510_roulette/Kruppa_Scheetz.pptx
@@ -16,13 +16,8 @@
     <p:sldId id="281" r:id="rId13"/>
     <p:sldId id="282" r:id="rId14"/>
     <p:sldId id="283" r:id="rId15"/>
-    <p:sldId id="269" r:id="rId16"/>
-    <p:sldId id="270" r:id="rId17"/>
-    <p:sldId id="271" r:id="rId18"/>
-    <p:sldId id="272" r:id="rId19"/>
-    <p:sldId id="273" r:id="rId20"/>
-    <p:sldId id="274" r:id="rId21"/>
-    <p:sldId id="275" r:id="rId22"/>
+    <p:sldId id="284" r:id="rId16"/>
+    <p:sldId id="285" r:id="rId17"/>
   </p:sldIdLst>
   <p:sldSz cx="12192000" cy="6858000"/>
   <p:notesSz cx="6858000" cy="9144000"/>
@@ -276,7 +271,7 @@
           <a:p>
             <a:fld id="{7FA2D9D7-34EC-47D5-AEAE-AF311B3F0586}" type="datetimeFigureOut">
               <a:rPr lang="de-DE" smtClean="0"/>
-              <a:t>23.10.25</a:t>
+              <a:t>28.10.25</a:t>
             </a:fld>
             <a:endParaRPr lang="de-DE"/>
           </a:p>
@@ -474,7 +469,7 @@
           <a:p>
             <a:fld id="{7FA2D9D7-34EC-47D5-AEAE-AF311B3F0586}" type="datetimeFigureOut">
               <a:rPr lang="de-DE" smtClean="0"/>
-              <a:t>23.10.25</a:t>
+              <a:t>28.10.25</a:t>
             </a:fld>
             <a:endParaRPr lang="de-DE"/>
           </a:p>
@@ -682,7 +677,7 @@
           <a:p>
             <a:fld id="{7FA2D9D7-34EC-47D5-AEAE-AF311B3F0586}" type="datetimeFigureOut">
               <a:rPr lang="de-DE" smtClean="0"/>
-              <a:t>23.10.25</a:t>
+              <a:t>28.10.25</a:t>
             </a:fld>
             <a:endParaRPr lang="de-DE"/>
           </a:p>
@@ -880,7 +875,7 @@
           <a:p>
             <a:fld id="{7FA2D9D7-34EC-47D5-AEAE-AF311B3F0586}" type="datetimeFigureOut">
               <a:rPr lang="de-DE" smtClean="0"/>
-              <a:t>23.10.25</a:t>
+              <a:t>28.10.25</a:t>
             </a:fld>
             <a:endParaRPr lang="de-DE"/>
           </a:p>
@@ -1155,7 +1150,7 @@
           <a:p>
             <a:fld id="{7FA2D9D7-34EC-47D5-AEAE-AF311B3F0586}" type="datetimeFigureOut">
               <a:rPr lang="de-DE" smtClean="0"/>
-              <a:t>23.10.25</a:t>
+              <a:t>28.10.25</a:t>
             </a:fld>
             <a:endParaRPr lang="de-DE"/>
           </a:p>
@@ -1420,7 +1415,7 @@
           <a:p>
             <a:fld id="{7FA2D9D7-34EC-47D5-AEAE-AF311B3F0586}" type="datetimeFigureOut">
               <a:rPr lang="de-DE" smtClean="0"/>
-              <a:t>23.10.25</a:t>
+              <a:t>28.10.25</a:t>
             </a:fld>
             <a:endParaRPr lang="de-DE"/>
           </a:p>
@@ -1832,7 +1827,7 @@
           <a:p>
             <a:fld id="{7FA2D9D7-34EC-47D5-AEAE-AF311B3F0586}" type="datetimeFigureOut">
               <a:rPr lang="de-DE" smtClean="0"/>
-              <a:t>23.10.25</a:t>
+              <a:t>28.10.25</a:t>
             </a:fld>
             <a:endParaRPr lang="de-DE"/>
           </a:p>
@@ -1973,7 +1968,7 @@
           <a:p>
             <a:fld id="{7FA2D9D7-34EC-47D5-AEAE-AF311B3F0586}" type="datetimeFigureOut">
               <a:rPr lang="de-DE" smtClean="0"/>
-              <a:t>23.10.25</a:t>
+              <a:t>28.10.25</a:t>
             </a:fld>
             <a:endParaRPr lang="de-DE"/>
           </a:p>
@@ -2086,7 +2081,7 @@
           <a:p>
             <a:fld id="{7FA2D9D7-34EC-47D5-AEAE-AF311B3F0586}" type="datetimeFigureOut">
               <a:rPr lang="de-DE" smtClean="0"/>
-              <a:t>23.10.25</a:t>
+              <a:t>28.10.25</a:t>
             </a:fld>
             <a:endParaRPr lang="de-DE"/>
           </a:p>
@@ -2397,7 +2392,7 @@
           <a:p>
             <a:fld id="{7FA2D9D7-34EC-47D5-AEAE-AF311B3F0586}" type="datetimeFigureOut">
               <a:rPr lang="de-DE" smtClean="0"/>
-              <a:t>23.10.25</a:t>
+              <a:t>28.10.25</a:t>
             </a:fld>
             <a:endParaRPr lang="de-DE"/>
           </a:p>
@@ -2685,7 +2680,7 @@
           <a:p>
             <a:fld id="{7FA2D9D7-34EC-47D5-AEAE-AF311B3F0586}" type="datetimeFigureOut">
               <a:rPr lang="de-DE" smtClean="0"/>
-              <a:t>23.10.25</a:t>
+              <a:t>28.10.25</a:t>
             </a:fld>
             <a:endParaRPr lang="de-DE"/>
           </a:p>
@@ -2926,7 +2921,7 @@
           <a:p>
             <a:fld id="{7FA2D9D7-34EC-47D5-AEAE-AF311B3F0586}" type="datetimeFigureOut">
               <a:rPr lang="de-DE" smtClean="0"/>
-              <a:t>23.10.25</a:t>
+              <a:t>28.10.25</a:t>
             </a:fld>
             <a:endParaRPr lang="de-DE"/>
           </a:p>
@@ -3779,7 +3774,7 @@
         <p:cNvPr id="1" name="">
           <a:extLst>
             <a:ext uri="{FF2B5EF4-FFF2-40B4-BE49-F238E27FC236}">
-              <a16:creationId xmlns:a16="http://schemas.microsoft.com/office/drawing/2014/main" id="{8B4AF792-D885-50C2-F2F6-EEA2FE4B2791}"/>
+              <a16:creationId xmlns:a16="http://schemas.microsoft.com/office/drawing/2014/main" id="{37EB8265-7E2A-6BE2-A953-6768FE8EF207}"/>
             </a:ext>
           </a:extLst>
         </p:cNvPr>
@@ -3799,7 +3794,7 @@
           <p:cNvPr id="5" name="Parallelogramm 4">
             <a:extLst>
               <a:ext uri="{FF2B5EF4-FFF2-40B4-BE49-F238E27FC236}">
-                <a16:creationId xmlns:a16="http://schemas.microsoft.com/office/drawing/2014/main" id="{2DA023E5-6F03-52D5-1DCE-66F60108F695}"/>
+                <a16:creationId xmlns:a16="http://schemas.microsoft.com/office/drawing/2014/main" id="{A570893C-DDEB-88FC-5AF7-BC06E9294C39}"/>
               </a:ext>
             </a:extLst>
           </p:cNvPr>
@@ -3853,7 +3848,7 @@
           <p:cNvPr id="2" name="Textfeld 1">
             <a:extLst>
               <a:ext uri="{FF2B5EF4-FFF2-40B4-BE49-F238E27FC236}">
-                <a16:creationId xmlns:a16="http://schemas.microsoft.com/office/drawing/2014/main" id="{C5524660-7E89-7123-CCA8-E89899706942}"/>
+                <a16:creationId xmlns:a16="http://schemas.microsoft.com/office/drawing/2014/main" id="{89045B9A-98BE-B127-B3E8-ABFE8F657CA5}"/>
               </a:ext>
             </a:extLst>
           </p:cNvPr>
@@ -3862,8 +3857,8 @@
         </p:nvSpPr>
         <p:spPr>
           <a:xfrm>
-            <a:off x="4477996" y="1433904"/>
-            <a:ext cx="4418176" cy="1200329"/>
+            <a:off x="4109013" y="1003017"/>
+            <a:ext cx="5185458" cy="2123658"/>
           </a:xfrm>
           <a:prstGeom prst="rect">
             <a:avLst/>
@@ -3878,39 +3873,25 @@
           <a:p>
             <a:pPr algn="ctr"/>
             <a:r>
-              <a:rPr lang="de-DE" dirty="0">
+              <a:rPr lang="de-DE" sz="4400" b="1" dirty="0">
                 <a:solidFill>
                   <a:schemeClr val="bg1"/>
                 </a:solidFill>
               </a:rPr>
-              <a:t>Bearbeitungsbereich nur innerhalb dieses Parallelogramms </a:t>
-            </a:r>
-          </a:p>
-          <a:p>
-            <a:pPr algn="ctr"/>
-            <a:endParaRPr lang="de-DE" dirty="0">
+              <a:t>Proverben strukturieren den Tag</a:t>
+            </a:r>
+            <a:endParaRPr lang="de-DE" sz="2000" i="1" dirty="0">
               <a:solidFill>
                 <a:schemeClr val="bg1"/>
               </a:solidFill>
             </a:endParaRPr>
           </a:p>
-          <a:p>
-            <a:pPr algn="ctr"/>
-            <a:r>
-              <a:rPr lang="de-DE" dirty="0">
-                <a:solidFill>
-                  <a:schemeClr val="bg1"/>
-                </a:solidFill>
-              </a:rPr>
-              <a:t>Schwarzer Hintergrund mit weißer Schrift!</a:t>
-            </a:r>
-          </a:p>
         </p:txBody>
       </p:sp>
     </p:spTree>
     <p:extLst>
       <p:ext uri="{BB962C8B-B14F-4D97-AF65-F5344CB8AC3E}">
-        <p14:creationId xmlns:p14="http://schemas.microsoft.com/office/powerpoint/2010/main" val="1762995077"/>
+        <p14:creationId xmlns:p14="http://schemas.microsoft.com/office/powerpoint/2010/main" val="85460328"/>
       </p:ext>
     </p:extLst>
   </p:cSld>
@@ -3936,7 +3917,7 @@
         <p:cNvPr id="1" name="">
           <a:extLst>
             <a:ext uri="{FF2B5EF4-FFF2-40B4-BE49-F238E27FC236}">
-              <a16:creationId xmlns:a16="http://schemas.microsoft.com/office/drawing/2014/main" id="{410E5FB7-E16E-D8C3-8DAD-D0037F58123C}"/>
+              <a16:creationId xmlns:a16="http://schemas.microsoft.com/office/drawing/2014/main" id="{32F5BE10-BEF6-5CF2-F08A-123ACAE7D562}"/>
             </a:ext>
           </a:extLst>
         </p:cNvPr>
@@ -3956,7 +3937,7 @@
           <p:cNvPr id="5" name="Parallelogramm 4">
             <a:extLst>
               <a:ext uri="{FF2B5EF4-FFF2-40B4-BE49-F238E27FC236}">
-                <a16:creationId xmlns:a16="http://schemas.microsoft.com/office/drawing/2014/main" id="{B9A2C74C-7832-3F31-718B-7C9FD5B98FC7}"/>
+                <a16:creationId xmlns:a16="http://schemas.microsoft.com/office/drawing/2014/main" id="{046C6D88-1DEB-2893-006A-AD9CCCD21744}"/>
               </a:ext>
             </a:extLst>
           </p:cNvPr>
@@ -4010,7 +3991,7 @@
           <p:cNvPr id="2" name="Textfeld 1">
             <a:extLst>
               <a:ext uri="{FF2B5EF4-FFF2-40B4-BE49-F238E27FC236}">
-                <a16:creationId xmlns:a16="http://schemas.microsoft.com/office/drawing/2014/main" id="{43CFCAC1-F663-B2C1-0ECF-427757220DA8}"/>
+                <a16:creationId xmlns:a16="http://schemas.microsoft.com/office/drawing/2014/main" id="{727672E5-54C9-B67C-C953-50D627E9CD57}"/>
               </a:ext>
             </a:extLst>
           </p:cNvPr>
@@ -4019,8 +4000,8 @@
         </p:nvSpPr>
         <p:spPr>
           <a:xfrm>
-            <a:off x="4477996" y="1433904"/>
-            <a:ext cx="4418176" cy="1200329"/>
+            <a:off x="4032007" y="282491"/>
+            <a:ext cx="5185458" cy="3785652"/>
           </a:xfrm>
           <a:prstGeom prst="rect">
             <a:avLst/>
@@ -4035,902 +4016,47 @@
           <a:p>
             <a:pPr algn="ctr"/>
             <a:r>
-              <a:rPr lang="de-DE" dirty="0">
+              <a:rPr lang="de-DE" sz="4400" b="1" dirty="0">
                 <a:solidFill>
                   <a:schemeClr val="bg1"/>
                 </a:solidFill>
               </a:rPr>
-              <a:t>Bearbeitungsbereich nur innerhalb </a:t>
-            </a:r>
-            <a:r>
-              <a:rPr lang="de-DE">
+              <a:t>Es war einmal…</a:t>
+            </a:r>
+          </a:p>
+          <a:p>
+            <a:pPr algn="ctr"/>
+            <a:endParaRPr lang="de-DE" sz="4400" b="1" dirty="0">
+              <a:solidFill>
+                <a:schemeClr val="bg1"/>
+              </a:solidFill>
+            </a:endParaRPr>
+          </a:p>
+          <a:p>
+            <a:pPr algn="ctr"/>
+            <a:r>
+              <a:rPr lang="de-DE" sz="4400" b="1" dirty="0">
                 <a:solidFill>
                   <a:schemeClr val="bg1"/>
                 </a:solidFill>
               </a:rPr>
-              <a:t>dieses Parallelogramms </a:t>
-            </a:r>
-            <a:endParaRPr lang="de-DE" dirty="0">
+              <a:t>Erzähle eine Geschichte, wann immer es geht.</a:t>
+            </a:r>
+          </a:p>
+          <a:p>
+            <a:pPr algn="ctr"/>
+            <a:endParaRPr lang="de-DE" sz="2000" i="1" dirty="0">
               <a:solidFill>
                 <a:schemeClr val="bg1"/>
               </a:solidFill>
             </a:endParaRPr>
           </a:p>
-          <a:p>
-            <a:pPr algn="ctr"/>
-            <a:endParaRPr lang="de-DE" dirty="0">
-              <a:solidFill>
-                <a:schemeClr val="bg1"/>
-              </a:solidFill>
-            </a:endParaRPr>
-          </a:p>
-          <a:p>
-            <a:pPr algn="ctr"/>
-            <a:r>
-              <a:rPr lang="de-DE" dirty="0">
-                <a:solidFill>
-                  <a:schemeClr val="bg1"/>
-                </a:solidFill>
-              </a:rPr>
-              <a:t>Schwarzer Hintergrund mit weißer Schrift!</a:t>
-            </a:r>
-          </a:p>
         </p:txBody>
       </p:sp>
     </p:spTree>
     <p:extLst>
       <p:ext uri="{BB962C8B-B14F-4D97-AF65-F5344CB8AC3E}">
-        <p14:creationId xmlns:p14="http://schemas.microsoft.com/office/powerpoint/2010/main" val="3656727780"/>
-      </p:ext>
-    </p:extLst>
-  </p:cSld>
-  <p:clrMapOvr>
-    <a:masterClrMapping/>
-  </p:clrMapOvr>
-</p:sld>
-</file>
-
-<file path=ppt/slides/slide14.xml><?xml version="1.0" encoding="utf-8"?>
-<p:sld xmlns:a="http://schemas.openxmlformats.org/drawingml/2006/main" xmlns:r="http://schemas.openxmlformats.org/officeDocument/2006/relationships" xmlns:p="http://schemas.openxmlformats.org/presentationml/2006/main">
-  <p:cSld>
-    <p:bg>
-      <p:bgPr>
-        <a:solidFill>
-          <a:schemeClr val="tx1"/>
-        </a:solidFill>
-        <a:effectLst/>
-      </p:bgPr>
-    </p:bg>
-    <p:spTree>
-      <p:nvGrpSpPr>
-        <p:cNvPr id="1" name="">
-          <a:extLst>
-            <a:ext uri="{FF2B5EF4-FFF2-40B4-BE49-F238E27FC236}">
-              <a16:creationId xmlns:a16="http://schemas.microsoft.com/office/drawing/2014/main" id="{2149745D-48E4-07FF-0D31-193373F87C9D}"/>
-            </a:ext>
-          </a:extLst>
-        </p:cNvPr>
-        <p:cNvGrpSpPr/>
-        <p:nvPr/>
-      </p:nvGrpSpPr>
-      <p:grpSpPr>
-        <a:xfrm>
-          <a:off x="0" y="0"/>
-          <a:ext cx="0" cy="0"/>
-          <a:chOff x="0" y="0"/>
-          <a:chExt cx="0" cy="0"/>
-        </a:xfrm>
-      </p:grpSpPr>
-      <p:sp>
-        <p:nvSpPr>
-          <p:cNvPr id="5" name="Parallelogramm 4">
-            <a:extLst>
-              <a:ext uri="{FF2B5EF4-FFF2-40B4-BE49-F238E27FC236}">
-                <a16:creationId xmlns:a16="http://schemas.microsoft.com/office/drawing/2014/main" id="{97948773-A4CF-64A3-1201-27B7E3A57F49}"/>
-              </a:ext>
-            </a:extLst>
-          </p:cNvPr>
-          <p:cNvSpPr/>
-          <p:nvPr/>
-        </p:nvSpPr>
-        <p:spPr>
-          <a:xfrm flipV="1">
-            <a:off x="2304663" y="-4"/>
-            <a:ext cx="8640146" cy="4068147"/>
-          </a:xfrm>
-          <a:prstGeom prst="parallelogram">
-            <a:avLst>
-              <a:gd name="adj" fmla="val 48341"/>
-            </a:avLst>
-          </a:prstGeom>
-          <a:solidFill>
-            <a:schemeClr val="tx1"/>
-          </a:solidFill>
-          <a:ln w="38100">
-            <a:solidFill>
-              <a:srgbClr val="FFFF00"/>
-            </a:solidFill>
-          </a:ln>
-        </p:spPr>
-        <p:style>
-          <a:lnRef idx="2">
-            <a:schemeClr val="accent6"/>
-          </a:lnRef>
-          <a:fillRef idx="1">
-            <a:schemeClr val="lt1"/>
-          </a:fillRef>
-          <a:effectRef idx="0">
-            <a:schemeClr val="accent6"/>
-          </a:effectRef>
-          <a:fontRef idx="minor">
-            <a:schemeClr val="dk1"/>
-          </a:fontRef>
-        </p:style>
-        <p:txBody>
-          <a:bodyPr rtlCol="0" anchor="ctr"/>
-          <a:lstStyle/>
-          <a:p>
-            <a:pPr algn="ctr"/>
-            <a:endParaRPr lang="de-DE"/>
-          </a:p>
-        </p:txBody>
-      </p:sp>
-      <p:sp>
-        <p:nvSpPr>
-          <p:cNvPr id="2" name="Textfeld 1">
-            <a:extLst>
-              <a:ext uri="{FF2B5EF4-FFF2-40B4-BE49-F238E27FC236}">
-                <a16:creationId xmlns:a16="http://schemas.microsoft.com/office/drawing/2014/main" id="{42843516-09A9-2F1E-76A5-272DEBE3B9A5}"/>
-              </a:ext>
-            </a:extLst>
-          </p:cNvPr>
-          <p:cNvSpPr txBox="1"/>
-          <p:nvPr/>
-        </p:nvSpPr>
-        <p:spPr>
-          <a:xfrm>
-            <a:off x="4477996" y="1433904"/>
-            <a:ext cx="4418176" cy="1200329"/>
-          </a:xfrm>
-          <a:prstGeom prst="rect">
-            <a:avLst/>
-          </a:prstGeom>
-          <a:noFill/>
-        </p:spPr>
-        <p:txBody>
-          <a:bodyPr wrap="square" rtlCol="0">
-            <a:spAutoFit/>
-          </a:bodyPr>
-          <a:lstStyle/>
-          <a:p>
-            <a:pPr algn="ctr"/>
-            <a:r>
-              <a:rPr lang="de-DE" dirty="0">
-                <a:solidFill>
-                  <a:schemeClr val="bg1"/>
-                </a:solidFill>
-              </a:rPr>
-              <a:t>Bearbeitungsbereich nur innerhalb </a:t>
-            </a:r>
-            <a:r>
-              <a:rPr lang="de-DE">
-                <a:solidFill>
-                  <a:schemeClr val="bg1"/>
-                </a:solidFill>
-              </a:rPr>
-              <a:t>dieses Parallelogramms </a:t>
-            </a:r>
-            <a:endParaRPr lang="de-DE" dirty="0">
-              <a:solidFill>
-                <a:schemeClr val="bg1"/>
-              </a:solidFill>
-            </a:endParaRPr>
-          </a:p>
-          <a:p>
-            <a:pPr algn="ctr"/>
-            <a:endParaRPr lang="de-DE" dirty="0">
-              <a:solidFill>
-                <a:schemeClr val="bg1"/>
-              </a:solidFill>
-            </a:endParaRPr>
-          </a:p>
-          <a:p>
-            <a:pPr algn="ctr"/>
-            <a:r>
-              <a:rPr lang="de-DE" dirty="0">
-                <a:solidFill>
-                  <a:schemeClr val="bg1"/>
-                </a:solidFill>
-              </a:rPr>
-              <a:t>Schwarzer Hintergrund mit weißer Schrift!</a:t>
-            </a:r>
-          </a:p>
-        </p:txBody>
-      </p:sp>
-    </p:spTree>
-    <p:extLst>
-      <p:ext uri="{BB962C8B-B14F-4D97-AF65-F5344CB8AC3E}">
-        <p14:creationId xmlns:p14="http://schemas.microsoft.com/office/powerpoint/2010/main" val="1682811109"/>
-      </p:ext>
-    </p:extLst>
-  </p:cSld>
-  <p:clrMapOvr>
-    <a:masterClrMapping/>
-  </p:clrMapOvr>
-</p:sld>
-</file>
-
-<file path=ppt/slides/slide15.xml><?xml version="1.0" encoding="utf-8"?>
-<p:sld xmlns:a="http://schemas.openxmlformats.org/drawingml/2006/main" xmlns:r="http://schemas.openxmlformats.org/officeDocument/2006/relationships" xmlns:p="http://schemas.openxmlformats.org/presentationml/2006/main">
-  <p:cSld>
-    <p:bg>
-      <p:bgPr>
-        <a:solidFill>
-          <a:schemeClr val="tx1"/>
-        </a:solidFill>
-        <a:effectLst/>
-      </p:bgPr>
-    </p:bg>
-    <p:spTree>
-      <p:nvGrpSpPr>
-        <p:cNvPr id="1" name="">
-          <a:extLst>
-            <a:ext uri="{FF2B5EF4-FFF2-40B4-BE49-F238E27FC236}">
-              <a16:creationId xmlns:a16="http://schemas.microsoft.com/office/drawing/2014/main" id="{38C25B8F-79CD-9BFF-A44D-7B88818A2A8A}"/>
-            </a:ext>
-          </a:extLst>
-        </p:cNvPr>
-        <p:cNvGrpSpPr/>
-        <p:nvPr/>
-      </p:nvGrpSpPr>
-      <p:grpSpPr>
-        <a:xfrm>
-          <a:off x="0" y="0"/>
-          <a:ext cx="0" cy="0"/>
-          <a:chOff x="0" y="0"/>
-          <a:chExt cx="0" cy="0"/>
-        </a:xfrm>
-      </p:grpSpPr>
-      <p:sp>
-        <p:nvSpPr>
-          <p:cNvPr id="5" name="Parallelogramm 4">
-            <a:extLst>
-              <a:ext uri="{FF2B5EF4-FFF2-40B4-BE49-F238E27FC236}">
-                <a16:creationId xmlns:a16="http://schemas.microsoft.com/office/drawing/2014/main" id="{BCC9E873-0358-6820-33C3-9831D4EDDFB9}"/>
-              </a:ext>
-            </a:extLst>
-          </p:cNvPr>
-          <p:cNvSpPr/>
-          <p:nvPr/>
-        </p:nvSpPr>
-        <p:spPr>
-          <a:xfrm flipV="1">
-            <a:off x="2304663" y="-4"/>
-            <a:ext cx="8640146" cy="4068147"/>
-          </a:xfrm>
-          <a:prstGeom prst="parallelogram">
-            <a:avLst>
-              <a:gd name="adj" fmla="val 48341"/>
-            </a:avLst>
-          </a:prstGeom>
-          <a:solidFill>
-            <a:schemeClr val="tx1"/>
-          </a:solidFill>
-          <a:ln w="38100">
-            <a:solidFill>
-              <a:srgbClr val="FFFF00"/>
-            </a:solidFill>
-          </a:ln>
-        </p:spPr>
-        <p:style>
-          <a:lnRef idx="2">
-            <a:schemeClr val="accent6"/>
-          </a:lnRef>
-          <a:fillRef idx="1">
-            <a:schemeClr val="lt1"/>
-          </a:fillRef>
-          <a:effectRef idx="0">
-            <a:schemeClr val="accent6"/>
-          </a:effectRef>
-          <a:fontRef idx="minor">
-            <a:schemeClr val="dk1"/>
-          </a:fontRef>
-        </p:style>
-        <p:txBody>
-          <a:bodyPr rtlCol="0" anchor="ctr"/>
-          <a:lstStyle/>
-          <a:p>
-            <a:pPr algn="ctr"/>
-            <a:endParaRPr lang="de-DE"/>
-          </a:p>
-        </p:txBody>
-      </p:sp>
-      <p:sp>
-        <p:nvSpPr>
-          <p:cNvPr id="2" name="Textfeld 1">
-            <a:extLst>
-              <a:ext uri="{FF2B5EF4-FFF2-40B4-BE49-F238E27FC236}">
-                <a16:creationId xmlns:a16="http://schemas.microsoft.com/office/drawing/2014/main" id="{B8C29E90-7F01-DBA4-7096-E4069CCADA1E}"/>
-              </a:ext>
-            </a:extLst>
-          </p:cNvPr>
-          <p:cNvSpPr txBox="1"/>
-          <p:nvPr/>
-        </p:nvSpPr>
-        <p:spPr>
-          <a:xfrm>
-            <a:off x="4477996" y="1433904"/>
-            <a:ext cx="4418176" cy="1200329"/>
-          </a:xfrm>
-          <a:prstGeom prst="rect">
-            <a:avLst/>
-          </a:prstGeom>
-          <a:noFill/>
-        </p:spPr>
-        <p:txBody>
-          <a:bodyPr wrap="square" rtlCol="0">
-            <a:spAutoFit/>
-          </a:bodyPr>
-          <a:lstStyle/>
-          <a:p>
-            <a:pPr algn="ctr"/>
-            <a:r>
-              <a:rPr lang="de-DE" dirty="0">
-                <a:solidFill>
-                  <a:schemeClr val="bg1"/>
-                </a:solidFill>
-              </a:rPr>
-              <a:t>Bearbeitungsbereich nur innerhalb </a:t>
-            </a:r>
-            <a:r>
-              <a:rPr lang="de-DE">
-                <a:solidFill>
-                  <a:schemeClr val="bg1"/>
-                </a:solidFill>
-              </a:rPr>
-              <a:t>dieses Parallelogramms </a:t>
-            </a:r>
-            <a:endParaRPr lang="de-DE" dirty="0">
-              <a:solidFill>
-                <a:schemeClr val="bg1"/>
-              </a:solidFill>
-            </a:endParaRPr>
-          </a:p>
-          <a:p>
-            <a:pPr algn="ctr"/>
-            <a:endParaRPr lang="de-DE" dirty="0">
-              <a:solidFill>
-                <a:schemeClr val="bg1"/>
-              </a:solidFill>
-            </a:endParaRPr>
-          </a:p>
-          <a:p>
-            <a:pPr algn="ctr"/>
-            <a:r>
-              <a:rPr lang="de-DE" dirty="0">
-                <a:solidFill>
-                  <a:schemeClr val="bg1"/>
-                </a:solidFill>
-              </a:rPr>
-              <a:t>Schwarzer Hintergrund mit weißer Schrift!</a:t>
-            </a:r>
-          </a:p>
-        </p:txBody>
-      </p:sp>
-    </p:spTree>
-    <p:extLst>
-      <p:ext uri="{BB962C8B-B14F-4D97-AF65-F5344CB8AC3E}">
-        <p14:creationId xmlns:p14="http://schemas.microsoft.com/office/powerpoint/2010/main" val="167490956"/>
-      </p:ext>
-    </p:extLst>
-  </p:cSld>
-  <p:clrMapOvr>
-    <a:masterClrMapping/>
-  </p:clrMapOvr>
-</p:sld>
-</file>
-
-<file path=ppt/slides/slide16.xml><?xml version="1.0" encoding="utf-8"?>
-<p:sld xmlns:a="http://schemas.openxmlformats.org/drawingml/2006/main" xmlns:r="http://schemas.openxmlformats.org/officeDocument/2006/relationships" xmlns:p="http://schemas.openxmlformats.org/presentationml/2006/main">
-  <p:cSld>
-    <p:bg>
-      <p:bgPr>
-        <a:solidFill>
-          <a:schemeClr val="tx1"/>
-        </a:solidFill>
-        <a:effectLst/>
-      </p:bgPr>
-    </p:bg>
-    <p:spTree>
-      <p:nvGrpSpPr>
-        <p:cNvPr id="1" name="">
-          <a:extLst>
-            <a:ext uri="{FF2B5EF4-FFF2-40B4-BE49-F238E27FC236}">
-              <a16:creationId xmlns:a16="http://schemas.microsoft.com/office/drawing/2014/main" id="{C088FDAC-26B7-7F3B-3D7F-6C31899074B8}"/>
-            </a:ext>
-          </a:extLst>
-        </p:cNvPr>
-        <p:cNvGrpSpPr/>
-        <p:nvPr/>
-      </p:nvGrpSpPr>
-      <p:grpSpPr>
-        <a:xfrm>
-          <a:off x="0" y="0"/>
-          <a:ext cx="0" cy="0"/>
-          <a:chOff x="0" y="0"/>
-          <a:chExt cx="0" cy="0"/>
-        </a:xfrm>
-      </p:grpSpPr>
-      <p:sp>
-        <p:nvSpPr>
-          <p:cNvPr id="5" name="Parallelogramm 4">
-            <a:extLst>
-              <a:ext uri="{FF2B5EF4-FFF2-40B4-BE49-F238E27FC236}">
-                <a16:creationId xmlns:a16="http://schemas.microsoft.com/office/drawing/2014/main" id="{62FA47C4-BAA8-8E62-C4AA-37E19477D78C}"/>
-              </a:ext>
-            </a:extLst>
-          </p:cNvPr>
-          <p:cNvSpPr/>
-          <p:nvPr/>
-        </p:nvSpPr>
-        <p:spPr>
-          <a:xfrm flipV="1">
-            <a:off x="2304663" y="-4"/>
-            <a:ext cx="8640146" cy="4068147"/>
-          </a:xfrm>
-          <a:prstGeom prst="parallelogram">
-            <a:avLst>
-              <a:gd name="adj" fmla="val 48341"/>
-            </a:avLst>
-          </a:prstGeom>
-          <a:solidFill>
-            <a:schemeClr val="tx1"/>
-          </a:solidFill>
-          <a:ln w="38100">
-            <a:solidFill>
-              <a:srgbClr val="FFFF00"/>
-            </a:solidFill>
-          </a:ln>
-        </p:spPr>
-        <p:style>
-          <a:lnRef idx="2">
-            <a:schemeClr val="accent6"/>
-          </a:lnRef>
-          <a:fillRef idx="1">
-            <a:schemeClr val="lt1"/>
-          </a:fillRef>
-          <a:effectRef idx="0">
-            <a:schemeClr val="accent6"/>
-          </a:effectRef>
-          <a:fontRef idx="minor">
-            <a:schemeClr val="dk1"/>
-          </a:fontRef>
-        </p:style>
-        <p:txBody>
-          <a:bodyPr rtlCol="0" anchor="ctr"/>
-          <a:lstStyle/>
-          <a:p>
-            <a:pPr algn="ctr"/>
-            <a:endParaRPr lang="de-DE"/>
-          </a:p>
-        </p:txBody>
-      </p:sp>
-      <p:sp>
-        <p:nvSpPr>
-          <p:cNvPr id="2" name="Textfeld 1">
-            <a:extLst>
-              <a:ext uri="{FF2B5EF4-FFF2-40B4-BE49-F238E27FC236}">
-                <a16:creationId xmlns:a16="http://schemas.microsoft.com/office/drawing/2014/main" id="{3B9E2A18-66B6-60CC-C0A1-E1A21BBBBCD3}"/>
-              </a:ext>
-            </a:extLst>
-          </p:cNvPr>
-          <p:cNvSpPr txBox="1"/>
-          <p:nvPr/>
-        </p:nvSpPr>
-        <p:spPr>
-          <a:xfrm>
-            <a:off x="4477996" y="1433904"/>
-            <a:ext cx="4418176" cy="1200329"/>
-          </a:xfrm>
-          <a:prstGeom prst="rect">
-            <a:avLst/>
-          </a:prstGeom>
-          <a:noFill/>
-        </p:spPr>
-        <p:txBody>
-          <a:bodyPr wrap="square" rtlCol="0">
-            <a:spAutoFit/>
-          </a:bodyPr>
-          <a:lstStyle/>
-          <a:p>
-            <a:pPr algn="ctr"/>
-            <a:r>
-              <a:rPr lang="de-DE" dirty="0">
-                <a:solidFill>
-                  <a:schemeClr val="bg1"/>
-                </a:solidFill>
-              </a:rPr>
-              <a:t>Bearbeitungsbereich nur innerhalb </a:t>
-            </a:r>
-            <a:r>
-              <a:rPr lang="de-DE">
-                <a:solidFill>
-                  <a:schemeClr val="bg1"/>
-                </a:solidFill>
-              </a:rPr>
-              <a:t>dieses Parallelogramms </a:t>
-            </a:r>
-            <a:endParaRPr lang="de-DE" dirty="0">
-              <a:solidFill>
-                <a:schemeClr val="bg1"/>
-              </a:solidFill>
-            </a:endParaRPr>
-          </a:p>
-          <a:p>
-            <a:pPr algn="ctr"/>
-            <a:endParaRPr lang="de-DE" dirty="0">
-              <a:solidFill>
-                <a:schemeClr val="bg1"/>
-              </a:solidFill>
-            </a:endParaRPr>
-          </a:p>
-          <a:p>
-            <a:pPr algn="ctr"/>
-            <a:r>
-              <a:rPr lang="de-DE" dirty="0">
-                <a:solidFill>
-                  <a:schemeClr val="bg1"/>
-                </a:solidFill>
-              </a:rPr>
-              <a:t>Schwarzer Hintergrund mit weißer Schrift!</a:t>
-            </a:r>
-          </a:p>
-        </p:txBody>
-      </p:sp>
-    </p:spTree>
-    <p:extLst>
-      <p:ext uri="{BB962C8B-B14F-4D97-AF65-F5344CB8AC3E}">
-        <p14:creationId xmlns:p14="http://schemas.microsoft.com/office/powerpoint/2010/main" val="9273907"/>
-      </p:ext>
-    </p:extLst>
-  </p:cSld>
-  <p:clrMapOvr>
-    <a:masterClrMapping/>
-  </p:clrMapOvr>
-</p:sld>
-</file>
-
-<file path=ppt/slides/slide17.xml><?xml version="1.0" encoding="utf-8"?>
-<p:sld xmlns:a="http://schemas.openxmlformats.org/drawingml/2006/main" xmlns:r="http://schemas.openxmlformats.org/officeDocument/2006/relationships" xmlns:p="http://schemas.openxmlformats.org/presentationml/2006/main">
-  <p:cSld>
-    <p:bg>
-      <p:bgPr>
-        <a:solidFill>
-          <a:schemeClr val="tx1"/>
-        </a:solidFill>
-        <a:effectLst/>
-      </p:bgPr>
-    </p:bg>
-    <p:spTree>
-      <p:nvGrpSpPr>
-        <p:cNvPr id="1" name="">
-          <a:extLst>
-            <a:ext uri="{FF2B5EF4-FFF2-40B4-BE49-F238E27FC236}">
-              <a16:creationId xmlns:a16="http://schemas.microsoft.com/office/drawing/2014/main" id="{24F61C48-3B3A-A062-B47A-44FE46588882}"/>
-            </a:ext>
-          </a:extLst>
-        </p:cNvPr>
-        <p:cNvGrpSpPr/>
-        <p:nvPr/>
-      </p:nvGrpSpPr>
-      <p:grpSpPr>
-        <a:xfrm>
-          <a:off x="0" y="0"/>
-          <a:ext cx="0" cy="0"/>
-          <a:chOff x="0" y="0"/>
-          <a:chExt cx="0" cy="0"/>
-        </a:xfrm>
-      </p:grpSpPr>
-      <p:sp>
-        <p:nvSpPr>
-          <p:cNvPr id="5" name="Parallelogramm 4">
-            <a:extLst>
-              <a:ext uri="{FF2B5EF4-FFF2-40B4-BE49-F238E27FC236}">
-                <a16:creationId xmlns:a16="http://schemas.microsoft.com/office/drawing/2014/main" id="{CBC5FAFA-6438-7FDF-945A-4BAD993E139B}"/>
-              </a:ext>
-            </a:extLst>
-          </p:cNvPr>
-          <p:cNvSpPr/>
-          <p:nvPr/>
-        </p:nvSpPr>
-        <p:spPr>
-          <a:xfrm flipV="1">
-            <a:off x="2304663" y="-4"/>
-            <a:ext cx="8640146" cy="4068147"/>
-          </a:xfrm>
-          <a:prstGeom prst="parallelogram">
-            <a:avLst>
-              <a:gd name="adj" fmla="val 48341"/>
-            </a:avLst>
-          </a:prstGeom>
-          <a:solidFill>
-            <a:schemeClr val="tx1"/>
-          </a:solidFill>
-          <a:ln w="38100">
-            <a:solidFill>
-              <a:srgbClr val="FFFF00"/>
-            </a:solidFill>
-          </a:ln>
-        </p:spPr>
-        <p:style>
-          <a:lnRef idx="2">
-            <a:schemeClr val="accent6"/>
-          </a:lnRef>
-          <a:fillRef idx="1">
-            <a:schemeClr val="lt1"/>
-          </a:fillRef>
-          <a:effectRef idx="0">
-            <a:schemeClr val="accent6"/>
-          </a:effectRef>
-          <a:fontRef idx="minor">
-            <a:schemeClr val="dk1"/>
-          </a:fontRef>
-        </p:style>
-        <p:txBody>
-          <a:bodyPr rtlCol="0" anchor="ctr"/>
-          <a:lstStyle/>
-          <a:p>
-            <a:pPr algn="ctr"/>
-            <a:endParaRPr lang="de-DE"/>
-          </a:p>
-        </p:txBody>
-      </p:sp>
-      <p:sp>
-        <p:nvSpPr>
-          <p:cNvPr id="2" name="Textfeld 1">
-            <a:extLst>
-              <a:ext uri="{FF2B5EF4-FFF2-40B4-BE49-F238E27FC236}">
-                <a16:creationId xmlns:a16="http://schemas.microsoft.com/office/drawing/2014/main" id="{1444671E-1924-78C9-FBBA-ABCC4CC9336A}"/>
-              </a:ext>
-            </a:extLst>
-          </p:cNvPr>
-          <p:cNvSpPr txBox="1"/>
-          <p:nvPr/>
-        </p:nvSpPr>
-        <p:spPr>
-          <a:xfrm>
-            <a:off x="4477996" y="1433904"/>
-            <a:ext cx="4418176" cy="1200329"/>
-          </a:xfrm>
-          <a:prstGeom prst="rect">
-            <a:avLst/>
-          </a:prstGeom>
-          <a:noFill/>
-        </p:spPr>
-        <p:txBody>
-          <a:bodyPr wrap="square" rtlCol="0">
-            <a:spAutoFit/>
-          </a:bodyPr>
-          <a:lstStyle/>
-          <a:p>
-            <a:pPr algn="ctr"/>
-            <a:r>
-              <a:rPr lang="de-DE" dirty="0">
-                <a:solidFill>
-                  <a:schemeClr val="bg1"/>
-                </a:solidFill>
-              </a:rPr>
-              <a:t>Bearbeitungsbereich nur innerhalb </a:t>
-            </a:r>
-            <a:r>
-              <a:rPr lang="de-DE">
-                <a:solidFill>
-                  <a:schemeClr val="bg1"/>
-                </a:solidFill>
-              </a:rPr>
-              <a:t>dieses Parallelogramms </a:t>
-            </a:r>
-            <a:endParaRPr lang="de-DE" dirty="0">
-              <a:solidFill>
-                <a:schemeClr val="bg1"/>
-              </a:solidFill>
-            </a:endParaRPr>
-          </a:p>
-          <a:p>
-            <a:pPr algn="ctr"/>
-            <a:endParaRPr lang="de-DE" dirty="0">
-              <a:solidFill>
-                <a:schemeClr val="bg1"/>
-              </a:solidFill>
-            </a:endParaRPr>
-          </a:p>
-          <a:p>
-            <a:pPr algn="ctr"/>
-            <a:r>
-              <a:rPr lang="de-DE" dirty="0">
-                <a:solidFill>
-                  <a:schemeClr val="bg1"/>
-                </a:solidFill>
-              </a:rPr>
-              <a:t>Schwarzer Hintergrund mit weißer Schrift!</a:t>
-            </a:r>
-          </a:p>
-        </p:txBody>
-      </p:sp>
-    </p:spTree>
-    <p:extLst>
-      <p:ext uri="{BB962C8B-B14F-4D97-AF65-F5344CB8AC3E}">
-        <p14:creationId xmlns:p14="http://schemas.microsoft.com/office/powerpoint/2010/main" val="1180920019"/>
-      </p:ext>
-    </p:extLst>
-  </p:cSld>
-  <p:clrMapOvr>
-    <a:masterClrMapping/>
-  </p:clrMapOvr>
-</p:sld>
-</file>
-
-<file path=ppt/slides/slide18.xml><?xml version="1.0" encoding="utf-8"?>
-<p:sld xmlns:a="http://schemas.openxmlformats.org/drawingml/2006/main" xmlns:r="http://schemas.openxmlformats.org/officeDocument/2006/relationships" xmlns:p="http://schemas.openxmlformats.org/presentationml/2006/main">
-  <p:cSld>
-    <p:bg>
-      <p:bgPr>
-        <a:solidFill>
-          <a:schemeClr val="tx1"/>
-        </a:solidFill>
-        <a:effectLst/>
-      </p:bgPr>
-    </p:bg>
-    <p:spTree>
-      <p:nvGrpSpPr>
-        <p:cNvPr id="1" name="">
-          <a:extLst>
-            <a:ext uri="{FF2B5EF4-FFF2-40B4-BE49-F238E27FC236}">
-              <a16:creationId xmlns:a16="http://schemas.microsoft.com/office/drawing/2014/main" id="{0542C14B-E543-2E8F-63F3-6818E75688C6}"/>
-            </a:ext>
-          </a:extLst>
-        </p:cNvPr>
-        <p:cNvGrpSpPr/>
-        <p:nvPr/>
-      </p:nvGrpSpPr>
-      <p:grpSpPr>
-        <a:xfrm>
-          <a:off x="0" y="0"/>
-          <a:ext cx="0" cy="0"/>
-          <a:chOff x="0" y="0"/>
-          <a:chExt cx="0" cy="0"/>
-        </a:xfrm>
-      </p:grpSpPr>
-      <p:sp>
-        <p:nvSpPr>
-          <p:cNvPr id="5" name="Parallelogramm 4">
-            <a:extLst>
-              <a:ext uri="{FF2B5EF4-FFF2-40B4-BE49-F238E27FC236}">
-                <a16:creationId xmlns:a16="http://schemas.microsoft.com/office/drawing/2014/main" id="{2E168321-2F66-7E8C-5D24-AB7A08A4D042}"/>
-              </a:ext>
-            </a:extLst>
-          </p:cNvPr>
-          <p:cNvSpPr/>
-          <p:nvPr/>
-        </p:nvSpPr>
-        <p:spPr>
-          <a:xfrm flipV="1">
-            <a:off x="2304663" y="-4"/>
-            <a:ext cx="8640146" cy="4068147"/>
-          </a:xfrm>
-          <a:prstGeom prst="parallelogram">
-            <a:avLst>
-              <a:gd name="adj" fmla="val 48341"/>
-            </a:avLst>
-          </a:prstGeom>
-          <a:solidFill>
-            <a:schemeClr val="tx1"/>
-          </a:solidFill>
-          <a:ln w="38100">
-            <a:solidFill>
-              <a:srgbClr val="FFFF00"/>
-            </a:solidFill>
-          </a:ln>
-        </p:spPr>
-        <p:style>
-          <a:lnRef idx="2">
-            <a:schemeClr val="accent6"/>
-          </a:lnRef>
-          <a:fillRef idx="1">
-            <a:schemeClr val="lt1"/>
-          </a:fillRef>
-          <a:effectRef idx="0">
-            <a:schemeClr val="accent6"/>
-          </a:effectRef>
-          <a:fontRef idx="minor">
-            <a:schemeClr val="dk1"/>
-          </a:fontRef>
-        </p:style>
-        <p:txBody>
-          <a:bodyPr rtlCol="0" anchor="ctr"/>
-          <a:lstStyle/>
-          <a:p>
-            <a:pPr algn="ctr"/>
-            <a:endParaRPr lang="de-DE"/>
-          </a:p>
-        </p:txBody>
-      </p:sp>
-      <p:sp>
-        <p:nvSpPr>
-          <p:cNvPr id="2" name="Textfeld 1">
-            <a:extLst>
-              <a:ext uri="{FF2B5EF4-FFF2-40B4-BE49-F238E27FC236}">
-                <a16:creationId xmlns:a16="http://schemas.microsoft.com/office/drawing/2014/main" id="{42551FD0-8AB8-ED9D-5864-413852784356}"/>
-              </a:ext>
-            </a:extLst>
-          </p:cNvPr>
-          <p:cNvSpPr txBox="1"/>
-          <p:nvPr/>
-        </p:nvSpPr>
-        <p:spPr>
-          <a:xfrm>
-            <a:off x="4477996" y="1433904"/>
-            <a:ext cx="4418176" cy="1200329"/>
-          </a:xfrm>
-          <a:prstGeom prst="rect">
-            <a:avLst/>
-          </a:prstGeom>
-          <a:noFill/>
-        </p:spPr>
-        <p:txBody>
-          <a:bodyPr wrap="square" rtlCol="0">
-            <a:spAutoFit/>
-          </a:bodyPr>
-          <a:lstStyle/>
-          <a:p>
-            <a:pPr algn="ctr"/>
-            <a:r>
-              <a:rPr lang="de-DE" dirty="0">
-                <a:solidFill>
-                  <a:schemeClr val="bg1"/>
-                </a:solidFill>
-              </a:rPr>
-              <a:t>Bearbeitungsbereich nur innerhalb </a:t>
-            </a:r>
-            <a:r>
-              <a:rPr lang="de-DE">
-                <a:solidFill>
-                  <a:schemeClr val="bg1"/>
-                </a:solidFill>
-              </a:rPr>
-              <a:t>dieses Parallelogramms </a:t>
-            </a:r>
-            <a:endParaRPr lang="de-DE" dirty="0">
-              <a:solidFill>
-                <a:schemeClr val="bg1"/>
-              </a:solidFill>
-            </a:endParaRPr>
-          </a:p>
-          <a:p>
-            <a:pPr algn="ctr"/>
-            <a:endParaRPr lang="de-DE" dirty="0">
-              <a:solidFill>
-                <a:schemeClr val="bg1"/>
-              </a:solidFill>
-            </a:endParaRPr>
-          </a:p>
-          <a:p>
-            <a:pPr algn="ctr"/>
-            <a:r>
-              <a:rPr lang="de-DE" dirty="0">
-                <a:solidFill>
-                  <a:schemeClr val="bg1"/>
-                </a:solidFill>
-              </a:rPr>
-              <a:t>Schwarzer Hintergrund mit weißer Schrift!</a:t>
-            </a:r>
-          </a:p>
-        </p:txBody>
-      </p:sp>
-    </p:spTree>
-    <p:extLst>
-      <p:ext uri="{BB962C8B-B14F-4D97-AF65-F5344CB8AC3E}">
-        <p14:creationId xmlns:p14="http://schemas.microsoft.com/office/powerpoint/2010/main" val="264742041"/>
+        <p14:creationId xmlns:p14="http://schemas.microsoft.com/office/powerpoint/2010/main" val="4217381659"/>
       </p:ext>
     </p:extLst>
   </p:cSld>
@@ -7263,15 +6389,6 @@
 </file>
 
 <file path=customXml/item1.xml><?xml version="1.0" encoding="utf-8"?>
-<?mso-contentType ?>
-<FormTemplates xmlns="http://schemas.microsoft.com/sharepoint/v3/contenttype/forms">
-  <Display>DocumentLibraryForm</Display>
-  <Edit>DocumentLibraryForm</Edit>
-  <New>DocumentLibraryForm</New>
-</FormTemplates>
-</file>
-
-<file path=customXml/item2.xml><?xml version="1.0" encoding="utf-8"?>
 <ct:contentTypeSchema xmlns:ct="http://schemas.microsoft.com/office/2006/metadata/contentType" xmlns:ma="http://schemas.microsoft.com/office/2006/metadata/properties/metaAttributes" ct:_="" ma:_="" ma:contentTypeName="Dokument" ma:contentTypeID="0x0101009891C516DB217F44BBCB512C1F80D1F9" ma:contentTypeVersion="16" ma:contentTypeDescription="Ein neues Dokument erstellen." ma:contentTypeScope="" ma:versionID="9ff1013623793293257c40f8ba0bd5a5">
   <xsd:schema xmlns:xsd="http://www.w3.org/2001/XMLSchema" xmlns:xs="http://www.w3.org/2001/XMLSchema" xmlns:p="http://schemas.microsoft.com/office/2006/metadata/properties" xmlns:ns2="7b2087a2-aa00-459f-afbf-d31d677ab458" xmlns:ns3="46e6d2b1-d0b4-41c7-b220-e565bb4fc6c5" targetNamespace="http://schemas.microsoft.com/office/2006/metadata/properties" ma:root="true" ma:fieldsID="c03ee18f4f76b67607e6bcc9fc33ceaf" ns2:_="" ns3:_="">
     <xsd:import namespace="7b2087a2-aa00-459f-afbf-d31d677ab458"/>
@@ -7512,6 +6629,15 @@
 </ct:contentTypeSchema>
 </file>
 
+<file path=customXml/item2.xml><?xml version="1.0" encoding="utf-8"?>
+<?mso-contentType ?>
+<FormTemplates xmlns="http://schemas.microsoft.com/sharepoint/v3/contenttype/forms">
+  <Display>DocumentLibraryForm</Display>
+  <Edit>DocumentLibraryForm</Edit>
+  <New>DocumentLibraryForm</New>
+</FormTemplates>
+</file>
+
 <file path=customXml/item3.xml><?xml version="1.0" encoding="utf-8"?>
 <p:properties xmlns:p="http://schemas.microsoft.com/office/2006/metadata/properties" xmlns:xsi="http://www.w3.org/2001/XMLSchema-instance" xmlns:pc="http://schemas.microsoft.com/office/infopath/2007/PartnerControls">
   <documentManagement>
@@ -7524,14 +6650,6 @@
 </file>
 
 <file path=customXml/itemProps1.xml><?xml version="1.0" encoding="utf-8"?>
-<ds:datastoreItem xmlns:ds="http://schemas.openxmlformats.org/officeDocument/2006/customXml" ds:itemID="{0E915D31-0063-48F2-812D-B2A832D8CCD9}">
-  <ds:schemaRefs>
-    <ds:schemaRef ds:uri="http://schemas.microsoft.com/sharepoint/v3/contenttype/forms"/>
-  </ds:schemaRefs>
-</ds:datastoreItem>
-</file>
-
-<file path=customXml/itemProps2.xml><?xml version="1.0" encoding="utf-8"?>
 <ds:datastoreItem xmlns:ds="http://schemas.openxmlformats.org/officeDocument/2006/customXml" ds:itemID="{AA310655-5612-42EF-8CC8-A867C752977A}">
   <ds:schemaRefs>
     <ds:schemaRef ds:uri="http://schemas.microsoft.com/office/2006/metadata/contentType"/>
@@ -7546,6 +6664,14 @@
     <ds:schemaRef ds:uri="http://purl.org/dc/elements/1.1/"/>
     <ds:schemaRef ds:uri="http://purl.org/dc/terms/"/>
     <ds:schemaRef ds:uri="http://schemas.microsoft.com/internal/obd"/>
+  </ds:schemaRefs>
+</ds:datastoreItem>
+</file>
+
+<file path=customXml/itemProps2.xml><?xml version="1.0" encoding="utf-8"?>
+<ds:datastoreItem xmlns:ds="http://schemas.openxmlformats.org/officeDocument/2006/customXml" ds:itemID="{0E915D31-0063-48F2-812D-B2A832D8CCD9}">
+  <ds:schemaRefs>
+    <ds:schemaRef ds:uri="http://schemas.microsoft.com/sharepoint/v3/contenttype/forms"/>
   </ds:schemaRefs>
 </ds:datastoreItem>
 </file>

--- a/talks/202510_roulette/Kruppa_Scheetz.pptx
+++ b/talks/202510_roulette/Kruppa_Scheetz.pptx
@@ -4,6 +4,9 @@
   <p:sldMasterIdLst>
     <p:sldMasterId id="2147483648" r:id="rId4"/>
   </p:sldMasterIdLst>
+  <p:notesMasterIdLst>
+    <p:notesMasterId r:id="rId18"/>
+  </p:notesMasterIdLst>
   <p:sldIdLst>
     <p:sldId id="266" r:id="rId5"/>
     <p:sldId id="277" r:id="rId6"/>
@@ -122,6 +125,439 @@
     </p:ext>
   </p:extLst>
 </p:presentation>
+</file>
+
+<file path=ppt/notesMasters/notesMaster1.xml><?xml version="1.0" encoding="utf-8"?>
+<p:notesMaster xmlns:a="http://schemas.openxmlformats.org/drawingml/2006/main" xmlns:r="http://schemas.openxmlformats.org/officeDocument/2006/relationships" xmlns:p="http://schemas.openxmlformats.org/presentationml/2006/main">
+  <p:cSld>
+    <p:bg>
+      <p:bgRef idx="1001">
+        <a:schemeClr val="bg1"/>
+      </p:bgRef>
+    </p:bg>
+    <p:spTree>
+      <p:nvGrpSpPr>
+        <p:cNvPr id="1" name=""/>
+        <p:cNvGrpSpPr/>
+        <p:nvPr/>
+      </p:nvGrpSpPr>
+      <p:grpSpPr>
+        <a:xfrm>
+          <a:off x="0" y="0"/>
+          <a:ext cx="0" cy="0"/>
+          <a:chOff x="0" y="0"/>
+          <a:chExt cx="0" cy="0"/>
+        </a:xfrm>
+      </p:grpSpPr>
+      <p:sp>
+        <p:nvSpPr>
+          <p:cNvPr id="2" name="Kopfzeilenplatzhalter 1"/>
+          <p:cNvSpPr>
+            <a:spLocks noGrp="1"/>
+          </p:cNvSpPr>
+          <p:nvPr>
+            <p:ph type="hdr" sz="quarter"/>
+          </p:nvPr>
+        </p:nvSpPr>
+        <p:spPr>
+          <a:xfrm>
+            <a:off x="0" y="0"/>
+            <a:ext cx="2971800" cy="458788"/>
+          </a:xfrm>
+          <a:prstGeom prst="rect">
+            <a:avLst/>
+          </a:prstGeom>
+        </p:spPr>
+        <p:txBody>
+          <a:bodyPr vert="horz" lIns="91440" tIns="45720" rIns="91440" bIns="45720" rtlCol="0"/>
+          <a:lstStyle>
+            <a:lvl1pPr algn="l">
+              <a:defRPr sz="1200"/>
+            </a:lvl1pPr>
+          </a:lstStyle>
+          <a:p>
+            <a:endParaRPr lang="de-DE"/>
+          </a:p>
+        </p:txBody>
+      </p:sp>
+      <p:sp>
+        <p:nvSpPr>
+          <p:cNvPr id="3" name="Datumsplatzhalter 2"/>
+          <p:cNvSpPr>
+            <a:spLocks noGrp="1"/>
+          </p:cNvSpPr>
+          <p:nvPr>
+            <p:ph type="dt" idx="1"/>
+          </p:nvPr>
+        </p:nvSpPr>
+        <p:spPr>
+          <a:xfrm>
+            <a:off x="3884613" y="0"/>
+            <a:ext cx="2971800" cy="458788"/>
+          </a:xfrm>
+          <a:prstGeom prst="rect">
+            <a:avLst/>
+          </a:prstGeom>
+        </p:spPr>
+        <p:txBody>
+          <a:bodyPr vert="horz" lIns="91440" tIns="45720" rIns="91440" bIns="45720" rtlCol="0"/>
+          <a:lstStyle>
+            <a:lvl1pPr algn="r">
+              <a:defRPr sz="1200"/>
+            </a:lvl1pPr>
+          </a:lstStyle>
+          <a:p>
+            <a:fld id="{0F73D0A1-D78F-B944-BA2C-5BE1276A62B2}" type="datetimeFigureOut">
+              <a:rPr lang="de-DE" smtClean="0"/>
+              <a:t>28.10.25</a:t>
+            </a:fld>
+            <a:endParaRPr lang="de-DE"/>
+          </a:p>
+        </p:txBody>
+      </p:sp>
+      <p:sp>
+        <p:nvSpPr>
+          <p:cNvPr id="4" name="Folienbildplatzhalter 3"/>
+          <p:cNvSpPr>
+            <a:spLocks noGrp="1" noRot="1" noChangeAspect="1"/>
+          </p:cNvSpPr>
+          <p:nvPr>
+            <p:ph type="sldImg" idx="2"/>
+          </p:nvPr>
+        </p:nvSpPr>
+        <p:spPr>
+          <a:xfrm>
+            <a:off x="685800" y="1143000"/>
+            <a:ext cx="5486400" cy="3086100"/>
+          </a:xfrm>
+          <a:prstGeom prst="rect">
+            <a:avLst/>
+          </a:prstGeom>
+          <a:noFill/>
+          <a:ln w="12700">
+            <a:solidFill>
+              <a:prstClr val="black"/>
+            </a:solidFill>
+          </a:ln>
+        </p:spPr>
+        <p:txBody>
+          <a:bodyPr vert="horz" lIns="91440" tIns="45720" rIns="91440" bIns="45720" rtlCol="0" anchor="ctr"/>
+          <a:lstStyle/>
+          <a:p>
+            <a:endParaRPr lang="de-DE"/>
+          </a:p>
+        </p:txBody>
+      </p:sp>
+      <p:sp>
+        <p:nvSpPr>
+          <p:cNvPr id="5" name="Notizenplatzhalter 4"/>
+          <p:cNvSpPr>
+            <a:spLocks noGrp="1"/>
+          </p:cNvSpPr>
+          <p:nvPr>
+            <p:ph type="body" sz="quarter" idx="3"/>
+          </p:nvPr>
+        </p:nvSpPr>
+        <p:spPr>
+          <a:xfrm>
+            <a:off x="685800" y="4400550"/>
+            <a:ext cx="5486400" cy="3600450"/>
+          </a:xfrm>
+          <a:prstGeom prst="rect">
+            <a:avLst/>
+          </a:prstGeom>
+        </p:spPr>
+        <p:txBody>
+          <a:bodyPr vert="horz" lIns="91440" tIns="45720" rIns="91440" bIns="45720" rtlCol="0"/>
+          <a:lstStyle/>
+          <a:p>
+            <a:pPr lvl="0"/>
+            <a:r>
+              <a:rPr lang="de-DE"/>
+              <a:t>Mastertextformat bearbeiten</a:t>
+            </a:r>
+          </a:p>
+          <a:p>
+            <a:pPr lvl="1"/>
+            <a:r>
+              <a:rPr lang="de-DE"/>
+              <a:t>Zweite Ebene</a:t>
+            </a:r>
+          </a:p>
+          <a:p>
+            <a:pPr lvl="2"/>
+            <a:r>
+              <a:rPr lang="de-DE"/>
+              <a:t>Dritte Ebene</a:t>
+            </a:r>
+          </a:p>
+          <a:p>
+            <a:pPr lvl="3"/>
+            <a:r>
+              <a:rPr lang="de-DE"/>
+              <a:t>Vierte Ebene</a:t>
+            </a:r>
+          </a:p>
+          <a:p>
+            <a:pPr lvl="4"/>
+            <a:r>
+              <a:rPr lang="de-DE"/>
+              <a:t>Fünfte Ebene</a:t>
+            </a:r>
+          </a:p>
+        </p:txBody>
+      </p:sp>
+      <p:sp>
+        <p:nvSpPr>
+          <p:cNvPr id="6" name="Fußzeilenplatzhalter 5"/>
+          <p:cNvSpPr>
+            <a:spLocks noGrp="1"/>
+          </p:cNvSpPr>
+          <p:nvPr>
+            <p:ph type="ftr" sz="quarter" idx="4"/>
+          </p:nvPr>
+        </p:nvSpPr>
+        <p:spPr>
+          <a:xfrm>
+            <a:off x="0" y="8685213"/>
+            <a:ext cx="2971800" cy="458787"/>
+          </a:xfrm>
+          <a:prstGeom prst="rect">
+            <a:avLst/>
+          </a:prstGeom>
+        </p:spPr>
+        <p:txBody>
+          <a:bodyPr vert="horz" lIns="91440" tIns="45720" rIns="91440" bIns="45720" rtlCol="0" anchor="b"/>
+          <a:lstStyle>
+            <a:lvl1pPr algn="l">
+              <a:defRPr sz="1200"/>
+            </a:lvl1pPr>
+          </a:lstStyle>
+          <a:p>
+            <a:endParaRPr lang="de-DE"/>
+          </a:p>
+        </p:txBody>
+      </p:sp>
+      <p:sp>
+        <p:nvSpPr>
+          <p:cNvPr id="7" name="Foliennummernplatzhalter 6"/>
+          <p:cNvSpPr>
+            <a:spLocks noGrp="1"/>
+          </p:cNvSpPr>
+          <p:nvPr>
+            <p:ph type="sldNum" sz="quarter" idx="5"/>
+          </p:nvPr>
+        </p:nvSpPr>
+        <p:spPr>
+          <a:xfrm>
+            <a:off x="3884613" y="8685213"/>
+            <a:ext cx="2971800" cy="458787"/>
+          </a:xfrm>
+          <a:prstGeom prst="rect">
+            <a:avLst/>
+          </a:prstGeom>
+        </p:spPr>
+        <p:txBody>
+          <a:bodyPr vert="horz" lIns="91440" tIns="45720" rIns="91440" bIns="45720" rtlCol="0" anchor="b"/>
+          <a:lstStyle>
+            <a:lvl1pPr algn="r">
+              <a:defRPr sz="1200"/>
+            </a:lvl1pPr>
+          </a:lstStyle>
+          <a:p>
+            <a:fld id="{648B57EE-9786-734A-ABD9-B1218725A3BA}" type="slidenum">
+              <a:rPr lang="de-DE" smtClean="0"/>
+              <a:t>‹Nr.›</a:t>
+            </a:fld>
+            <a:endParaRPr lang="de-DE"/>
+          </a:p>
+        </p:txBody>
+      </p:sp>
+    </p:spTree>
+    <p:extLst>
+      <p:ext uri="{BB962C8B-B14F-4D97-AF65-F5344CB8AC3E}">
+        <p14:creationId xmlns:p14="http://schemas.microsoft.com/office/powerpoint/2010/main" val="125955753"/>
+      </p:ext>
+    </p:extLst>
+  </p:cSld>
+  <p:clrMap bg1="lt1" tx1="dk1" bg2="lt2" tx2="dk2" accent1="accent1" accent2="accent2" accent3="accent3" accent4="accent4" accent5="accent5" accent6="accent6" hlink="hlink" folHlink="folHlink"/>
+  <p:notesStyle>
+    <a:lvl1pPr marL="0" algn="l" defTabSz="914400" rtl="0" eaLnBrk="1" latinLnBrk="0" hangingPunct="1">
+      <a:defRPr sz="1200" kern="1200">
+        <a:solidFill>
+          <a:schemeClr val="tx1"/>
+        </a:solidFill>
+        <a:latin typeface="+mn-lt"/>
+        <a:ea typeface="+mn-ea"/>
+        <a:cs typeface="+mn-cs"/>
+      </a:defRPr>
+    </a:lvl1pPr>
+    <a:lvl2pPr marL="457200" algn="l" defTabSz="914400" rtl="0" eaLnBrk="1" latinLnBrk="0" hangingPunct="1">
+      <a:defRPr sz="1200" kern="1200">
+        <a:solidFill>
+          <a:schemeClr val="tx1"/>
+        </a:solidFill>
+        <a:latin typeface="+mn-lt"/>
+        <a:ea typeface="+mn-ea"/>
+        <a:cs typeface="+mn-cs"/>
+      </a:defRPr>
+    </a:lvl2pPr>
+    <a:lvl3pPr marL="914400" algn="l" defTabSz="914400" rtl="0" eaLnBrk="1" latinLnBrk="0" hangingPunct="1">
+      <a:defRPr sz="1200" kern="1200">
+        <a:solidFill>
+          <a:schemeClr val="tx1"/>
+        </a:solidFill>
+        <a:latin typeface="+mn-lt"/>
+        <a:ea typeface="+mn-ea"/>
+        <a:cs typeface="+mn-cs"/>
+      </a:defRPr>
+    </a:lvl3pPr>
+    <a:lvl4pPr marL="1371600" algn="l" defTabSz="914400" rtl="0" eaLnBrk="1" latinLnBrk="0" hangingPunct="1">
+      <a:defRPr sz="1200" kern="1200">
+        <a:solidFill>
+          <a:schemeClr val="tx1"/>
+        </a:solidFill>
+        <a:latin typeface="+mn-lt"/>
+        <a:ea typeface="+mn-ea"/>
+        <a:cs typeface="+mn-cs"/>
+      </a:defRPr>
+    </a:lvl4pPr>
+    <a:lvl5pPr marL="1828800" algn="l" defTabSz="914400" rtl="0" eaLnBrk="1" latinLnBrk="0" hangingPunct="1">
+      <a:defRPr sz="1200" kern="1200">
+        <a:solidFill>
+          <a:schemeClr val="tx1"/>
+        </a:solidFill>
+        <a:latin typeface="+mn-lt"/>
+        <a:ea typeface="+mn-ea"/>
+        <a:cs typeface="+mn-cs"/>
+      </a:defRPr>
+    </a:lvl5pPr>
+    <a:lvl6pPr marL="2286000" algn="l" defTabSz="914400" rtl="0" eaLnBrk="1" latinLnBrk="0" hangingPunct="1">
+      <a:defRPr sz="1200" kern="1200">
+        <a:solidFill>
+          <a:schemeClr val="tx1"/>
+        </a:solidFill>
+        <a:latin typeface="+mn-lt"/>
+        <a:ea typeface="+mn-ea"/>
+        <a:cs typeface="+mn-cs"/>
+      </a:defRPr>
+    </a:lvl6pPr>
+    <a:lvl7pPr marL="2743200" algn="l" defTabSz="914400" rtl="0" eaLnBrk="1" latinLnBrk="0" hangingPunct="1">
+      <a:defRPr sz="1200" kern="1200">
+        <a:solidFill>
+          <a:schemeClr val="tx1"/>
+        </a:solidFill>
+        <a:latin typeface="+mn-lt"/>
+        <a:ea typeface="+mn-ea"/>
+        <a:cs typeface="+mn-cs"/>
+      </a:defRPr>
+    </a:lvl7pPr>
+    <a:lvl8pPr marL="3200400" algn="l" defTabSz="914400" rtl="0" eaLnBrk="1" latinLnBrk="0" hangingPunct="1">
+      <a:defRPr sz="1200" kern="1200">
+        <a:solidFill>
+          <a:schemeClr val="tx1"/>
+        </a:solidFill>
+        <a:latin typeface="+mn-lt"/>
+        <a:ea typeface="+mn-ea"/>
+        <a:cs typeface="+mn-cs"/>
+      </a:defRPr>
+    </a:lvl8pPr>
+    <a:lvl9pPr marL="3657600" algn="l" defTabSz="914400" rtl="0" eaLnBrk="1" latinLnBrk="0" hangingPunct="1">
+      <a:defRPr sz="1200" kern="1200">
+        <a:solidFill>
+          <a:schemeClr val="tx1"/>
+        </a:solidFill>
+        <a:latin typeface="+mn-lt"/>
+        <a:ea typeface="+mn-ea"/>
+        <a:cs typeface="+mn-cs"/>
+      </a:defRPr>
+    </a:lvl9pPr>
+  </p:notesStyle>
+</p:notesMaster>
+</file>
+
+<file path=ppt/notesSlides/notesSlide1.xml><?xml version="1.0" encoding="utf-8"?>
+<p:notes xmlns:a="http://schemas.openxmlformats.org/drawingml/2006/main" xmlns:r="http://schemas.openxmlformats.org/officeDocument/2006/relationships" xmlns:p="http://schemas.openxmlformats.org/presentationml/2006/main">
+  <p:cSld>
+    <p:spTree>
+      <p:nvGrpSpPr>
+        <p:cNvPr id="1" name=""/>
+        <p:cNvGrpSpPr/>
+        <p:nvPr/>
+      </p:nvGrpSpPr>
+      <p:grpSpPr>
+        <a:xfrm>
+          <a:off x="0" y="0"/>
+          <a:ext cx="0" cy="0"/>
+          <a:chOff x="0" y="0"/>
+          <a:chExt cx="0" cy="0"/>
+        </a:xfrm>
+      </p:grpSpPr>
+      <p:sp>
+        <p:nvSpPr>
+          <p:cNvPr id="2" name="Folienbildplatzhalter 1"/>
+          <p:cNvSpPr>
+            <a:spLocks noGrp="1" noRot="1" noChangeAspect="1"/>
+          </p:cNvSpPr>
+          <p:nvPr>
+            <p:ph type="sldImg"/>
+          </p:nvPr>
+        </p:nvSpPr>
+        <p:spPr/>
+      </p:sp>
+      <p:sp>
+        <p:nvSpPr>
+          <p:cNvPr id="3" name="Notizenplatzhalter 2"/>
+          <p:cNvSpPr>
+            <a:spLocks noGrp="1"/>
+          </p:cNvSpPr>
+          <p:nvPr>
+            <p:ph type="body" idx="1"/>
+          </p:nvPr>
+        </p:nvSpPr>
+        <p:spPr/>
+        <p:txBody>
+          <a:bodyPr/>
+          <a:lstStyle/>
+          <a:p>
+            <a:endParaRPr lang="de-DE" dirty="0"/>
+          </a:p>
+        </p:txBody>
+      </p:sp>
+      <p:sp>
+        <p:nvSpPr>
+          <p:cNvPr id="4" name="Foliennummernplatzhalter 3"/>
+          <p:cNvSpPr>
+            <a:spLocks noGrp="1"/>
+          </p:cNvSpPr>
+          <p:nvPr>
+            <p:ph type="sldNum" sz="quarter" idx="5"/>
+          </p:nvPr>
+        </p:nvSpPr>
+        <p:spPr/>
+        <p:txBody>
+          <a:bodyPr/>
+          <a:lstStyle/>
+          <a:p>
+            <a:fld id="{648B57EE-9786-734A-ABD9-B1218725A3BA}" type="slidenum">
+              <a:rPr lang="de-DE" smtClean="0"/>
+              <a:t>10</a:t>
+            </a:fld>
+            <a:endParaRPr lang="de-DE"/>
+          </a:p>
+        </p:txBody>
+      </p:sp>
+    </p:spTree>
+    <p:extLst>
+      <p:ext uri="{BB962C8B-B14F-4D97-AF65-F5344CB8AC3E}">
+        <p14:creationId xmlns:p14="http://schemas.microsoft.com/office/powerpoint/2010/main" val="2824363970"/>
+      </p:ext>
+    </p:extLst>
+  </p:cSld>
+  <p:clrMapOvr>
+    <a:masterClrMapping/>
+  </p:clrMapOvr>
+</p:notes>
 </file>
 
 <file path=ppt/slideLayouts/slideLayout1.xml><?xml version="1.0" encoding="utf-8"?>
@@ -3559,6 +3995,57 @@
       </p:sp>
       <p:sp>
         <p:nvSpPr>
+          <p:cNvPr id="4" name="Oval 3">
+            <a:extLst>
+              <a:ext uri="{FF2B5EF4-FFF2-40B4-BE49-F238E27FC236}">
+                <a16:creationId xmlns:a16="http://schemas.microsoft.com/office/drawing/2014/main" id="{C182FE59-8377-71F2-A41B-F41B2A2941ED}"/>
+              </a:ext>
+            </a:extLst>
+          </p:cNvPr>
+          <p:cNvSpPr/>
+          <p:nvPr/>
+        </p:nvSpPr>
+        <p:spPr>
+          <a:xfrm rot="4139722">
+            <a:off x="7431882" y="888251"/>
+            <a:ext cx="1122745" cy="4246046"/>
+          </a:xfrm>
+          <a:prstGeom prst="ellipse">
+            <a:avLst/>
+          </a:prstGeom>
+          <a:ln w="38100">
+            <a:solidFill>
+              <a:schemeClr val="bg1"/>
+            </a:solidFill>
+          </a:ln>
+        </p:spPr>
+        <p:style>
+          <a:lnRef idx="2">
+            <a:schemeClr val="dk1">
+              <a:shade val="15000"/>
+            </a:schemeClr>
+          </a:lnRef>
+          <a:fillRef idx="1">
+            <a:schemeClr val="dk1"/>
+          </a:fillRef>
+          <a:effectRef idx="0">
+            <a:schemeClr val="dk1"/>
+          </a:effectRef>
+          <a:fontRef idx="minor">
+            <a:schemeClr val="lt1"/>
+          </a:fontRef>
+        </p:style>
+        <p:txBody>
+          <a:bodyPr rtlCol="0" anchor="ctr"/>
+          <a:lstStyle/>
+          <a:p>
+            <a:pPr algn="ctr"/>
+            <a:endParaRPr lang="de-DE"/>
+          </a:p>
+        </p:txBody>
+      </p:sp>
+      <p:sp>
+        <p:nvSpPr>
           <p:cNvPr id="2" name="Textfeld 1">
             <a:extLst>
               <a:ext uri="{FF2B5EF4-FFF2-40B4-BE49-F238E27FC236}">
@@ -3571,7 +4058,7 @@
         </p:nvSpPr>
         <p:spPr>
           <a:xfrm>
-            <a:off x="4109013" y="1003017"/>
+            <a:off x="3796497" y="664391"/>
             <a:ext cx="5185458" cy="2123658"/>
           </a:xfrm>
           <a:prstGeom prst="rect">
@@ -3599,6 +4086,55 @@
                 <a:schemeClr val="bg1"/>
               </a:solidFill>
             </a:endParaRPr>
+          </a:p>
+        </p:txBody>
+      </p:sp>
+      <p:sp>
+        <p:nvSpPr>
+          <p:cNvPr id="7" name="Eckige Klammer links 6">
+            <a:extLst>
+              <a:ext uri="{FF2B5EF4-FFF2-40B4-BE49-F238E27FC236}">
+                <a16:creationId xmlns:a16="http://schemas.microsoft.com/office/drawing/2014/main" id="{97559647-E01B-0321-12CF-48E4C4A89A6C}"/>
+              </a:ext>
+            </a:extLst>
+          </p:cNvPr>
+          <p:cNvSpPr/>
+          <p:nvPr/>
+        </p:nvSpPr>
+        <p:spPr>
+          <a:xfrm rot="16200000">
+            <a:off x="5907338" y="-2391712"/>
+            <a:ext cx="181519" cy="5088042"/>
+          </a:xfrm>
+          <a:prstGeom prst="leftBracket">
+            <a:avLst/>
+          </a:prstGeom>
+          <a:ln w="38100">
+            <a:solidFill>
+              <a:schemeClr val="bg1"/>
+            </a:solidFill>
+          </a:ln>
+        </p:spPr>
+        <p:style>
+          <a:lnRef idx="2">
+            <a:schemeClr val="accent1"/>
+          </a:lnRef>
+          <a:fillRef idx="0">
+            <a:schemeClr val="accent1"/>
+          </a:fillRef>
+          <a:effectRef idx="1">
+            <a:schemeClr val="accent1"/>
+          </a:effectRef>
+          <a:fontRef idx="minor">
+            <a:schemeClr val="tx1"/>
+          </a:fontRef>
+        </p:style>
+        <p:txBody>
+          <a:bodyPr rtlCol="0" anchor="ctr"/>
+          <a:lstStyle/>
+          <a:p>
+            <a:pPr algn="ctr"/>
+            <a:endParaRPr lang="de-DE"/>
           </a:p>
         </p:txBody>
       </p:sp>
@@ -3714,7 +4250,7 @@
         </p:nvSpPr>
         <p:spPr>
           <a:xfrm>
-            <a:off x="4109013" y="1003017"/>
+            <a:off x="3407267" y="771524"/>
             <a:ext cx="5185458" cy="2123658"/>
           </a:xfrm>
           <a:prstGeom prst="rect">
@@ -3745,6 +4281,36 @@
           </a:p>
         </p:txBody>
       </p:sp>
+      <p:pic>
+        <p:nvPicPr>
+          <p:cNvPr id="3" name="Grafik 2">
+            <a:extLst>
+              <a:ext uri="{FF2B5EF4-FFF2-40B4-BE49-F238E27FC236}">
+                <a16:creationId xmlns:a16="http://schemas.microsoft.com/office/drawing/2014/main" id="{5E4FFD46-1B91-4939-C0BE-CB2A4BDA8819}"/>
+              </a:ext>
+            </a:extLst>
+          </p:cNvPr>
+          <p:cNvPicPr>
+            <a:picLocks noChangeAspect="1"/>
+          </p:cNvPicPr>
+          <p:nvPr/>
+        </p:nvPicPr>
+        <p:blipFill>
+          <a:blip r:embed="rId2"/>
+          <a:stretch>
+            <a:fillRect/>
+          </a:stretch>
+        </p:blipFill>
+        <p:spPr>
+          <a:xfrm>
+            <a:off x="7639285" y="963588"/>
+            <a:ext cx="2338099" cy="3204808"/>
+          </a:xfrm>
+          <a:prstGeom prst="rect">
+            <a:avLst/>
+          </a:prstGeom>
+        </p:spPr>
+      </p:pic>
     </p:spTree>
     <p:extLst>
       <p:ext uri="{BB962C8B-B14F-4D97-AF65-F5344CB8AC3E}">
@@ -3878,7 +4444,7 @@
                   <a:schemeClr val="bg1"/>
                 </a:solidFill>
               </a:rPr>
-              <a:t>Proverben strukturieren den Tag</a:t>
+              <a:t>Proverben strukturieren den Tag!</a:t>
             </a:r>
             <a:endParaRPr lang="de-DE" sz="2000" i="1" dirty="0">
               <a:solidFill>
@@ -5848,7 +6414,7 @@
         </p:nvSpPr>
         <p:spPr>
           <a:xfrm>
-            <a:off x="4109013" y="1003017"/>
+            <a:off x="2858947" y="146491"/>
             <a:ext cx="5150733" cy="2616101"/>
           </a:xfrm>
           <a:prstGeom prst="rect">
@@ -5891,6 +6457,51 @@
               <a:t>(auch das noch)</a:t>
             </a:r>
             <a:endParaRPr lang="de-DE" sz="3200" i="1" dirty="0">
+              <a:solidFill>
+                <a:schemeClr val="bg1"/>
+              </a:solidFill>
+            </a:endParaRPr>
+          </a:p>
+        </p:txBody>
+      </p:sp>
+      <p:sp>
+        <p:nvSpPr>
+          <p:cNvPr id="3" name="Textfeld 2">
+            <a:extLst>
+              <a:ext uri="{FF2B5EF4-FFF2-40B4-BE49-F238E27FC236}">
+                <a16:creationId xmlns:a16="http://schemas.microsoft.com/office/drawing/2014/main" id="{83C0FB1E-D3A3-AFB9-1290-89EA58B73A4B}"/>
+              </a:ext>
+            </a:extLst>
+          </p:cNvPr>
+          <p:cNvSpPr txBox="1"/>
+          <p:nvPr/>
+        </p:nvSpPr>
+        <p:spPr>
+          <a:xfrm>
+            <a:off x="8563964" y="2762592"/>
+            <a:ext cx="1768996" cy="1200329"/>
+          </a:xfrm>
+          <a:prstGeom prst="rect">
+            <a:avLst/>
+          </a:prstGeom>
+          <a:noFill/>
+        </p:spPr>
+        <p:txBody>
+          <a:bodyPr wrap="square" rtlCol="0">
+            <a:spAutoFit/>
+          </a:bodyPr>
+          <a:lstStyle/>
+          <a:p>
+            <a:pPr algn="ctr"/>
+            <a:r>
+              <a:rPr lang="de-DE" sz="7200" b="1" dirty="0">
+                <a:solidFill>
+                  <a:schemeClr val="bg1"/>
+                </a:solidFill>
+              </a:rPr>
+              <a:t>20x</a:t>
+            </a:r>
+            <a:endParaRPr lang="de-DE" sz="7200" i="1" dirty="0">
               <a:solidFill>
                 <a:schemeClr val="bg1"/>
               </a:solidFill>
@@ -6074,6 +6685,321 @@
 </file>
 
 <file path=ppt/theme/theme1.xml><?xml version="1.0" encoding="utf-8"?>
+<a:theme xmlns:a="http://schemas.openxmlformats.org/drawingml/2006/main" name="Office">
+  <a:themeElements>
+    <a:clrScheme name="Office">
+      <a:dk1>
+        <a:sysClr val="windowText" lastClr="000000"/>
+      </a:dk1>
+      <a:lt1>
+        <a:sysClr val="window" lastClr="FFFFFF"/>
+      </a:lt1>
+      <a:dk2>
+        <a:srgbClr val="0E2841"/>
+      </a:dk2>
+      <a:lt2>
+        <a:srgbClr val="E8E8E8"/>
+      </a:lt2>
+      <a:accent1>
+        <a:srgbClr val="156082"/>
+      </a:accent1>
+      <a:accent2>
+        <a:srgbClr val="E97132"/>
+      </a:accent2>
+      <a:accent3>
+        <a:srgbClr val="196B24"/>
+      </a:accent3>
+      <a:accent4>
+        <a:srgbClr val="0F9ED5"/>
+      </a:accent4>
+      <a:accent5>
+        <a:srgbClr val="A02B93"/>
+      </a:accent5>
+      <a:accent6>
+        <a:srgbClr val="4EA72E"/>
+      </a:accent6>
+      <a:hlink>
+        <a:srgbClr val="467886"/>
+      </a:hlink>
+      <a:folHlink>
+        <a:srgbClr val="96607D"/>
+      </a:folHlink>
+    </a:clrScheme>
+    <a:fontScheme name="Office">
+      <a:majorFont>
+        <a:latin typeface="Aptos Display" panose="02110004020202020204"/>
+        <a:ea typeface=""/>
+        <a:cs typeface=""/>
+        <a:font script="Jpan" typeface="游ゴシック Light"/>
+        <a:font script="Hang" typeface="맑은 고딕"/>
+        <a:font script="Hans" typeface="等线 Light"/>
+        <a:font script="Hant" typeface="新細明體"/>
+        <a:font script="Arab" typeface="Times New Roman"/>
+        <a:font script="Hebr" typeface="Times New Roman"/>
+        <a:font script="Thai" typeface="Angsana New"/>
+        <a:font script="Ethi" typeface="Nyala"/>
+        <a:font script="Beng" typeface="Vrinda"/>
+        <a:font script="Gujr" typeface="Shruti"/>
+        <a:font script="Khmr" typeface="MoolBoran"/>
+        <a:font script="Knda" typeface="Tunga"/>
+        <a:font script="Guru" typeface="Raavi"/>
+        <a:font script="Cans" typeface="Euphemia"/>
+        <a:font script="Cher" typeface="Plantagenet Cherokee"/>
+        <a:font script="Yiii" typeface="Microsoft Yi Baiti"/>
+        <a:font script="Tibt" typeface="Microsoft Himalaya"/>
+        <a:font script="Thaa" typeface="MV Boli"/>
+        <a:font script="Deva" typeface="Mangal"/>
+        <a:font script="Telu" typeface="Gautami"/>
+        <a:font script="Taml" typeface="Latha"/>
+        <a:font script="Syrc" typeface="Estrangelo Edessa"/>
+        <a:font script="Orya" typeface="Kalinga"/>
+        <a:font script="Mlym" typeface="Kartika"/>
+        <a:font script="Laoo" typeface="DokChampa"/>
+        <a:font script="Sinh" typeface="Iskoola Pota"/>
+        <a:font script="Mong" typeface="Mongolian Baiti"/>
+        <a:font script="Viet" typeface="Times New Roman"/>
+        <a:font script="Uigh" typeface="Microsoft Uighur"/>
+        <a:font script="Geor" typeface="Sylfaen"/>
+        <a:font script="Armn" typeface="Arial"/>
+        <a:font script="Bugi" typeface="Leelawadee UI"/>
+        <a:font script="Bopo" typeface="Microsoft JhengHei"/>
+        <a:font script="Java" typeface="Javanese Text"/>
+        <a:font script="Lisu" typeface="Segoe UI"/>
+        <a:font script="Mymr" typeface="Myanmar Text"/>
+        <a:font script="Nkoo" typeface="Ebrima"/>
+        <a:font script="Olck" typeface="Nirmala UI"/>
+        <a:font script="Osma" typeface="Ebrima"/>
+        <a:font script="Phag" typeface="Phagspa"/>
+        <a:font script="Syrn" typeface="Estrangelo Edessa"/>
+        <a:font script="Syrj" typeface="Estrangelo Edessa"/>
+        <a:font script="Syre" typeface="Estrangelo Edessa"/>
+        <a:font script="Sora" typeface="Nirmala UI"/>
+        <a:font script="Tale" typeface="Microsoft Tai Le"/>
+        <a:font script="Talu" typeface="Microsoft New Tai Lue"/>
+        <a:font script="Tfng" typeface="Ebrima"/>
+      </a:majorFont>
+      <a:minorFont>
+        <a:latin typeface="Aptos" panose="02110004020202020204"/>
+        <a:ea typeface=""/>
+        <a:cs typeface=""/>
+        <a:font script="Jpan" typeface="游ゴシック"/>
+        <a:font script="Hang" typeface="맑은 고딕"/>
+        <a:font script="Hans" typeface="等线"/>
+        <a:font script="Hant" typeface="新細明體"/>
+        <a:font script="Arab" typeface="Arial"/>
+        <a:font script="Hebr" typeface="Arial"/>
+        <a:font script="Thai" typeface="Cordia New"/>
+        <a:font script="Ethi" typeface="Nyala"/>
+        <a:font script="Beng" typeface="Vrinda"/>
+        <a:font script="Gujr" typeface="Shruti"/>
+        <a:font script="Khmr" typeface="DaunPenh"/>
+        <a:font script="Knda" typeface="Tunga"/>
+        <a:font script="Guru" typeface="Raavi"/>
+        <a:font script="Cans" typeface="Euphemia"/>
+        <a:font script="Cher" typeface="Plantagenet Cherokee"/>
+        <a:font script="Yiii" typeface="Microsoft Yi Baiti"/>
+        <a:font script="Tibt" typeface="Microsoft Himalaya"/>
+        <a:font script="Thaa" typeface="MV Boli"/>
+        <a:font script="Deva" typeface="Mangal"/>
+        <a:font script="Telu" typeface="Gautami"/>
+        <a:font script="Taml" typeface="Latha"/>
+        <a:font script="Syrc" typeface="Estrangelo Edessa"/>
+        <a:font script="Orya" typeface="Kalinga"/>
+        <a:font script="Mlym" typeface="Kartika"/>
+        <a:font script="Laoo" typeface="DokChampa"/>
+        <a:font script="Sinh" typeface="Iskoola Pota"/>
+        <a:font script="Mong" typeface="Mongolian Baiti"/>
+        <a:font script="Viet" typeface="Arial"/>
+        <a:font script="Uigh" typeface="Microsoft Uighur"/>
+        <a:font script="Geor" typeface="Sylfaen"/>
+        <a:font script="Armn" typeface="Arial"/>
+        <a:font script="Bugi" typeface="Leelawadee UI"/>
+        <a:font script="Bopo" typeface="Microsoft JhengHei"/>
+        <a:font script="Java" typeface="Javanese Text"/>
+        <a:font script="Lisu" typeface="Segoe UI"/>
+        <a:font script="Mymr" typeface="Myanmar Text"/>
+        <a:font script="Nkoo" typeface="Ebrima"/>
+        <a:font script="Olck" typeface="Nirmala UI"/>
+        <a:font script="Osma" typeface="Ebrima"/>
+        <a:font script="Phag" typeface="Phagspa"/>
+        <a:font script="Syrn" typeface="Estrangelo Edessa"/>
+        <a:font script="Syrj" typeface="Estrangelo Edessa"/>
+        <a:font script="Syre" typeface="Estrangelo Edessa"/>
+        <a:font script="Sora" typeface="Nirmala UI"/>
+        <a:font script="Tale" typeface="Microsoft Tai Le"/>
+        <a:font script="Talu" typeface="Microsoft New Tai Lue"/>
+        <a:font script="Tfng" typeface="Ebrima"/>
+      </a:minorFont>
+    </a:fontScheme>
+    <a:fmtScheme name="Office">
+      <a:fillStyleLst>
+        <a:solidFill>
+          <a:schemeClr val="phClr"/>
+        </a:solidFill>
+        <a:gradFill rotWithShape="1">
+          <a:gsLst>
+            <a:gs pos="0">
+              <a:schemeClr val="phClr">
+                <a:lumMod val="110000"/>
+                <a:satMod val="105000"/>
+                <a:tint val="67000"/>
+              </a:schemeClr>
+            </a:gs>
+            <a:gs pos="50000">
+              <a:schemeClr val="phClr">
+                <a:lumMod val="105000"/>
+                <a:satMod val="103000"/>
+                <a:tint val="73000"/>
+              </a:schemeClr>
+            </a:gs>
+            <a:gs pos="100000">
+              <a:schemeClr val="phClr">
+                <a:lumMod val="105000"/>
+                <a:satMod val="109000"/>
+                <a:tint val="81000"/>
+              </a:schemeClr>
+            </a:gs>
+          </a:gsLst>
+          <a:lin ang="5400000" scaled="0"/>
+        </a:gradFill>
+        <a:gradFill rotWithShape="1">
+          <a:gsLst>
+            <a:gs pos="0">
+              <a:schemeClr val="phClr">
+                <a:satMod val="103000"/>
+                <a:lumMod val="102000"/>
+                <a:tint val="94000"/>
+              </a:schemeClr>
+            </a:gs>
+            <a:gs pos="50000">
+              <a:schemeClr val="phClr">
+                <a:satMod val="110000"/>
+                <a:lumMod val="100000"/>
+                <a:shade val="100000"/>
+              </a:schemeClr>
+            </a:gs>
+            <a:gs pos="100000">
+              <a:schemeClr val="phClr">
+                <a:lumMod val="99000"/>
+                <a:satMod val="120000"/>
+                <a:shade val="78000"/>
+              </a:schemeClr>
+            </a:gs>
+          </a:gsLst>
+          <a:lin ang="5400000" scaled="0"/>
+        </a:gradFill>
+      </a:fillStyleLst>
+      <a:lnStyleLst>
+        <a:ln w="12700" cap="flat" cmpd="sng" algn="ctr">
+          <a:solidFill>
+            <a:schemeClr val="phClr"/>
+          </a:solidFill>
+          <a:prstDash val="solid"/>
+          <a:miter lim="800000"/>
+        </a:ln>
+        <a:ln w="19050" cap="flat" cmpd="sng" algn="ctr">
+          <a:solidFill>
+            <a:schemeClr val="phClr"/>
+          </a:solidFill>
+          <a:prstDash val="solid"/>
+          <a:miter lim="800000"/>
+        </a:ln>
+        <a:ln w="25400" cap="flat" cmpd="sng" algn="ctr">
+          <a:solidFill>
+            <a:schemeClr val="phClr"/>
+          </a:solidFill>
+          <a:prstDash val="solid"/>
+          <a:miter lim="800000"/>
+        </a:ln>
+      </a:lnStyleLst>
+      <a:effectStyleLst>
+        <a:effectStyle>
+          <a:effectLst/>
+        </a:effectStyle>
+        <a:effectStyle>
+          <a:effectLst/>
+        </a:effectStyle>
+        <a:effectStyle>
+          <a:effectLst>
+            <a:outerShdw blurRad="57150" dist="19050" dir="5400000" algn="ctr" rotWithShape="0">
+              <a:srgbClr val="000000">
+                <a:alpha val="63000"/>
+              </a:srgbClr>
+            </a:outerShdw>
+          </a:effectLst>
+        </a:effectStyle>
+      </a:effectStyleLst>
+      <a:bgFillStyleLst>
+        <a:solidFill>
+          <a:schemeClr val="phClr"/>
+        </a:solidFill>
+        <a:solidFill>
+          <a:schemeClr val="phClr">
+            <a:tint val="95000"/>
+            <a:satMod val="170000"/>
+          </a:schemeClr>
+        </a:solidFill>
+        <a:gradFill rotWithShape="1">
+          <a:gsLst>
+            <a:gs pos="0">
+              <a:schemeClr val="phClr">
+                <a:tint val="93000"/>
+                <a:satMod val="150000"/>
+                <a:shade val="98000"/>
+                <a:lumMod val="102000"/>
+              </a:schemeClr>
+            </a:gs>
+            <a:gs pos="50000">
+              <a:schemeClr val="phClr">
+                <a:tint val="98000"/>
+                <a:satMod val="130000"/>
+                <a:shade val="90000"/>
+                <a:lumMod val="103000"/>
+              </a:schemeClr>
+            </a:gs>
+            <a:gs pos="100000">
+              <a:schemeClr val="phClr">
+                <a:shade val="63000"/>
+                <a:satMod val="120000"/>
+              </a:schemeClr>
+            </a:gs>
+          </a:gsLst>
+          <a:lin ang="5400000" scaled="0"/>
+        </a:gradFill>
+      </a:bgFillStyleLst>
+    </a:fmtScheme>
+  </a:themeElements>
+  <a:objectDefaults>
+    <a:lnDef>
+      <a:spPr/>
+      <a:bodyPr/>
+      <a:lstStyle/>
+      <a:style>
+        <a:lnRef idx="2">
+          <a:schemeClr val="accent1"/>
+        </a:lnRef>
+        <a:fillRef idx="0">
+          <a:schemeClr val="accent1"/>
+        </a:fillRef>
+        <a:effectRef idx="1">
+          <a:schemeClr val="accent1"/>
+        </a:effectRef>
+        <a:fontRef idx="minor">
+          <a:schemeClr val="tx1"/>
+        </a:fontRef>
+      </a:style>
+    </a:lnDef>
+  </a:objectDefaults>
+  <a:extraClrSchemeLst/>
+  <a:extLst>
+    <a:ext uri="{05A4C25C-085E-4340-85A3-A5531E510DB2}">
+      <thm15:themeFamily xmlns:thm15="http://schemas.microsoft.com/office/thememl/2012/main" name="Office Theme" id="{2E142A2C-CD16-42D6-873A-C26D2A0506FA}" vid="{1BDDFF52-6CD6-40A5-AB3C-68EB2F1E4D0A}"/>
+    </a:ext>
+  </a:extLst>
+</a:theme>
+</file>
+
+<file path=ppt/theme/theme2.xml><?xml version="1.0" encoding="utf-8"?>
 <a:theme xmlns:a="http://schemas.openxmlformats.org/drawingml/2006/main" name="Office">
   <a:themeElements>
     <a:clrScheme name="Office">

--- a/talks/202510_roulette/Kruppa_Scheetz.pptx
+++ b/talks/202510_roulette/Kruppa_Scheetz.pptx
@@ -9,10 +9,10 @@
   </p:notesMasterIdLst>
   <p:sldIdLst>
     <p:sldId id="266" r:id="rId5"/>
-    <p:sldId id="277" r:id="rId6"/>
-    <p:sldId id="278" r:id="rId7"/>
-    <p:sldId id="267" r:id="rId8"/>
-    <p:sldId id="279" r:id="rId9"/>
+    <p:sldId id="278" r:id="rId6"/>
+    <p:sldId id="267" r:id="rId7"/>
+    <p:sldId id="279" r:id="rId8"/>
+    <p:sldId id="277" r:id="rId9"/>
     <p:sldId id="268" r:id="rId10"/>
     <p:sldId id="276" r:id="rId11"/>
     <p:sldId id="280" r:id="rId12"/>
@@ -3989,7 +3989,7 @@
           <a:lstStyle/>
           <a:p>
             <a:pPr algn="ctr"/>
-            <a:endParaRPr lang="de-DE"/>
+            <a:endParaRPr lang="de-DE" dirty="0"/>
           </a:p>
         </p:txBody>
       </p:sp>
@@ -4013,9 +4013,12 @@
           <a:prstGeom prst="ellipse">
             <a:avLst/>
           </a:prstGeom>
-          <a:ln w="38100">
+          <a:ln w="76200">
             <a:solidFill>
-              <a:schemeClr val="bg1"/>
+              <a:schemeClr val="accent5">
+                <a:lumMod val="60000"/>
+                <a:lumOff val="40000"/>
+              </a:schemeClr>
             </a:solidFill>
           </a:ln>
         </p:spPr>
@@ -4109,9 +4112,12 @@
           <a:prstGeom prst="leftBracket">
             <a:avLst/>
           </a:prstGeom>
-          <a:ln w="38100">
+          <a:ln w="57150">
             <a:solidFill>
-              <a:schemeClr val="bg1"/>
+              <a:schemeClr val="accent6">
+                <a:lumMod val="40000"/>
+                <a:lumOff val="60000"/>
+              </a:schemeClr>
             </a:solidFill>
           </a:ln>
         </p:spPr>
@@ -4405,7 +4411,7 @@
           <a:lstStyle/>
           <a:p>
             <a:pPr algn="ctr"/>
-            <a:endParaRPr lang="de-DE"/>
+            <a:endParaRPr lang="de-DE" dirty="0"/>
           </a:p>
         </p:txBody>
       </p:sp>
@@ -4423,8 +4429,8 @@
         </p:nvSpPr>
         <p:spPr>
           <a:xfrm>
-            <a:off x="4109013" y="1003017"/>
-            <a:ext cx="5185458" cy="2123658"/>
+            <a:off x="3414532" y="343261"/>
+            <a:ext cx="5694744" cy="2123658"/>
           </a:xfrm>
           <a:prstGeom prst="rect">
             <a:avLst/>
@@ -4446,11 +4452,65 @@
               </a:rPr>
               <a:t>Proverben strukturieren den Tag!</a:t>
             </a:r>
-            <a:endParaRPr lang="de-DE" sz="2000" i="1" dirty="0">
+            <a:endParaRPr lang="de-DE" sz="4400" b="1" i="1" dirty="0">
               <a:solidFill>
                 <a:schemeClr val="bg1"/>
               </a:solidFill>
             </a:endParaRPr>
+          </a:p>
+        </p:txBody>
+      </p:sp>
+      <p:sp>
+        <p:nvSpPr>
+          <p:cNvPr id="3" name="Textfeld 2">
+            <a:extLst>
+              <a:ext uri="{FF2B5EF4-FFF2-40B4-BE49-F238E27FC236}">
+                <a16:creationId xmlns:a16="http://schemas.microsoft.com/office/drawing/2014/main" id="{7D7A212C-3440-1C25-1B8D-6DFE4F5BF126}"/>
+              </a:ext>
+            </a:extLst>
+          </p:cNvPr>
+          <p:cNvSpPr txBox="1"/>
+          <p:nvPr/>
+        </p:nvSpPr>
+        <p:spPr>
+          <a:xfrm>
+            <a:off x="4579716" y="2967335"/>
+            <a:ext cx="4865226" cy="1107996"/>
+          </a:xfrm>
+          <a:prstGeom prst="rect">
+            <a:avLst/>
+          </a:prstGeom>
+          <a:noFill/>
+        </p:spPr>
+        <p:txBody>
+          <a:bodyPr wrap="square" rtlCol="0">
+            <a:spAutoFit/>
+          </a:bodyPr>
+          <a:lstStyle/>
+          <a:p>
+            <a:pPr algn="ctr"/>
+            <a:r>
+              <a:rPr lang="de-DE" sz="2400" b="1" i="1" dirty="0">
+                <a:solidFill>
+                  <a:schemeClr val="accent3">
+                    <a:lumMod val="20000"/>
+                    <a:lumOff val="80000"/>
+                  </a:schemeClr>
+                </a:solidFill>
+              </a:rPr>
+              <a:t>Der Mittelwert hat immer eine Hose an!</a:t>
+            </a:r>
+            <a:endParaRPr lang="de-DE" sz="2400" i="1" dirty="0">
+              <a:solidFill>
+                <a:schemeClr val="accent3">
+                  <a:lumMod val="20000"/>
+                  <a:lumOff val="80000"/>
+                </a:schemeClr>
+              </a:solidFill>
+            </a:endParaRPr>
+          </a:p>
+          <a:p>
+            <a:endParaRPr lang="de-DE" dirty="0"/>
           </a:p>
         </p:txBody>
       </p:sp>
@@ -4648,149 +4708,6 @@
         <p:cNvPr id="1" name="">
           <a:extLst>
             <a:ext uri="{FF2B5EF4-FFF2-40B4-BE49-F238E27FC236}">
-              <a16:creationId xmlns:a16="http://schemas.microsoft.com/office/drawing/2014/main" id="{38557ED9-2C1F-05D7-6622-071E08A83E0C}"/>
-            </a:ext>
-          </a:extLst>
-        </p:cNvPr>
-        <p:cNvGrpSpPr/>
-        <p:nvPr/>
-      </p:nvGrpSpPr>
-      <p:grpSpPr>
-        <a:xfrm>
-          <a:off x="0" y="0"/>
-          <a:ext cx="0" cy="0"/>
-          <a:chOff x="0" y="0"/>
-          <a:chExt cx="0" cy="0"/>
-        </a:xfrm>
-      </p:grpSpPr>
-      <p:sp>
-        <p:nvSpPr>
-          <p:cNvPr id="5" name="Parallelogramm 4">
-            <a:extLst>
-              <a:ext uri="{FF2B5EF4-FFF2-40B4-BE49-F238E27FC236}">
-                <a16:creationId xmlns:a16="http://schemas.microsoft.com/office/drawing/2014/main" id="{87AE245B-F963-4BE3-99E2-C7C79C7703E1}"/>
-              </a:ext>
-            </a:extLst>
-          </p:cNvPr>
-          <p:cNvSpPr/>
-          <p:nvPr/>
-        </p:nvSpPr>
-        <p:spPr>
-          <a:xfrm flipV="1">
-            <a:off x="2304663" y="-4"/>
-            <a:ext cx="8640146" cy="4068147"/>
-          </a:xfrm>
-          <a:prstGeom prst="parallelogram">
-            <a:avLst>
-              <a:gd name="adj" fmla="val 48341"/>
-            </a:avLst>
-          </a:prstGeom>
-          <a:solidFill>
-            <a:schemeClr val="tx1"/>
-          </a:solidFill>
-          <a:ln w="38100">
-            <a:solidFill>
-              <a:srgbClr val="FFFF00"/>
-            </a:solidFill>
-          </a:ln>
-        </p:spPr>
-        <p:style>
-          <a:lnRef idx="2">
-            <a:schemeClr val="accent6"/>
-          </a:lnRef>
-          <a:fillRef idx="1">
-            <a:schemeClr val="lt1"/>
-          </a:fillRef>
-          <a:effectRef idx="0">
-            <a:schemeClr val="accent6"/>
-          </a:effectRef>
-          <a:fontRef idx="minor">
-            <a:schemeClr val="dk1"/>
-          </a:fontRef>
-        </p:style>
-        <p:txBody>
-          <a:bodyPr rtlCol="0" anchor="ctr"/>
-          <a:lstStyle/>
-          <a:p>
-            <a:pPr algn="ctr"/>
-            <a:endParaRPr lang="de-DE"/>
-          </a:p>
-        </p:txBody>
-      </p:sp>
-      <p:sp>
-        <p:nvSpPr>
-          <p:cNvPr id="2" name="Textfeld 1">
-            <a:extLst>
-              <a:ext uri="{FF2B5EF4-FFF2-40B4-BE49-F238E27FC236}">
-                <a16:creationId xmlns:a16="http://schemas.microsoft.com/office/drawing/2014/main" id="{21CE0338-696A-4116-174F-818B2488FADA}"/>
-              </a:ext>
-            </a:extLst>
-          </p:cNvPr>
-          <p:cNvSpPr txBox="1"/>
-          <p:nvPr/>
-        </p:nvSpPr>
-        <p:spPr>
-          <a:xfrm>
-            <a:off x="4415648" y="1003017"/>
-            <a:ext cx="4418176" cy="2123658"/>
-          </a:xfrm>
-          <a:prstGeom prst="rect">
-            <a:avLst/>
-          </a:prstGeom>
-          <a:noFill/>
-        </p:spPr>
-        <p:txBody>
-          <a:bodyPr wrap="square" rtlCol="0">
-            <a:spAutoFit/>
-          </a:bodyPr>
-          <a:lstStyle/>
-          <a:p>
-            <a:pPr algn="ctr"/>
-            <a:r>
-              <a:rPr lang="de-DE" sz="4400" b="1" dirty="0">
-                <a:solidFill>
-                  <a:schemeClr val="bg1"/>
-                </a:solidFill>
-              </a:rPr>
-              <a:t>Alle werden dümmer, je älter du wirst.</a:t>
-            </a:r>
-            <a:endParaRPr lang="de-DE" sz="2000" dirty="0">
-              <a:solidFill>
-                <a:schemeClr val="bg1"/>
-              </a:solidFill>
-            </a:endParaRPr>
-          </a:p>
-        </p:txBody>
-      </p:sp>
-    </p:spTree>
-    <p:extLst>
-      <p:ext uri="{BB962C8B-B14F-4D97-AF65-F5344CB8AC3E}">
-        <p14:creationId xmlns:p14="http://schemas.microsoft.com/office/powerpoint/2010/main" val="3728961381"/>
-      </p:ext>
-    </p:extLst>
-  </p:cSld>
-  <p:clrMapOvr>
-    <a:masterClrMapping/>
-  </p:clrMapOvr>
-</p:sld>
-</file>
-
-<file path=ppt/slides/slide3.xml><?xml version="1.0" encoding="utf-8"?>
-<p:sld xmlns:a="http://schemas.openxmlformats.org/drawingml/2006/main" xmlns:r="http://schemas.openxmlformats.org/officeDocument/2006/relationships" xmlns:p="http://schemas.openxmlformats.org/presentationml/2006/main">
-  <p:cSld>
-    <p:bg>
-      <p:bgPr>
-        <a:solidFill>
-          <a:schemeClr val="tx1"/>
-        </a:solidFill>
-        <a:effectLst/>
-      </p:bgPr>
-    </p:bg>
-    <p:spTree>
-      <p:nvGrpSpPr>
-        <p:cNvPr id="1" name="">
-          <a:extLst>
-            <a:ext uri="{FF2B5EF4-FFF2-40B4-BE49-F238E27FC236}">
               <a16:creationId xmlns:a16="http://schemas.microsoft.com/office/drawing/2014/main" id="{A4273AFE-B539-1DB3-9825-A48508F0837D}"/>
             </a:ext>
           </a:extLst>
@@ -4918,7 +4835,7 @@
 </p:sld>
 </file>
 
-<file path=ppt/slides/slide4.xml><?xml version="1.0" encoding="utf-8"?>
+<file path=ppt/slides/slide3.xml><?xml version="1.0" encoding="utf-8"?>
 <p:sld xmlns:a="http://schemas.openxmlformats.org/drawingml/2006/main" xmlns:r="http://schemas.openxmlformats.org/officeDocument/2006/relationships" xmlns:p="http://schemas.openxmlformats.org/presentationml/2006/main">
   <p:cSld>
     <p:bg>
@@ -5094,14 +5011,20 @@
             <a:r>
               <a:rPr lang="de-DE" sz="2400" i="1" noProof="0" dirty="0">
                 <a:solidFill>
-                  <a:schemeClr val="bg1"/>
+                  <a:schemeClr val="accent3">
+                    <a:lumMod val="20000"/>
+                    <a:lumOff val="80000"/>
+                  </a:schemeClr>
                 </a:solidFill>
               </a:rPr>
               <a:t>konkret</a:t>
             </a:r>
             <a:endParaRPr lang="en-GB" sz="2400" i="1" dirty="0">
               <a:solidFill>
-                <a:schemeClr val="bg1"/>
+                <a:schemeClr val="accent3">
+                  <a:lumMod val="20000"/>
+                  <a:lumOff val="80000"/>
+                </a:schemeClr>
               </a:solidFill>
             </a:endParaRPr>
           </a:p>
@@ -5138,14 +5061,20 @@
             <a:r>
               <a:rPr lang="de-DE" sz="2400" i="1" noProof="0" dirty="0">
                 <a:solidFill>
-                  <a:schemeClr val="bg1"/>
+                  <a:schemeClr val="accent4">
+                    <a:lumMod val="40000"/>
+                    <a:lumOff val="60000"/>
+                  </a:schemeClr>
                 </a:solidFill>
               </a:rPr>
               <a:t>abstrakt</a:t>
             </a:r>
             <a:endParaRPr lang="en-GB" sz="2400" i="1" dirty="0">
               <a:solidFill>
-                <a:schemeClr val="bg1"/>
+                <a:schemeClr val="accent4">
+                  <a:lumMod val="40000"/>
+                  <a:lumOff val="60000"/>
+                </a:schemeClr>
               </a:solidFill>
             </a:endParaRPr>
           </a:p>
@@ -5182,14 +5111,20 @@
             <a:r>
               <a:rPr lang="de-DE" sz="2400" b="1" noProof="0" dirty="0">
                 <a:solidFill>
-                  <a:schemeClr val="bg1"/>
+                  <a:schemeClr val="accent3">
+                    <a:lumMod val="20000"/>
+                    <a:lumOff val="80000"/>
+                  </a:schemeClr>
                 </a:solidFill>
               </a:rPr>
               <a:t>Novize</a:t>
             </a:r>
             <a:endParaRPr lang="en-GB" sz="2400" b="1" dirty="0">
               <a:solidFill>
-                <a:schemeClr val="bg1"/>
+                <a:schemeClr val="accent3">
+                  <a:lumMod val="20000"/>
+                  <a:lumOff val="80000"/>
+                </a:schemeClr>
               </a:solidFill>
             </a:endParaRPr>
           </a:p>
@@ -5226,14 +5161,20 @@
             <a:r>
               <a:rPr lang="de-DE" sz="2400" b="1" noProof="0" dirty="0">
                 <a:solidFill>
-                  <a:schemeClr val="bg1"/>
+                  <a:schemeClr val="accent4">
+                    <a:lumMod val="40000"/>
+                    <a:lumOff val="60000"/>
+                  </a:schemeClr>
                 </a:solidFill>
               </a:rPr>
               <a:t>Experte</a:t>
             </a:r>
             <a:endParaRPr lang="en-GB" sz="2400" b="1" dirty="0">
               <a:solidFill>
-                <a:schemeClr val="bg1"/>
+                <a:schemeClr val="accent4">
+                  <a:lumMod val="40000"/>
+                  <a:lumOff val="60000"/>
+                </a:schemeClr>
               </a:solidFill>
             </a:endParaRPr>
           </a:p>
@@ -5296,7 +5237,7 @@
 </p:sld>
 </file>
 
-<file path=ppt/slides/slide5.xml><?xml version="1.0" encoding="utf-8"?>
+<file path=ppt/slides/slide4.xml><?xml version="1.0" encoding="utf-8"?>
 <p:sld xmlns:a="http://schemas.openxmlformats.org/drawingml/2006/main" xmlns:r="http://schemas.openxmlformats.org/officeDocument/2006/relationships" xmlns:p="http://schemas.openxmlformats.org/presentationml/2006/main">
   <p:cSld>
     <p:bg>
@@ -5383,10 +5324,187 @@
       </p:sp>
       <p:sp>
         <p:nvSpPr>
+          <p:cNvPr id="3" name="Rechteck 2">
+            <a:extLst>
+              <a:ext uri="{FF2B5EF4-FFF2-40B4-BE49-F238E27FC236}">
+                <a16:creationId xmlns:a16="http://schemas.microsoft.com/office/drawing/2014/main" id="{D6CD5460-D57A-5933-05E8-33E493DB3860}"/>
+              </a:ext>
+            </a:extLst>
+          </p:cNvPr>
+          <p:cNvSpPr/>
+          <p:nvPr/>
+        </p:nvSpPr>
+        <p:spPr>
+          <a:xfrm rot="1121156">
+            <a:off x="3424497" y="972240"/>
+            <a:ext cx="6400478" cy="2123658"/>
+          </a:xfrm>
+          <a:prstGeom prst="rect">
+            <a:avLst/>
+          </a:prstGeom>
+          <a:noFill/>
+        </p:spPr>
+        <p:txBody>
+          <a:bodyPr wrap="square" lIns="91440" tIns="45720" rIns="91440" bIns="45720">
+            <a:spAutoFit/>
+          </a:bodyPr>
+          <a:lstStyle/>
+          <a:p>
+            <a:pPr algn="ctr"/>
+            <a:r>
+              <a:rPr lang="de-DE" sz="6600" b="1" cap="none" spc="0" dirty="0">
+                <a:ln w="9525">
+                  <a:solidFill>
+                    <a:schemeClr val="bg1"/>
+                  </a:solidFill>
+                  <a:prstDash val="solid"/>
+                </a:ln>
+                <a:solidFill>
+                  <a:schemeClr val="accent5"/>
+                </a:solidFill>
+                <a:effectLst>
+                  <a:outerShdw blurRad="12700" dist="38100" dir="2700000" algn="tl" rotWithShape="0">
+                    <a:schemeClr val="accent5">
+                      <a:lumMod val="60000"/>
+                      <a:lumOff val="40000"/>
+                    </a:schemeClr>
+                  </a:outerShdw>
+                </a:effectLst>
+              </a:rPr>
+              <a:t>SCHNACK </a:t>
+            </a:r>
+          </a:p>
+          <a:p>
+            <a:pPr algn="ctr"/>
+            <a:r>
+              <a:rPr lang="de-DE" sz="6600" b="1" cap="none" spc="0" dirty="0">
+                <a:ln w="9525">
+                  <a:solidFill>
+                    <a:schemeClr val="bg1"/>
+                  </a:solidFill>
+                  <a:prstDash val="solid"/>
+                </a:ln>
+                <a:solidFill>
+                  <a:schemeClr val="accent5"/>
+                </a:solidFill>
+                <a:effectLst>
+                  <a:outerShdw blurRad="12700" dist="38100" dir="2700000" algn="tl" rotWithShape="0">
+                    <a:schemeClr val="accent5">
+                      <a:lumMod val="60000"/>
+                      <a:lumOff val="40000"/>
+                    </a:schemeClr>
+                  </a:outerShdw>
+                </a:effectLst>
+              </a:rPr>
+              <a:t>ABSTRAKT. </a:t>
+            </a:r>
+          </a:p>
+        </p:txBody>
+      </p:sp>
+    </p:spTree>
+    <p:extLst>
+      <p:ext uri="{BB962C8B-B14F-4D97-AF65-F5344CB8AC3E}">
+        <p14:creationId xmlns:p14="http://schemas.microsoft.com/office/powerpoint/2010/main" val="950919438"/>
+      </p:ext>
+    </p:extLst>
+  </p:cSld>
+  <p:clrMapOvr>
+    <a:masterClrMapping/>
+  </p:clrMapOvr>
+</p:sld>
+</file>
+
+<file path=ppt/slides/slide5.xml><?xml version="1.0" encoding="utf-8"?>
+<p:sld xmlns:a="http://schemas.openxmlformats.org/drawingml/2006/main" xmlns:r="http://schemas.openxmlformats.org/officeDocument/2006/relationships" xmlns:p="http://schemas.openxmlformats.org/presentationml/2006/main">
+  <p:cSld>
+    <p:bg>
+      <p:bgPr>
+        <a:solidFill>
+          <a:schemeClr val="tx1"/>
+        </a:solidFill>
+        <a:effectLst/>
+      </p:bgPr>
+    </p:bg>
+    <p:spTree>
+      <p:nvGrpSpPr>
+        <p:cNvPr id="1" name="">
+          <a:extLst>
+            <a:ext uri="{FF2B5EF4-FFF2-40B4-BE49-F238E27FC236}">
+              <a16:creationId xmlns:a16="http://schemas.microsoft.com/office/drawing/2014/main" id="{38557ED9-2C1F-05D7-6622-071E08A83E0C}"/>
+            </a:ext>
+          </a:extLst>
+        </p:cNvPr>
+        <p:cNvGrpSpPr/>
+        <p:nvPr/>
+      </p:nvGrpSpPr>
+      <p:grpSpPr>
+        <a:xfrm>
+          <a:off x="0" y="0"/>
+          <a:ext cx="0" cy="0"/>
+          <a:chOff x="0" y="0"/>
+          <a:chExt cx="0" cy="0"/>
+        </a:xfrm>
+      </p:grpSpPr>
+      <p:sp>
+        <p:nvSpPr>
+          <p:cNvPr id="5" name="Parallelogramm 4">
+            <a:extLst>
+              <a:ext uri="{FF2B5EF4-FFF2-40B4-BE49-F238E27FC236}">
+                <a16:creationId xmlns:a16="http://schemas.microsoft.com/office/drawing/2014/main" id="{87AE245B-F963-4BE3-99E2-C7C79C7703E1}"/>
+              </a:ext>
+            </a:extLst>
+          </p:cNvPr>
+          <p:cNvSpPr/>
+          <p:nvPr/>
+        </p:nvSpPr>
+        <p:spPr>
+          <a:xfrm flipV="1">
+            <a:off x="2304663" y="-4"/>
+            <a:ext cx="8640146" cy="4068147"/>
+          </a:xfrm>
+          <a:prstGeom prst="parallelogram">
+            <a:avLst>
+              <a:gd name="adj" fmla="val 48341"/>
+            </a:avLst>
+          </a:prstGeom>
+          <a:solidFill>
+            <a:schemeClr val="tx1"/>
+          </a:solidFill>
+          <a:ln w="38100">
+            <a:solidFill>
+              <a:srgbClr val="FFFF00"/>
+            </a:solidFill>
+          </a:ln>
+        </p:spPr>
+        <p:style>
+          <a:lnRef idx="2">
+            <a:schemeClr val="accent6"/>
+          </a:lnRef>
+          <a:fillRef idx="1">
+            <a:schemeClr val="lt1"/>
+          </a:fillRef>
+          <a:effectRef idx="0">
+            <a:schemeClr val="accent6"/>
+          </a:effectRef>
+          <a:fontRef idx="minor">
+            <a:schemeClr val="dk1"/>
+          </a:fontRef>
+        </p:style>
+        <p:txBody>
+          <a:bodyPr rtlCol="0" anchor="ctr"/>
+          <a:lstStyle/>
+          <a:p>
+            <a:pPr algn="ctr"/>
+            <a:endParaRPr lang="de-DE"/>
+          </a:p>
+        </p:txBody>
+      </p:sp>
+      <p:sp>
+        <p:nvSpPr>
           <p:cNvPr id="2" name="Textfeld 1">
             <a:extLst>
               <a:ext uri="{FF2B5EF4-FFF2-40B4-BE49-F238E27FC236}">
-                <a16:creationId xmlns:a16="http://schemas.microsoft.com/office/drawing/2014/main" id="{CD616E06-DD7C-90CC-F07B-1A1ABD130BCE}"/>
+                <a16:creationId xmlns:a16="http://schemas.microsoft.com/office/drawing/2014/main" id="{21CE0338-696A-4116-174F-818B2488FADA}"/>
               </a:ext>
             </a:extLst>
           </p:cNvPr>
@@ -5396,7 +5514,7 @@
         <p:spPr>
           <a:xfrm>
             <a:off x="4415648" y="1003017"/>
-            <a:ext cx="4418176" cy="1446550"/>
+            <a:ext cx="4418176" cy="2123658"/>
           </a:xfrm>
           <a:prstGeom prst="rect">
             <a:avLst/>
@@ -5416,7 +5534,7 @@
                   <a:schemeClr val="bg1"/>
                 </a:solidFill>
               </a:rPr>
-              <a:t>Schnack abstrakt. </a:t>
+              <a:t>Alle werden dümmer, je älter du wirst.</a:t>
             </a:r>
             <a:endParaRPr lang="de-DE" sz="2000" dirty="0">
               <a:solidFill>
@@ -5429,7 +5547,7 @@
     </p:spTree>
     <p:extLst>
       <p:ext uri="{BB962C8B-B14F-4D97-AF65-F5344CB8AC3E}">
-        <p14:creationId xmlns:p14="http://schemas.microsoft.com/office/powerpoint/2010/main" val="950919438"/>
+        <p14:creationId xmlns:p14="http://schemas.microsoft.com/office/powerpoint/2010/main" val="3728961381"/>
       </p:ext>
     </p:extLst>
   </p:cSld>
@@ -6396,7 +6514,7 @@
           <a:lstStyle/>
           <a:p>
             <a:pPr algn="ctr"/>
-            <a:endParaRPr lang="de-DE"/>
+            <a:endParaRPr lang="de-DE" dirty="0"/>
           </a:p>
         </p:txBody>
       </p:sp>
@@ -6496,19 +6614,118 @@
             <a:r>
               <a:rPr lang="de-DE" sz="7200" b="1" dirty="0">
                 <a:solidFill>
-                  <a:schemeClr val="bg1"/>
+                  <a:schemeClr val="accent4">
+                    <a:lumMod val="40000"/>
+                    <a:lumOff val="60000"/>
+                  </a:schemeClr>
                 </a:solidFill>
               </a:rPr>
               <a:t>20x</a:t>
             </a:r>
             <a:endParaRPr lang="de-DE" sz="7200" i="1" dirty="0">
               <a:solidFill>
-                <a:schemeClr val="bg1"/>
+                <a:schemeClr val="accent4">
+                  <a:lumMod val="40000"/>
+                  <a:lumOff val="60000"/>
+                </a:schemeClr>
               </a:solidFill>
             </a:endParaRPr>
           </a:p>
         </p:txBody>
       </p:sp>
+      <p:sp>
+        <p:nvSpPr>
+          <p:cNvPr id="4" name="Textfeld 3">
+            <a:extLst>
+              <a:ext uri="{FF2B5EF4-FFF2-40B4-BE49-F238E27FC236}">
+                <a16:creationId xmlns:a16="http://schemas.microsoft.com/office/drawing/2014/main" id="{85603A5F-E2D5-6FD2-9F5A-D8B1496BECF3}"/>
+              </a:ext>
+            </a:extLst>
+          </p:cNvPr>
+          <p:cNvSpPr txBox="1"/>
+          <p:nvPr/>
+        </p:nvSpPr>
+        <p:spPr>
+          <a:xfrm>
+            <a:off x="7731890" y="1680126"/>
+            <a:ext cx="925974" cy="707886"/>
+          </a:xfrm>
+          <a:prstGeom prst="rect">
+            <a:avLst/>
+          </a:prstGeom>
+          <a:noFill/>
+        </p:spPr>
+        <p:txBody>
+          <a:bodyPr wrap="square" rtlCol="0">
+            <a:spAutoFit/>
+          </a:bodyPr>
+          <a:lstStyle/>
+          <a:p>
+            <a:r>
+              <a:rPr lang="de-DE" sz="2000" b="1" dirty="0">
+                <a:solidFill>
+                  <a:schemeClr val="accent4">
+                    <a:lumMod val="40000"/>
+                    <a:lumOff val="60000"/>
+                  </a:schemeClr>
+                </a:solidFill>
+              </a:rPr>
+              <a:t>Große Zahl!</a:t>
+            </a:r>
+          </a:p>
+        </p:txBody>
+      </p:sp>
+      <p:cxnSp>
+        <p:nvCxnSpPr>
+          <p:cNvPr id="9" name="Gekrümmte Verbindung 8">
+            <a:extLst>
+              <a:ext uri="{FF2B5EF4-FFF2-40B4-BE49-F238E27FC236}">
+                <a16:creationId xmlns:a16="http://schemas.microsoft.com/office/drawing/2014/main" id="{AD1A4152-9B63-C20E-B2ED-7A11337FFD7D}"/>
+              </a:ext>
+            </a:extLst>
+          </p:cNvPr>
+          <p:cNvCxnSpPr>
+            <a:cxnSpLocks/>
+            <a:stCxn id="4" idx="0"/>
+            <a:endCxn id="3" idx="0"/>
+          </p:cNvCxnSpPr>
+          <p:nvPr/>
+        </p:nvCxnSpPr>
+        <p:spPr>
+          <a:xfrm rot="16200000" flipH="1">
+            <a:off x="8280436" y="1594567"/>
+            <a:ext cx="1082466" cy="1253585"/>
+          </a:xfrm>
+          <a:prstGeom prst="curvedConnector3">
+            <a:avLst>
+              <a:gd name="adj1" fmla="val -106661"/>
+            </a:avLst>
+          </a:prstGeom>
+          <a:ln w="38100">
+            <a:solidFill>
+              <a:schemeClr val="accent4">
+                <a:lumMod val="40000"/>
+                <a:lumOff val="60000"/>
+              </a:schemeClr>
+            </a:solidFill>
+            <a:tailEnd type="triangle"/>
+          </a:ln>
+        </p:spPr>
+        <p:style>
+          <a:lnRef idx="2">
+            <a:schemeClr val="accent1"/>
+          </a:lnRef>
+          <a:fillRef idx="0">
+            <a:schemeClr val="accent1"/>
+          </a:fillRef>
+          <a:effectRef idx="1">
+            <a:schemeClr val="accent1"/>
+          </a:effectRef>
+          <a:fontRef idx="minor">
+            <a:schemeClr val="tx1"/>
+          </a:fontRef>
+        </p:style>
+      </p:cxnSp>
     </p:spTree>
     <p:extLst>
       <p:ext uri="{BB962C8B-B14F-4D97-AF65-F5344CB8AC3E}">
@@ -6658,14 +6875,20 @@
             <a:r>
               <a:rPr lang="de-DE" sz="2000" b="1" i="1" dirty="0">
                 <a:solidFill>
-                  <a:schemeClr val="bg1"/>
+                  <a:schemeClr val="accent2">
+                    <a:lumMod val="40000"/>
+                    <a:lumOff val="60000"/>
+                  </a:schemeClr>
                 </a:solidFill>
               </a:rPr>
               <a:t>(Kennen Sie das auch, dass Ihre Folien passiv aggressiv werden?)</a:t>
             </a:r>
             <a:endParaRPr lang="de-DE" sz="2000" i="1" dirty="0">
               <a:solidFill>
-                <a:schemeClr val="bg1"/>
+                <a:schemeClr val="accent2">
+                  <a:lumMod val="40000"/>
+                  <a:lumOff val="60000"/>
+                </a:schemeClr>
               </a:solidFill>
             </a:endParaRPr>
           </a:p>

--- a/talks/202510_roulette/Kruppa_Scheetz.pptx
+++ b/talks/202510_roulette/Kruppa_Scheetz.pptx
@@ -5,22 +5,23 @@
     <p:sldMasterId id="2147483648" r:id="rId4"/>
   </p:sldMasterIdLst>
   <p:notesMasterIdLst>
-    <p:notesMasterId r:id="rId18"/>
+    <p:notesMasterId r:id="rId19"/>
   </p:notesMasterIdLst>
   <p:sldIdLst>
     <p:sldId id="266" r:id="rId5"/>
     <p:sldId id="278" r:id="rId6"/>
-    <p:sldId id="267" r:id="rId7"/>
-    <p:sldId id="279" r:id="rId8"/>
-    <p:sldId id="277" r:id="rId9"/>
-    <p:sldId id="268" r:id="rId10"/>
-    <p:sldId id="276" r:id="rId11"/>
-    <p:sldId id="280" r:id="rId12"/>
-    <p:sldId id="281" r:id="rId13"/>
-    <p:sldId id="282" r:id="rId14"/>
-    <p:sldId id="283" r:id="rId15"/>
-    <p:sldId id="284" r:id="rId16"/>
-    <p:sldId id="285" r:id="rId17"/>
+    <p:sldId id="277" r:id="rId7"/>
+    <p:sldId id="268" r:id="rId8"/>
+    <p:sldId id="276" r:id="rId9"/>
+    <p:sldId id="280" r:id="rId10"/>
+    <p:sldId id="281" r:id="rId11"/>
+    <p:sldId id="282" r:id="rId12"/>
+    <p:sldId id="283" r:id="rId13"/>
+    <p:sldId id="284" r:id="rId14"/>
+    <p:sldId id="285" r:id="rId15"/>
+    <p:sldId id="286" r:id="rId16"/>
+    <p:sldId id="267" r:id="rId17"/>
+    <p:sldId id="279" r:id="rId18"/>
   </p:sldIdLst>
   <p:sldSz cx="12192000" cy="6858000"/>
   <p:notesSz cx="6858000" cy="9144000"/>
@@ -541,7 +542,7 @@
           <a:p>
             <a:fld id="{648B57EE-9786-734A-ABD9-B1218725A3BA}" type="slidenum">
               <a:rPr lang="de-DE" smtClean="0"/>
-              <a:t>10</a:t>
+              <a:t>8</a:t>
             </a:fld>
             <a:endParaRPr lang="de-DE"/>
           </a:p>
@@ -3924,428 +3925,6 @@
         <p:cNvPr id="1" name="">
           <a:extLst>
             <a:ext uri="{FF2B5EF4-FFF2-40B4-BE49-F238E27FC236}">
-              <a16:creationId xmlns:a16="http://schemas.microsoft.com/office/drawing/2014/main" id="{34AD5908-84B9-150F-2D25-9E38347D91D9}"/>
-            </a:ext>
-          </a:extLst>
-        </p:cNvPr>
-        <p:cNvGrpSpPr/>
-        <p:nvPr/>
-      </p:nvGrpSpPr>
-      <p:grpSpPr>
-        <a:xfrm>
-          <a:off x="0" y="0"/>
-          <a:ext cx="0" cy="0"/>
-          <a:chOff x="0" y="0"/>
-          <a:chExt cx="0" cy="0"/>
-        </a:xfrm>
-      </p:grpSpPr>
-      <p:sp>
-        <p:nvSpPr>
-          <p:cNvPr id="5" name="Parallelogramm 4">
-            <a:extLst>
-              <a:ext uri="{FF2B5EF4-FFF2-40B4-BE49-F238E27FC236}">
-                <a16:creationId xmlns:a16="http://schemas.microsoft.com/office/drawing/2014/main" id="{B002980D-A344-8E81-B516-7D05D9020F7E}"/>
-              </a:ext>
-            </a:extLst>
-          </p:cNvPr>
-          <p:cNvSpPr/>
-          <p:nvPr/>
-        </p:nvSpPr>
-        <p:spPr>
-          <a:xfrm flipV="1">
-            <a:off x="2304663" y="-4"/>
-            <a:ext cx="8640146" cy="4068147"/>
-          </a:xfrm>
-          <a:prstGeom prst="parallelogram">
-            <a:avLst>
-              <a:gd name="adj" fmla="val 48341"/>
-            </a:avLst>
-          </a:prstGeom>
-          <a:solidFill>
-            <a:schemeClr val="tx1"/>
-          </a:solidFill>
-          <a:ln w="38100">
-            <a:solidFill>
-              <a:srgbClr val="FFFF00"/>
-            </a:solidFill>
-          </a:ln>
-        </p:spPr>
-        <p:style>
-          <a:lnRef idx="2">
-            <a:schemeClr val="accent6"/>
-          </a:lnRef>
-          <a:fillRef idx="1">
-            <a:schemeClr val="lt1"/>
-          </a:fillRef>
-          <a:effectRef idx="0">
-            <a:schemeClr val="accent6"/>
-          </a:effectRef>
-          <a:fontRef idx="minor">
-            <a:schemeClr val="dk1"/>
-          </a:fontRef>
-        </p:style>
-        <p:txBody>
-          <a:bodyPr rtlCol="0" anchor="ctr"/>
-          <a:lstStyle/>
-          <a:p>
-            <a:pPr algn="ctr"/>
-            <a:endParaRPr lang="de-DE" dirty="0"/>
-          </a:p>
-        </p:txBody>
-      </p:sp>
-      <p:sp>
-        <p:nvSpPr>
-          <p:cNvPr id="4" name="Oval 3">
-            <a:extLst>
-              <a:ext uri="{FF2B5EF4-FFF2-40B4-BE49-F238E27FC236}">
-                <a16:creationId xmlns:a16="http://schemas.microsoft.com/office/drawing/2014/main" id="{C182FE59-8377-71F2-A41B-F41B2A2941ED}"/>
-              </a:ext>
-            </a:extLst>
-          </p:cNvPr>
-          <p:cNvSpPr/>
-          <p:nvPr/>
-        </p:nvSpPr>
-        <p:spPr>
-          <a:xfrm rot="4139722">
-            <a:off x="7431882" y="888251"/>
-            <a:ext cx="1122745" cy="4246046"/>
-          </a:xfrm>
-          <a:prstGeom prst="ellipse">
-            <a:avLst/>
-          </a:prstGeom>
-          <a:ln w="76200">
-            <a:solidFill>
-              <a:schemeClr val="accent5">
-                <a:lumMod val="60000"/>
-                <a:lumOff val="40000"/>
-              </a:schemeClr>
-            </a:solidFill>
-          </a:ln>
-        </p:spPr>
-        <p:style>
-          <a:lnRef idx="2">
-            <a:schemeClr val="dk1">
-              <a:shade val="15000"/>
-            </a:schemeClr>
-          </a:lnRef>
-          <a:fillRef idx="1">
-            <a:schemeClr val="dk1"/>
-          </a:fillRef>
-          <a:effectRef idx="0">
-            <a:schemeClr val="dk1"/>
-          </a:effectRef>
-          <a:fontRef idx="minor">
-            <a:schemeClr val="lt1"/>
-          </a:fontRef>
-        </p:style>
-        <p:txBody>
-          <a:bodyPr rtlCol="0" anchor="ctr"/>
-          <a:lstStyle/>
-          <a:p>
-            <a:pPr algn="ctr"/>
-            <a:endParaRPr lang="de-DE"/>
-          </a:p>
-        </p:txBody>
-      </p:sp>
-      <p:sp>
-        <p:nvSpPr>
-          <p:cNvPr id="2" name="Textfeld 1">
-            <a:extLst>
-              <a:ext uri="{FF2B5EF4-FFF2-40B4-BE49-F238E27FC236}">
-                <a16:creationId xmlns:a16="http://schemas.microsoft.com/office/drawing/2014/main" id="{BD3951FF-CA84-B74F-9AF6-827055E7B17F}"/>
-              </a:ext>
-            </a:extLst>
-          </p:cNvPr>
-          <p:cNvSpPr txBox="1"/>
-          <p:nvPr/>
-        </p:nvSpPr>
-        <p:spPr>
-          <a:xfrm>
-            <a:off x="3796497" y="664391"/>
-            <a:ext cx="5185458" cy="2123658"/>
-          </a:xfrm>
-          <a:prstGeom prst="rect">
-            <a:avLst/>
-          </a:prstGeom>
-          <a:noFill/>
-        </p:spPr>
-        <p:txBody>
-          <a:bodyPr wrap="square" rtlCol="0">
-            <a:spAutoFit/>
-          </a:bodyPr>
-          <a:lstStyle/>
-          <a:p>
-            <a:pPr algn="ctr"/>
-            <a:r>
-              <a:rPr lang="de-DE" sz="4400" b="1" dirty="0">
-                <a:solidFill>
-                  <a:schemeClr val="bg1"/>
-                </a:solidFill>
-              </a:rPr>
-              <a:t>Mach mal was, was du so richtig nicht kannst!</a:t>
-            </a:r>
-            <a:endParaRPr lang="de-DE" sz="2000" i="1" dirty="0">
-              <a:solidFill>
-                <a:schemeClr val="bg1"/>
-              </a:solidFill>
-            </a:endParaRPr>
-          </a:p>
-        </p:txBody>
-      </p:sp>
-      <p:sp>
-        <p:nvSpPr>
-          <p:cNvPr id="7" name="Eckige Klammer links 6">
-            <a:extLst>
-              <a:ext uri="{FF2B5EF4-FFF2-40B4-BE49-F238E27FC236}">
-                <a16:creationId xmlns:a16="http://schemas.microsoft.com/office/drawing/2014/main" id="{97559647-E01B-0321-12CF-48E4C4A89A6C}"/>
-              </a:ext>
-            </a:extLst>
-          </p:cNvPr>
-          <p:cNvSpPr/>
-          <p:nvPr/>
-        </p:nvSpPr>
-        <p:spPr>
-          <a:xfrm rot="16200000">
-            <a:off x="5907338" y="-2391712"/>
-            <a:ext cx="181519" cy="5088042"/>
-          </a:xfrm>
-          <a:prstGeom prst="leftBracket">
-            <a:avLst/>
-          </a:prstGeom>
-          <a:ln w="57150">
-            <a:solidFill>
-              <a:schemeClr val="accent6">
-                <a:lumMod val="40000"/>
-                <a:lumOff val="60000"/>
-              </a:schemeClr>
-            </a:solidFill>
-          </a:ln>
-        </p:spPr>
-        <p:style>
-          <a:lnRef idx="2">
-            <a:schemeClr val="accent1"/>
-          </a:lnRef>
-          <a:fillRef idx="0">
-            <a:schemeClr val="accent1"/>
-          </a:fillRef>
-          <a:effectRef idx="1">
-            <a:schemeClr val="accent1"/>
-          </a:effectRef>
-          <a:fontRef idx="minor">
-            <a:schemeClr val="tx1"/>
-          </a:fontRef>
-        </p:style>
-        <p:txBody>
-          <a:bodyPr rtlCol="0" anchor="ctr"/>
-          <a:lstStyle/>
-          <a:p>
-            <a:pPr algn="ctr"/>
-            <a:endParaRPr lang="de-DE"/>
-          </a:p>
-        </p:txBody>
-      </p:sp>
-    </p:spTree>
-    <p:extLst>
-      <p:ext uri="{BB962C8B-B14F-4D97-AF65-F5344CB8AC3E}">
-        <p14:creationId xmlns:p14="http://schemas.microsoft.com/office/powerpoint/2010/main" val="2933580976"/>
-      </p:ext>
-    </p:extLst>
-  </p:cSld>
-  <p:clrMapOvr>
-    <a:masterClrMapping/>
-  </p:clrMapOvr>
-</p:sld>
-</file>
-
-<file path=ppt/slides/slide11.xml><?xml version="1.0" encoding="utf-8"?>
-<p:sld xmlns:a="http://schemas.openxmlformats.org/drawingml/2006/main" xmlns:r="http://schemas.openxmlformats.org/officeDocument/2006/relationships" xmlns:p="http://schemas.openxmlformats.org/presentationml/2006/main">
-  <p:cSld>
-    <p:bg>
-      <p:bgPr>
-        <a:solidFill>
-          <a:schemeClr val="tx1"/>
-        </a:solidFill>
-        <a:effectLst/>
-      </p:bgPr>
-    </p:bg>
-    <p:spTree>
-      <p:nvGrpSpPr>
-        <p:cNvPr id="1" name="">
-          <a:extLst>
-            <a:ext uri="{FF2B5EF4-FFF2-40B4-BE49-F238E27FC236}">
-              <a16:creationId xmlns:a16="http://schemas.microsoft.com/office/drawing/2014/main" id="{2A42863E-A0A3-B946-7352-6EB702F73DDF}"/>
-            </a:ext>
-          </a:extLst>
-        </p:cNvPr>
-        <p:cNvGrpSpPr/>
-        <p:nvPr/>
-      </p:nvGrpSpPr>
-      <p:grpSpPr>
-        <a:xfrm>
-          <a:off x="0" y="0"/>
-          <a:ext cx="0" cy="0"/>
-          <a:chOff x="0" y="0"/>
-          <a:chExt cx="0" cy="0"/>
-        </a:xfrm>
-      </p:grpSpPr>
-      <p:sp>
-        <p:nvSpPr>
-          <p:cNvPr id="5" name="Parallelogramm 4">
-            <a:extLst>
-              <a:ext uri="{FF2B5EF4-FFF2-40B4-BE49-F238E27FC236}">
-                <a16:creationId xmlns:a16="http://schemas.microsoft.com/office/drawing/2014/main" id="{1045D9FD-5B05-9063-B94B-C198E966EEC3}"/>
-              </a:ext>
-            </a:extLst>
-          </p:cNvPr>
-          <p:cNvSpPr/>
-          <p:nvPr/>
-        </p:nvSpPr>
-        <p:spPr>
-          <a:xfrm flipV="1">
-            <a:off x="2304663" y="-4"/>
-            <a:ext cx="8640146" cy="4068147"/>
-          </a:xfrm>
-          <a:prstGeom prst="parallelogram">
-            <a:avLst>
-              <a:gd name="adj" fmla="val 48341"/>
-            </a:avLst>
-          </a:prstGeom>
-          <a:solidFill>
-            <a:schemeClr val="tx1"/>
-          </a:solidFill>
-          <a:ln w="38100">
-            <a:solidFill>
-              <a:srgbClr val="FFFF00"/>
-            </a:solidFill>
-          </a:ln>
-        </p:spPr>
-        <p:style>
-          <a:lnRef idx="2">
-            <a:schemeClr val="accent6"/>
-          </a:lnRef>
-          <a:fillRef idx="1">
-            <a:schemeClr val="lt1"/>
-          </a:fillRef>
-          <a:effectRef idx="0">
-            <a:schemeClr val="accent6"/>
-          </a:effectRef>
-          <a:fontRef idx="minor">
-            <a:schemeClr val="dk1"/>
-          </a:fontRef>
-        </p:style>
-        <p:txBody>
-          <a:bodyPr rtlCol="0" anchor="ctr"/>
-          <a:lstStyle/>
-          <a:p>
-            <a:pPr algn="ctr"/>
-            <a:endParaRPr lang="de-DE"/>
-          </a:p>
-        </p:txBody>
-      </p:sp>
-      <p:sp>
-        <p:nvSpPr>
-          <p:cNvPr id="2" name="Textfeld 1">
-            <a:extLst>
-              <a:ext uri="{FF2B5EF4-FFF2-40B4-BE49-F238E27FC236}">
-                <a16:creationId xmlns:a16="http://schemas.microsoft.com/office/drawing/2014/main" id="{5F901BA3-9E46-62C8-20C9-010D39E53577}"/>
-              </a:ext>
-            </a:extLst>
-          </p:cNvPr>
-          <p:cNvSpPr txBox="1"/>
-          <p:nvPr/>
-        </p:nvSpPr>
-        <p:spPr>
-          <a:xfrm>
-            <a:off x="3407267" y="771524"/>
-            <a:ext cx="5185458" cy="2123658"/>
-          </a:xfrm>
-          <a:prstGeom prst="rect">
-            <a:avLst/>
-          </a:prstGeom>
-          <a:noFill/>
-        </p:spPr>
-        <p:txBody>
-          <a:bodyPr wrap="square" rtlCol="0">
-            <a:spAutoFit/>
-          </a:bodyPr>
-          <a:lstStyle/>
-          <a:p>
-            <a:pPr algn="ctr"/>
-            <a:r>
-              <a:rPr lang="de-DE" sz="4400" b="1" dirty="0">
-                <a:solidFill>
-                  <a:schemeClr val="bg1"/>
-                </a:solidFill>
-              </a:rPr>
-              <a:t>Anfänger wollen konkrete Beispiele…</a:t>
-            </a:r>
-            <a:endParaRPr lang="de-DE" sz="2000" i="1" dirty="0">
-              <a:solidFill>
-                <a:schemeClr val="bg1"/>
-              </a:solidFill>
-            </a:endParaRPr>
-          </a:p>
-        </p:txBody>
-      </p:sp>
-      <p:pic>
-        <p:nvPicPr>
-          <p:cNvPr id="3" name="Grafik 2">
-            <a:extLst>
-              <a:ext uri="{FF2B5EF4-FFF2-40B4-BE49-F238E27FC236}">
-                <a16:creationId xmlns:a16="http://schemas.microsoft.com/office/drawing/2014/main" id="{5E4FFD46-1B91-4939-C0BE-CB2A4BDA8819}"/>
-              </a:ext>
-            </a:extLst>
-          </p:cNvPr>
-          <p:cNvPicPr>
-            <a:picLocks noChangeAspect="1"/>
-          </p:cNvPicPr>
-          <p:nvPr/>
-        </p:nvPicPr>
-        <p:blipFill>
-          <a:blip r:embed="rId2"/>
-          <a:stretch>
-            <a:fillRect/>
-          </a:stretch>
-        </p:blipFill>
-        <p:spPr>
-          <a:xfrm>
-            <a:off x="7639285" y="963588"/>
-            <a:ext cx="2338099" cy="3204808"/>
-          </a:xfrm>
-          <a:prstGeom prst="rect">
-            <a:avLst/>
-          </a:prstGeom>
-        </p:spPr>
-      </p:pic>
-    </p:spTree>
-    <p:extLst>
-      <p:ext uri="{BB962C8B-B14F-4D97-AF65-F5344CB8AC3E}">
-        <p14:creationId xmlns:p14="http://schemas.microsoft.com/office/powerpoint/2010/main" val="3595875411"/>
-      </p:ext>
-    </p:extLst>
-  </p:cSld>
-  <p:clrMapOvr>
-    <a:masterClrMapping/>
-  </p:clrMapOvr>
-</p:sld>
-</file>
-
-<file path=ppt/slides/slide12.xml><?xml version="1.0" encoding="utf-8"?>
-<p:sld xmlns:a="http://schemas.openxmlformats.org/drawingml/2006/main" xmlns:r="http://schemas.openxmlformats.org/officeDocument/2006/relationships" xmlns:p="http://schemas.openxmlformats.org/presentationml/2006/main">
-  <p:cSld>
-    <p:bg>
-      <p:bgPr>
-        <a:solidFill>
-          <a:schemeClr val="tx1"/>
-        </a:solidFill>
-        <a:effectLst/>
-      </p:bgPr>
-    </p:bg>
-    <p:spTree>
-      <p:nvGrpSpPr>
-        <p:cNvPr id="1" name="">
-          <a:extLst>
-            <a:ext uri="{FF2B5EF4-FFF2-40B4-BE49-F238E27FC236}">
               <a16:creationId xmlns:a16="http://schemas.microsoft.com/office/drawing/2014/main" id="{37EB8265-7E2A-6BE2-A953-6768FE8EF207}"/>
             </a:ext>
           </a:extLst>
@@ -4527,7 +4106,7 @@
 </p:sld>
 </file>
 
-<file path=ppt/slides/slide13.xml><?xml version="1.0" encoding="utf-8"?>
+<file path=ppt/slides/slide11.xml><?xml version="1.0" encoding="utf-8"?>
 <p:sld xmlns:a="http://schemas.openxmlformats.org/drawingml/2006/main" xmlns:r="http://schemas.openxmlformats.org/officeDocument/2006/relationships" xmlns:p="http://schemas.openxmlformats.org/presentationml/2006/main">
   <p:cSld>
     <p:bg>
@@ -4683,6 +4262,713 @@
     <p:extLst>
       <p:ext uri="{BB962C8B-B14F-4D97-AF65-F5344CB8AC3E}">
         <p14:creationId xmlns:p14="http://schemas.microsoft.com/office/powerpoint/2010/main" val="4217381659"/>
+      </p:ext>
+    </p:extLst>
+  </p:cSld>
+  <p:clrMapOvr>
+    <a:masterClrMapping/>
+  </p:clrMapOvr>
+</p:sld>
+</file>
+
+<file path=ppt/slides/slide12.xml><?xml version="1.0" encoding="utf-8"?>
+<p:sld xmlns:a="http://schemas.openxmlformats.org/drawingml/2006/main" xmlns:r="http://schemas.openxmlformats.org/officeDocument/2006/relationships" xmlns:p="http://schemas.openxmlformats.org/presentationml/2006/main">
+  <p:cSld>
+    <p:bg>
+      <p:bgPr>
+        <a:solidFill>
+          <a:schemeClr val="tx1"/>
+        </a:solidFill>
+        <a:effectLst/>
+      </p:bgPr>
+    </p:bg>
+    <p:spTree>
+      <p:nvGrpSpPr>
+        <p:cNvPr id="1" name="">
+          <a:extLst>
+            <a:ext uri="{FF2B5EF4-FFF2-40B4-BE49-F238E27FC236}">
+              <a16:creationId xmlns:a16="http://schemas.microsoft.com/office/drawing/2014/main" id="{9498D9C3-A658-5423-9299-DB22C89B9A77}"/>
+            </a:ext>
+          </a:extLst>
+        </p:cNvPr>
+        <p:cNvGrpSpPr/>
+        <p:nvPr/>
+      </p:nvGrpSpPr>
+      <p:grpSpPr>
+        <a:xfrm>
+          <a:off x="0" y="0"/>
+          <a:ext cx="0" cy="0"/>
+          <a:chOff x="0" y="0"/>
+          <a:chExt cx="0" cy="0"/>
+        </a:xfrm>
+      </p:grpSpPr>
+      <p:sp>
+        <p:nvSpPr>
+          <p:cNvPr id="5" name="Parallelogramm 4">
+            <a:extLst>
+              <a:ext uri="{FF2B5EF4-FFF2-40B4-BE49-F238E27FC236}">
+                <a16:creationId xmlns:a16="http://schemas.microsoft.com/office/drawing/2014/main" id="{9B17ECE9-8B34-DDA6-DD8D-996B88978B91}"/>
+              </a:ext>
+            </a:extLst>
+          </p:cNvPr>
+          <p:cNvSpPr/>
+          <p:nvPr/>
+        </p:nvSpPr>
+        <p:spPr>
+          <a:xfrm flipV="1">
+            <a:off x="2304663" y="-4"/>
+            <a:ext cx="8640146" cy="4068147"/>
+          </a:xfrm>
+          <a:prstGeom prst="parallelogram">
+            <a:avLst>
+              <a:gd name="adj" fmla="val 48341"/>
+            </a:avLst>
+          </a:prstGeom>
+          <a:solidFill>
+            <a:schemeClr val="tx1"/>
+          </a:solidFill>
+          <a:ln w="38100">
+            <a:solidFill>
+              <a:srgbClr val="FFFF00"/>
+            </a:solidFill>
+          </a:ln>
+        </p:spPr>
+        <p:style>
+          <a:lnRef idx="2">
+            <a:schemeClr val="accent6"/>
+          </a:lnRef>
+          <a:fillRef idx="1">
+            <a:schemeClr val="lt1"/>
+          </a:fillRef>
+          <a:effectRef idx="0">
+            <a:schemeClr val="accent6"/>
+          </a:effectRef>
+          <a:fontRef idx="minor">
+            <a:schemeClr val="dk1"/>
+          </a:fontRef>
+        </p:style>
+        <p:txBody>
+          <a:bodyPr rtlCol="0" anchor="ctr"/>
+          <a:lstStyle/>
+          <a:p>
+            <a:pPr algn="ctr"/>
+            <a:endParaRPr lang="de-DE"/>
+          </a:p>
+        </p:txBody>
+      </p:sp>
+      <p:pic>
+        <p:nvPicPr>
+          <p:cNvPr id="7" name="Grafik 6">
+            <a:extLst>
+              <a:ext uri="{FF2B5EF4-FFF2-40B4-BE49-F238E27FC236}">
+                <a16:creationId xmlns:a16="http://schemas.microsoft.com/office/drawing/2014/main" id="{1BE21CCA-F2E5-0D48-9C59-934379EC73BA}"/>
+              </a:ext>
+            </a:extLst>
+          </p:cNvPr>
+          <p:cNvPicPr>
+            <a:picLocks noChangeAspect="1"/>
+          </p:cNvPicPr>
+          <p:nvPr/>
+        </p:nvPicPr>
+        <p:blipFill>
+          <a:blip r:embed="rId2"/>
+          <a:stretch>
+            <a:fillRect/>
+          </a:stretch>
+        </p:blipFill>
+        <p:spPr>
+          <a:xfrm>
+            <a:off x="3483015" y="14468"/>
+            <a:ext cx="6251511" cy="4068147"/>
+          </a:xfrm>
+          <a:prstGeom prst="rect">
+            <a:avLst/>
+          </a:prstGeom>
+        </p:spPr>
+      </p:pic>
+    </p:spTree>
+    <p:extLst>
+      <p:ext uri="{BB962C8B-B14F-4D97-AF65-F5344CB8AC3E}">
+        <p14:creationId xmlns:p14="http://schemas.microsoft.com/office/powerpoint/2010/main" val="839960197"/>
+      </p:ext>
+    </p:extLst>
+  </p:cSld>
+  <p:clrMapOvr>
+    <a:masterClrMapping/>
+  </p:clrMapOvr>
+</p:sld>
+</file>
+
+<file path=ppt/slides/slide13.xml><?xml version="1.0" encoding="utf-8"?>
+<p:sld xmlns:a="http://schemas.openxmlformats.org/drawingml/2006/main" xmlns:r="http://schemas.openxmlformats.org/officeDocument/2006/relationships" xmlns:p="http://schemas.openxmlformats.org/presentationml/2006/main">
+  <p:cSld>
+    <p:bg>
+      <p:bgPr>
+        <a:solidFill>
+          <a:schemeClr val="tx1"/>
+        </a:solidFill>
+        <a:effectLst/>
+      </p:bgPr>
+    </p:bg>
+    <p:spTree>
+      <p:nvGrpSpPr>
+        <p:cNvPr id="1" name="">
+          <a:extLst>
+            <a:ext uri="{FF2B5EF4-FFF2-40B4-BE49-F238E27FC236}">
+              <a16:creationId xmlns:a16="http://schemas.microsoft.com/office/drawing/2014/main" id="{CA1452AB-FCD8-6E90-E17C-E1018C6A29CB}"/>
+            </a:ext>
+          </a:extLst>
+        </p:cNvPr>
+        <p:cNvGrpSpPr/>
+        <p:nvPr/>
+      </p:nvGrpSpPr>
+      <p:grpSpPr>
+        <a:xfrm>
+          <a:off x="0" y="0"/>
+          <a:ext cx="0" cy="0"/>
+          <a:chOff x="0" y="0"/>
+          <a:chExt cx="0" cy="0"/>
+        </a:xfrm>
+      </p:grpSpPr>
+      <p:sp>
+        <p:nvSpPr>
+          <p:cNvPr id="5" name="Parallelogramm 4">
+            <a:extLst>
+              <a:ext uri="{FF2B5EF4-FFF2-40B4-BE49-F238E27FC236}">
+                <a16:creationId xmlns:a16="http://schemas.microsoft.com/office/drawing/2014/main" id="{7EC679D8-249D-6AE6-6A4E-94073B0DD6EC}"/>
+              </a:ext>
+            </a:extLst>
+          </p:cNvPr>
+          <p:cNvSpPr/>
+          <p:nvPr/>
+        </p:nvSpPr>
+        <p:spPr>
+          <a:xfrm flipV="1">
+            <a:off x="2314711" y="0"/>
+            <a:ext cx="8640146" cy="4068147"/>
+          </a:xfrm>
+          <a:prstGeom prst="parallelogram">
+            <a:avLst>
+              <a:gd name="adj" fmla="val 48341"/>
+            </a:avLst>
+          </a:prstGeom>
+          <a:solidFill>
+            <a:schemeClr val="tx1"/>
+          </a:solidFill>
+          <a:ln w="38100">
+            <a:solidFill>
+              <a:srgbClr val="FFFF00"/>
+            </a:solidFill>
+          </a:ln>
+        </p:spPr>
+        <p:style>
+          <a:lnRef idx="2">
+            <a:schemeClr val="accent6"/>
+          </a:lnRef>
+          <a:fillRef idx="1">
+            <a:schemeClr val="lt1"/>
+          </a:fillRef>
+          <a:effectRef idx="0">
+            <a:schemeClr val="accent6"/>
+          </a:effectRef>
+          <a:fontRef idx="minor">
+            <a:schemeClr val="dk1"/>
+          </a:fontRef>
+        </p:style>
+        <p:txBody>
+          <a:bodyPr rtlCol="0" anchor="ctr"/>
+          <a:lstStyle/>
+          <a:p>
+            <a:pPr algn="ctr"/>
+            <a:endParaRPr lang="de-DE"/>
+          </a:p>
+        </p:txBody>
+      </p:sp>
+      <p:sp>
+        <p:nvSpPr>
+          <p:cNvPr id="9" name="Gleichschenkliges Dreieck 1">
+            <a:extLst>
+              <a:ext uri="{FF2B5EF4-FFF2-40B4-BE49-F238E27FC236}">
+                <a16:creationId xmlns:a16="http://schemas.microsoft.com/office/drawing/2014/main" id="{F59CE9F5-500E-07BF-801B-4CD60A5819F0}"/>
+              </a:ext>
+            </a:extLst>
+          </p:cNvPr>
+          <p:cNvSpPr/>
+          <p:nvPr/>
+        </p:nvSpPr>
+        <p:spPr>
+          <a:xfrm rot="16200000">
+            <a:off x="5939840" y="-369394"/>
+            <a:ext cx="895047" cy="4854905"/>
+          </a:xfrm>
+          <a:prstGeom prst="triangle">
+            <a:avLst/>
+          </a:prstGeom>
+          <a:solidFill>
+            <a:schemeClr val="bg1">
+              <a:lumMod val="95000"/>
+            </a:schemeClr>
+          </a:solidFill>
+          <a:ln>
+            <a:solidFill>
+              <a:schemeClr val="tx1"/>
+            </a:solidFill>
+          </a:ln>
+        </p:spPr>
+        <p:style>
+          <a:lnRef idx="2">
+            <a:schemeClr val="accent1">
+              <a:shade val="50000"/>
+            </a:schemeClr>
+          </a:lnRef>
+          <a:fillRef idx="1">
+            <a:schemeClr val="accent1"/>
+          </a:fillRef>
+          <a:effectRef idx="0">
+            <a:schemeClr val="accent1"/>
+          </a:effectRef>
+          <a:fontRef idx="minor">
+            <a:schemeClr val="lt1"/>
+          </a:fontRef>
+        </p:style>
+        <p:txBody>
+          <a:bodyPr rtlCol="0" anchor="ctr"/>
+          <a:lstStyle/>
+          <a:p>
+            <a:pPr algn="ctr"/>
+            <a:endParaRPr lang="en-GB">
+              <a:solidFill>
+                <a:schemeClr val="bg1"/>
+              </a:solidFill>
+            </a:endParaRPr>
+          </a:p>
+        </p:txBody>
+      </p:sp>
+      <p:sp>
+        <p:nvSpPr>
+          <p:cNvPr id="10" name="Textfeld 9">
+            <a:extLst>
+              <a:ext uri="{FF2B5EF4-FFF2-40B4-BE49-F238E27FC236}">
+                <a16:creationId xmlns:a16="http://schemas.microsoft.com/office/drawing/2014/main" id="{F8019AB6-5521-597E-55DB-2995782E9DF2}"/>
+              </a:ext>
+            </a:extLst>
+          </p:cNvPr>
+          <p:cNvSpPr txBox="1"/>
+          <p:nvPr/>
+        </p:nvSpPr>
+        <p:spPr>
+          <a:xfrm>
+            <a:off x="4009697" y="2487824"/>
+            <a:ext cx="1694985" cy="461665"/>
+          </a:xfrm>
+          <a:prstGeom prst="rect">
+            <a:avLst/>
+          </a:prstGeom>
+          <a:noFill/>
+        </p:spPr>
+        <p:txBody>
+          <a:bodyPr wrap="square" rtlCol="0">
+            <a:spAutoFit/>
+          </a:bodyPr>
+          <a:lstStyle/>
+          <a:p>
+            <a:r>
+              <a:rPr lang="de-DE" sz="2400" i="1" noProof="0" dirty="0">
+                <a:solidFill>
+                  <a:schemeClr val="accent3">
+                    <a:lumMod val="20000"/>
+                    <a:lumOff val="80000"/>
+                  </a:schemeClr>
+                </a:solidFill>
+              </a:rPr>
+              <a:t>konkret</a:t>
+            </a:r>
+            <a:endParaRPr lang="en-GB" sz="2400" i="1" dirty="0">
+              <a:solidFill>
+                <a:schemeClr val="accent3">
+                  <a:lumMod val="20000"/>
+                  <a:lumOff val="80000"/>
+                </a:schemeClr>
+              </a:solidFill>
+            </a:endParaRPr>
+          </a:p>
+        </p:txBody>
+      </p:sp>
+      <p:sp>
+        <p:nvSpPr>
+          <p:cNvPr id="11" name="Textfeld 10">
+            <a:extLst>
+              <a:ext uri="{FF2B5EF4-FFF2-40B4-BE49-F238E27FC236}">
+                <a16:creationId xmlns:a16="http://schemas.microsoft.com/office/drawing/2014/main" id="{1830C4F7-7B8A-8180-7E4E-DD52F3217AB4}"/>
+              </a:ext>
+            </a:extLst>
+          </p:cNvPr>
+          <p:cNvSpPr txBox="1"/>
+          <p:nvPr/>
+        </p:nvSpPr>
+        <p:spPr>
+          <a:xfrm>
+            <a:off x="8199051" y="2487824"/>
+            <a:ext cx="1694985" cy="461665"/>
+          </a:xfrm>
+          <a:prstGeom prst="rect">
+            <a:avLst/>
+          </a:prstGeom>
+          <a:noFill/>
+        </p:spPr>
+        <p:txBody>
+          <a:bodyPr wrap="square" rtlCol="0">
+            <a:spAutoFit/>
+          </a:bodyPr>
+          <a:lstStyle/>
+          <a:p>
+            <a:r>
+              <a:rPr lang="de-DE" sz="2400" i="1" noProof="0" dirty="0">
+                <a:solidFill>
+                  <a:schemeClr val="accent4">
+                    <a:lumMod val="40000"/>
+                    <a:lumOff val="60000"/>
+                  </a:schemeClr>
+                </a:solidFill>
+              </a:rPr>
+              <a:t>abstrakt</a:t>
+            </a:r>
+            <a:endParaRPr lang="en-GB" sz="2400" i="1" dirty="0">
+              <a:solidFill>
+                <a:schemeClr val="accent4">
+                  <a:lumMod val="40000"/>
+                  <a:lumOff val="60000"/>
+                </a:schemeClr>
+              </a:solidFill>
+            </a:endParaRPr>
+          </a:p>
+        </p:txBody>
+      </p:sp>
+      <p:sp>
+        <p:nvSpPr>
+          <p:cNvPr id="12" name="Textfeld 11">
+            <a:extLst>
+              <a:ext uri="{FF2B5EF4-FFF2-40B4-BE49-F238E27FC236}">
+                <a16:creationId xmlns:a16="http://schemas.microsoft.com/office/drawing/2014/main" id="{0C6DE6EC-C8D1-9A78-FAA8-ADB86FA0B0E6}"/>
+              </a:ext>
+            </a:extLst>
+          </p:cNvPr>
+          <p:cNvSpPr txBox="1"/>
+          <p:nvPr/>
+        </p:nvSpPr>
+        <p:spPr>
+          <a:xfrm>
+            <a:off x="3959910" y="1148870"/>
+            <a:ext cx="1694985" cy="461665"/>
+          </a:xfrm>
+          <a:prstGeom prst="rect">
+            <a:avLst/>
+          </a:prstGeom>
+          <a:noFill/>
+        </p:spPr>
+        <p:txBody>
+          <a:bodyPr wrap="square" rtlCol="0">
+            <a:spAutoFit/>
+          </a:bodyPr>
+          <a:lstStyle/>
+          <a:p>
+            <a:r>
+              <a:rPr lang="de-DE" sz="2400" b="1" noProof="0" dirty="0">
+                <a:solidFill>
+                  <a:schemeClr val="accent3">
+                    <a:lumMod val="20000"/>
+                    <a:lumOff val="80000"/>
+                  </a:schemeClr>
+                </a:solidFill>
+              </a:rPr>
+              <a:t>Novize</a:t>
+            </a:r>
+            <a:endParaRPr lang="en-GB" sz="2400" b="1" dirty="0">
+              <a:solidFill>
+                <a:schemeClr val="accent3">
+                  <a:lumMod val="20000"/>
+                  <a:lumOff val="80000"/>
+                </a:schemeClr>
+              </a:solidFill>
+            </a:endParaRPr>
+          </a:p>
+        </p:txBody>
+      </p:sp>
+      <p:sp>
+        <p:nvSpPr>
+          <p:cNvPr id="13" name="Textfeld 12">
+            <a:extLst>
+              <a:ext uri="{FF2B5EF4-FFF2-40B4-BE49-F238E27FC236}">
+                <a16:creationId xmlns:a16="http://schemas.microsoft.com/office/drawing/2014/main" id="{44ECBD83-1DB8-085C-6EAF-6694279FA505}"/>
+              </a:ext>
+            </a:extLst>
+          </p:cNvPr>
+          <p:cNvSpPr txBox="1"/>
+          <p:nvPr/>
+        </p:nvSpPr>
+        <p:spPr>
+          <a:xfrm>
+            <a:off x="8182303" y="1166710"/>
+            <a:ext cx="1694985" cy="461665"/>
+          </a:xfrm>
+          <a:prstGeom prst="rect">
+            <a:avLst/>
+          </a:prstGeom>
+          <a:noFill/>
+        </p:spPr>
+        <p:txBody>
+          <a:bodyPr wrap="square" rtlCol="0">
+            <a:spAutoFit/>
+          </a:bodyPr>
+          <a:lstStyle/>
+          <a:p>
+            <a:r>
+              <a:rPr lang="de-DE" sz="2400" b="1" noProof="0" dirty="0">
+                <a:solidFill>
+                  <a:schemeClr val="accent4">
+                    <a:lumMod val="40000"/>
+                    <a:lumOff val="60000"/>
+                  </a:schemeClr>
+                </a:solidFill>
+              </a:rPr>
+              <a:t>Experte</a:t>
+            </a:r>
+            <a:endParaRPr lang="en-GB" sz="2400" b="1" dirty="0">
+              <a:solidFill>
+                <a:schemeClr val="accent4">
+                  <a:lumMod val="40000"/>
+                  <a:lumOff val="60000"/>
+                </a:schemeClr>
+              </a:solidFill>
+            </a:endParaRPr>
+          </a:p>
+        </p:txBody>
+      </p:sp>
+      <p:cxnSp>
+        <p:nvCxnSpPr>
+          <p:cNvPr id="14" name="Gerade Verbindung mit Pfeil 13">
+            <a:extLst>
+              <a:ext uri="{FF2B5EF4-FFF2-40B4-BE49-F238E27FC236}">
+                <a16:creationId xmlns:a16="http://schemas.microsoft.com/office/drawing/2014/main" id="{7A7F06E1-5D43-4A06-9D59-96E43BADEA3D}"/>
+              </a:ext>
+            </a:extLst>
+          </p:cNvPr>
+          <p:cNvCxnSpPr>
+            <a:cxnSpLocks/>
+          </p:cNvCxnSpPr>
+          <p:nvPr/>
+        </p:nvCxnSpPr>
+        <p:spPr>
+          <a:xfrm>
+            <a:off x="5132832" y="1397543"/>
+            <a:ext cx="2901696" cy="0"/>
+          </a:xfrm>
+          <a:prstGeom prst="straightConnector1">
+            <a:avLst/>
+          </a:prstGeom>
+          <a:ln w="66675">
+            <a:solidFill>
+              <a:schemeClr val="bg1"/>
+            </a:solidFill>
+            <a:tailEnd type="triangle"/>
+          </a:ln>
+        </p:spPr>
+        <p:style>
+          <a:lnRef idx="3">
+            <a:schemeClr val="dk1"/>
+          </a:lnRef>
+          <a:fillRef idx="0">
+            <a:schemeClr val="dk1"/>
+          </a:fillRef>
+          <a:effectRef idx="2">
+            <a:schemeClr val="dk1"/>
+          </a:effectRef>
+          <a:fontRef idx="minor">
+            <a:schemeClr val="tx1"/>
+          </a:fontRef>
+        </p:style>
+      </p:cxnSp>
+    </p:spTree>
+    <p:extLst>
+      <p:ext uri="{BB962C8B-B14F-4D97-AF65-F5344CB8AC3E}">
+        <p14:creationId xmlns:p14="http://schemas.microsoft.com/office/powerpoint/2010/main" val="321454754"/>
+      </p:ext>
+    </p:extLst>
+  </p:cSld>
+  <p:clrMapOvr>
+    <a:masterClrMapping/>
+  </p:clrMapOvr>
+</p:sld>
+</file>
+
+<file path=ppt/slides/slide14.xml><?xml version="1.0" encoding="utf-8"?>
+<p:sld xmlns:a="http://schemas.openxmlformats.org/drawingml/2006/main" xmlns:r="http://schemas.openxmlformats.org/officeDocument/2006/relationships" xmlns:p="http://schemas.openxmlformats.org/presentationml/2006/main">
+  <p:cSld>
+    <p:bg>
+      <p:bgPr>
+        <a:solidFill>
+          <a:schemeClr val="tx1"/>
+        </a:solidFill>
+        <a:effectLst/>
+      </p:bgPr>
+    </p:bg>
+    <p:spTree>
+      <p:nvGrpSpPr>
+        <p:cNvPr id="1" name="">
+          <a:extLst>
+            <a:ext uri="{FF2B5EF4-FFF2-40B4-BE49-F238E27FC236}">
+              <a16:creationId xmlns:a16="http://schemas.microsoft.com/office/drawing/2014/main" id="{53E16493-B4BE-11AC-05EF-B191234DCF09}"/>
+            </a:ext>
+          </a:extLst>
+        </p:cNvPr>
+        <p:cNvGrpSpPr/>
+        <p:nvPr/>
+      </p:nvGrpSpPr>
+      <p:grpSpPr>
+        <a:xfrm>
+          <a:off x="0" y="0"/>
+          <a:ext cx="0" cy="0"/>
+          <a:chOff x="0" y="0"/>
+          <a:chExt cx="0" cy="0"/>
+        </a:xfrm>
+      </p:grpSpPr>
+      <p:sp>
+        <p:nvSpPr>
+          <p:cNvPr id="5" name="Parallelogramm 4">
+            <a:extLst>
+              <a:ext uri="{FF2B5EF4-FFF2-40B4-BE49-F238E27FC236}">
+                <a16:creationId xmlns:a16="http://schemas.microsoft.com/office/drawing/2014/main" id="{ADDDBA6F-D289-221C-ACC3-8D624AC5644F}"/>
+              </a:ext>
+            </a:extLst>
+          </p:cNvPr>
+          <p:cNvSpPr/>
+          <p:nvPr/>
+        </p:nvSpPr>
+        <p:spPr>
+          <a:xfrm flipV="1">
+            <a:off x="2304663" y="-4"/>
+            <a:ext cx="8640146" cy="4068147"/>
+          </a:xfrm>
+          <a:prstGeom prst="parallelogram">
+            <a:avLst>
+              <a:gd name="adj" fmla="val 48341"/>
+            </a:avLst>
+          </a:prstGeom>
+          <a:solidFill>
+            <a:schemeClr val="tx1"/>
+          </a:solidFill>
+          <a:ln w="38100">
+            <a:solidFill>
+              <a:srgbClr val="FFFF00"/>
+            </a:solidFill>
+          </a:ln>
+        </p:spPr>
+        <p:style>
+          <a:lnRef idx="2">
+            <a:schemeClr val="accent6"/>
+          </a:lnRef>
+          <a:fillRef idx="1">
+            <a:schemeClr val="lt1"/>
+          </a:fillRef>
+          <a:effectRef idx="0">
+            <a:schemeClr val="accent6"/>
+          </a:effectRef>
+          <a:fontRef idx="minor">
+            <a:schemeClr val="dk1"/>
+          </a:fontRef>
+        </p:style>
+        <p:txBody>
+          <a:bodyPr rtlCol="0" anchor="ctr"/>
+          <a:lstStyle/>
+          <a:p>
+            <a:pPr algn="ctr"/>
+            <a:endParaRPr lang="de-DE"/>
+          </a:p>
+        </p:txBody>
+      </p:sp>
+      <p:sp>
+        <p:nvSpPr>
+          <p:cNvPr id="3" name="Rechteck 2">
+            <a:extLst>
+              <a:ext uri="{FF2B5EF4-FFF2-40B4-BE49-F238E27FC236}">
+                <a16:creationId xmlns:a16="http://schemas.microsoft.com/office/drawing/2014/main" id="{D6CD5460-D57A-5933-05E8-33E493DB3860}"/>
+              </a:ext>
+            </a:extLst>
+          </p:cNvPr>
+          <p:cNvSpPr/>
+          <p:nvPr/>
+        </p:nvSpPr>
+        <p:spPr>
+          <a:xfrm rot="1121156">
+            <a:off x="3424497" y="972240"/>
+            <a:ext cx="6400478" cy="2123658"/>
+          </a:xfrm>
+          <a:prstGeom prst="rect">
+            <a:avLst/>
+          </a:prstGeom>
+          <a:noFill/>
+        </p:spPr>
+        <p:txBody>
+          <a:bodyPr wrap="square" lIns="91440" tIns="45720" rIns="91440" bIns="45720">
+            <a:spAutoFit/>
+          </a:bodyPr>
+          <a:lstStyle/>
+          <a:p>
+            <a:pPr algn="ctr"/>
+            <a:r>
+              <a:rPr lang="de-DE" sz="6600" b="1" cap="none" spc="0" dirty="0">
+                <a:ln w="9525">
+                  <a:solidFill>
+                    <a:schemeClr val="bg1"/>
+                  </a:solidFill>
+                  <a:prstDash val="solid"/>
+                </a:ln>
+                <a:solidFill>
+                  <a:schemeClr val="accent5"/>
+                </a:solidFill>
+                <a:effectLst>
+                  <a:outerShdw blurRad="12700" dist="38100" dir="2700000" algn="tl" rotWithShape="0">
+                    <a:schemeClr val="accent5">
+                      <a:lumMod val="60000"/>
+                      <a:lumOff val="40000"/>
+                    </a:schemeClr>
+                  </a:outerShdw>
+                </a:effectLst>
+              </a:rPr>
+              <a:t>SCHNACK </a:t>
+            </a:r>
+          </a:p>
+          <a:p>
+            <a:pPr algn="ctr"/>
+            <a:r>
+              <a:rPr lang="de-DE" sz="6600" b="1" cap="none" spc="0" dirty="0">
+                <a:ln w="9525">
+                  <a:solidFill>
+                    <a:schemeClr val="bg1"/>
+                  </a:solidFill>
+                  <a:prstDash val="solid"/>
+                </a:ln>
+                <a:solidFill>
+                  <a:schemeClr val="accent5"/>
+                </a:solidFill>
+                <a:effectLst>
+                  <a:outerShdw blurRad="12700" dist="38100" dir="2700000" algn="tl" rotWithShape="0">
+                    <a:schemeClr val="accent5">
+                      <a:lumMod val="60000"/>
+                      <a:lumOff val="40000"/>
+                    </a:schemeClr>
+                  </a:outerShdw>
+                </a:effectLst>
+              </a:rPr>
+              <a:t>ABSTRAKT. </a:t>
+            </a:r>
+          </a:p>
+        </p:txBody>
+      </p:sp>
+    </p:spTree>
+    <p:extLst>
+      <p:ext uri="{BB962C8B-B14F-4D97-AF65-F5344CB8AC3E}">
+        <p14:creationId xmlns:p14="http://schemas.microsoft.com/office/powerpoint/2010/main" val="950919438"/>
       </p:ext>
     </p:extLst>
   </p:cSld>
@@ -4773,7 +5059,10 @@
           <a:lstStyle/>
           <a:p>
             <a:pPr algn="ctr"/>
-            <a:endParaRPr lang="de-DE"/>
+            <a:r>
+              <a:rPr lang="de-DE" dirty="0"/>
+              <a:t>Das</a:t>
+            </a:r>
           </a:p>
         </p:txBody>
       </p:sp>
@@ -4819,6 +5108,48 @@
                 <a:schemeClr val="bg1"/>
               </a:solidFill>
             </a:endParaRPr>
+          </a:p>
+        </p:txBody>
+      </p:sp>
+      <p:sp>
+        <p:nvSpPr>
+          <p:cNvPr id="3" name="Textfeld 2">
+            <a:extLst>
+              <a:ext uri="{FF2B5EF4-FFF2-40B4-BE49-F238E27FC236}">
+                <a16:creationId xmlns:a16="http://schemas.microsoft.com/office/drawing/2014/main" id="{C62AB6BA-08A9-CA8D-881D-B04A69638E82}"/>
+              </a:ext>
+            </a:extLst>
+          </p:cNvPr>
+          <p:cNvSpPr txBox="1"/>
+          <p:nvPr/>
+        </p:nvSpPr>
+        <p:spPr>
+          <a:xfrm>
+            <a:off x="6096000" y="3546660"/>
+            <a:ext cx="5625296" cy="369332"/>
+          </a:xfrm>
+          <a:prstGeom prst="rect">
+            <a:avLst/>
+          </a:prstGeom>
+          <a:noFill/>
+        </p:spPr>
+        <p:txBody>
+          <a:bodyPr wrap="square" rtlCol="0">
+            <a:spAutoFit/>
+          </a:bodyPr>
+          <a:lstStyle/>
+          <a:p>
+            <a:r>
+              <a:rPr lang="de-DE" b="1" i="1" dirty="0">
+                <a:solidFill>
+                  <a:schemeClr val="accent4">
+                    <a:lumMod val="40000"/>
+                    <a:lumOff val="60000"/>
+                  </a:schemeClr>
+                </a:solidFill>
+              </a:rPr>
+              <a:t>Das ist der Aufhänger, um dranzubleiben…</a:t>
+            </a:r>
           </a:p>
         </p:txBody>
       </p:sp>
@@ -4836,585 +5167,6 @@
 </file>
 
 <file path=ppt/slides/slide3.xml><?xml version="1.0" encoding="utf-8"?>
-<p:sld xmlns:a="http://schemas.openxmlformats.org/drawingml/2006/main" xmlns:r="http://schemas.openxmlformats.org/officeDocument/2006/relationships" xmlns:p="http://schemas.openxmlformats.org/presentationml/2006/main">
-  <p:cSld>
-    <p:bg>
-      <p:bgPr>
-        <a:solidFill>
-          <a:schemeClr val="tx1"/>
-        </a:solidFill>
-        <a:effectLst/>
-      </p:bgPr>
-    </p:bg>
-    <p:spTree>
-      <p:nvGrpSpPr>
-        <p:cNvPr id="1" name="">
-          <a:extLst>
-            <a:ext uri="{FF2B5EF4-FFF2-40B4-BE49-F238E27FC236}">
-              <a16:creationId xmlns:a16="http://schemas.microsoft.com/office/drawing/2014/main" id="{CA1452AB-FCD8-6E90-E17C-E1018C6A29CB}"/>
-            </a:ext>
-          </a:extLst>
-        </p:cNvPr>
-        <p:cNvGrpSpPr/>
-        <p:nvPr/>
-      </p:nvGrpSpPr>
-      <p:grpSpPr>
-        <a:xfrm>
-          <a:off x="0" y="0"/>
-          <a:ext cx="0" cy="0"/>
-          <a:chOff x="0" y="0"/>
-          <a:chExt cx="0" cy="0"/>
-        </a:xfrm>
-      </p:grpSpPr>
-      <p:sp>
-        <p:nvSpPr>
-          <p:cNvPr id="5" name="Parallelogramm 4">
-            <a:extLst>
-              <a:ext uri="{FF2B5EF4-FFF2-40B4-BE49-F238E27FC236}">
-                <a16:creationId xmlns:a16="http://schemas.microsoft.com/office/drawing/2014/main" id="{7EC679D8-249D-6AE6-6A4E-94073B0DD6EC}"/>
-              </a:ext>
-            </a:extLst>
-          </p:cNvPr>
-          <p:cNvSpPr/>
-          <p:nvPr/>
-        </p:nvSpPr>
-        <p:spPr>
-          <a:xfrm flipV="1">
-            <a:off x="2314711" y="0"/>
-            <a:ext cx="8640146" cy="4068147"/>
-          </a:xfrm>
-          <a:prstGeom prst="parallelogram">
-            <a:avLst>
-              <a:gd name="adj" fmla="val 48341"/>
-            </a:avLst>
-          </a:prstGeom>
-          <a:solidFill>
-            <a:schemeClr val="tx1"/>
-          </a:solidFill>
-          <a:ln w="38100">
-            <a:solidFill>
-              <a:srgbClr val="FFFF00"/>
-            </a:solidFill>
-          </a:ln>
-        </p:spPr>
-        <p:style>
-          <a:lnRef idx="2">
-            <a:schemeClr val="accent6"/>
-          </a:lnRef>
-          <a:fillRef idx="1">
-            <a:schemeClr val="lt1"/>
-          </a:fillRef>
-          <a:effectRef idx="0">
-            <a:schemeClr val="accent6"/>
-          </a:effectRef>
-          <a:fontRef idx="minor">
-            <a:schemeClr val="dk1"/>
-          </a:fontRef>
-        </p:style>
-        <p:txBody>
-          <a:bodyPr rtlCol="0" anchor="ctr"/>
-          <a:lstStyle/>
-          <a:p>
-            <a:pPr algn="ctr"/>
-            <a:endParaRPr lang="de-DE"/>
-          </a:p>
-        </p:txBody>
-      </p:sp>
-      <p:sp>
-        <p:nvSpPr>
-          <p:cNvPr id="9" name="Gleichschenkliges Dreieck 1">
-            <a:extLst>
-              <a:ext uri="{FF2B5EF4-FFF2-40B4-BE49-F238E27FC236}">
-                <a16:creationId xmlns:a16="http://schemas.microsoft.com/office/drawing/2014/main" id="{F59CE9F5-500E-07BF-801B-4CD60A5819F0}"/>
-              </a:ext>
-            </a:extLst>
-          </p:cNvPr>
-          <p:cNvSpPr/>
-          <p:nvPr/>
-        </p:nvSpPr>
-        <p:spPr>
-          <a:xfrm rot="16200000">
-            <a:off x="5939840" y="-369394"/>
-            <a:ext cx="895047" cy="4854905"/>
-          </a:xfrm>
-          <a:prstGeom prst="triangle">
-            <a:avLst/>
-          </a:prstGeom>
-          <a:solidFill>
-            <a:schemeClr val="bg1">
-              <a:lumMod val="95000"/>
-            </a:schemeClr>
-          </a:solidFill>
-          <a:ln>
-            <a:solidFill>
-              <a:schemeClr val="tx1"/>
-            </a:solidFill>
-          </a:ln>
-        </p:spPr>
-        <p:style>
-          <a:lnRef idx="2">
-            <a:schemeClr val="accent1">
-              <a:shade val="50000"/>
-            </a:schemeClr>
-          </a:lnRef>
-          <a:fillRef idx="1">
-            <a:schemeClr val="accent1"/>
-          </a:fillRef>
-          <a:effectRef idx="0">
-            <a:schemeClr val="accent1"/>
-          </a:effectRef>
-          <a:fontRef idx="minor">
-            <a:schemeClr val="lt1"/>
-          </a:fontRef>
-        </p:style>
-        <p:txBody>
-          <a:bodyPr rtlCol="0" anchor="ctr"/>
-          <a:lstStyle/>
-          <a:p>
-            <a:pPr algn="ctr"/>
-            <a:endParaRPr lang="en-GB">
-              <a:solidFill>
-                <a:schemeClr val="bg1"/>
-              </a:solidFill>
-            </a:endParaRPr>
-          </a:p>
-        </p:txBody>
-      </p:sp>
-      <p:sp>
-        <p:nvSpPr>
-          <p:cNvPr id="10" name="Textfeld 9">
-            <a:extLst>
-              <a:ext uri="{FF2B5EF4-FFF2-40B4-BE49-F238E27FC236}">
-                <a16:creationId xmlns:a16="http://schemas.microsoft.com/office/drawing/2014/main" id="{F8019AB6-5521-597E-55DB-2995782E9DF2}"/>
-              </a:ext>
-            </a:extLst>
-          </p:cNvPr>
-          <p:cNvSpPr txBox="1"/>
-          <p:nvPr/>
-        </p:nvSpPr>
-        <p:spPr>
-          <a:xfrm>
-            <a:off x="4009697" y="2487824"/>
-            <a:ext cx="1694985" cy="461665"/>
-          </a:xfrm>
-          <a:prstGeom prst="rect">
-            <a:avLst/>
-          </a:prstGeom>
-          <a:noFill/>
-        </p:spPr>
-        <p:txBody>
-          <a:bodyPr wrap="square" rtlCol="0">
-            <a:spAutoFit/>
-          </a:bodyPr>
-          <a:lstStyle/>
-          <a:p>
-            <a:r>
-              <a:rPr lang="de-DE" sz="2400" i="1" noProof="0" dirty="0">
-                <a:solidFill>
-                  <a:schemeClr val="accent3">
-                    <a:lumMod val="20000"/>
-                    <a:lumOff val="80000"/>
-                  </a:schemeClr>
-                </a:solidFill>
-              </a:rPr>
-              <a:t>konkret</a:t>
-            </a:r>
-            <a:endParaRPr lang="en-GB" sz="2400" i="1" dirty="0">
-              <a:solidFill>
-                <a:schemeClr val="accent3">
-                  <a:lumMod val="20000"/>
-                  <a:lumOff val="80000"/>
-                </a:schemeClr>
-              </a:solidFill>
-            </a:endParaRPr>
-          </a:p>
-        </p:txBody>
-      </p:sp>
-      <p:sp>
-        <p:nvSpPr>
-          <p:cNvPr id="11" name="Textfeld 10">
-            <a:extLst>
-              <a:ext uri="{FF2B5EF4-FFF2-40B4-BE49-F238E27FC236}">
-                <a16:creationId xmlns:a16="http://schemas.microsoft.com/office/drawing/2014/main" id="{1830C4F7-7B8A-8180-7E4E-DD52F3217AB4}"/>
-              </a:ext>
-            </a:extLst>
-          </p:cNvPr>
-          <p:cNvSpPr txBox="1"/>
-          <p:nvPr/>
-        </p:nvSpPr>
-        <p:spPr>
-          <a:xfrm>
-            <a:off x="8199051" y="2487824"/>
-            <a:ext cx="1694985" cy="461665"/>
-          </a:xfrm>
-          <a:prstGeom prst="rect">
-            <a:avLst/>
-          </a:prstGeom>
-          <a:noFill/>
-        </p:spPr>
-        <p:txBody>
-          <a:bodyPr wrap="square" rtlCol="0">
-            <a:spAutoFit/>
-          </a:bodyPr>
-          <a:lstStyle/>
-          <a:p>
-            <a:r>
-              <a:rPr lang="de-DE" sz="2400" i="1" noProof="0" dirty="0">
-                <a:solidFill>
-                  <a:schemeClr val="accent4">
-                    <a:lumMod val="40000"/>
-                    <a:lumOff val="60000"/>
-                  </a:schemeClr>
-                </a:solidFill>
-              </a:rPr>
-              <a:t>abstrakt</a:t>
-            </a:r>
-            <a:endParaRPr lang="en-GB" sz="2400" i="1" dirty="0">
-              <a:solidFill>
-                <a:schemeClr val="accent4">
-                  <a:lumMod val="40000"/>
-                  <a:lumOff val="60000"/>
-                </a:schemeClr>
-              </a:solidFill>
-            </a:endParaRPr>
-          </a:p>
-        </p:txBody>
-      </p:sp>
-      <p:sp>
-        <p:nvSpPr>
-          <p:cNvPr id="12" name="Textfeld 11">
-            <a:extLst>
-              <a:ext uri="{FF2B5EF4-FFF2-40B4-BE49-F238E27FC236}">
-                <a16:creationId xmlns:a16="http://schemas.microsoft.com/office/drawing/2014/main" id="{0C6DE6EC-C8D1-9A78-FAA8-ADB86FA0B0E6}"/>
-              </a:ext>
-            </a:extLst>
-          </p:cNvPr>
-          <p:cNvSpPr txBox="1"/>
-          <p:nvPr/>
-        </p:nvSpPr>
-        <p:spPr>
-          <a:xfrm>
-            <a:off x="3959910" y="1148870"/>
-            <a:ext cx="1694985" cy="461665"/>
-          </a:xfrm>
-          <a:prstGeom prst="rect">
-            <a:avLst/>
-          </a:prstGeom>
-          <a:noFill/>
-        </p:spPr>
-        <p:txBody>
-          <a:bodyPr wrap="square" rtlCol="0">
-            <a:spAutoFit/>
-          </a:bodyPr>
-          <a:lstStyle/>
-          <a:p>
-            <a:r>
-              <a:rPr lang="de-DE" sz="2400" b="1" noProof="0" dirty="0">
-                <a:solidFill>
-                  <a:schemeClr val="accent3">
-                    <a:lumMod val="20000"/>
-                    <a:lumOff val="80000"/>
-                  </a:schemeClr>
-                </a:solidFill>
-              </a:rPr>
-              <a:t>Novize</a:t>
-            </a:r>
-            <a:endParaRPr lang="en-GB" sz="2400" b="1" dirty="0">
-              <a:solidFill>
-                <a:schemeClr val="accent3">
-                  <a:lumMod val="20000"/>
-                  <a:lumOff val="80000"/>
-                </a:schemeClr>
-              </a:solidFill>
-            </a:endParaRPr>
-          </a:p>
-        </p:txBody>
-      </p:sp>
-      <p:sp>
-        <p:nvSpPr>
-          <p:cNvPr id="13" name="Textfeld 12">
-            <a:extLst>
-              <a:ext uri="{FF2B5EF4-FFF2-40B4-BE49-F238E27FC236}">
-                <a16:creationId xmlns:a16="http://schemas.microsoft.com/office/drawing/2014/main" id="{44ECBD83-1DB8-085C-6EAF-6694279FA505}"/>
-              </a:ext>
-            </a:extLst>
-          </p:cNvPr>
-          <p:cNvSpPr txBox="1"/>
-          <p:nvPr/>
-        </p:nvSpPr>
-        <p:spPr>
-          <a:xfrm>
-            <a:off x="8182303" y="1166710"/>
-            <a:ext cx="1694985" cy="461665"/>
-          </a:xfrm>
-          <a:prstGeom prst="rect">
-            <a:avLst/>
-          </a:prstGeom>
-          <a:noFill/>
-        </p:spPr>
-        <p:txBody>
-          <a:bodyPr wrap="square" rtlCol="0">
-            <a:spAutoFit/>
-          </a:bodyPr>
-          <a:lstStyle/>
-          <a:p>
-            <a:r>
-              <a:rPr lang="de-DE" sz="2400" b="1" noProof="0" dirty="0">
-                <a:solidFill>
-                  <a:schemeClr val="accent4">
-                    <a:lumMod val="40000"/>
-                    <a:lumOff val="60000"/>
-                  </a:schemeClr>
-                </a:solidFill>
-              </a:rPr>
-              <a:t>Experte</a:t>
-            </a:r>
-            <a:endParaRPr lang="en-GB" sz="2400" b="1" dirty="0">
-              <a:solidFill>
-                <a:schemeClr val="accent4">
-                  <a:lumMod val="40000"/>
-                  <a:lumOff val="60000"/>
-                </a:schemeClr>
-              </a:solidFill>
-            </a:endParaRPr>
-          </a:p>
-        </p:txBody>
-      </p:sp>
-      <p:cxnSp>
-        <p:nvCxnSpPr>
-          <p:cNvPr id="14" name="Gerade Verbindung mit Pfeil 13">
-            <a:extLst>
-              <a:ext uri="{FF2B5EF4-FFF2-40B4-BE49-F238E27FC236}">
-                <a16:creationId xmlns:a16="http://schemas.microsoft.com/office/drawing/2014/main" id="{7A7F06E1-5D43-4A06-9D59-96E43BADEA3D}"/>
-              </a:ext>
-            </a:extLst>
-          </p:cNvPr>
-          <p:cNvCxnSpPr>
-            <a:cxnSpLocks/>
-          </p:cNvCxnSpPr>
-          <p:nvPr/>
-        </p:nvCxnSpPr>
-        <p:spPr>
-          <a:xfrm>
-            <a:off x="5132832" y="1397543"/>
-            <a:ext cx="2901696" cy="0"/>
-          </a:xfrm>
-          <a:prstGeom prst="straightConnector1">
-            <a:avLst/>
-          </a:prstGeom>
-          <a:ln w="66675">
-            <a:solidFill>
-              <a:schemeClr val="bg1"/>
-            </a:solidFill>
-            <a:tailEnd type="triangle"/>
-          </a:ln>
-        </p:spPr>
-        <p:style>
-          <a:lnRef idx="3">
-            <a:schemeClr val="dk1"/>
-          </a:lnRef>
-          <a:fillRef idx="0">
-            <a:schemeClr val="dk1"/>
-          </a:fillRef>
-          <a:effectRef idx="2">
-            <a:schemeClr val="dk1"/>
-          </a:effectRef>
-          <a:fontRef idx="minor">
-            <a:schemeClr val="tx1"/>
-          </a:fontRef>
-        </p:style>
-      </p:cxnSp>
-    </p:spTree>
-    <p:extLst>
-      <p:ext uri="{BB962C8B-B14F-4D97-AF65-F5344CB8AC3E}">
-        <p14:creationId xmlns:p14="http://schemas.microsoft.com/office/powerpoint/2010/main" val="321454754"/>
-      </p:ext>
-    </p:extLst>
-  </p:cSld>
-  <p:clrMapOvr>
-    <a:masterClrMapping/>
-  </p:clrMapOvr>
-</p:sld>
-</file>
-
-<file path=ppt/slides/slide4.xml><?xml version="1.0" encoding="utf-8"?>
-<p:sld xmlns:a="http://schemas.openxmlformats.org/drawingml/2006/main" xmlns:r="http://schemas.openxmlformats.org/officeDocument/2006/relationships" xmlns:p="http://schemas.openxmlformats.org/presentationml/2006/main">
-  <p:cSld>
-    <p:bg>
-      <p:bgPr>
-        <a:solidFill>
-          <a:schemeClr val="tx1"/>
-        </a:solidFill>
-        <a:effectLst/>
-      </p:bgPr>
-    </p:bg>
-    <p:spTree>
-      <p:nvGrpSpPr>
-        <p:cNvPr id="1" name="">
-          <a:extLst>
-            <a:ext uri="{FF2B5EF4-FFF2-40B4-BE49-F238E27FC236}">
-              <a16:creationId xmlns:a16="http://schemas.microsoft.com/office/drawing/2014/main" id="{53E16493-B4BE-11AC-05EF-B191234DCF09}"/>
-            </a:ext>
-          </a:extLst>
-        </p:cNvPr>
-        <p:cNvGrpSpPr/>
-        <p:nvPr/>
-      </p:nvGrpSpPr>
-      <p:grpSpPr>
-        <a:xfrm>
-          <a:off x="0" y="0"/>
-          <a:ext cx="0" cy="0"/>
-          <a:chOff x="0" y="0"/>
-          <a:chExt cx="0" cy="0"/>
-        </a:xfrm>
-      </p:grpSpPr>
-      <p:sp>
-        <p:nvSpPr>
-          <p:cNvPr id="5" name="Parallelogramm 4">
-            <a:extLst>
-              <a:ext uri="{FF2B5EF4-FFF2-40B4-BE49-F238E27FC236}">
-                <a16:creationId xmlns:a16="http://schemas.microsoft.com/office/drawing/2014/main" id="{ADDDBA6F-D289-221C-ACC3-8D624AC5644F}"/>
-              </a:ext>
-            </a:extLst>
-          </p:cNvPr>
-          <p:cNvSpPr/>
-          <p:nvPr/>
-        </p:nvSpPr>
-        <p:spPr>
-          <a:xfrm flipV="1">
-            <a:off x="2304663" y="-4"/>
-            <a:ext cx="8640146" cy="4068147"/>
-          </a:xfrm>
-          <a:prstGeom prst="parallelogram">
-            <a:avLst>
-              <a:gd name="adj" fmla="val 48341"/>
-            </a:avLst>
-          </a:prstGeom>
-          <a:solidFill>
-            <a:schemeClr val="tx1"/>
-          </a:solidFill>
-          <a:ln w="38100">
-            <a:solidFill>
-              <a:srgbClr val="FFFF00"/>
-            </a:solidFill>
-          </a:ln>
-        </p:spPr>
-        <p:style>
-          <a:lnRef idx="2">
-            <a:schemeClr val="accent6"/>
-          </a:lnRef>
-          <a:fillRef idx="1">
-            <a:schemeClr val="lt1"/>
-          </a:fillRef>
-          <a:effectRef idx="0">
-            <a:schemeClr val="accent6"/>
-          </a:effectRef>
-          <a:fontRef idx="minor">
-            <a:schemeClr val="dk1"/>
-          </a:fontRef>
-        </p:style>
-        <p:txBody>
-          <a:bodyPr rtlCol="0" anchor="ctr"/>
-          <a:lstStyle/>
-          <a:p>
-            <a:pPr algn="ctr"/>
-            <a:endParaRPr lang="de-DE"/>
-          </a:p>
-        </p:txBody>
-      </p:sp>
-      <p:sp>
-        <p:nvSpPr>
-          <p:cNvPr id="3" name="Rechteck 2">
-            <a:extLst>
-              <a:ext uri="{FF2B5EF4-FFF2-40B4-BE49-F238E27FC236}">
-                <a16:creationId xmlns:a16="http://schemas.microsoft.com/office/drawing/2014/main" id="{D6CD5460-D57A-5933-05E8-33E493DB3860}"/>
-              </a:ext>
-            </a:extLst>
-          </p:cNvPr>
-          <p:cNvSpPr/>
-          <p:nvPr/>
-        </p:nvSpPr>
-        <p:spPr>
-          <a:xfrm rot="1121156">
-            <a:off x="3424497" y="972240"/>
-            <a:ext cx="6400478" cy="2123658"/>
-          </a:xfrm>
-          <a:prstGeom prst="rect">
-            <a:avLst/>
-          </a:prstGeom>
-          <a:noFill/>
-        </p:spPr>
-        <p:txBody>
-          <a:bodyPr wrap="square" lIns="91440" tIns="45720" rIns="91440" bIns="45720">
-            <a:spAutoFit/>
-          </a:bodyPr>
-          <a:lstStyle/>
-          <a:p>
-            <a:pPr algn="ctr"/>
-            <a:r>
-              <a:rPr lang="de-DE" sz="6600" b="1" cap="none" spc="0" dirty="0">
-                <a:ln w="9525">
-                  <a:solidFill>
-                    <a:schemeClr val="bg1"/>
-                  </a:solidFill>
-                  <a:prstDash val="solid"/>
-                </a:ln>
-                <a:solidFill>
-                  <a:schemeClr val="accent5"/>
-                </a:solidFill>
-                <a:effectLst>
-                  <a:outerShdw blurRad="12700" dist="38100" dir="2700000" algn="tl" rotWithShape="0">
-                    <a:schemeClr val="accent5">
-                      <a:lumMod val="60000"/>
-                      <a:lumOff val="40000"/>
-                    </a:schemeClr>
-                  </a:outerShdw>
-                </a:effectLst>
-              </a:rPr>
-              <a:t>SCHNACK </a:t>
-            </a:r>
-          </a:p>
-          <a:p>
-            <a:pPr algn="ctr"/>
-            <a:r>
-              <a:rPr lang="de-DE" sz="6600" b="1" cap="none" spc="0" dirty="0">
-                <a:ln w="9525">
-                  <a:solidFill>
-                    <a:schemeClr val="bg1"/>
-                  </a:solidFill>
-                  <a:prstDash val="solid"/>
-                </a:ln>
-                <a:solidFill>
-                  <a:schemeClr val="accent5"/>
-                </a:solidFill>
-                <a:effectLst>
-                  <a:outerShdw blurRad="12700" dist="38100" dir="2700000" algn="tl" rotWithShape="0">
-                    <a:schemeClr val="accent5">
-                      <a:lumMod val="60000"/>
-                      <a:lumOff val="40000"/>
-                    </a:schemeClr>
-                  </a:outerShdw>
-                </a:effectLst>
-              </a:rPr>
-              <a:t>ABSTRAKT. </a:t>
-            </a:r>
-          </a:p>
-        </p:txBody>
-      </p:sp>
-    </p:spTree>
-    <p:extLst>
-      <p:ext uri="{BB962C8B-B14F-4D97-AF65-F5344CB8AC3E}">
-        <p14:creationId xmlns:p14="http://schemas.microsoft.com/office/powerpoint/2010/main" val="950919438"/>
-      </p:ext>
-    </p:extLst>
-  </p:cSld>
-  <p:clrMapOvr>
-    <a:masterClrMapping/>
-  </p:clrMapOvr>
-</p:sld>
-</file>
-
-<file path=ppt/slides/slide5.xml><?xml version="1.0" encoding="utf-8"?>
 <p:sld xmlns:a="http://schemas.openxmlformats.org/drawingml/2006/main" xmlns:r="http://schemas.openxmlformats.org/officeDocument/2006/relationships" xmlns:p="http://schemas.openxmlformats.org/presentationml/2006/main">
   <p:cSld>
     <p:bg>
@@ -5557,7 +5309,7 @@
 </p:sld>
 </file>
 
-<file path=ppt/slides/slide6.xml><?xml version="1.0" encoding="utf-8"?>
+<file path=ppt/slides/slide4.xml><?xml version="1.0" encoding="utf-8"?>
 <p:sld xmlns:a="http://schemas.openxmlformats.org/drawingml/2006/main" xmlns:r="http://schemas.openxmlformats.org/officeDocument/2006/relationships" xmlns:p="http://schemas.openxmlformats.org/presentationml/2006/main">
   <p:cSld>
     <p:bg>
@@ -5982,6 +5734,48 @@
           </a:fontRef>
         </p:style>
       </p:cxnSp>
+      <p:sp>
+        <p:nvSpPr>
+          <p:cNvPr id="2" name="Textfeld 1">
+            <a:extLst>
+              <a:ext uri="{FF2B5EF4-FFF2-40B4-BE49-F238E27FC236}">
+                <a16:creationId xmlns:a16="http://schemas.microsoft.com/office/drawing/2014/main" id="{766F3608-B290-0E08-AF47-19BEAC519884}"/>
+              </a:ext>
+            </a:extLst>
+          </p:cNvPr>
+          <p:cNvSpPr txBox="1"/>
+          <p:nvPr/>
+        </p:nvSpPr>
+        <p:spPr>
+          <a:xfrm rot="3862071">
+            <a:off x="1858557" y="1761425"/>
+            <a:ext cx="3218958" cy="369332"/>
+          </a:xfrm>
+          <a:prstGeom prst="rect">
+            <a:avLst/>
+          </a:prstGeom>
+          <a:noFill/>
+        </p:spPr>
+        <p:txBody>
+          <a:bodyPr wrap="none" rtlCol="0">
+            <a:spAutoFit/>
+          </a:bodyPr>
+          <a:lstStyle/>
+          <a:p>
+            <a:r>
+              <a:rPr lang="de-DE" b="1" i="1" dirty="0">
+                <a:solidFill>
+                  <a:schemeClr val="accent5">
+                    <a:lumMod val="20000"/>
+                    <a:lumOff val="80000"/>
+                  </a:schemeClr>
+                </a:solidFill>
+              </a:rPr>
+              <a:t>Englisch wirkt gleich klüger…</a:t>
+            </a:r>
+          </a:p>
+        </p:txBody>
+      </p:sp>
     </p:spTree>
     <p:extLst>
       <p:ext uri="{BB962C8B-B14F-4D97-AF65-F5344CB8AC3E}">
@@ -5995,7 +5789,7 @@
 </p:sld>
 </file>
 
-<file path=ppt/slides/slide7.xml><?xml version="1.0" encoding="utf-8"?>
+<file path=ppt/slides/slide5.xml><?xml version="1.0" encoding="utf-8"?>
 <p:sld xmlns:a="http://schemas.openxmlformats.org/drawingml/2006/main" xmlns:r="http://schemas.openxmlformats.org/officeDocument/2006/relationships" xmlns:p="http://schemas.openxmlformats.org/presentationml/2006/main">
   <p:cSld>
     <p:bg>
@@ -6420,6 +6214,48 @@
           </a:fontRef>
         </p:style>
       </p:cxnSp>
+      <p:sp>
+        <p:nvSpPr>
+          <p:cNvPr id="2" name="Textfeld 1">
+            <a:extLst>
+              <a:ext uri="{FF2B5EF4-FFF2-40B4-BE49-F238E27FC236}">
+                <a16:creationId xmlns:a16="http://schemas.microsoft.com/office/drawing/2014/main" id="{D3B6B91D-9A14-2FF7-337D-069C420BD2D7}"/>
+              </a:ext>
+            </a:extLst>
+          </p:cNvPr>
+          <p:cNvSpPr txBox="1"/>
+          <p:nvPr/>
+        </p:nvSpPr>
+        <p:spPr>
+          <a:xfrm rot="3862071">
+            <a:off x="1858557" y="1761425"/>
+            <a:ext cx="3218958" cy="369332"/>
+          </a:xfrm>
+          <a:prstGeom prst="rect">
+            <a:avLst/>
+          </a:prstGeom>
+          <a:noFill/>
+        </p:spPr>
+        <p:txBody>
+          <a:bodyPr wrap="none" rtlCol="0">
+            <a:spAutoFit/>
+          </a:bodyPr>
+          <a:lstStyle/>
+          <a:p>
+            <a:r>
+              <a:rPr lang="de-DE" b="1" i="1" dirty="0">
+                <a:solidFill>
+                  <a:schemeClr val="accent5">
+                    <a:lumMod val="20000"/>
+                    <a:lumOff val="80000"/>
+                  </a:schemeClr>
+                </a:solidFill>
+              </a:rPr>
+              <a:t>Englisch wirkt gleich klüger…</a:t>
+            </a:r>
+          </a:p>
+        </p:txBody>
+      </p:sp>
     </p:spTree>
     <p:extLst>
       <p:ext uri="{BB962C8B-B14F-4D97-AF65-F5344CB8AC3E}">
@@ -6433,7 +6269,7 @@
 </p:sld>
 </file>
 
-<file path=ppt/slides/slide8.xml><?xml version="1.0" encoding="utf-8"?>
+<file path=ppt/slides/slide6.xml><?xml version="1.0" encoding="utf-8"?>
 <p:sld xmlns:a="http://schemas.openxmlformats.org/drawingml/2006/main" xmlns:r="http://schemas.openxmlformats.org/officeDocument/2006/relationships" xmlns:p="http://schemas.openxmlformats.org/presentationml/2006/main">
   <p:cSld>
     <p:bg>
@@ -6662,7 +6498,7 @@
           <a:lstStyle/>
           <a:p>
             <a:r>
-              <a:rPr lang="de-DE" sz="2000" b="1" dirty="0">
+              <a:rPr lang="de-DE" sz="2000" b="1" i="1" dirty="0">
                 <a:solidFill>
                   <a:schemeClr val="accent4">
                     <a:lumMod val="40000"/>
@@ -6739,7 +6575,7 @@
 </p:sld>
 </file>
 
-<file path=ppt/slides/slide9.xml><?xml version="1.0" encoding="utf-8"?>
+<file path=ppt/slides/slide7.xml><?xml version="1.0" encoding="utf-8"?>
 <p:sld xmlns:a="http://schemas.openxmlformats.org/drawingml/2006/main" xmlns:r="http://schemas.openxmlformats.org/officeDocument/2006/relationships" xmlns:p="http://schemas.openxmlformats.org/presentationml/2006/main">
   <p:cSld>
     <p:bg>
@@ -6881,7 +6717,7 @@
                   </a:schemeClr>
                 </a:solidFill>
               </a:rPr>
-              <a:t>(Kennen Sie das auch, dass Ihre Folien passiv aggressiv werden?)</a:t>
+              <a:t>(Kennst das auch, dass deine Folien passiv aggressiv werden?)</a:t>
             </a:r>
             <a:endParaRPr lang="de-DE" sz="2000" i="1" dirty="0">
               <a:solidFill>
@@ -6898,6 +6734,428 @@
     <p:extLst>
       <p:ext uri="{BB962C8B-B14F-4D97-AF65-F5344CB8AC3E}">
         <p14:creationId xmlns:p14="http://schemas.microsoft.com/office/powerpoint/2010/main" val="983619506"/>
+      </p:ext>
+    </p:extLst>
+  </p:cSld>
+  <p:clrMapOvr>
+    <a:masterClrMapping/>
+  </p:clrMapOvr>
+</p:sld>
+</file>
+
+<file path=ppt/slides/slide8.xml><?xml version="1.0" encoding="utf-8"?>
+<p:sld xmlns:a="http://schemas.openxmlformats.org/drawingml/2006/main" xmlns:r="http://schemas.openxmlformats.org/officeDocument/2006/relationships" xmlns:p="http://schemas.openxmlformats.org/presentationml/2006/main">
+  <p:cSld>
+    <p:bg>
+      <p:bgPr>
+        <a:solidFill>
+          <a:schemeClr val="tx1"/>
+        </a:solidFill>
+        <a:effectLst/>
+      </p:bgPr>
+    </p:bg>
+    <p:spTree>
+      <p:nvGrpSpPr>
+        <p:cNvPr id="1" name="">
+          <a:extLst>
+            <a:ext uri="{FF2B5EF4-FFF2-40B4-BE49-F238E27FC236}">
+              <a16:creationId xmlns:a16="http://schemas.microsoft.com/office/drawing/2014/main" id="{34AD5908-84B9-150F-2D25-9E38347D91D9}"/>
+            </a:ext>
+          </a:extLst>
+        </p:cNvPr>
+        <p:cNvGrpSpPr/>
+        <p:nvPr/>
+      </p:nvGrpSpPr>
+      <p:grpSpPr>
+        <a:xfrm>
+          <a:off x="0" y="0"/>
+          <a:ext cx="0" cy="0"/>
+          <a:chOff x="0" y="0"/>
+          <a:chExt cx="0" cy="0"/>
+        </a:xfrm>
+      </p:grpSpPr>
+      <p:sp>
+        <p:nvSpPr>
+          <p:cNvPr id="5" name="Parallelogramm 4">
+            <a:extLst>
+              <a:ext uri="{FF2B5EF4-FFF2-40B4-BE49-F238E27FC236}">
+                <a16:creationId xmlns:a16="http://schemas.microsoft.com/office/drawing/2014/main" id="{B002980D-A344-8E81-B516-7D05D9020F7E}"/>
+              </a:ext>
+            </a:extLst>
+          </p:cNvPr>
+          <p:cNvSpPr/>
+          <p:nvPr/>
+        </p:nvSpPr>
+        <p:spPr>
+          <a:xfrm flipV="1">
+            <a:off x="2304663" y="-4"/>
+            <a:ext cx="8640146" cy="4068147"/>
+          </a:xfrm>
+          <a:prstGeom prst="parallelogram">
+            <a:avLst>
+              <a:gd name="adj" fmla="val 48341"/>
+            </a:avLst>
+          </a:prstGeom>
+          <a:solidFill>
+            <a:schemeClr val="tx1"/>
+          </a:solidFill>
+          <a:ln w="38100">
+            <a:solidFill>
+              <a:srgbClr val="FFFF00"/>
+            </a:solidFill>
+          </a:ln>
+        </p:spPr>
+        <p:style>
+          <a:lnRef idx="2">
+            <a:schemeClr val="accent6"/>
+          </a:lnRef>
+          <a:fillRef idx="1">
+            <a:schemeClr val="lt1"/>
+          </a:fillRef>
+          <a:effectRef idx="0">
+            <a:schemeClr val="accent6"/>
+          </a:effectRef>
+          <a:fontRef idx="minor">
+            <a:schemeClr val="dk1"/>
+          </a:fontRef>
+        </p:style>
+        <p:txBody>
+          <a:bodyPr rtlCol="0" anchor="ctr"/>
+          <a:lstStyle/>
+          <a:p>
+            <a:pPr algn="ctr"/>
+            <a:endParaRPr lang="de-DE" dirty="0"/>
+          </a:p>
+        </p:txBody>
+      </p:sp>
+      <p:sp>
+        <p:nvSpPr>
+          <p:cNvPr id="4" name="Oval 3">
+            <a:extLst>
+              <a:ext uri="{FF2B5EF4-FFF2-40B4-BE49-F238E27FC236}">
+                <a16:creationId xmlns:a16="http://schemas.microsoft.com/office/drawing/2014/main" id="{C182FE59-8377-71F2-A41B-F41B2A2941ED}"/>
+              </a:ext>
+            </a:extLst>
+          </p:cNvPr>
+          <p:cNvSpPr/>
+          <p:nvPr/>
+        </p:nvSpPr>
+        <p:spPr>
+          <a:xfrm rot="4139722">
+            <a:off x="7431882" y="888251"/>
+            <a:ext cx="1122745" cy="4246046"/>
+          </a:xfrm>
+          <a:prstGeom prst="ellipse">
+            <a:avLst/>
+          </a:prstGeom>
+          <a:ln w="76200">
+            <a:solidFill>
+              <a:schemeClr val="accent5">
+                <a:lumMod val="60000"/>
+                <a:lumOff val="40000"/>
+              </a:schemeClr>
+            </a:solidFill>
+          </a:ln>
+        </p:spPr>
+        <p:style>
+          <a:lnRef idx="2">
+            <a:schemeClr val="dk1">
+              <a:shade val="15000"/>
+            </a:schemeClr>
+          </a:lnRef>
+          <a:fillRef idx="1">
+            <a:schemeClr val="dk1"/>
+          </a:fillRef>
+          <a:effectRef idx="0">
+            <a:schemeClr val="dk1"/>
+          </a:effectRef>
+          <a:fontRef idx="minor">
+            <a:schemeClr val="lt1"/>
+          </a:fontRef>
+        </p:style>
+        <p:txBody>
+          <a:bodyPr rtlCol="0" anchor="ctr"/>
+          <a:lstStyle/>
+          <a:p>
+            <a:pPr algn="ctr"/>
+            <a:endParaRPr lang="de-DE"/>
+          </a:p>
+        </p:txBody>
+      </p:sp>
+      <p:sp>
+        <p:nvSpPr>
+          <p:cNvPr id="2" name="Textfeld 1">
+            <a:extLst>
+              <a:ext uri="{FF2B5EF4-FFF2-40B4-BE49-F238E27FC236}">
+                <a16:creationId xmlns:a16="http://schemas.microsoft.com/office/drawing/2014/main" id="{BD3951FF-CA84-B74F-9AF6-827055E7B17F}"/>
+              </a:ext>
+            </a:extLst>
+          </p:cNvPr>
+          <p:cNvSpPr txBox="1"/>
+          <p:nvPr/>
+        </p:nvSpPr>
+        <p:spPr>
+          <a:xfrm>
+            <a:off x="3796497" y="664391"/>
+            <a:ext cx="5185458" cy="2123658"/>
+          </a:xfrm>
+          <a:prstGeom prst="rect">
+            <a:avLst/>
+          </a:prstGeom>
+          <a:noFill/>
+        </p:spPr>
+        <p:txBody>
+          <a:bodyPr wrap="square" rtlCol="0">
+            <a:spAutoFit/>
+          </a:bodyPr>
+          <a:lstStyle/>
+          <a:p>
+            <a:pPr algn="ctr"/>
+            <a:r>
+              <a:rPr lang="de-DE" sz="4400" b="1" dirty="0">
+                <a:solidFill>
+                  <a:schemeClr val="bg1"/>
+                </a:solidFill>
+              </a:rPr>
+              <a:t>Mach mal was, was du so richtig nicht kannst!</a:t>
+            </a:r>
+            <a:endParaRPr lang="de-DE" sz="2000" i="1" dirty="0">
+              <a:solidFill>
+                <a:schemeClr val="bg1"/>
+              </a:solidFill>
+            </a:endParaRPr>
+          </a:p>
+        </p:txBody>
+      </p:sp>
+      <p:sp>
+        <p:nvSpPr>
+          <p:cNvPr id="7" name="Eckige Klammer links 6">
+            <a:extLst>
+              <a:ext uri="{FF2B5EF4-FFF2-40B4-BE49-F238E27FC236}">
+                <a16:creationId xmlns:a16="http://schemas.microsoft.com/office/drawing/2014/main" id="{97559647-E01B-0321-12CF-48E4C4A89A6C}"/>
+              </a:ext>
+            </a:extLst>
+          </p:cNvPr>
+          <p:cNvSpPr/>
+          <p:nvPr/>
+        </p:nvSpPr>
+        <p:spPr>
+          <a:xfrm rot="16200000">
+            <a:off x="5907338" y="-2391712"/>
+            <a:ext cx="181519" cy="5088042"/>
+          </a:xfrm>
+          <a:prstGeom prst="leftBracket">
+            <a:avLst/>
+          </a:prstGeom>
+          <a:ln w="57150">
+            <a:solidFill>
+              <a:schemeClr val="accent6">
+                <a:lumMod val="40000"/>
+                <a:lumOff val="60000"/>
+              </a:schemeClr>
+            </a:solidFill>
+          </a:ln>
+        </p:spPr>
+        <p:style>
+          <a:lnRef idx="2">
+            <a:schemeClr val="accent1"/>
+          </a:lnRef>
+          <a:fillRef idx="0">
+            <a:schemeClr val="accent1"/>
+          </a:fillRef>
+          <a:effectRef idx="1">
+            <a:schemeClr val="accent1"/>
+          </a:effectRef>
+          <a:fontRef idx="minor">
+            <a:schemeClr val="tx1"/>
+          </a:fontRef>
+        </p:style>
+        <p:txBody>
+          <a:bodyPr rtlCol="0" anchor="ctr"/>
+          <a:lstStyle/>
+          <a:p>
+            <a:pPr algn="ctr"/>
+            <a:endParaRPr lang="de-DE"/>
+          </a:p>
+        </p:txBody>
+      </p:sp>
+    </p:spTree>
+    <p:extLst>
+      <p:ext uri="{BB962C8B-B14F-4D97-AF65-F5344CB8AC3E}">
+        <p14:creationId xmlns:p14="http://schemas.microsoft.com/office/powerpoint/2010/main" val="2933580976"/>
+      </p:ext>
+    </p:extLst>
+  </p:cSld>
+  <p:clrMapOvr>
+    <a:masterClrMapping/>
+  </p:clrMapOvr>
+</p:sld>
+</file>
+
+<file path=ppt/slides/slide9.xml><?xml version="1.0" encoding="utf-8"?>
+<p:sld xmlns:a="http://schemas.openxmlformats.org/drawingml/2006/main" xmlns:r="http://schemas.openxmlformats.org/officeDocument/2006/relationships" xmlns:p="http://schemas.openxmlformats.org/presentationml/2006/main">
+  <p:cSld>
+    <p:bg>
+      <p:bgPr>
+        <a:solidFill>
+          <a:schemeClr val="tx1"/>
+        </a:solidFill>
+        <a:effectLst/>
+      </p:bgPr>
+    </p:bg>
+    <p:spTree>
+      <p:nvGrpSpPr>
+        <p:cNvPr id="1" name="">
+          <a:extLst>
+            <a:ext uri="{FF2B5EF4-FFF2-40B4-BE49-F238E27FC236}">
+              <a16:creationId xmlns:a16="http://schemas.microsoft.com/office/drawing/2014/main" id="{2A42863E-A0A3-B946-7352-6EB702F73DDF}"/>
+            </a:ext>
+          </a:extLst>
+        </p:cNvPr>
+        <p:cNvGrpSpPr/>
+        <p:nvPr/>
+      </p:nvGrpSpPr>
+      <p:grpSpPr>
+        <a:xfrm>
+          <a:off x="0" y="0"/>
+          <a:ext cx="0" cy="0"/>
+          <a:chOff x="0" y="0"/>
+          <a:chExt cx="0" cy="0"/>
+        </a:xfrm>
+      </p:grpSpPr>
+      <p:sp>
+        <p:nvSpPr>
+          <p:cNvPr id="5" name="Parallelogramm 4">
+            <a:extLst>
+              <a:ext uri="{FF2B5EF4-FFF2-40B4-BE49-F238E27FC236}">
+                <a16:creationId xmlns:a16="http://schemas.microsoft.com/office/drawing/2014/main" id="{1045D9FD-5B05-9063-B94B-C198E966EEC3}"/>
+              </a:ext>
+            </a:extLst>
+          </p:cNvPr>
+          <p:cNvSpPr/>
+          <p:nvPr/>
+        </p:nvSpPr>
+        <p:spPr>
+          <a:xfrm flipV="1">
+            <a:off x="2304663" y="-4"/>
+            <a:ext cx="8640146" cy="4068147"/>
+          </a:xfrm>
+          <a:prstGeom prst="parallelogram">
+            <a:avLst>
+              <a:gd name="adj" fmla="val 48341"/>
+            </a:avLst>
+          </a:prstGeom>
+          <a:solidFill>
+            <a:schemeClr val="tx1"/>
+          </a:solidFill>
+          <a:ln w="38100">
+            <a:solidFill>
+              <a:srgbClr val="FFFF00"/>
+            </a:solidFill>
+          </a:ln>
+        </p:spPr>
+        <p:style>
+          <a:lnRef idx="2">
+            <a:schemeClr val="accent6"/>
+          </a:lnRef>
+          <a:fillRef idx="1">
+            <a:schemeClr val="lt1"/>
+          </a:fillRef>
+          <a:effectRef idx="0">
+            <a:schemeClr val="accent6"/>
+          </a:effectRef>
+          <a:fontRef idx="minor">
+            <a:schemeClr val="dk1"/>
+          </a:fontRef>
+        </p:style>
+        <p:txBody>
+          <a:bodyPr rtlCol="0" anchor="ctr"/>
+          <a:lstStyle/>
+          <a:p>
+            <a:pPr algn="ctr"/>
+            <a:endParaRPr lang="de-DE"/>
+          </a:p>
+        </p:txBody>
+      </p:sp>
+      <p:sp>
+        <p:nvSpPr>
+          <p:cNvPr id="2" name="Textfeld 1">
+            <a:extLst>
+              <a:ext uri="{FF2B5EF4-FFF2-40B4-BE49-F238E27FC236}">
+                <a16:creationId xmlns:a16="http://schemas.microsoft.com/office/drawing/2014/main" id="{5F901BA3-9E46-62C8-20C9-010D39E53577}"/>
+              </a:ext>
+            </a:extLst>
+          </p:cNvPr>
+          <p:cNvSpPr txBox="1"/>
+          <p:nvPr/>
+        </p:nvSpPr>
+        <p:spPr>
+          <a:xfrm>
+            <a:off x="3407267" y="771524"/>
+            <a:ext cx="5185458" cy="2123658"/>
+          </a:xfrm>
+          <a:prstGeom prst="rect">
+            <a:avLst/>
+          </a:prstGeom>
+          <a:noFill/>
+        </p:spPr>
+        <p:txBody>
+          <a:bodyPr wrap="square" rtlCol="0">
+            <a:spAutoFit/>
+          </a:bodyPr>
+          <a:lstStyle/>
+          <a:p>
+            <a:pPr algn="ctr"/>
+            <a:r>
+              <a:rPr lang="de-DE" sz="4400" b="1" dirty="0">
+                <a:solidFill>
+                  <a:schemeClr val="bg1"/>
+                </a:solidFill>
+              </a:rPr>
+              <a:t>Anfänger wollen konkrete Beispiele…</a:t>
+            </a:r>
+            <a:endParaRPr lang="de-DE" sz="2000" i="1" dirty="0">
+              <a:solidFill>
+                <a:schemeClr val="bg1"/>
+              </a:solidFill>
+            </a:endParaRPr>
+          </a:p>
+        </p:txBody>
+      </p:sp>
+      <p:pic>
+        <p:nvPicPr>
+          <p:cNvPr id="3" name="Grafik 2">
+            <a:extLst>
+              <a:ext uri="{FF2B5EF4-FFF2-40B4-BE49-F238E27FC236}">
+                <a16:creationId xmlns:a16="http://schemas.microsoft.com/office/drawing/2014/main" id="{5E4FFD46-1B91-4939-C0BE-CB2A4BDA8819}"/>
+              </a:ext>
+            </a:extLst>
+          </p:cNvPr>
+          <p:cNvPicPr>
+            <a:picLocks noChangeAspect="1"/>
+          </p:cNvPicPr>
+          <p:nvPr/>
+        </p:nvPicPr>
+        <p:blipFill>
+          <a:blip r:embed="rId2"/>
+          <a:stretch>
+            <a:fillRect/>
+          </a:stretch>
+        </p:blipFill>
+        <p:spPr>
+          <a:xfrm>
+            <a:off x="7639285" y="963588"/>
+            <a:ext cx="2338099" cy="3204808"/>
+          </a:xfrm>
+          <a:prstGeom prst="rect">
+            <a:avLst/>
+          </a:prstGeom>
+        </p:spPr>
+      </p:pic>
+    </p:spTree>
+    <p:extLst>
+      <p:ext uri="{BB962C8B-B14F-4D97-AF65-F5344CB8AC3E}">
+        <p14:creationId xmlns:p14="http://schemas.microsoft.com/office/powerpoint/2010/main" val="3595875411"/>
       </p:ext>
     </p:extLst>
   </p:cSld>
